--- a/Vortraege/TestVectorGenerator.pptx
+++ b/Vortraege/TestVectorGenerator.pptx
@@ -22,22 +22,22 @@
   <p:notesSz cx="6819900" cy="9931400"/>
   <p:embeddedFontLst>
     <p:embeddedFont>
+      <p:font typeface="Eurostile" panose="020B0504020202050204" pitchFamily="34" charset="0"/>
+      <p:regular r:id="rId10"/>
+    </p:embeddedFont>
+    <p:embeddedFont>
       <p:font typeface="Calibri" panose="020F0502020204030204" pitchFamily="34" charset="0"/>
-      <p:regular r:id="rId10"/>
-      <p:bold r:id="rId11"/>
-      <p:italic r:id="rId12"/>
-      <p:boldItalic r:id="rId13"/>
+      <p:regular r:id="rId11"/>
+      <p:bold r:id="rId12"/>
+      <p:italic r:id="rId13"/>
+      <p:boldItalic r:id="rId14"/>
     </p:embeddedFont>
     <p:embeddedFont>
       <p:font typeface="Wingdings 3" panose="05040102010807070707" pitchFamily="18" charset="2"/>
-      <p:regular r:id="rId14"/>
+      <p:regular r:id="rId15"/>
     </p:embeddedFont>
     <p:embeddedFont>
       <p:font typeface="Droid Sans Mono" panose="020B0609030804020204" pitchFamily="49" charset="0"/>
-      <p:regular r:id="rId15"/>
-    </p:embeddedFont>
-    <p:embeddedFont>
-      <p:font typeface="Eurostile" panose="020B0504020202050204" pitchFamily="34" charset="0"/>
       <p:regular r:id="rId16"/>
     </p:embeddedFont>
   </p:embeddedFontLst>
@@ -168,7 +168,7 @@
   </p:defaultTextStyle>
   <p:extLst>
     <p:ext uri="{EFAFB233-063F-42B5-8137-9DF3F51BA10A}">
-      <p15:sldGuideLst xmlns:p15="http://schemas.microsoft.com/office/powerpoint/2012/main">
+      <p15:sldGuideLst xmlns:p15="http://schemas.microsoft.com/office/powerpoint/2012/main" xmlns="">
         <p15:guide id="1" orient="horz" pos="3213">
           <p15:clr>
             <a:srgbClr val="A4A3A4"/>
@@ -202,7 +202,7 @@
       </p15:sldGuideLst>
     </p:ext>
     <p:ext uri="{2D200454-40CA-4A62-9FC3-DE9A4176ACB9}">
-      <p15:notesGuideLst xmlns:p15="http://schemas.microsoft.com/office/powerpoint/2012/main">
+      <p15:notesGuideLst xmlns:p15="http://schemas.microsoft.com/office/powerpoint/2012/main" xmlns="">
         <p15:guide id="1" orient="horz" pos="3128">
           <p15:clr>
             <a:srgbClr val="A4A3A4"/>
@@ -367,7 +367,7 @@
               <a:pPr>
                 <a:defRPr/>
               </a:pPr>
-              <a:t>6/29/2020</a:t>
+              <a:t>6/30/2020</a:t>
             </a:fld>
             <a:endParaRPr lang="en-US" altLang="de-DE"/>
           </a:p>
@@ -1131,7 +1131,7 @@
               <a:pPr>
                 <a:defRPr/>
               </a:pPr>
-              <a:t>29.06.2020</a:t>
+              <a:t>30.06.2020</a:t>
             </a:fld>
             <a:endParaRPr lang="de-DE"/>
           </a:p>
@@ -2981,7 +2981,7 @@
             <a:pPr algn="ctr" eaLnBrk="1" hangingPunct="1"/>
             <a:r>
               <a:rPr lang="de-DE" altLang="en-US" smtClean="0"/>
-              <a:t>Test Vector Generation</a:t>
+              <a:t>Automatic Code Coverage</a:t>
             </a:r>
             <a:endParaRPr lang="en-US" altLang="en-US" sz="3200" dirty="0"/>
           </a:p>
@@ -3134,7 +3134,6 @@
               <a:rPr lang="en-GB" smtClean="0"/>
               <a:t>SAT Solving Modulo Theories: Z3</a:t>
             </a:r>
-            <a:endParaRPr lang="en-GB" smtClean="0"/>
           </a:p>
           <a:p>
             <a:r>
@@ -3145,7 +3144,6 @@
               <a:rPr lang="en-GB" smtClean="0"/>
               <a:t>Verification</a:t>
             </a:r>
-            <a:endParaRPr lang="en-GB" smtClean="0"/>
           </a:p>
           <a:p>
             <a:r>
@@ -3154,11 +3152,7 @@
             </a:r>
             <a:r>
               <a:rPr lang="en-GB"/>
-              <a:t>State </a:t>
-            </a:r>
-            <a:r>
-              <a:rPr lang="en-GB"/>
-              <a:t>Space </a:t>
+              <a:t>State Space </a:t>
             </a:r>
             <a:r>
               <a:rPr lang="en-GB" smtClean="0"/>
@@ -3272,14 +3266,12 @@
               <a:rPr lang="en-GB" smtClean="0"/>
               <a:t>Loop Prediction (easy with “for” in MISRA)</a:t>
             </a:r>
-            <a:endParaRPr lang="en-GB" smtClean="0"/>
           </a:p>
           <a:p>
             <a:r>
               <a:rPr lang="en-GB" smtClean="0"/>
               <a:t>Automatic Verification Test Harness</a:t>
             </a:r>
-            <a:endParaRPr lang="en-GB" smtClean="0"/>
           </a:p>
           <a:p>
             <a:r>
@@ -3292,7 +3284,6 @@
               <a:rPr lang="en-GB" smtClean="0"/>
               <a:t>Enums, Structs, Floats, …</a:t>
             </a:r>
-            <a:endParaRPr lang="en-GB" smtClean="0"/>
           </a:p>
           <a:p>
             <a:r>
@@ -3305,7 +3296,6 @@
               <a:rPr lang="en-GB" smtClean="0"/>
               <a:t>Reports vectors to cover coverable code and reports dead code</a:t>
             </a:r>
-            <a:endParaRPr lang="en-GB" smtClean="0"/>
           </a:p>
           <a:p>
             <a:pPr marL="0" indent="0">

--- a/Vortraege/TestVectorGenerator.pptx
+++ b/Vortraege/TestVectorGenerator.pptx
@@ -14,8 +14,8 @@
     <p:sldId id="303" r:id="rId2"/>
     <p:sldId id="364" r:id="rId3"/>
     <p:sldId id="305" r:id="rId4"/>
-    <p:sldId id="306" r:id="rId5"/>
-    <p:sldId id="359" r:id="rId6"/>
+    <p:sldId id="365" r:id="rId5"/>
+    <p:sldId id="366" r:id="rId6"/>
     <p:sldId id="332" r:id="rId7"/>
   </p:sldIdLst>
   <p:sldSz cx="13004800" cy="9753600"/>
@@ -1323,7 +1323,7 @@
     </p:spTree>
     <p:extLst>
       <p:ext uri="{BB962C8B-B14F-4D97-AF65-F5344CB8AC3E}">
-        <p14:creationId xmlns:p14="http://schemas.microsoft.com/office/powerpoint/2010/main" val="2434210461"/>
+        <p14:creationId xmlns:p14="http://schemas.microsoft.com/office/powerpoint/2010/main" val="3225977156"/>
       </p:ext>
     </p:extLst>
   </p:cSld>
@@ -1384,7 +1384,7 @@
     </p:spTree>
     <p:extLst>
       <p:ext uri="{BB962C8B-B14F-4D97-AF65-F5344CB8AC3E}">
-        <p14:creationId xmlns:p14="http://schemas.microsoft.com/office/powerpoint/2010/main" val="2434210461"/>
+        <p14:creationId xmlns:p14="http://schemas.microsoft.com/office/powerpoint/2010/main" val="2586827758"/>
       </p:ext>
     </p:extLst>
   </p:cSld>
@@ -3126,7 +3126,7 @@
           <a:p>
             <a:r>
               <a:rPr lang="en-GB" smtClean="0"/>
-              <a:t>Small Example Solutions</a:t>
+              <a:t>Small Examples</a:t>
             </a:r>
           </a:p>
           <a:p>
@@ -3168,20 +3168,27 @@
           <a:p>
             <a:r>
               <a:rPr lang="en-GB" smtClean="0"/>
-              <a:t>Jorge’s Challenge and Alex’ Contribution</a:t>
+              <a:t>FalconLib: Solution to Jorge’s and Alex’s Challenge</a:t>
             </a:r>
           </a:p>
           <a:p>
             <a:r>
               <a:rPr lang="en-GB" smtClean="0"/>
-              <a:t>Some Haskell Amenities</a:t>
+              <a:t>Call for Challenges</a:t>
+            </a:r>
+            <a:endParaRPr lang="en-GB" smtClean="0"/>
+          </a:p>
+          <a:p>
+            <a:r>
+              <a:rPr lang="en-GB" smtClean="0"/>
+              <a:t>Haskell’s Amenities</a:t>
             </a:r>
             <a:br>
               <a:rPr lang="en-GB" smtClean="0"/>
             </a:br>
             <a:r>
               <a:rPr lang="en-GB" smtClean="0"/>
-              <a:t>(Quasi-Quoting, UniCode Syntax, Generics, …)</a:t>
+              <a:t>(Quasi-Quoting, UniCode Syntax, Generics, Laziness-&gt;ProducerConsumer…)</a:t>
             </a:r>
           </a:p>
           <a:p>
@@ -3279,13 +3286,13 @@
               <a:rPr lang="en-GB" smtClean="0"/>
               <a:t>Automatic Verification Test Harness</a:t>
             </a:r>
+          </a:p>
+          <a:p>
+            <a:r>
+              <a:rPr lang="en-GB" smtClean="0"/>
+              <a:t>Producer/Comsumer Model (Memory!)</a:t>
+            </a:r>
             <a:endParaRPr lang="en-GB" smtClean="0"/>
-          </a:p>
-          <a:p>
-            <a:r>
-              <a:rPr lang="en-GB" smtClean="0"/>
-              <a:t>Condition Branch Skipping</a:t>
-            </a:r>
           </a:p>
           <a:p>
             <a:r>
@@ -3303,7 +3310,27 @@
           <a:p>
             <a:r>
               <a:rPr lang="en-GB" smtClean="0"/>
-              <a:t>Reports vectors to cover coverable code and reports dead code</a:t>
+              <a:t>Reports vectors to cover coverable code and reports (presumably?) dead code</a:t>
+            </a:r>
+          </a:p>
+          <a:p>
+            <a:r>
+              <a:rPr lang="en-GB" smtClean="0"/>
+              <a:t>Heuristics:</a:t>
+            </a:r>
+          </a:p>
+          <a:p>
+            <a:pPr lvl="1"/>
+            <a:r>
+              <a:rPr lang="en-GB" smtClean="0"/>
+              <a:t>Restriction to a subspace</a:t>
+            </a:r>
+          </a:p>
+          <a:p>
+            <a:pPr lvl="1"/>
+            <a:r>
+              <a:rPr lang="en-GB" smtClean="0"/>
+              <a:t>Random Condition Branch Skipping</a:t>
             </a:r>
             <a:endParaRPr lang="en-GB" smtClean="0"/>
           </a:p>
@@ -3371,7 +3398,7 @@
           <a:p>
             <a:r>
               <a:rPr lang="en-GB" smtClean="0"/>
-              <a:t>What is “Functional Paradigm”?</a:t>
+              <a:t>Motivation</a:t>
             </a:r>
             <a:endParaRPr lang="en-GB" dirty="0"/>
           </a:p>
@@ -3379,86 +3406,85 @@
       </p:sp>
       <p:sp>
         <p:nvSpPr>
-          <p:cNvPr id="4" name="AutoShape 2" descr="CharakteristikenFunktionaleProgrammierungFirstClassFunctionsEng"/>
+          <p:cNvPr id="3" name="Inhaltsplatzhalter 2"/>
           <p:cNvSpPr>
-            <a:spLocks noChangeAspect="1" noChangeArrowheads="1"/>
+            <a:spLocks noGrp="1"/>
           </p:cNvSpPr>
+          <p:nvPr>
+            <p:ph idx="1"/>
+          </p:nvPr>
+        </p:nvSpPr>
+        <p:spPr>
+          <a:ln>
+            <a:noFill/>
+          </a:ln>
+        </p:spPr>
+        <p:txBody>
+          <a:bodyPr/>
+          <a:lstStyle/>
+          <a:p>
+            <a:r>
+              <a:rPr lang="en-GB" smtClean="0"/>
+              <a:t>ISO 26262/*: Code Coverage for libraries/SWCs at ASIL D!</a:t>
+            </a:r>
+          </a:p>
+          <a:p>
+            <a:r>
+              <a:rPr lang="en-GB" smtClean="0"/>
+              <a:t>=&gt; Test Suite does test all parts of the code</a:t>
+            </a:r>
+            <a:endParaRPr lang="en-GB" smtClean="0"/>
+          </a:p>
+          <a:p>
+            <a:pPr marL="0" indent="0">
+              <a:buNone/>
+            </a:pPr>
+            <a:endParaRPr lang="en-GB" smtClean="0"/>
+          </a:p>
+          <a:p>
+            <a:pPr marL="0" indent="0">
+              <a:buNone/>
+            </a:pPr>
+            <a:endParaRPr lang="en-GB" sz="2400" b="0">
+              <a:latin typeface="Eurostile" panose="020B0504020202050204" pitchFamily="34" charset="0"/>
+            </a:endParaRPr>
+          </a:p>
+        </p:txBody>
+      </p:sp>
+      <p:pic>
+        <p:nvPicPr>
+          <p:cNvPr id="4" name="Grafik 3"/>
+          <p:cNvPicPr>
+            <a:picLocks noChangeAspect="1"/>
+          </p:cNvPicPr>
           <p:nvPr/>
-        </p:nvSpPr>
-        <p:spPr bwMode="auto">
+        </p:nvPicPr>
+        <p:blipFill>
+          <a:blip r:embed="rId3">
+            <a:extLst>
+              <a:ext uri="{28A0092B-C50C-407E-A947-70E740481C1C}">
+                <a14:useLocalDpi xmlns:a14="http://schemas.microsoft.com/office/drawing/2010/main" val="0"/>
+              </a:ext>
+            </a:extLst>
+          </a:blip>
+          <a:stretch>
+            <a:fillRect/>
+          </a:stretch>
+        </p:blipFill>
+        <p:spPr>
           <a:xfrm>
-            <a:off x="155575" y="-144463"/>
-            <a:ext cx="304800" cy="304801"/>
+            <a:off x="778077" y="3931902"/>
+            <a:ext cx="11448646" cy="4742481"/>
           </a:xfrm>
           <a:prstGeom prst="rect">
             <a:avLst/>
           </a:prstGeom>
-          <a:noFill/>
-          <a:extLst>
-            <a:ext uri="{909E8E84-426E-40DD-AFC4-6F175D3DCCD1}">
-              <a14:hiddenFill xmlns:a14="http://schemas.microsoft.com/office/drawing/2010/main">
-                <a:solidFill>
-                  <a:srgbClr val="FFFFFF"/>
-                </a:solidFill>
-              </a14:hiddenFill>
-            </a:ext>
-          </a:extLst>
         </p:spPr>
-        <p:txBody>
-          <a:bodyPr vert="horz" wrap="square" lIns="91440" tIns="45720" rIns="91440" bIns="45720" numCol="1" anchor="t" anchorCtr="0" compatLnSpc="1">
-            <a:prstTxWarp prst="textNoShape">
-              <a:avLst/>
-            </a:prstTxWarp>
-          </a:bodyPr>
-          <a:lstStyle/>
-          <a:p>
-            <a:endParaRPr lang="de-DE"/>
-          </a:p>
-        </p:txBody>
-      </p:sp>
-      <p:sp>
-        <p:nvSpPr>
-          <p:cNvPr id="5" name="AutoShape 5" descr="Rainer Grimm"/>
-          <p:cNvSpPr>
-            <a:spLocks noChangeAspect="1" noChangeArrowheads="1"/>
-          </p:cNvSpPr>
-          <p:nvPr/>
-        </p:nvSpPr>
-        <p:spPr bwMode="auto">
-          <a:xfrm>
-            <a:off x="63500" y="-136525"/>
-            <a:ext cx="304800" cy="304800"/>
-          </a:xfrm>
-          <a:prstGeom prst="rect">
-            <a:avLst/>
-          </a:prstGeom>
-          <a:noFill/>
-          <a:extLst>
-            <a:ext uri="{909E8E84-426E-40DD-AFC4-6F175D3DCCD1}">
-              <a14:hiddenFill xmlns:a14="http://schemas.microsoft.com/office/drawing/2010/main">
-                <a:solidFill>
-                  <a:srgbClr val="FFFFFF"/>
-                </a:solidFill>
-              </a14:hiddenFill>
-            </a:ext>
-          </a:extLst>
-        </p:spPr>
-        <p:txBody>
-          <a:bodyPr vert="horz" wrap="square" lIns="91440" tIns="45720" rIns="91440" bIns="45720" numCol="1" anchor="t" anchorCtr="0" compatLnSpc="1">
-            <a:prstTxWarp prst="textNoShape">
-              <a:avLst/>
-            </a:prstTxWarp>
-          </a:bodyPr>
-          <a:lstStyle/>
-          <a:p>
-            <a:endParaRPr lang="de-DE"/>
-          </a:p>
-        </p:txBody>
-      </p:sp>
+      </p:pic>
     </p:spTree>
     <p:extLst>
       <p:ext uri="{BB962C8B-B14F-4D97-AF65-F5344CB8AC3E}">
-        <p14:creationId xmlns:p14="http://schemas.microsoft.com/office/powerpoint/2010/main" val="1101318465"/>
+        <p14:creationId xmlns:p14="http://schemas.microsoft.com/office/powerpoint/2010/main" val="871976728"/>
       </p:ext>
     </p:extLst>
   </p:cSld>
@@ -3494,6 +3520,55 @@
       </p:grpSpPr>
       <p:sp>
         <p:nvSpPr>
+          <p:cNvPr id="5" name="Rechteck 4"/>
+          <p:cNvSpPr/>
+          <p:nvPr/>
+        </p:nvSpPr>
+        <p:spPr>
+          <a:xfrm>
+            <a:off x="442800" y="6493790"/>
+            <a:ext cx="3850231" cy="1735810"/>
+          </a:xfrm>
+          <a:prstGeom prst="rect">
+            <a:avLst/>
+          </a:prstGeom>
+          <a:solidFill>
+            <a:schemeClr val="accent2">
+              <a:lumMod val="20000"/>
+              <a:lumOff val="80000"/>
+            </a:schemeClr>
+          </a:solidFill>
+          <a:ln>
+            <a:noFill/>
+          </a:ln>
+        </p:spPr>
+        <p:style>
+          <a:lnRef idx="2">
+            <a:schemeClr val="accent1">
+              <a:shade val="50000"/>
+            </a:schemeClr>
+          </a:lnRef>
+          <a:fillRef idx="1">
+            <a:schemeClr val="accent1"/>
+          </a:fillRef>
+          <a:effectRef idx="0">
+            <a:schemeClr val="accent1"/>
+          </a:effectRef>
+          <a:fontRef idx="minor">
+            <a:schemeClr val="lt1"/>
+          </a:fontRef>
+        </p:style>
+        <p:txBody>
+          <a:bodyPr rtlCol="0" anchor="ctr"/>
+          <a:lstStyle/>
+          <a:p>
+            <a:pPr algn="ctr"/>
+            <a:endParaRPr lang="en-US"/>
+          </a:p>
+        </p:txBody>
+      </p:sp>
+      <p:sp>
+        <p:nvSpPr>
           <p:cNvPr id="2" name="Titel 1"/>
           <p:cNvSpPr>
             <a:spLocks noGrp="1"/>
@@ -3509,428 +3584,311 @@
           <a:p>
             <a:r>
               <a:rPr lang="en-GB" smtClean="0"/>
-              <a:t>Exercise: Function Attic</a:t>
+              <a:t>The Problem</a:t>
             </a:r>
             <a:endParaRPr lang="en-GB" dirty="0"/>
           </a:p>
         </p:txBody>
       </p:sp>
-      <p:graphicFrame>
-        <p:nvGraphicFramePr>
-          <p:cNvPr id="5" name="Tabelle 4"/>
-          <p:cNvGraphicFramePr>
-            <a:graphicFrameLocks noGrp="1"/>
-          </p:cNvGraphicFramePr>
+      <p:sp>
+        <p:nvSpPr>
+          <p:cNvPr id="3" name="Inhaltsplatzhalter 2"/>
+          <p:cNvSpPr>
+            <a:spLocks noGrp="1"/>
+          </p:cNvSpPr>
           <p:nvPr>
-            <p:extLst>
-              <p:ext uri="{D42A27DB-BD31-4B8C-83A1-F6EECF244321}">
-                <p14:modId xmlns:p14="http://schemas.microsoft.com/office/powerpoint/2010/main" val="3831992710"/>
-              </p:ext>
-            </p:extLst>
+            <p:ph idx="1"/>
           </p:nvPr>
-        </p:nvGraphicFramePr>
-        <p:xfrm>
-          <a:off x="597459" y="1572776"/>
-          <a:ext cx="11772820" cy="7344147"/>
-        </p:xfrm>
-        <a:graphic>
-          <a:graphicData uri="http://schemas.openxmlformats.org/drawingml/2006/table">
-            <a:tbl>
-              <a:tblPr firstRow="1" bandRow="1">
-                <a:tableStyleId>{5C22544A-7EE6-4342-B048-85BDC9FD1C3A}</a:tableStyleId>
-              </a:tblPr>
-              <a:tblGrid>
-                <a:gridCol w="4223116"/>
-                <a:gridCol w="7549704"/>
-              </a:tblGrid>
-              <a:tr h="717803">
-                <a:tc>
-                  <a:txBody>
-                    <a:bodyPr/>
-                    <a:lstStyle/>
-                    <a:p>
-                      <a:r>
-                        <a:rPr lang="de-DE" smtClean="0"/>
-                        <a:t>Function</a:t>
-                      </a:r>
-                      <a:endParaRPr lang="de-DE"/>
-                    </a:p>
-                  </a:txBody>
-                  <a:tcPr/>
-                </a:tc>
-                <a:tc>
-                  <a:txBody>
-                    <a:bodyPr/>
-                    <a:lstStyle/>
-                    <a:p>
-                      <a:r>
-                        <a:rPr lang="de-DE" smtClean="0"/>
-                        <a:t>Description</a:t>
-                      </a:r>
-                      <a:endParaRPr lang="de-DE"/>
-                    </a:p>
-                  </a:txBody>
-                  <a:tcPr/>
-                </a:tc>
-              </a:tr>
-              <a:tr h="717803">
-                <a:tc>
-                  <a:txBody>
-                    <a:bodyPr/>
-                    <a:lstStyle/>
-                    <a:p>
-                      <a:r>
-                        <a:rPr lang="de-DE" smtClean="0">
-                          <a:latin typeface="Droid Sans Mono" panose="020B0609030804020204" pitchFamily="49" charset="0"/>
-                          <a:ea typeface="Droid Sans Mono" panose="020B0609030804020204" pitchFamily="49" charset="0"/>
-                          <a:cs typeface="Droid Sans Mono" panose="020B0609030804020204" pitchFamily="49" charset="0"/>
-                        </a:rPr>
-                        <a:t>length list</a:t>
-                      </a:r>
-                      <a:endParaRPr lang="de-DE">
-                        <a:latin typeface="Droid Sans Mono" panose="020B0609030804020204" pitchFamily="49" charset="0"/>
-                        <a:ea typeface="Droid Sans Mono" panose="020B0609030804020204" pitchFamily="49" charset="0"/>
-                        <a:cs typeface="Droid Sans Mono" panose="020B0609030804020204" pitchFamily="49" charset="0"/>
-                      </a:endParaRPr>
-                    </a:p>
-                  </a:txBody>
-                  <a:tcPr/>
-                </a:tc>
-                <a:tc>
-                  <a:txBody>
-                    <a:bodyPr/>
-                    <a:lstStyle/>
-                    <a:p>
-                      <a:r>
-                        <a:rPr lang="de-DE" smtClean="0"/>
-                        <a:t>Length of the list</a:t>
-                      </a:r>
-                      <a:endParaRPr lang="de-DE"/>
-                    </a:p>
-                  </a:txBody>
-                  <a:tcPr/>
-                </a:tc>
-              </a:tr>
-              <a:tr h="717803">
-                <a:tc>
-                  <a:txBody>
-                    <a:bodyPr/>
-                    <a:lstStyle/>
-                    <a:p>
-                      <a:r>
-                        <a:rPr lang="de-DE" smtClean="0">
-                          <a:latin typeface="Droid Sans Mono" panose="020B0609030804020204" pitchFamily="49" charset="0"/>
-                          <a:ea typeface="Droid Sans Mono" panose="020B0609030804020204" pitchFamily="49" charset="0"/>
-                          <a:cs typeface="Droid Sans Mono" panose="020B0609030804020204" pitchFamily="49" charset="0"/>
-                        </a:rPr>
-                        <a:t>take n list</a:t>
-                      </a:r>
-                      <a:endParaRPr lang="de-DE">
-                        <a:latin typeface="Droid Sans Mono" panose="020B0609030804020204" pitchFamily="49" charset="0"/>
-                        <a:ea typeface="Droid Sans Mono" panose="020B0609030804020204" pitchFamily="49" charset="0"/>
-                        <a:cs typeface="Droid Sans Mono" panose="020B0609030804020204" pitchFamily="49" charset="0"/>
-                      </a:endParaRPr>
-                    </a:p>
-                  </a:txBody>
-                  <a:tcPr/>
-                </a:tc>
-                <a:tc>
-                  <a:txBody>
-                    <a:bodyPr/>
-                    <a:lstStyle/>
-                    <a:p>
-                      <a:r>
-                        <a:rPr lang="de-DE" smtClean="0"/>
-                        <a:t>Takes the first n elements of</a:t>
-                      </a:r>
-                      <a:r>
-                        <a:rPr lang="de-DE" baseline="0" smtClean="0"/>
-                        <a:t> list</a:t>
-                      </a:r>
-                      <a:endParaRPr lang="de-DE"/>
-                    </a:p>
-                  </a:txBody>
-                  <a:tcPr/>
-                </a:tc>
-              </a:tr>
-              <a:tr h="717803">
-                <a:tc>
-                  <a:txBody>
-                    <a:bodyPr/>
-                    <a:lstStyle/>
-                    <a:p>
-                      <a:r>
-                        <a:rPr lang="de-DE" smtClean="0">
-                          <a:latin typeface="Droid Sans Mono" panose="020B0609030804020204" pitchFamily="49" charset="0"/>
-                          <a:ea typeface="Droid Sans Mono" panose="020B0609030804020204" pitchFamily="49" charset="0"/>
-                          <a:cs typeface="Droid Sans Mono" panose="020B0609030804020204" pitchFamily="49" charset="0"/>
-                        </a:rPr>
-                        <a:t>drop n list</a:t>
-                      </a:r>
-                      <a:endParaRPr lang="de-DE">
-                        <a:latin typeface="Droid Sans Mono" panose="020B0609030804020204" pitchFamily="49" charset="0"/>
-                        <a:ea typeface="Droid Sans Mono" panose="020B0609030804020204" pitchFamily="49" charset="0"/>
-                        <a:cs typeface="Droid Sans Mono" panose="020B0609030804020204" pitchFamily="49" charset="0"/>
-                      </a:endParaRPr>
-                    </a:p>
-                  </a:txBody>
-                  <a:tcPr/>
-                </a:tc>
-                <a:tc>
-                  <a:txBody>
-                    <a:bodyPr/>
-                    <a:lstStyle/>
-                    <a:p>
-                      <a:r>
-                        <a:rPr lang="de-DE" smtClean="0"/>
-                        <a:t>Drops the first n elements of list and takes the rest</a:t>
-                      </a:r>
-                      <a:endParaRPr lang="de-DE"/>
-                    </a:p>
-                  </a:txBody>
-                  <a:tcPr/>
-                </a:tc>
-              </a:tr>
-              <a:tr h="717803">
-                <a:tc>
-                  <a:txBody>
-                    <a:bodyPr/>
-                    <a:lstStyle/>
-                    <a:p>
-                      <a:r>
-                        <a:rPr lang="de-DE" smtClean="0">
-                          <a:latin typeface="Droid Sans Mono" panose="020B0609030804020204" pitchFamily="49" charset="0"/>
-                          <a:ea typeface="Droid Sans Mono" panose="020B0609030804020204" pitchFamily="49" charset="0"/>
-                          <a:cs typeface="Droid Sans Mono" panose="020B0609030804020204" pitchFamily="49" charset="0"/>
-                        </a:rPr>
-                        <a:t>div x y </a:t>
-                      </a:r>
-                      <a:endParaRPr lang="de-DE">
-                        <a:latin typeface="Droid Sans Mono" panose="020B0609030804020204" pitchFamily="49" charset="0"/>
-                        <a:ea typeface="Droid Sans Mono" panose="020B0609030804020204" pitchFamily="49" charset="0"/>
-                        <a:cs typeface="Droid Sans Mono" panose="020B0609030804020204" pitchFamily="49" charset="0"/>
-                      </a:endParaRPr>
-                    </a:p>
-                  </a:txBody>
-                  <a:tcPr/>
-                </a:tc>
-                <a:tc>
-                  <a:txBody>
-                    <a:bodyPr/>
-                    <a:lstStyle/>
-                    <a:p>
-                      <a:r>
-                        <a:rPr lang="de-DE" smtClean="0"/>
-                        <a:t>Integer division of x over y</a:t>
-                      </a:r>
-                      <a:endParaRPr lang="de-DE"/>
-                    </a:p>
-                  </a:txBody>
-                  <a:tcPr/>
-                </a:tc>
-              </a:tr>
-              <a:tr h="717803">
-                <a:tc>
-                  <a:txBody>
-                    <a:bodyPr/>
-                    <a:lstStyle/>
-                    <a:p>
-                      <a:r>
-                        <a:rPr lang="de-DE" smtClean="0">
-                          <a:latin typeface="Droid Sans Mono" panose="020B0609030804020204" pitchFamily="49" charset="0"/>
-                          <a:ea typeface="Droid Sans Mono" panose="020B0609030804020204" pitchFamily="49" charset="0"/>
-                          <a:cs typeface="Droid Sans Mono" panose="020B0609030804020204" pitchFamily="49" charset="0"/>
-                        </a:rPr>
-                        <a:t>head list</a:t>
-                      </a:r>
-                      <a:endParaRPr lang="de-DE">
-                        <a:latin typeface="Droid Sans Mono" panose="020B0609030804020204" pitchFamily="49" charset="0"/>
-                        <a:ea typeface="Droid Sans Mono" panose="020B0609030804020204" pitchFamily="49" charset="0"/>
-                        <a:cs typeface="Droid Sans Mono" panose="020B0609030804020204" pitchFamily="49" charset="0"/>
-                      </a:endParaRPr>
-                    </a:p>
-                  </a:txBody>
-                  <a:tcPr/>
-                </a:tc>
-                <a:tc>
-                  <a:txBody>
-                    <a:bodyPr/>
-                    <a:lstStyle/>
-                    <a:p>
-                      <a:r>
-                        <a:rPr lang="de-DE" smtClean="0"/>
-                        <a:t>Gives the first element of list</a:t>
-                      </a:r>
-                      <a:endParaRPr lang="de-DE"/>
-                    </a:p>
-                  </a:txBody>
-                  <a:tcPr/>
-                </a:tc>
-              </a:tr>
-              <a:tr h="717803">
-                <a:tc>
-                  <a:txBody>
-                    <a:bodyPr/>
-                    <a:lstStyle/>
-                    <a:p>
-                      <a:r>
-                        <a:rPr lang="de-DE" smtClean="0">
-                          <a:latin typeface="Droid Sans Mono" panose="020B0609030804020204" pitchFamily="49" charset="0"/>
-                          <a:ea typeface="Droid Sans Mono" panose="020B0609030804020204" pitchFamily="49" charset="0"/>
-                          <a:cs typeface="Droid Sans Mono" panose="020B0609030804020204" pitchFamily="49" charset="0"/>
-                        </a:rPr>
-                        <a:t>tail list</a:t>
-                      </a:r>
-                      <a:endParaRPr lang="de-DE">
-                        <a:latin typeface="Droid Sans Mono" panose="020B0609030804020204" pitchFamily="49" charset="0"/>
-                        <a:ea typeface="Droid Sans Mono" panose="020B0609030804020204" pitchFamily="49" charset="0"/>
-                        <a:cs typeface="Droid Sans Mono" panose="020B0609030804020204" pitchFamily="49" charset="0"/>
-                      </a:endParaRPr>
-                    </a:p>
-                  </a:txBody>
-                  <a:tcPr/>
-                </a:tc>
-                <a:tc>
-                  <a:txBody>
-                    <a:bodyPr/>
-                    <a:lstStyle/>
-                    <a:p>
-                      <a:r>
-                        <a:rPr lang="de-DE" smtClean="0"/>
-                        <a:t>Gives</a:t>
-                      </a:r>
-                      <a:r>
-                        <a:rPr lang="de-DE" baseline="0" smtClean="0"/>
-                        <a:t> the list without the first element</a:t>
-                      </a:r>
-                      <a:endParaRPr lang="de-DE"/>
-                    </a:p>
-                  </a:txBody>
-                  <a:tcPr/>
-                </a:tc>
-              </a:tr>
-              <a:tr h="717803">
-                <a:tc>
-                  <a:txBody>
-                    <a:bodyPr/>
-                    <a:lstStyle/>
-                    <a:p>
-                      <a:r>
-                        <a:rPr lang="de-DE" smtClean="0">
-                          <a:latin typeface="Droid Sans Mono" panose="020B0609030804020204" pitchFamily="49" charset="0"/>
-                          <a:ea typeface="Droid Sans Mono" panose="020B0609030804020204" pitchFamily="49" charset="0"/>
-                          <a:cs typeface="Droid Sans Mono" panose="020B0609030804020204" pitchFamily="49" charset="0"/>
-                        </a:rPr>
-                        <a:t>x</a:t>
-                      </a:r>
-                      <a:r>
-                        <a:rPr lang="de-DE" baseline="0" smtClean="0">
-                          <a:latin typeface="Droid Sans Mono" panose="020B0609030804020204" pitchFamily="49" charset="0"/>
-                          <a:ea typeface="Droid Sans Mono" panose="020B0609030804020204" pitchFamily="49" charset="0"/>
-                          <a:cs typeface="Droid Sans Mono" panose="020B0609030804020204" pitchFamily="49" charset="0"/>
-                        </a:rPr>
-                        <a:t> : xs</a:t>
-                      </a:r>
-                      <a:endParaRPr lang="de-DE">
-                        <a:latin typeface="Droid Sans Mono" panose="020B0609030804020204" pitchFamily="49" charset="0"/>
-                        <a:ea typeface="Droid Sans Mono" panose="020B0609030804020204" pitchFamily="49" charset="0"/>
-                        <a:cs typeface="Droid Sans Mono" panose="020B0609030804020204" pitchFamily="49" charset="0"/>
-                      </a:endParaRPr>
-                    </a:p>
-                  </a:txBody>
-                  <a:tcPr/>
-                </a:tc>
-                <a:tc>
-                  <a:txBody>
-                    <a:bodyPr/>
-                    <a:lstStyle/>
-                    <a:p>
-                      <a:r>
-                        <a:rPr lang="de-DE" smtClean="0"/>
-                        <a:t>Matching</a:t>
-                      </a:r>
-                      <a:r>
-                        <a:rPr lang="de-DE" baseline="0" smtClean="0"/>
-                        <a:t> against a list, x is the first element, and xs is the rest of the list</a:t>
-                      </a:r>
-                      <a:endParaRPr lang="de-DE"/>
-                    </a:p>
-                  </a:txBody>
-                  <a:tcPr/>
-                </a:tc>
-              </a:tr>
-              <a:tr h="717803">
-                <a:tc>
-                  <a:txBody>
-                    <a:bodyPr/>
-                    <a:lstStyle/>
-                    <a:p>
-                      <a:r>
-                        <a:rPr lang="de-DE" smtClean="0">
-                          <a:latin typeface="Droid Sans Mono" panose="020B0609030804020204" pitchFamily="49" charset="0"/>
-                          <a:ea typeface="Droid Sans Mono" panose="020B0609030804020204" pitchFamily="49" charset="0"/>
-                          <a:cs typeface="Droid Sans Mono" panose="020B0609030804020204" pitchFamily="49" charset="0"/>
-                        </a:rPr>
-                        <a:t>++</a:t>
-                      </a:r>
-                      <a:endParaRPr lang="de-DE">
-                        <a:latin typeface="Droid Sans Mono" panose="020B0609030804020204" pitchFamily="49" charset="0"/>
-                        <a:ea typeface="Droid Sans Mono" panose="020B0609030804020204" pitchFamily="49" charset="0"/>
-                        <a:cs typeface="Droid Sans Mono" panose="020B0609030804020204" pitchFamily="49" charset="0"/>
-                      </a:endParaRPr>
-                    </a:p>
-                  </a:txBody>
-                  <a:tcPr/>
-                </a:tc>
-                <a:tc>
-                  <a:txBody>
-                    <a:bodyPr/>
-                    <a:lstStyle/>
-                    <a:p>
-                      <a:r>
-                        <a:rPr lang="de-DE" smtClean="0"/>
-                        <a:t>List concatenation</a:t>
-                      </a:r>
-                      <a:endParaRPr lang="de-DE"/>
-                    </a:p>
-                  </a:txBody>
-                  <a:tcPr/>
-                </a:tc>
-              </a:tr>
-              <a:tr h="717803">
-                <a:tc>
-                  <a:txBody>
-                    <a:bodyPr/>
-                    <a:lstStyle/>
-                    <a:p>
-                      <a:endParaRPr lang="de-DE">
-                        <a:latin typeface="Droid Sans Mono" panose="020B0609030804020204" pitchFamily="49" charset="0"/>
-                        <a:ea typeface="Droid Sans Mono" panose="020B0609030804020204" pitchFamily="49" charset="0"/>
-                        <a:cs typeface="Droid Sans Mono" panose="020B0609030804020204" pitchFamily="49" charset="0"/>
-                      </a:endParaRPr>
-                    </a:p>
-                  </a:txBody>
-                  <a:tcPr/>
-                </a:tc>
-                <a:tc>
-                  <a:txBody>
-                    <a:bodyPr/>
-                    <a:lstStyle/>
-                    <a:p>
-                      <a:endParaRPr lang="de-DE"/>
-                    </a:p>
-                  </a:txBody>
-                  <a:tcPr/>
-                </a:tc>
-              </a:tr>
-            </a:tbl>
-          </a:graphicData>
-        </a:graphic>
-      </p:graphicFrame>
+        </p:nvSpPr>
+        <p:spPr>
+          <a:ln>
+            <a:noFill/>
+          </a:ln>
+        </p:spPr>
+        <p:txBody>
+          <a:bodyPr/>
+          <a:lstStyle/>
+          <a:p>
+            <a:r>
+              <a:rPr lang="en-GB" smtClean="0"/>
+              <a:t>Which inputs lead to 100% code coverage?</a:t>
+            </a:r>
+          </a:p>
+          <a:p>
+            <a:pPr marL="0" indent="0">
+              <a:buNone/>
+            </a:pPr>
+            <a:endParaRPr lang="en-GB" sz="1800" b="0" smtClean="0">
+              <a:latin typeface="Droid Sans Mono" panose="020B0609030804020204" pitchFamily="49" charset="0"/>
+              <a:ea typeface="Droid Sans Mono" panose="020B0609030804020204" pitchFamily="49" charset="0"/>
+              <a:cs typeface="Droid Sans Mono" panose="020B0609030804020204" pitchFamily="49" charset="0"/>
+            </a:endParaRPr>
+          </a:p>
+          <a:p>
+            <a:pPr marL="0" indent="0">
+              <a:buNone/>
+            </a:pPr>
+            <a:endParaRPr lang="en-GB" sz="1800" b="0" smtClean="0">
+              <a:latin typeface="Droid Sans Mono" panose="020B0609030804020204" pitchFamily="49" charset="0"/>
+              <a:ea typeface="Droid Sans Mono" panose="020B0609030804020204" pitchFamily="49" charset="0"/>
+              <a:cs typeface="Droid Sans Mono" panose="020B0609030804020204" pitchFamily="49" charset="0"/>
+            </a:endParaRPr>
+          </a:p>
+          <a:p>
+            <a:pPr marL="0" indent="0">
+              <a:buNone/>
+            </a:pPr>
+            <a:r>
+              <a:rPr lang="en-GB" sz="1800" b="0" smtClean="0">
+                <a:latin typeface="Droid Sans Mono" panose="020B0609030804020204" pitchFamily="49" charset="0"/>
+                <a:ea typeface="Droid Sans Mono" panose="020B0609030804020204" pitchFamily="49" charset="0"/>
+                <a:cs typeface="Droid Sans Mono" panose="020B0609030804020204" pitchFamily="49" charset="0"/>
+              </a:rPr>
+              <a:t>int </a:t>
+            </a:r>
+            <a:r>
+              <a:rPr lang="en-GB" sz="1800" b="0">
+                <a:latin typeface="Droid Sans Mono" panose="020B0609030804020204" pitchFamily="49" charset="0"/>
+                <a:ea typeface="Droid Sans Mono" panose="020B0609030804020204" pitchFamily="49" charset="0"/>
+                <a:cs typeface="Droid Sans Mono" panose="020B0609030804020204" pitchFamily="49" charset="0"/>
+              </a:rPr>
+              <a:t>g(int x,int y)</a:t>
+            </a:r>
+          </a:p>
+          <a:p>
+            <a:pPr marL="0" indent="0">
+              <a:buNone/>
+            </a:pPr>
+            <a:r>
+              <a:rPr lang="en-GB" sz="1800" b="0">
+                <a:latin typeface="Droid Sans Mono" panose="020B0609030804020204" pitchFamily="49" charset="0"/>
+                <a:ea typeface="Droid Sans Mono" panose="020B0609030804020204" pitchFamily="49" charset="0"/>
+                <a:cs typeface="Droid Sans Mono" panose="020B0609030804020204" pitchFamily="49" charset="0"/>
+              </a:rPr>
+              <a:t>{</a:t>
+            </a:r>
+          </a:p>
+          <a:p>
+            <a:pPr marL="0" indent="0">
+              <a:buNone/>
+            </a:pPr>
+            <a:r>
+              <a:rPr lang="en-GB" sz="1800" b="0">
+                <a:latin typeface="Droid Sans Mono" panose="020B0609030804020204" pitchFamily="49" charset="0"/>
+                <a:ea typeface="Droid Sans Mono" panose="020B0609030804020204" pitchFamily="49" charset="0"/>
+                <a:cs typeface="Droid Sans Mono" panose="020B0609030804020204" pitchFamily="49" charset="0"/>
+              </a:rPr>
+              <a:t>    int erg = x;</a:t>
+            </a:r>
+          </a:p>
+          <a:p>
+            <a:pPr marL="0" indent="0">
+              <a:buNone/>
+            </a:pPr>
+            <a:r>
+              <a:rPr lang="en-GB" sz="1800" b="0">
+                <a:latin typeface="Droid Sans Mono" panose="020B0609030804020204" pitchFamily="49" charset="0"/>
+                <a:ea typeface="Droid Sans Mono" panose="020B0609030804020204" pitchFamily="49" charset="0"/>
+                <a:cs typeface="Droid Sans Mono" panose="020B0609030804020204" pitchFamily="49" charset="0"/>
+              </a:rPr>
+              <a:t>    while(y&gt;0)</a:t>
+            </a:r>
+          </a:p>
+          <a:p>
+            <a:pPr marL="0" indent="0">
+              <a:buNone/>
+            </a:pPr>
+            <a:r>
+              <a:rPr lang="en-GB" sz="1800" b="0">
+                <a:latin typeface="Droid Sans Mono" panose="020B0609030804020204" pitchFamily="49" charset="0"/>
+                <a:ea typeface="Droid Sans Mono" panose="020B0609030804020204" pitchFamily="49" charset="0"/>
+                <a:cs typeface="Droid Sans Mono" panose="020B0609030804020204" pitchFamily="49" charset="0"/>
+              </a:rPr>
+              <a:t>    {</a:t>
+            </a:r>
+          </a:p>
+          <a:p>
+            <a:pPr marL="0" indent="0">
+              <a:buNone/>
+            </a:pPr>
+            <a:r>
+              <a:rPr lang="en-GB" sz="1800" b="0">
+                <a:latin typeface="Droid Sans Mono" panose="020B0609030804020204" pitchFamily="49" charset="0"/>
+                <a:ea typeface="Droid Sans Mono" panose="020B0609030804020204" pitchFamily="49" charset="0"/>
+                <a:cs typeface="Droid Sans Mono" panose="020B0609030804020204" pitchFamily="49" charset="0"/>
+              </a:rPr>
+              <a:t>        erg = erg &lt;&lt; 1;</a:t>
+            </a:r>
+          </a:p>
+          <a:p>
+            <a:pPr marL="0" indent="0">
+              <a:buNone/>
+            </a:pPr>
+            <a:r>
+              <a:rPr lang="en-GB" sz="1800" b="0">
+                <a:latin typeface="Droid Sans Mono" panose="020B0609030804020204" pitchFamily="49" charset="0"/>
+                <a:ea typeface="Droid Sans Mono" panose="020B0609030804020204" pitchFamily="49" charset="0"/>
+                <a:cs typeface="Droid Sans Mono" panose="020B0609030804020204" pitchFamily="49" charset="0"/>
+              </a:rPr>
+              <a:t>        y=y-1;</a:t>
+            </a:r>
+          </a:p>
+          <a:p>
+            <a:pPr marL="0" indent="0">
+              <a:buNone/>
+            </a:pPr>
+            <a:r>
+              <a:rPr lang="en-GB" sz="1800" b="0">
+                <a:latin typeface="Droid Sans Mono" panose="020B0609030804020204" pitchFamily="49" charset="0"/>
+                <a:ea typeface="Droid Sans Mono" panose="020B0609030804020204" pitchFamily="49" charset="0"/>
+                <a:cs typeface="Droid Sans Mono" panose="020B0609030804020204" pitchFamily="49" charset="0"/>
+              </a:rPr>
+              <a:t>    }</a:t>
+            </a:r>
+          </a:p>
+          <a:p>
+            <a:pPr marL="0" indent="0">
+              <a:buNone/>
+            </a:pPr>
+            <a:r>
+              <a:rPr lang="en-GB" sz="1800" b="0">
+                <a:latin typeface="Droid Sans Mono" panose="020B0609030804020204" pitchFamily="49" charset="0"/>
+                <a:ea typeface="Droid Sans Mono" panose="020B0609030804020204" pitchFamily="49" charset="0"/>
+                <a:cs typeface="Droid Sans Mono" panose="020B0609030804020204" pitchFamily="49" charset="0"/>
+              </a:rPr>
+              <a:t>    if(erg&lt;=1) { erg=100; }</a:t>
+            </a:r>
+          </a:p>
+          <a:p>
+            <a:pPr marL="0" indent="0">
+              <a:buNone/>
+            </a:pPr>
+            <a:r>
+              <a:rPr lang="en-GB" sz="1800" b="0">
+                <a:latin typeface="Droid Sans Mono" panose="020B0609030804020204" pitchFamily="49" charset="0"/>
+                <a:ea typeface="Droid Sans Mono" panose="020B0609030804020204" pitchFamily="49" charset="0"/>
+                <a:cs typeface="Droid Sans Mono" panose="020B0609030804020204" pitchFamily="49" charset="0"/>
+              </a:rPr>
+              <a:t>    return(erg);</a:t>
+            </a:r>
+          </a:p>
+          <a:p>
+            <a:pPr marL="0" indent="0">
+              <a:buNone/>
+            </a:pPr>
+            <a:r>
+              <a:rPr lang="en-GB" sz="1800" b="0">
+                <a:latin typeface="Droid Sans Mono" panose="020B0609030804020204" pitchFamily="49" charset="0"/>
+                <a:ea typeface="Droid Sans Mono" panose="020B0609030804020204" pitchFamily="49" charset="0"/>
+                <a:cs typeface="Droid Sans Mono" panose="020B0609030804020204" pitchFamily="49" charset="0"/>
+              </a:rPr>
+              <a:t>}</a:t>
+            </a:r>
+          </a:p>
+          <a:p>
+            <a:pPr marL="0" indent="0">
+              <a:buNone/>
+            </a:pPr>
+            <a:endParaRPr lang="en-GB" sz="1800" b="0">
+              <a:latin typeface="Droid Sans Mono" panose="020B0609030804020204" pitchFamily="49" charset="0"/>
+              <a:ea typeface="Droid Sans Mono" panose="020B0609030804020204" pitchFamily="49" charset="0"/>
+              <a:cs typeface="Droid Sans Mono" panose="020B0609030804020204" pitchFamily="49" charset="0"/>
+            </a:endParaRPr>
+          </a:p>
+          <a:p>
+            <a:pPr marL="0" indent="0">
+              <a:buNone/>
+            </a:pPr>
+            <a:r>
+              <a:rPr lang="en-GB" sz="1800" b="0">
+                <a:latin typeface="Droid Sans Mono" panose="020B0609030804020204" pitchFamily="49" charset="0"/>
+                <a:ea typeface="Droid Sans Mono" panose="020B0609030804020204" pitchFamily="49" charset="0"/>
+                <a:cs typeface="Droid Sans Mono" panose="020B0609030804020204" pitchFamily="49" charset="0"/>
+              </a:rPr>
+              <a:t>int f(int y)</a:t>
+            </a:r>
+          </a:p>
+          <a:p>
+            <a:pPr marL="0" indent="0">
+              <a:buNone/>
+            </a:pPr>
+            <a:r>
+              <a:rPr lang="en-GB" sz="1800" b="0">
+                <a:latin typeface="Droid Sans Mono" panose="020B0609030804020204" pitchFamily="49" charset="0"/>
+                <a:ea typeface="Droid Sans Mono" panose="020B0609030804020204" pitchFamily="49" charset="0"/>
+                <a:cs typeface="Droid Sans Mono" panose="020B0609030804020204" pitchFamily="49" charset="0"/>
+              </a:rPr>
+              <a:t>{</a:t>
+            </a:r>
+          </a:p>
+          <a:p>
+            <a:pPr marL="0" indent="0">
+              <a:buNone/>
+            </a:pPr>
+            <a:r>
+              <a:rPr lang="en-GB" sz="1800" b="0">
+                <a:latin typeface="Droid Sans Mono" panose="020B0609030804020204" pitchFamily="49" charset="0"/>
+                <a:ea typeface="Droid Sans Mono" panose="020B0609030804020204" pitchFamily="49" charset="0"/>
+                <a:cs typeface="Droid Sans Mono" panose="020B0609030804020204" pitchFamily="49" charset="0"/>
+              </a:rPr>
+              <a:t>    if(g(2,y)&gt;5) return 1;</a:t>
+            </a:r>
+          </a:p>
+          <a:p>
+            <a:pPr marL="0" indent="0">
+              <a:buNone/>
+            </a:pPr>
+            <a:r>
+              <a:rPr lang="en-GB" sz="1800" b="0">
+                <a:latin typeface="Droid Sans Mono" panose="020B0609030804020204" pitchFamily="49" charset="0"/>
+                <a:ea typeface="Droid Sans Mono" panose="020B0609030804020204" pitchFamily="49" charset="0"/>
+                <a:cs typeface="Droid Sans Mono" panose="020B0609030804020204" pitchFamily="49" charset="0"/>
+              </a:rPr>
+              <a:t>    else return 0;</a:t>
+            </a:r>
+          </a:p>
+          <a:p>
+            <a:pPr marL="0" indent="0">
+              <a:buNone/>
+            </a:pPr>
+            <a:r>
+              <a:rPr lang="en-GB" sz="1800" b="0">
+                <a:latin typeface="Droid Sans Mono" panose="020B0609030804020204" pitchFamily="49" charset="0"/>
+                <a:ea typeface="Droid Sans Mono" panose="020B0609030804020204" pitchFamily="49" charset="0"/>
+                <a:cs typeface="Droid Sans Mono" panose="020B0609030804020204" pitchFamily="49" charset="0"/>
+              </a:rPr>
+              <a:t>}</a:t>
+            </a:r>
+          </a:p>
+          <a:p>
+            <a:pPr marL="0" indent="0">
+              <a:buNone/>
+            </a:pPr>
+            <a:r>
+              <a:rPr lang="en-GB" smtClean="0"/>
+              <a:t> </a:t>
+            </a:r>
+          </a:p>
+          <a:p>
+            <a:pPr marL="0" indent="0">
+              <a:buNone/>
+            </a:pPr>
+            <a:endParaRPr lang="en-GB" smtClean="0"/>
+          </a:p>
+          <a:p>
+            <a:pPr marL="0" indent="0">
+              <a:buNone/>
+            </a:pPr>
+            <a:endParaRPr lang="en-GB" sz="2400" b="0">
+              <a:latin typeface="Eurostile" panose="020B0504020202050204" pitchFamily="34" charset="0"/>
+            </a:endParaRPr>
+          </a:p>
+        </p:txBody>
+      </p:sp>
     </p:spTree>
     <p:extLst>
       <p:ext uri="{BB962C8B-B14F-4D97-AF65-F5344CB8AC3E}">
-        <p14:creationId xmlns:p14="http://schemas.microsoft.com/office/powerpoint/2010/main" val="245907023"/>
+        <p14:creationId xmlns:p14="http://schemas.microsoft.com/office/powerpoint/2010/main" val="2260571509"/>
       </p:ext>
     </p:extLst>
   </p:cSld>
@@ -4084,7 +4042,7 @@
             <a:pPr eaLnBrk="1" hangingPunct="1"/>
             <a:r>
               <a:rPr lang="de-DE" smtClean="0"/>
-              <a:t>putStrLn „Thank you!“</a:t>
+              <a:t>The End</a:t>
             </a:r>
             <a:endParaRPr lang="en-US" smtClean="0"/>
           </a:p>

--- a/Vortraege/TestVectorGenerator.pptx
+++ b/Vortraege/TestVectorGenerator.pptx
@@ -5,10 +5,10 @@
     <p:sldMasterId id="2147483708" r:id="rId1"/>
   </p:sldMasterIdLst>
   <p:notesMasterIdLst>
-    <p:notesMasterId r:id="rId8"/>
+    <p:notesMasterId r:id="rId9"/>
   </p:notesMasterIdLst>
   <p:handoutMasterIdLst>
-    <p:handoutMasterId r:id="rId9"/>
+    <p:handoutMasterId r:id="rId10"/>
   </p:handoutMasterIdLst>
   <p:sldIdLst>
     <p:sldId id="303" r:id="rId2"/>
@@ -16,29 +16,30 @@
     <p:sldId id="305" r:id="rId4"/>
     <p:sldId id="365" r:id="rId5"/>
     <p:sldId id="366" r:id="rId6"/>
-    <p:sldId id="332" r:id="rId7"/>
+    <p:sldId id="367" r:id="rId7"/>
+    <p:sldId id="332" r:id="rId8"/>
   </p:sldIdLst>
   <p:sldSz cx="13004800" cy="9753600"/>
   <p:notesSz cx="6819900" cy="9931400"/>
   <p:embeddedFontLst>
     <p:embeddedFont>
+      <p:font typeface="Droid Sans Mono" panose="020B0609030804020204" pitchFamily="49" charset="0"/>
+      <p:regular r:id="rId11"/>
+    </p:embeddedFont>
+    <p:embeddedFont>
       <p:font typeface="Calibri" panose="020F0502020204030204" pitchFamily="34" charset="0"/>
-      <p:regular r:id="rId10"/>
-      <p:bold r:id="rId11"/>
-      <p:italic r:id="rId12"/>
-      <p:boldItalic r:id="rId13"/>
+      <p:regular r:id="rId12"/>
+      <p:bold r:id="rId13"/>
+      <p:italic r:id="rId14"/>
+      <p:boldItalic r:id="rId15"/>
     </p:embeddedFont>
     <p:embeddedFont>
       <p:font typeface="Wingdings 3" panose="05040102010807070707" pitchFamily="18" charset="2"/>
-      <p:regular r:id="rId14"/>
-    </p:embeddedFont>
-    <p:embeddedFont>
-      <p:font typeface="Droid Sans Mono" panose="020B0609030804020204" pitchFamily="49" charset="0"/>
-      <p:regular r:id="rId15"/>
+      <p:regular r:id="rId16"/>
     </p:embeddedFont>
     <p:embeddedFont>
       <p:font typeface="Eurostile" panose="020B0504020202050204" pitchFamily="34" charset="0"/>
-      <p:regular r:id="rId16"/>
+      <p:regular r:id="rId17"/>
     </p:embeddedFont>
   </p:embeddedFontLst>
   <p:defaultTextStyle>
@@ -367,7 +368,7 @@
               <a:pPr>
                 <a:defRPr/>
               </a:pPr>
-              <a:t>6/29/2020</a:t>
+              <a:t>7/1/2020</a:t>
             </a:fld>
             <a:endParaRPr lang="en-US" altLang="de-DE"/>
           </a:p>
@@ -1131,7 +1132,7 @@
               <a:pPr>
                 <a:defRPr/>
               </a:pPr>
-              <a:t>29.06.2020</a:t>
+              <a:t>01.07.2020</a:t>
             </a:fld>
             <a:endParaRPr lang="de-DE"/>
           </a:p>
@@ -1385,6 +1386,67 @@
     <p:extLst>
       <p:ext uri="{BB962C8B-B14F-4D97-AF65-F5344CB8AC3E}">
         <p14:creationId xmlns:p14="http://schemas.microsoft.com/office/powerpoint/2010/main" val="2586827758"/>
+      </p:ext>
+    </p:extLst>
+  </p:cSld>
+  <p:clrMapOvr>
+    <a:masterClrMapping/>
+  </p:clrMapOvr>
+</p:notes>
+</file>
+
+<file path=ppt/notesSlides/notesSlide6.xml><?xml version="1.0" encoding="utf-8"?>
+<p:notes xmlns:a="http://schemas.openxmlformats.org/drawingml/2006/main" xmlns:r="http://schemas.openxmlformats.org/officeDocument/2006/relationships" xmlns:p="http://schemas.openxmlformats.org/presentationml/2006/main">
+  <p:cSld>
+    <p:spTree>
+      <p:nvGrpSpPr>
+        <p:cNvPr id="1" name=""/>
+        <p:cNvGrpSpPr/>
+        <p:nvPr/>
+      </p:nvGrpSpPr>
+      <p:grpSpPr>
+        <a:xfrm>
+          <a:off x="0" y="0"/>
+          <a:ext cx="0" cy="0"/>
+          <a:chOff x="0" y="0"/>
+          <a:chExt cx="0" cy="0"/>
+        </a:xfrm>
+      </p:grpSpPr>
+      <p:sp>
+        <p:nvSpPr>
+          <p:cNvPr id="2" name="Folienbildplatzhalter 1"/>
+          <p:cNvSpPr>
+            <a:spLocks noGrp="1" noRot="1" noChangeAspect="1"/>
+          </p:cNvSpPr>
+          <p:nvPr>
+            <p:ph type="sldImg"/>
+          </p:nvPr>
+        </p:nvSpPr>
+        <p:spPr/>
+      </p:sp>
+      <p:sp>
+        <p:nvSpPr>
+          <p:cNvPr id="3" name="Notizenplatzhalter 2"/>
+          <p:cNvSpPr>
+            <a:spLocks noGrp="1"/>
+          </p:cNvSpPr>
+          <p:nvPr>
+            <p:ph type="body" idx="1"/>
+          </p:nvPr>
+        </p:nvSpPr>
+        <p:spPr/>
+        <p:txBody>
+          <a:bodyPr/>
+          <a:lstStyle/>
+          <a:p>
+            <a:endParaRPr lang="de-DE"/>
+          </a:p>
+        </p:txBody>
+      </p:sp>
+    </p:spTree>
+    <p:extLst>
+      <p:ext uri="{BB962C8B-B14F-4D97-AF65-F5344CB8AC3E}">
+        <p14:creationId xmlns:p14="http://schemas.microsoft.com/office/powerpoint/2010/main" val="1037701355"/>
       </p:ext>
     </p:extLst>
   </p:cSld>
@@ -2981,7 +3043,7 @@
             <a:pPr algn="ctr" eaLnBrk="1" hangingPunct="1"/>
             <a:r>
               <a:rPr lang="de-DE" altLang="en-US" smtClean="0"/>
-              <a:t>Test Vector Generation</a:t>
+              <a:t>Automatic Code Coverage</a:t>
             </a:r>
             <a:endParaRPr lang="en-US" altLang="en-US" sz="3200" dirty="0"/>
           </a:p>
@@ -3126,15 +3188,25 @@
           <a:p>
             <a:r>
               <a:rPr lang="en-GB" smtClean="0"/>
-              <a:t>Small Examples</a:t>
-            </a:r>
+              <a:t>Small </a:t>
+            </a:r>
+            <a:r>
+              <a:rPr lang="en-GB" smtClean="0"/>
+              <a:t>Examples</a:t>
+            </a:r>
+          </a:p>
+          <a:p>
+            <a:r>
+              <a:rPr lang="en-GB" smtClean="0"/>
+              <a:t>Other Tools</a:t>
+            </a:r>
+            <a:endParaRPr lang="en-GB" smtClean="0"/>
           </a:p>
           <a:p>
             <a:r>
               <a:rPr lang="en-GB" smtClean="0"/>
               <a:t>SAT Solving Modulo Theories: Z3</a:t>
             </a:r>
-            <a:endParaRPr lang="en-GB" smtClean="0"/>
           </a:p>
           <a:p>
             <a:r>
@@ -3145,7 +3217,6 @@
               <a:rPr lang="en-GB" smtClean="0"/>
               <a:t>Verification</a:t>
             </a:r>
-            <a:endParaRPr lang="en-GB" smtClean="0"/>
           </a:p>
           <a:p>
             <a:r>
@@ -3154,11 +3225,7 @@
             </a:r>
             <a:r>
               <a:rPr lang="en-GB"/>
-              <a:t>State </a:t>
-            </a:r>
-            <a:r>
-              <a:rPr lang="en-GB"/>
-              <a:t>Space </a:t>
+              <a:t>State Space </a:t>
             </a:r>
             <a:r>
               <a:rPr lang="en-GB" smtClean="0"/>
@@ -3176,7 +3243,6 @@
               <a:rPr lang="en-GB" smtClean="0"/>
               <a:t>Call for Challenges</a:t>
             </a:r>
-            <a:endParaRPr lang="en-GB" smtClean="0"/>
           </a:p>
           <a:p>
             <a:r>
@@ -3279,7 +3345,6 @@
               <a:rPr lang="en-GB" smtClean="0"/>
               <a:t>Loop Prediction (easy with “for” in MISRA)</a:t>
             </a:r>
-            <a:endParaRPr lang="en-GB" smtClean="0"/>
           </a:p>
           <a:p>
             <a:r>
@@ -3292,14 +3357,12 @@
               <a:rPr lang="en-GB" smtClean="0"/>
               <a:t>Producer/Comsumer Model (Memory!)</a:t>
             </a:r>
-            <a:endParaRPr lang="en-GB" smtClean="0"/>
           </a:p>
           <a:p>
             <a:r>
               <a:rPr lang="en-GB" smtClean="0"/>
               <a:t>Enums, Structs, Floats, …</a:t>
             </a:r>
-            <a:endParaRPr lang="en-GB" smtClean="0"/>
           </a:p>
           <a:p>
             <a:r>
@@ -3332,7 +3395,6 @@
               <a:rPr lang="en-GB" smtClean="0"/>
               <a:t>Random Condition Branch Skipping</a:t>
             </a:r>
-            <a:endParaRPr lang="en-GB" smtClean="0"/>
           </a:p>
           <a:p>
             <a:pPr marL="0" indent="0">
@@ -3433,7 +3495,6 @@
               <a:rPr lang="en-GB" smtClean="0"/>
               <a:t>=&gt; Test Suite does test all parts of the code</a:t>
             </a:r>
-            <a:endParaRPr lang="en-GB" smtClean="0"/>
           </a:p>
           <a:p>
             <a:pPr marL="0" indent="0">
@@ -3906,6 +3967,129 @@
 </file>
 
 <file path=ppt/slides/slide6.xml><?xml version="1.0" encoding="utf-8"?>
+<p:sld xmlns:a="http://schemas.openxmlformats.org/drawingml/2006/main" xmlns:r="http://schemas.openxmlformats.org/officeDocument/2006/relationships" xmlns:p="http://schemas.openxmlformats.org/presentationml/2006/main">
+  <p:cSld>
+    <p:spTree>
+      <p:nvGrpSpPr>
+        <p:cNvPr id="1" name=""/>
+        <p:cNvGrpSpPr/>
+        <p:nvPr/>
+      </p:nvGrpSpPr>
+      <p:grpSpPr>
+        <a:xfrm>
+          <a:off x="0" y="0"/>
+          <a:ext cx="0" cy="0"/>
+          <a:chOff x="0" y="0"/>
+          <a:chExt cx="0" cy="0"/>
+        </a:xfrm>
+      </p:grpSpPr>
+      <p:sp>
+        <p:nvSpPr>
+          <p:cNvPr id="2" name="Titel 1"/>
+          <p:cNvSpPr>
+            <a:spLocks noGrp="1"/>
+          </p:cNvSpPr>
+          <p:nvPr>
+            <p:ph type="title"/>
+          </p:nvPr>
+        </p:nvSpPr>
+        <p:spPr/>
+        <p:txBody>
+          <a:bodyPr/>
+          <a:lstStyle/>
+          <a:p>
+            <a:r>
+              <a:rPr lang="en-GB" smtClean="0"/>
+              <a:t>Other Tools</a:t>
+            </a:r>
+            <a:endParaRPr lang="en-GB" dirty="0"/>
+          </a:p>
+        </p:txBody>
+      </p:sp>
+      <p:sp>
+        <p:nvSpPr>
+          <p:cNvPr id="3" name="Inhaltsplatzhalter 2"/>
+          <p:cNvSpPr>
+            <a:spLocks noGrp="1"/>
+          </p:cNvSpPr>
+          <p:nvPr>
+            <p:ph idx="1"/>
+          </p:nvPr>
+        </p:nvSpPr>
+        <p:spPr>
+          <a:ln>
+            <a:noFill/>
+          </a:ln>
+        </p:spPr>
+        <p:txBody>
+          <a:bodyPr/>
+          <a:lstStyle/>
+          <a:p>
+            <a:r>
+              <a:rPr lang="en-GB" smtClean="0"/>
+              <a:t>KLEE</a:t>
+            </a:r>
+          </a:p>
+          <a:p>
+            <a:r>
+              <a:rPr lang="en-GB" smtClean="0"/>
+              <a:t>VectorCast</a:t>
+            </a:r>
+          </a:p>
+          <a:p>
+            <a:r>
+              <a:rPr lang="en-GB" smtClean="0"/>
+              <a:t>AutoCode for Cantata</a:t>
+            </a:r>
+            <a:endParaRPr lang="en-GB" smtClean="0"/>
+          </a:p>
+          <a:p>
+            <a:pPr marL="0" indent="0">
+              <a:buNone/>
+            </a:pPr>
+            <a:r>
+              <a:rPr lang="en-GB" smtClean="0"/>
+              <a:t> </a:t>
+            </a:r>
+            <a:endParaRPr lang="en-GB" smtClean="0"/>
+          </a:p>
+          <a:p>
+            <a:pPr marL="0" indent="0">
+              <a:buNone/>
+            </a:pPr>
+            <a:endParaRPr lang="en-GB" smtClean="0"/>
+          </a:p>
+          <a:p>
+            <a:pPr marL="0" indent="0">
+              <a:buNone/>
+            </a:pPr>
+            <a:endParaRPr lang="en-GB" sz="2400" b="0">
+              <a:latin typeface="Eurostile" panose="020B0504020202050204" pitchFamily="34" charset="0"/>
+            </a:endParaRPr>
+          </a:p>
+        </p:txBody>
+      </p:sp>
+    </p:spTree>
+    <p:extLst>
+      <p:ext uri="{BB962C8B-B14F-4D97-AF65-F5344CB8AC3E}">
+        <p14:creationId xmlns:p14="http://schemas.microsoft.com/office/powerpoint/2010/main" val="3005270249"/>
+      </p:ext>
+    </p:extLst>
+  </p:cSld>
+  <p:clrMapOvr>
+    <a:masterClrMapping/>
+  </p:clrMapOvr>
+  <p:timing>
+    <p:tnLst>
+      <p:par>
+        <p:cTn id="1" dur="indefinite" restart="never" nodeType="tmRoot"/>
+      </p:par>
+    </p:tnLst>
+  </p:timing>
+</p:sld>
+</file>
+
+<file path=ppt/slides/slide7.xml><?xml version="1.0" encoding="utf-8"?>
 <p:sld xmlns:a="http://schemas.openxmlformats.org/drawingml/2006/main" xmlns:r="http://schemas.openxmlformats.org/officeDocument/2006/relationships" xmlns:p="http://schemas.openxmlformats.org/presentationml/2006/main">
   <p:cSld>
     <p:spTree>

--- a/Vortraege/TestVectorGenerator.pptx
+++ b/Vortraege/TestVectorGenerator.pptx
@@ -5,10 +5,10 @@
     <p:sldMasterId id="2147483708" r:id="rId1"/>
   </p:sldMasterIdLst>
   <p:notesMasterIdLst>
-    <p:notesMasterId r:id="rId9"/>
+    <p:notesMasterId r:id="rId10"/>
   </p:notesMasterIdLst>
   <p:handoutMasterIdLst>
-    <p:handoutMasterId r:id="rId10"/>
+    <p:handoutMasterId r:id="rId11"/>
   </p:handoutMasterIdLst>
   <p:sldIdLst>
     <p:sldId id="303" r:id="rId2"/>
@@ -17,29 +17,30 @@
     <p:sldId id="365" r:id="rId5"/>
     <p:sldId id="366" r:id="rId6"/>
     <p:sldId id="367" r:id="rId7"/>
-    <p:sldId id="332" r:id="rId8"/>
+    <p:sldId id="368" r:id="rId8"/>
+    <p:sldId id="332" r:id="rId9"/>
   </p:sldIdLst>
   <p:sldSz cx="13004800" cy="9753600"/>
   <p:notesSz cx="6819900" cy="9931400"/>
   <p:embeddedFontLst>
     <p:embeddedFont>
       <p:font typeface="Droid Sans Mono" panose="020B0609030804020204" pitchFamily="49" charset="0"/>
-      <p:regular r:id="rId11"/>
+      <p:regular r:id="rId12"/>
     </p:embeddedFont>
     <p:embeddedFont>
       <p:font typeface="Calibri" panose="020F0502020204030204" pitchFamily="34" charset="0"/>
-      <p:regular r:id="rId12"/>
-      <p:bold r:id="rId13"/>
-      <p:italic r:id="rId14"/>
-      <p:boldItalic r:id="rId15"/>
+      <p:regular r:id="rId13"/>
+      <p:bold r:id="rId14"/>
+      <p:italic r:id="rId15"/>
+      <p:boldItalic r:id="rId16"/>
     </p:embeddedFont>
     <p:embeddedFont>
       <p:font typeface="Wingdings 3" panose="05040102010807070707" pitchFamily="18" charset="2"/>
-      <p:regular r:id="rId16"/>
+      <p:regular r:id="rId17"/>
     </p:embeddedFont>
     <p:embeddedFont>
       <p:font typeface="Eurostile" panose="020B0504020202050204" pitchFamily="34" charset="0"/>
-      <p:regular r:id="rId17"/>
+      <p:regular r:id="rId18"/>
     </p:embeddedFont>
   </p:embeddedFontLst>
   <p:defaultTextStyle>
@@ -1447,6 +1448,67 @@
     <p:extLst>
       <p:ext uri="{BB962C8B-B14F-4D97-AF65-F5344CB8AC3E}">
         <p14:creationId xmlns:p14="http://schemas.microsoft.com/office/powerpoint/2010/main" val="1037701355"/>
+      </p:ext>
+    </p:extLst>
+  </p:cSld>
+  <p:clrMapOvr>
+    <a:masterClrMapping/>
+  </p:clrMapOvr>
+</p:notes>
+</file>
+
+<file path=ppt/notesSlides/notesSlide7.xml><?xml version="1.0" encoding="utf-8"?>
+<p:notes xmlns:a="http://schemas.openxmlformats.org/drawingml/2006/main" xmlns:r="http://schemas.openxmlformats.org/officeDocument/2006/relationships" xmlns:p="http://schemas.openxmlformats.org/presentationml/2006/main">
+  <p:cSld>
+    <p:spTree>
+      <p:nvGrpSpPr>
+        <p:cNvPr id="1" name=""/>
+        <p:cNvGrpSpPr/>
+        <p:nvPr/>
+      </p:nvGrpSpPr>
+      <p:grpSpPr>
+        <a:xfrm>
+          <a:off x="0" y="0"/>
+          <a:ext cx="0" cy="0"/>
+          <a:chOff x="0" y="0"/>
+          <a:chExt cx="0" cy="0"/>
+        </a:xfrm>
+      </p:grpSpPr>
+      <p:sp>
+        <p:nvSpPr>
+          <p:cNvPr id="2" name="Folienbildplatzhalter 1"/>
+          <p:cNvSpPr>
+            <a:spLocks noGrp="1" noRot="1" noChangeAspect="1"/>
+          </p:cNvSpPr>
+          <p:nvPr>
+            <p:ph type="sldImg"/>
+          </p:nvPr>
+        </p:nvSpPr>
+        <p:spPr/>
+      </p:sp>
+      <p:sp>
+        <p:nvSpPr>
+          <p:cNvPr id="3" name="Notizenplatzhalter 2"/>
+          <p:cNvSpPr>
+            <a:spLocks noGrp="1"/>
+          </p:cNvSpPr>
+          <p:nvPr>
+            <p:ph type="body" idx="1"/>
+          </p:nvPr>
+        </p:nvSpPr>
+        <p:spPr/>
+        <p:txBody>
+          <a:bodyPr/>
+          <a:lstStyle/>
+          <a:p>
+            <a:endParaRPr lang="de-DE"/>
+          </a:p>
+        </p:txBody>
+      </p:sp>
+    </p:spTree>
+    <p:extLst>
+      <p:ext uri="{BB962C8B-B14F-4D97-AF65-F5344CB8AC3E}">
+        <p14:creationId xmlns:p14="http://schemas.microsoft.com/office/powerpoint/2010/main" val="3799350488"/>
       </p:ext>
     </p:extLst>
   </p:cSld>
@@ -4090,6 +4152,198 @@
 </file>
 
 <file path=ppt/slides/slide7.xml><?xml version="1.0" encoding="utf-8"?>
+<p:sld xmlns:a="http://schemas.openxmlformats.org/drawingml/2006/main" xmlns:r="http://schemas.openxmlformats.org/officeDocument/2006/relationships" xmlns:p="http://schemas.openxmlformats.org/presentationml/2006/main">
+  <p:cSld>
+    <p:spTree>
+      <p:nvGrpSpPr>
+        <p:cNvPr id="1" name=""/>
+        <p:cNvGrpSpPr/>
+        <p:nvPr/>
+      </p:nvGrpSpPr>
+      <p:grpSpPr>
+        <a:xfrm>
+          <a:off x="0" y="0"/>
+          <a:ext cx="0" cy="0"/>
+          <a:chOff x="0" y="0"/>
+          <a:chExt cx="0" cy="0"/>
+        </a:xfrm>
+      </p:grpSpPr>
+      <p:sp>
+        <p:nvSpPr>
+          <p:cNvPr id="2" name="Titel 1"/>
+          <p:cNvSpPr>
+            <a:spLocks noGrp="1"/>
+          </p:cNvSpPr>
+          <p:nvPr>
+            <p:ph type="title"/>
+          </p:nvPr>
+        </p:nvSpPr>
+        <p:spPr/>
+        <p:txBody>
+          <a:bodyPr/>
+          <a:lstStyle/>
+          <a:p>
+            <a:r>
+              <a:rPr lang="en-GB" smtClean="0"/>
+              <a:t>Some Implementation Strategies</a:t>
+            </a:r>
+            <a:endParaRPr lang="en-GB" dirty="0"/>
+          </a:p>
+        </p:txBody>
+      </p:sp>
+      <p:sp>
+        <p:nvSpPr>
+          <p:cNvPr id="3" name="Inhaltsplatzhalter 2"/>
+          <p:cNvSpPr>
+            <a:spLocks noGrp="1"/>
+          </p:cNvSpPr>
+          <p:nvPr>
+            <p:ph idx="1"/>
+          </p:nvPr>
+        </p:nvSpPr>
+        <p:spPr>
+          <a:ln>
+            <a:noFill/>
+          </a:ln>
+        </p:spPr>
+        <p:txBody>
+          <a:bodyPr/>
+          <a:lstStyle/>
+          <a:p>
+            <a:r>
+              <a:rPr lang="en-GB" smtClean="0"/>
+              <a:t>Function expansion by </a:t>
+            </a:r>
+            <a:r>
+              <a:rPr lang="el-GR" smtClean="0">
+                <a:latin typeface="Calibri" panose="020F0502020204030204" pitchFamily="34" charset="0"/>
+                <a:cs typeface="Calibri" panose="020F0502020204030204" pitchFamily="34" charset="0"/>
+              </a:rPr>
+              <a:t>β</a:t>
+            </a:r>
+            <a:r>
+              <a:rPr lang="de-DE" smtClean="0">
+                <a:latin typeface="Calibri" panose="020F0502020204030204" pitchFamily="34" charset="0"/>
+                <a:cs typeface="Calibri" panose="020F0502020204030204" pitchFamily="34" charset="0"/>
+              </a:rPr>
+              <a:t>-reduction</a:t>
+            </a:r>
+            <a:endParaRPr lang="en-GB" smtClean="0"/>
+          </a:p>
+          <a:p>
+            <a:r>
+              <a:rPr lang="en-GB" smtClean="0"/>
+              <a:t>Lazyness enabling Producer-Consumer-Model necessary for pipelining extremely big trees</a:t>
+            </a:r>
+          </a:p>
+          <a:p>
+            <a:r>
+              <a:rPr lang="en-GB" smtClean="0"/>
+              <a:t>Type inference because Z3 has none </a:t>
+            </a:r>
+            <a:r>
+              <a:rPr lang="en-GB" smtClean="0">
+                <a:sym typeface="Wingdings" panose="05000000000000000000" pitchFamily="2" charset="2"/>
+              </a:rPr>
+              <a:t></a:t>
+            </a:r>
+            <a:endParaRPr lang="en-GB" smtClean="0"/>
+          </a:p>
+          <a:p>
+            <a:r>
+              <a:rPr lang="en-GB" smtClean="0"/>
+              <a:t>Using “quasi-quoter” as template for C test harness</a:t>
+            </a:r>
+          </a:p>
+          <a:p>
+            <a:r>
+              <a:rPr lang="en-GB" smtClean="0"/>
+              <a:t>Splitting up products (i.e. structs) into separate variables, indexed by the instance (i.e. pointer or struct instance name)</a:t>
+            </a:r>
+          </a:p>
+          <a:p>
+            <a:r>
+              <a:rPr lang="en-GB" smtClean="0"/>
+              <a:t>Rewriting switch to equivalent if-then-elses (difficult with breaks!)</a:t>
+            </a:r>
+          </a:p>
+          <a:p>
+            <a:r>
+              <a:rPr lang="en-GB" smtClean="0"/>
+              <a:t>Unrolling loops (with loop length prediction for “normal” cases, containing the state space explosion)</a:t>
+            </a:r>
+          </a:p>
+          <a:p>
+            <a:r>
+              <a:rPr lang="en-GB" smtClean="0"/>
+              <a:t>Simplification (e.g. Pointer-AddressOf-Cancellation) needed as intermediate steps</a:t>
+            </a:r>
+          </a:p>
+          <a:p>
+            <a:r>
+              <a:rPr lang="en-GB" smtClean="0"/>
+              <a:t>Using case distinction completeness for maximum defensive coding</a:t>
+            </a:r>
+          </a:p>
+          <a:p>
+            <a:r>
+              <a:rPr lang="en-GB" smtClean="0"/>
+              <a:t>Uncode-Syntax for mathematical comprehension</a:t>
+            </a:r>
+          </a:p>
+          <a:p>
+            <a:pPr marL="0" indent="0">
+              <a:buNone/>
+            </a:pPr>
+            <a:endParaRPr lang="en-GB" smtClean="0"/>
+          </a:p>
+          <a:p>
+            <a:pPr marL="0" indent="0">
+              <a:buNone/>
+            </a:pPr>
+            <a:r>
+              <a:rPr lang="en-GB" smtClean="0"/>
+              <a:t> </a:t>
+            </a:r>
+            <a:endParaRPr lang="en-GB" smtClean="0"/>
+          </a:p>
+          <a:p>
+            <a:pPr marL="0" indent="0">
+              <a:buNone/>
+            </a:pPr>
+            <a:endParaRPr lang="en-GB" smtClean="0"/>
+          </a:p>
+          <a:p>
+            <a:pPr marL="0" indent="0">
+              <a:buNone/>
+            </a:pPr>
+            <a:endParaRPr lang="en-GB" sz="2400" b="0">
+              <a:latin typeface="Eurostile" panose="020B0504020202050204" pitchFamily="34" charset="0"/>
+            </a:endParaRPr>
+          </a:p>
+        </p:txBody>
+      </p:sp>
+    </p:spTree>
+    <p:extLst>
+      <p:ext uri="{BB962C8B-B14F-4D97-AF65-F5344CB8AC3E}">
+        <p14:creationId xmlns:p14="http://schemas.microsoft.com/office/powerpoint/2010/main" val="294297239"/>
+      </p:ext>
+    </p:extLst>
+  </p:cSld>
+  <p:clrMapOvr>
+    <a:masterClrMapping/>
+  </p:clrMapOvr>
+  <p:timing>
+    <p:tnLst>
+      <p:par>
+        <p:cTn id="1" dur="indefinite" restart="never" nodeType="tmRoot"/>
+      </p:par>
+    </p:tnLst>
+  </p:timing>
+</p:sld>
+</file>
+
+<file path=ppt/slides/slide8.xml><?xml version="1.0" encoding="utf-8"?>
 <p:sld xmlns:a="http://schemas.openxmlformats.org/drawingml/2006/main" xmlns:r="http://schemas.openxmlformats.org/officeDocument/2006/relationships" xmlns:p="http://schemas.openxmlformats.org/presentationml/2006/main">
   <p:cSld>
     <p:spTree>

--- a/Vortraege/TestVectorGenerator.pptx
+++ b/Vortraege/TestVectorGenerator.pptx
@@ -5,10 +5,10 @@
     <p:sldMasterId id="2147483708" r:id="rId1"/>
   </p:sldMasterIdLst>
   <p:notesMasterIdLst>
-    <p:notesMasterId r:id="rId10"/>
+    <p:notesMasterId r:id="rId11"/>
   </p:notesMasterIdLst>
   <p:handoutMasterIdLst>
-    <p:handoutMasterId r:id="rId11"/>
+    <p:handoutMasterId r:id="rId12"/>
   </p:handoutMasterIdLst>
   <p:sldIdLst>
     <p:sldId id="303" r:id="rId2"/>
@@ -16,31 +16,32 @@
     <p:sldId id="305" r:id="rId4"/>
     <p:sldId id="365" r:id="rId5"/>
     <p:sldId id="366" r:id="rId6"/>
-    <p:sldId id="367" r:id="rId7"/>
-    <p:sldId id="368" r:id="rId8"/>
-    <p:sldId id="332" r:id="rId9"/>
+    <p:sldId id="369" r:id="rId7"/>
+    <p:sldId id="367" r:id="rId8"/>
+    <p:sldId id="368" r:id="rId9"/>
+    <p:sldId id="332" r:id="rId10"/>
   </p:sldIdLst>
   <p:sldSz cx="13004800" cy="9753600"/>
   <p:notesSz cx="6819900" cy="9931400"/>
   <p:embeddedFontLst>
     <p:embeddedFont>
       <p:font typeface="Droid Sans Mono" panose="020B0609030804020204" pitchFamily="49" charset="0"/>
-      <p:regular r:id="rId12"/>
+      <p:regular r:id="rId13"/>
     </p:embeddedFont>
     <p:embeddedFont>
       <p:font typeface="Calibri" panose="020F0502020204030204" pitchFamily="34" charset="0"/>
-      <p:regular r:id="rId13"/>
-      <p:bold r:id="rId14"/>
-      <p:italic r:id="rId15"/>
-      <p:boldItalic r:id="rId16"/>
+      <p:regular r:id="rId14"/>
+      <p:bold r:id="rId15"/>
+      <p:italic r:id="rId16"/>
+      <p:boldItalic r:id="rId17"/>
     </p:embeddedFont>
     <p:embeddedFont>
       <p:font typeface="Wingdings 3" panose="05040102010807070707" pitchFamily="18" charset="2"/>
-      <p:regular r:id="rId17"/>
+      <p:regular r:id="rId18"/>
     </p:embeddedFont>
     <p:embeddedFont>
       <p:font typeface="Eurostile" panose="020B0504020202050204" pitchFamily="34" charset="0"/>
-      <p:regular r:id="rId18"/>
+      <p:regular r:id="rId19"/>
     </p:embeddedFont>
   </p:embeddedFontLst>
   <p:defaultTextStyle>
@@ -1447,6 +1448,67 @@
     </p:spTree>
     <p:extLst>
       <p:ext uri="{BB962C8B-B14F-4D97-AF65-F5344CB8AC3E}">
+        <p14:creationId xmlns:p14="http://schemas.microsoft.com/office/powerpoint/2010/main" val="3072026191"/>
+      </p:ext>
+    </p:extLst>
+  </p:cSld>
+  <p:clrMapOvr>
+    <a:masterClrMapping/>
+  </p:clrMapOvr>
+</p:notes>
+</file>
+
+<file path=ppt/notesSlides/notesSlide7.xml><?xml version="1.0" encoding="utf-8"?>
+<p:notes xmlns:a="http://schemas.openxmlformats.org/drawingml/2006/main" xmlns:r="http://schemas.openxmlformats.org/officeDocument/2006/relationships" xmlns:p="http://schemas.openxmlformats.org/presentationml/2006/main">
+  <p:cSld>
+    <p:spTree>
+      <p:nvGrpSpPr>
+        <p:cNvPr id="1" name=""/>
+        <p:cNvGrpSpPr/>
+        <p:nvPr/>
+      </p:nvGrpSpPr>
+      <p:grpSpPr>
+        <a:xfrm>
+          <a:off x="0" y="0"/>
+          <a:ext cx="0" cy="0"/>
+          <a:chOff x="0" y="0"/>
+          <a:chExt cx="0" cy="0"/>
+        </a:xfrm>
+      </p:grpSpPr>
+      <p:sp>
+        <p:nvSpPr>
+          <p:cNvPr id="2" name="Folienbildplatzhalter 1"/>
+          <p:cNvSpPr>
+            <a:spLocks noGrp="1" noRot="1" noChangeAspect="1"/>
+          </p:cNvSpPr>
+          <p:nvPr>
+            <p:ph type="sldImg"/>
+          </p:nvPr>
+        </p:nvSpPr>
+        <p:spPr/>
+      </p:sp>
+      <p:sp>
+        <p:nvSpPr>
+          <p:cNvPr id="3" name="Notizenplatzhalter 2"/>
+          <p:cNvSpPr>
+            <a:spLocks noGrp="1"/>
+          </p:cNvSpPr>
+          <p:nvPr>
+            <p:ph type="body" idx="1"/>
+          </p:nvPr>
+        </p:nvSpPr>
+        <p:spPr/>
+        <p:txBody>
+          <a:bodyPr/>
+          <a:lstStyle/>
+          <a:p>
+            <a:endParaRPr lang="de-DE"/>
+          </a:p>
+        </p:txBody>
+      </p:sp>
+    </p:spTree>
+    <p:extLst>
+      <p:ext uri="{BB962C8B-B14F-4D97-AF65-F5344CB8AC3E}">
         <p14:creationId xmlns:p14="http://schemas.microsoft.com/office/powerpoint/2010/main" val="1037701355"/>
       </p:ext>
     </p:extLst>
@@ -1457,7 +1519,7 @@
 </p:notes>
 </file>
 
-<file path=ppt/notesSlides/notesSlide7.xml><?xml version="1.0" encoding="utf-8"?>
+<file path=ppt/notesSlides/notesSlide8.xml><?xml version="1.0" encoding="utf-8"?>
 <p:notes xmlns:a="http://schemas.openxmlformats.org/drawingml/2006/main" xmlns:r="http://schemas.openxmlformats.org/officeDocument/2006/relationships" xmlns:p="http://schemas.openxmlformats.org/presentationml/2006/main">
   <p:cSld>
     <p:spTree>
@@ -3429,13 +3491,29 @@
           <a:p>
             <a:r>
               <a:rPr lang="en-GB" smtClean="0"/>
-              <a:t>Full coverage is desirable only for target function</a:t>
-            </a:r>
-          </a:p>
-          <a:p>
+              <a:t>Full coverage is desirable only for </a:t>
+            </a:r>
             <a:r>
               <a:rPr lang="en-GB" smtClean="0"/>
-              <a:t>Reports vectors to cover coverable code and reports (presumably?) dead code</a:t>
+              <a:t>called </a:t>
+            </a:r>
+            <a:r>
+              <a:rPr lang="en-GB" smtClean="0"/>
+              <a:t>function</a:t>
+            </a:r>
+          </a:p>
+          <a:p>
+            <a:r>
+              <a:rPr lang="en-GB" smtClean="0"/>
+              <a:t>Reports </a:t>
+            </a:r>
+            <a:r>
+              <a:rPr lang="en-GB" smtClean="0"/>
+              <a:t>test vectors and </a:t>
+            </a:r>
+            <a:r>
+              <a:rPr lang="en-GB" smtClean="0"/>
+              <a:t>reports (presumably?) dead code</a:t>
             </a:r>
           </a:p>
           <a:p>
@@ -3549,19 +3627,30 @@
           <a:p>
             <a:r>
               <a:rPr lang="en-GB" smtClean="0"/>
-              <a:t>ISO 26262/*: Code Coverage for libraries/SWCs at ASIL D!</a:t>
+              <a:t>Did we miss some functionality during testing?</a:t>
             </a:r>
           </a:p>
           <a:p>
             <a:r>
               <a:rPr lang="en-GB" smtClean="0"/>
-              <a:t>=&gt; Test Suite does test all parts of the code</a:t>
-            </a:r>
-          </a:p>
-          <a:p>
-            <a:pPr marL="0" indent="0">
-              <a:buNone/>
-            </a:pPr>
+              <a:t>ISO 26262: </a:t>
+            </a:r>
+            <a:r>
+              <a:rPr lang="en-GB" smtClean="0"/>
+              <a:t>Code Coverage for </a:t>
+            </a:r>
+            <a:r>
+              <a:rPr lang="en-GB" smtClean="0"/>
+              <a:t>libraries </a:t>
+            </a:r>
+            <a:r>
+              <a:rPr lang="en-GB" smtClean="0"/>
+              <a:t>at ASIL D</a:t>
+            </a:r>
+            <a:r>
+              <a:rPr lang="en-GB" smtClean="0"/>
+              <a:t>! (SWC all ASILs)</a:t>
+            </a:r>
             <a:endParaRPr lang="en-GB" smtClean="0"/>
           </a:p>
           <a:p>
@@ -3734,7 +3823,15 @@
           <a:p>
             <a:r>
               <a:rPr lang="en-GB" smtClean="0"/>
-              <a:t>Which inputs lead to 100% code coverage?</a:t>
+              <a:t>Which inputs </a:t>
+            </a:r>
+            <a:r>
+              <a:rPr lang="en-GB" smtClean="0"/>
+              <a:t>(“test vectors”) lead </a:t>
+            </a:r>
+            <a:r>
+              <a:rPr lang="en-GB" smtClean="0"/>
+              <a:t>to 100% code coverage?</a:t>
             </a:r>
           </a:p>
           <a:p>
@@ -4047,24 +4144,50 @@
       </p:grpSpPr>
       <p:sp>
         <p:nvSpPr>
-          <p:cNvPr id="2" name="Titel 1"/>
-          <p:cNvSpPr>
-            <a:spLocks noGrp="1"/>
-          </p:cNvSpPr>
-          <p:nvPr>
-            <p:ph type="title"/>
-          </p:nvPr>
+          <p:cNvPr id="5" name="Rechteck 4"/>
+          <p:cNvSpPr/>
+          <p:nvPr/>
         </p:nvSpPr>
-        <p:spPr/>
+        <p:spPr>
+          <a:xfrm>
+            <a:off x="1899137" y="6822184"/>
+            <a:ext cx="3598986" cy="585025"/>
+          </a:xfrm>
+          <a:prstGeom prst="rect">
+            <a:avLst/>
+          </a:prstGeom>
+          <a:solidFill>
+            <a:schemeClr val="accent2">
+              <a:lumMod val="20000"/>
+              <a:lumOff val="80000"/>
+            </a:schemeClr>
+          </a:solidFill>
+          <a:ln>
+            <a:noFill/>
+          </a:ln>
+        </p:spPr>
+        <p:style>
+          <a:lnRef idx="2">
+            <a:schemeClr val="accent1">
+              <a:shade val="50000"/>
+            </a:schemeClr>
+          </a:lnRef>
+          <a:fillRef idx="1">
+            <a:schemeClr val="accent1"/>
+          </a:fillRef>
+          <a:effectRef idx="0">
+            <a:schemeClr val="accent1"/>
+          </a:effectRef>
+          <a:fontRef idx="minor">
+            <a:schemeClr val="lt1"/>
+          </a:fontRef>
+        </p:style>
         <p:txBody>
-          <a:bodyPr/>
+          <a:bodyPr rtlCol="0" anchor="ctr"/>
           <a:lstStyle/>
           <a:p>
-            <a:r>
-              <a:rPr lang="en-GB" smtClean="0"/>
-              <a:t>Other Tools</a:t>
-            </a:r>
-            <a:endParaRPr lang="en-GB" dirty="0"/>
+            <a:pPr algn="ctr"/>
+            <a:endParaRPr lang="en-US"/>
           </a:p>
         </p:txBody>
       </p:sp>
@@ -4079,6 +4202,10 @@
           </p:nvPr>
         </p:nvSpPr>
         <p:spPr>
+          <a:xfrm>
+            <a:off x="487680" y="1137138"/>
+            <a:ext cx="8984566" cy="7995139"/>
+          </a:xfrm>
           <a:ln>
             <a:noFill/>
           </a:ln>
@@ -4087,33 +4214,469 @@
           <a:bodyPr/>
           <a:lstStyle/>
           <a:p>
-            <a:r>
-              <a:rPr lang="en-GB" smtClean="0"/>
-              <a:t>KLEE</a:t>
-            </a:r>
-          </a:p>
-          <a:p>
-            <a:r>
-              <a:rPr lang="en-GB" smtClean="0"/>
-              <a:t>VectorCast</a:t>
-            </a:r>
-          </a:p>
-          <a:p>
-            <a:r>
-              <a:rPr lang="en-GB" smtClean="0"/>
-              <a:t>AutoCode for Cantata</a:t>
-            </a:r>
-            <a:endParaRPr lang="en-GB" smtClean="0"/>
-          </a:p>
-          <a:p>
             <a:pPr marL="0" indent="0">
               <a:buNone/>
             </a:pPr>
             <a:r>
-              <a:rPr lang="en-GB" smtClean="0"/>
-              <a:t> </a:t>
-            </a:r>
-            <a:endParaRPr lang="en-GB" smtClean="0"/>
+              <a:rPr lang="en-GB" sz="1400" b="0">
+                <a:latin typeface="Droid Sans Mono" panose="020B0609030804020204" pitchFamily="49" charset="0"/>
+                <a:ea typeface="Droid Sans Mono" panose="020B0609030804020204" pitchFamily="49" charset="0"/>
+                <a:cs typeface="Droid Sans Mono" panose="020B0609030804020204" pitchFamily="49" charset="0"/>
+              </a:rPr>
+              <a:t>fp_number_type </a:t>
+            </a:r>
+            <a:r>
+              <a:rPr lang="en-GB" sz="1400" b="0">
+                <a:latin typeface="Droid Sans Mono" panose="020B0609030804020204" pitchFamily="49" charset="0"/>
+                <a:ea typeface="Droid Sans Mono" panose="020B0609030804020204" pitchFamily="49" charset="0"/>
+                <a:cs typeface="Droid Sans Mono" panose="020B0609030804020204" pitchFamily="49" charset="0"/>
+              </a:rPr>
+              <a:t>* </a:t>
+            </a:r>
+            <a:r>
+              <a:rPr lang="en-GB" sz="1400" b="0" smtClean="0">
+                <a:latin typeface="Droid Sans Mono" panose="020B0609030804020204" pitchFamily="49" charset="0"/>
+                <a:ea typeface="Droid Sans Mono" panose="020B0609030804020204" pitchFamily="49" charset="0"/>
+                <a:cs typeface="Droid Sans Mono" panose="020B0609030804020204" pitchFamily="49" charset="0"/>
+              </a:rPr>
+              <a:t>_</a:t>
+            </a:r>
+            <a:r>
+              <a:rPr lang="en-GB" sz="1400" b="0">
+                <a:latin typeface="Droid Sans Mono" panose="020B0609030804020204" pitchFamily="49" charset="0"/>
+                <a:ea typeface="Droid Sans Mono" panose="020B0609030804020204" pitchFamily="49" charset="0"/>
+                <a:cs typeface="Droid Sans Mono" panose="020B0609030804020204" pitchFamily="49" charset="0"/>
+              </a:rPr>
+              <a:t>fpdiv_parts (fp_number_type </a:t>
+            </a:r>
+            <a:r>
+              <a:rPr lang="en-GB" sz="1400" b="0">
+                <a:latin typeface="Droid Sans Mono" panose="020B0609030804020204" pitchFamily="49" charset="0"/>
+                <a:ea typeface="Droid Sans Mono" panose="020B0609030804020204" pitchFamily="49" charset="0"/>
+                <a:cs typeface="Droid Sans Mono" panose="020B0609030804020204" pitchFamily="49" charset="0"/>
+              </a:rPr>
+              <a:t>* </a:t>
+            </a:r>
+            <a:r>
+              <a:rPr lang="en-GB" sz="1400" b="0" smtClean="0">
+                <a:latin typeface="Droid Sans Mono" panose="020B0609030804020204" pitchFamily="49" charset="0"/>
+                <a:ea typeface="Droid Sans Mono" panose="020B0609030804020204" pitchFamily="49" charset="0"/>
+                <a:cs typeface="Droid Sans Mono" panose="020B0609030804020204" pitchFamily="49" charset="0"/>
+              </a:rPr>
+              <a:t>a, fp_number_type * b)</a:t>
+            </a:r>
+          </a:p>
+          <a:p>
+            <a:pPr marL="0" indent="0">
+              <a:buNone/>
+            </a:pPr>
+            <a:r>
+              <a:rPr lang="en-GB" sz="1400" b="0" smtClean="0">
+                <a:latin typeface="Droid Sans Mono" panose="020B0609030804020204" pitchFamily="49" charset="0"/>
+                <a:ea typeface="Droid Sans Mono" panose="020B0609030804020204" pitchFamily="49" charset="0"/>
+                <a:cs typeface="Droid Sans Mono" panose="020B0609030804020204" pitchFamily="49" charset="0"/>
+              </a:rPr>
+              <a:t>{</a:t>
+            </a:r>
+            <a:endParaRPr lang="en-GB" sz="1400" b="0">
+              <a:latin typeface="Droid Sans Mono" panose="020B0609030804020204" pitchFamily="49" charset="0"/>
+              <a:ea typeface="Droid Sans Mono" panose="020B0609030804020204" pitchFamily="49" charset="0"/>
+              <a:cs typeface="Droid Sans Mono" panose="020B0609030804020204" pitchFamily="49" charset="0"/>
+            </a:endParaRPr>
+          </a:p>
+          <a:p>
+            <a:pPr marL="0" indent="0">
+              <a:buNone/>
+            </a:pPr>
+            <a:r>
+              <a:rPr lang="en-GB" sz="1400" b="0" smtClean="0">
+                <a:latin typeface="Droid Sans Mono" panose="020B0609030804020204" pitchFamily="49" charset="0"/>
+                <a:ea typeface="Droid Sans Mono" panose="020B0609030804020204" pitchFamily="49" charset="0"/>
+                <a:cs typeface="Droid Sans Mono" panose="020B0609030804020204" pitchFamily="49" charset="0"/>
+              </a:rPr>
+              <a:t>    [...]</a:t>
+            </a:r>
+            <a:endParaRPr lang="en-GB" sz="1400" b="0">
+              <a:latin typeface="Droid Sans Mono" panose="020B0609030804020204" pitchFamily="49" charset="0"/>
+              <a:ea typeface="Droid Sans Mono" panose="020B0609030804020204" pitchFamily="49" charset="0"/>
+              <a:cs typeface="Droid Sans Mono" panose="020B0609030804020204" pitchFamily="49" charset="0"/>
+            </a:endParaRPr>
+          </a:p>
+          <a:p>
+            <a:pPr marL="0" indent="0">
+              <a:buNone/>
+            </a:pPr>
+            <a:endParaRPr lang="en-GB" sz="1400" b="0">
+              <a:latin typeface="Droid Sans Mono" panose="020B0609030804020204" pitchFamily="49" charset="0"/>
+              <a:ea typeface="Droid Sans Mono" panose="020B0609030804020204" pitchFamily="49" charset="0"/>
+              <a:cs typeface="Droid Sans Mono" panose="020B0609030804020204" pitchFamily="49" charset="0"/>
+            </a:endParaRPr>
+          </a:p>
+          <a:p>
+            <a:pPr marL="0" indent="0">
+              <a:buNone/>
+            </a:pPr>
+            <a:r>
+              <a:rPr lang="en-GB" sz="1400" b="0">
+                <a:latin typeface="Droid Sans Mono" panose="020B0609030804020204" pitchFamily="49" charset="0"/>
+                <a:ea typeface="Droid Sans Mono" panose="020B0609030804020204" pitchFamily="49" charset="0"/>
+                <a:cs typeface="Droid Sans Mono" panose="020B0609030804020204" pitchFamily="49" charset="0"/>
+              </a:rPr>
+              <a:t>    bit = </a:t>
+            </a:r>
+            <a:r>
+              <a:rPr lang="en-GB" sz="1400" b="0">
+                <a:latin typeface="Droid Sans Mono" panose="020B0609030804020204" pitchFamily="49" charset="0"/>
+                <a:ea typeface="Droid Sans Mono" panose="020B0609030804020204" pitchFamily="49" charset="0"/>
+                <a:cs typeface="Droid Sans Mono" panose="020B0609030804020204" pitchFamily="49" charset="0"/>
+              </a:rPr>
+              <a:t>IMPLICIT_1</a:t>
+            </a:r>
+            <a:r>
+              <a:rPr lang="en-GB" sz="1400" b="0" smtClean="0">
+                <a:latin typeface="Droid Sans Mono" panose="020B0609030804020204" pitchFamily="49" charset="0"/>
+                <a:ea typeface="Droid Sans Mono" panose="020B0609030804020204" pitchFamily="49" charset="0"/>
+                <a:cs typeface="Droid Sans Mono" panose="020B0609030804020204" pitchFamily="49" charset="0"/>
+              </a:rPr>
+              <a:t>;  // = 30</a:t>
+            </a:r>
+            <a:endParaRPr lang="en-GB" sz="1400" b="0">
+              <a:latin typeface="Droid Sans Mono" panose="020B0609030804020204" pitchFamily="49" charset="0"/>
+              <a:ea typeface="Droid Sans Mono" panose="020B0609030804020204" pitchFamily="49" charset="0"/>
+              <a:cs typeface="Droid Sans Mono" panose="020B0609030804020204" pitchFamily="49" charset="0"/>
+            </a:endParaRPr>
+          </a:p>
+          <a:p>
+            <a:pPr marL="0" indent="0">
+              <a:buNone/>
+            </a:pPr>
+            <a:r>
+              <a:rPr lang="en-GB" sz="1400" b="0">
+                <a:latin typeface="Droid Sans Mono" panose="020B0609030804020204" pitchFamily="49" charset="0"/>
+                <a:ea typeface="Droid Sans Mono" panose="020B0609030804020204" pitchFamily="49" charset="0"/>
+                <a:cs typeface="Droid Sans Mono" panose="020B0609030804020204" pitchFamily="49" charset="0"/>
+              </a:rPr>
+              <a:t>    quotient = 0;</a:t>
+            </a:r>
+          </a:p>
+          <a:p>
+            <a:pPr marL="0" indent="0">
+              <a:buNone/>
+            </a:pPr>
+            <a:r>
+              <a:rPr lang="en-GB" sz="1400" b="0">
+                <a:latin typeface="Droid Sans Mono" panose="020B0609030804020204" pitchFamily="49" charset="0"/>
+                <a:ea typeface="Droid Sans Mono" panose="020B0609030804020204" pitchFamily="49" charset="0"/>
+                <a:cs typeface="Droid Sans Mono" panose="020B0609030804020204" pitchFamily="49" charset="0"/>
+              </a:rPr>
+              <a:t>    while (bit)</a:t>
+            </a:r>
+          </a:p>
+          <a:p>
+            <a:pPr marL="0" indent="0">
+              <a:buNone/>
+            </a:pPr>
+            <a:r>
+              <a:rPr lang="en-GB" sz="1400" b="0">
+                <a:latin typeface="Droid Sans Mono" panose="020B0609030804020204" pitchFamily="49" charset="0"/>
+                <a:ea typeface="Droid Sans Mono" panose="020B0609030804020204" pitchFamily="49" charset="0"/>
+                <a:cs typeface="Droid Sans Mono" panose="020B0609030804020204" pitchFamily="49" charset="0"/>
+              </a:rPr>
+              <a:t>      {</a:t>
+            </a:r>
+          </a:p>
+          <a:p>
+            <a:pPr marL="0" indent="0">
+              <a:buNone/>
+            </a:pPr>
+            <a:r>
+              <a:rPr lang="en-GB" sz="1400" b="0">
+                <a:latin typeface="Droid Sans Mono" panose="020B0609030804020204" pitchFamily="49" charset="0"/>
+                <a:ea typeface="Droid Sans Mono" panose="020B0609030804020204" pitchFamily="49" charset="0"/>
+                <a:cs typeface="Droid Sans Mono" panose="020B0609030804020204" pitchFamily="49" charset="0"/>
+              </a:rPr>
+              <a:t>            if (numerator &gt;= denominator)</a:t>
+            </a:r>
+          </a:p>
+          <a:p>
+            <a:pPr marL="0" indent="0">
+              <a:buNone/>
+            </a:pPr>
+            <a:r>
+              <a:rPr lang="en-GB" sz="1400" b="0">
+                <a:latin typeface="Droid Sans Mono" panose="020B0609030804020204" pitchFamily="49" charset="0"/>
+                <a:ea typeface="Droid Sans Mono" panose="020B0609030804020204" pitchFamily="49" charset="0"/>
+                <a:cs typeface="Droid Sans Mono" panose="020B0609030804020204" pitchFamily="49" charset="0"/>
+              </a:rPr>
+              <a:t>              {</a:t>
+            </a:r>
+          </a:p>
+          <a:p>
+            <a:pPr marL="0" indent="0">
+              <a:buNone/>
+            </a:pPr>
+            <a:r>
+              <a:rPr lang="en-GB" sz="1400" b="0">
+                <a:latin typeface="Droid Sans Mono" panose="020B0609030804020204" pitchFamily="49" charset="0"/>
+                <a:ea typeface="Droid Sans Mono" panose="020B0609030804020204" pitchFamily="49" charset="0"/>
+                <a:cs typeface="Droid Sans Mono" panose="020B0609030804020204" pitchFamily="49" charset="0"/>
+              </a:rPr>
+              <a:t>                quotient |= bit;</a:t>
+            </a:r>
+          </a:p>
+          <a:p>
+            <a:pPr marL="0" indent="0">
+              <a:buNone/>
+            </a:pPr>
+            <a:r>
+              <a:rPr lang="en-GB" sz="1400" b="0">
+                <a:latin typeface="Droid Sans Mono" panose="020B0609030804020204" pitchFamily="49" charset="0"/>
+                <a:ea typeface="Droid Sans Mono" panose="020B0609030804020204" pitchFamily="49" charset="0"/>
+                <a:cs typeface="Droid Sans Mono" panose="020B0609030804020204" pitchFamily="49" charset="0"/>
+              </a:rPr>
+              <a:t>                numerator -= denominator;</a:t>
+            </a:r>
+          </a:p>
+          <a:p>
+            <a:pPr marL="0" indent="0">
+              <a:buNone/>
+            </a:pPr>
+            <a:r>
+              <a:rPr lang="en-GB" sz="1400" b="0">
+                <a:latin typeface="Droid Sans Mono" panose="020B0609030804020204" pitchFamily="49" charset="0"/>
+                <a:ea typeface="Droid Sans Mono" panose="020B0609030804020204" pitchFamily="49" charset="0"/>
+                <a:cs typeface="Droid Sans Mono" panose="020B0609030804020204" pitchFamily="49" charset="0"/>
+              </a:rPr>
+              <a:t>              }</a:t>
+            </a:r>
+          </a:p>
+          <a:p>
+            <a:pPr marL="0" indent="0">
+              <a:buNone/>
+            </a:pPr>
+            <a:r>
+              <a:rPr lang="en-GB" sz="1400" b="0">
+                <a:latin typeface="Droid Sans Mono" panose="020B0609030804020204" pitchFamily="49" charset="0"/>
+                <a:ea typeface="Droid Sans Mono" panose="020B0609030804020204" pitchFamily="49" charset="0"/>
+                <a:cs typeface="Droid Sans Mono" panose="020B0609030804020204" pitchFamily="49" charset="0"/>
+              </a:rPr>
+              <a:t>            bit &gt;&gt;= 1;</a:t>
+            </a:r>
+          </a:p>
+          <a:p>
+            <a:pPr marL="0" indent="0">
+              <a:buNone/>
+            </a:pPr>
+            <a:r>
+              <a:rPr lang="en-GB" sz="1400" b="0">
+                <a:latin typeface="Droid Sans Mono" panose="020B0609030804020204" pitchFamily="49" charset="0"/>
+                <a:ea typeface="Droid Sans Mono" panose="020B0609030804020204" pitchFamily="49" charset="0"/>
+                <a:cs typeface="Droid Sans Mono" panose="020B0609030804020204" pitchFamily="49" charset="0"/>
+              </a:rPr>
+              <a:t>            numerator *= 2;</a:t>
+            </a:r>
+          </a:p>
+          <a:p>
+            <a:pPr marL="0" indent="0">
+              <a:buNone/>
+            </a:pPr>
+            <a:r>
+              <a:rPr lang="en-GB" sz="1400" b="0">
+                <a:latin typeface="Droid Sans Mono" panose="020B0609030804020204" pitchFamily="49" charset="0"/>
+                <a:ea typeface="Droid Sans Mono" panose="020B0609030804020204" pitchFamily="49" charset="0"/>
+                <a:cs typeface="Droid Sans Mono" panose="020B0609030804020204" pitchFamily="49" charset="0"/>
+              </a:rPr>
+              <a:t>      }</a:t>
+            </a:r>
+          </a:p>
+          <a:p>
+            <a:pPr marL="0" indent="0">
+              <a:buNone/>
+            </a:pPr>
+            <a:endParaRPr lang="en-GB" sz="1400" b="0">
+              <a:latin typeface="Droid Sans Mono" panose="020B0609030804020204" pitchFamily="49" charset="0"/>
+              <a:ea typeface="Droid Sans Mono" panose="020B0609030804020204" pitchFamily="49" charset="0"/>
+              <a:cs typeface="Droid Sans Mono" panose="020B0609030804020204" pitchFamily="49" charset="0"/>
+            </a:endParaRPr>
+          </a:p>
+          <a:p>
+            <a:pPr marL="0" indent="0">
+              <a:buNone/>
+            </a:pPr>
+            <a:r>
+              <a:rPr lang="en-GB" sz="1400" b="0">
+                <a:latin typeface="Droid Sans Mono" panose="020B0609030804020204" pitchFamily="49" charset="0"/>
+                <a:ea typeface="Droid Sans Mono" panose="020B0609030804020204" pitchFamily="49" charset="0"/>
+                <a:cs typeface="Droid Sans Mono" panose="020B0609030804020204" pitchFamily="49" charset="0"/>
+              </a:rPr>
+              <a:t>    if (!ROUND_TOWARDS_ZERO &amp;&amp; (quotient &amp; GARDMASK) == GARDMSB)</a:t>
+            </a:r>
+          </a:p>
+          <a:p>
+            <a:pPr marL="0" indent="0">
+              <a:buNone/>
+            </a:pPr>
+            <a:r>
+              <a:rPr lang="en-GB" sz="1400" b="0">
+                <a:latin typeface="Droid Sans Mono" panose="020B0609030804020204" pitchFamily="49" charset="0"/>
+                <a:ea typeface="Droid Sans Mono" panose="020B0609030804020204" pitchFamily="49" charset="0"/>
+                <a:cs typeface="Droid Sans Mono" panose="020B0609030804020204" pitchFamily="49" charset="0"/>
+              </a:rPr>
+              <a:t>    {</a:t>
+            </a:r>
+          </a:p>
+          <a:p>
+            <a:pPr marL="0" indent="0">
+              <a:buNone/>
+            </a:pPr>
+            <a:r>
+              <a:rPr lang="en-GB" sz="1400" b="0">
+                <a:latin typeface="Droid Sans Mono" panose="020B0609030804020204" pitchFamily="49" charset="0"/>
+                <a:ea typeface="Droid Sans Mono" panose="020B0609030804020204" pitchFamily="49" charset="0"/>
+                <a:cs typeface="Droid Sans Mono" panose="020B0609030804020204" pitchFamily="49" charset="0"/>
+              </a:rPr>
+              <a:t>	if (quotient &amp; (1 &lt;&lt; NGARDS)) { }</a:t>
+            </a:r>
+          </a:p>
+          <a:p>
+            <a:pPr marL="0" indent="0">
+              <a:buNone/>
+            </a:pPr>
+            <a:r>
+              <a:rPr lang="en-GB" sz="1400" b="0">
+                <a:latin typeface="Droid Sans Mono" panose="020B0609030804020204" pitchFamily="49" charset="0"/>
+                <a:ea typeface="Droid Sans Mono" panose="020B0609030804020204" pitchFamily="49" charset="0"/>
+                <a:cs typeface="Droid Sans Mono" panose="020B0609030804020204" pitchFamily="49" charset="0"/>
+              </a:rPr>
+              <a:t>	else if (numerator)</a:t>
+            </a:r>
+          </a:p>
+          <a:p>
+            <a:pPr marL="0" indent="0">
+              <a:buNone/>
+            </a:pPr>
+            <a:r>
+              <a:rPr lang="en-GB" sz="1400" b="0">
+                <a:latin typeface="Droid Sans Mono" panose="020B0609030804020204" pitchFamily="49" charset="0"/>
+                <a:ea typeface="Droid Sans Mono" panose="020B0609030804020204" pitchFamily="49" charset="0"/>
+                <a:cs typeface="Droid Sans Mono" panose="020B0609030804020204" pitchFamily="49" charset="0"/>
+              </a:rPr>
+              <a:t>	  {</a:t>
+            </a:r>
+          </a:p>
+          <a:p>
+            <a:pPr marL="0" indent="0">
+              <a:buNone/>
+            </a:pPr>
+            <a:r>
+              <a:rPr lang="en-GB" sz="1400" b="0">
+                <a:latin typeface="Droid Sans Mono" panose="020B0609030804020204" pitchFamily="49" charset="0"/>
+                <a:ea typeface="Droid Sans Mono" panose="020B0609030804020204" pitchFamily="49" charset="0"/>
+                <a:cs typeface="Droid Sans Mono" panose="020B0609030804020204" pitchFamily="49" charset="0"/>
+              </a:rPr>
+              <a:t>	    quotient += GARDROUND + 1;</a:t>
+            </a:r>
+          </a:p>
+          <a:p>
+            <a:pPr marL="0" indent="0">
+              <a:buNone/>
+            </a:pPr>
+            <a:r>
+              <a:rPr lang="en-GB" sz="1400" b="0">
+                <a:latin typeface="Droid Sans Mono" panose="020B0609030804020204" pitchFamily="49" charset="0"/>
+                <a:ea typeface="Droid Sans Mono" panose="020B0609030804020204" pitchFamily="49" charset="0"/>
+                <a:cs typeface="Droid Sans Mono" panose="020B0609030804020204" pitchFamily="49" charset="0"/>
+              </a:rPr>
+              <a:t>	    quotient &amp;= ~(fractype) GARDMASK;</a:t>
+            </a:r>
+          </a:p>
+          <a:p>
+            <a:pPr marL="0" indent="0">
+              <a:buNone/>
+            </a:pPr>
+            <a:r>
+              <a:rPr lang="en-GB" sz="1400" b="0">
+                <a:latin typeface="Droid Sans Mono" panose="020B0609030804020204" pitchFamily="49" charset="0"/>
+                <a:ea typeface="Droid Sans Mono" panose="020B0609030804020204" pitchFamily="49" charset="0"/>
+                <a:cs typeface="Droid Sans Mono" panose="020B0609030804020204" pitchFamily="49" charset="0"/>
+              </a:rPr>
+              <a:t>	  }</a:t>
+            </a:r>
+          </a:p>
+          <a:p>
+            <a:pPr marL="0" indent="0">
+              <a:buNone/>
+            </a:pPr>
+            <a:r>
+              <a:rPr lang="en-GB" sz="1400" b="0">
+                <a:latin typeface="Droid Sans Mono" panose="020B0609030804020204" pitchFamily="49" charset="0"/>
+                <a:ea typeface="Droid Sans Mono" panose="020B0609030804020204" pitchFamily="49" charset="0"/>
+                <a:cs typeface="Droid Sans Mono" panose="020B0609030804020204" pitchFamily="49" charset="0"/>
+              </a:rPr>
+              <a:t>    }</a:t>
+            </a:r>
+          </a:p>
+          <a:p>
+            <a:pPr marL="0" indent="0">
+              <a:buNone/>
+            </a:pPr>
+            <a:endParaRPr lang="en-GB" sz="1400" b="0">
+              <a:latin typeface="Droid Sans Mono" panose="020B0609030804020204" pitchFamily="49" charset="0"/>
+              <a:ea typeface="Droid Sans Mono" panose="020B0609030804020204" pitchFamily="49" charset="0"/>
+              <a:cs typeface="Droid Sans Mono" panose="020B0609030804020204" pitchFamily="49" charset="0"/>
+            </a:endParaRPr>
+          </a:p>
+          <a:p>
+            <a:pPr marL="0" indent="0">
+              <a:buNone/>
+            </a:pPr>
+            <a:r>
+              <a:rPr lang="en-GB" sz="1400" b="0">
+                <a:latin typeface="Droid Sans Mono" panose="020B0609030804020204" pitchFamily="49" charset="0"/>
+                <a:ea typeface="Droid Sans Mono" panose="020B0609030804020204" pitchFamily="49" charset="0"/>
+                <a:cs typeface="Droid Sans Mono" panose="020B0609030804020204" pitchFamily="49" charset="0"/>
+              </a:rPr>
+              <a:t>    a-&gt;fraction.ll = quotient;</a:t>
+            </a:r>
+          </a:p>
+          <a:p>
+            <a:pPr marL="0" indent="0">
+              <a:buNone/>
+            </a:pPr>
+            <a:r>
+              <a:rPr lang="en-GB" sz="1400" b="0">
+                <a:latin typeface="Droid Sans Mono" panose="020B0609030804020204" pitchFamily="49" charset="0"/>
+                <a:ea typeface="Droid Sans Mono" panose="020B0609030804020204" pitchFamily="49" charset="0"/>
+                <a:cs typeface="Droid Sans Mono" panose="020B0609030804020204" pitchFamily="49" charset="0"/>
+              </a:rPr>
+              <a:t>    return (a);</a:t>
+            </a:r>
+          </a:p>
+          <a:p>
+            <a:pPr marL="0" indent="0">
+              <a:buNone/>
+            </a:pPr>
+            <a:r>
+              <a:rPr lang="en-GB" sz="1400" b="0">
+                <a:latin typeface="Droid Sans Mono" panose="020B0609030804020204" pitchFamily="49" charset="0"/>
+                <a:ea typeface="Droid Sans Mono" panose="020B0609030804020204" pitchFamily="49" charset="0"/>
+                <a:cs typeface="Droid Sans Mono" panose="020B0609030804020204" pitchFamily="49" charset="0"/>
+              </a:rPr>
+              <a:t>  }</a:t>
+            </a:r>
+          </a:p>
+          <a:p>
+            <a:pPr marL="0" indent="0">
+              <a:buNone/>
+            </a:pPr>
+            <a:r>
+              <a:rPr lang="en-GB" sz="1400" b="0">
+                <a:latin typeface="Droid Sans Mono" panose="020B0609030804020204" pitchFamily="49" charset="0"/>
+                <a:ea typeface="Droid Sans Mono" panose="020B0609030804020204" pitchFamily="49" charset="0"/>
+                <a:cs typeface="Droid Sans Mono" panose="020B0609030804020204" pitchFamily="49" charset="0"/>
+              </a:rPr>
+              <a:t>}</a:t>
+            </a:r>
           </a:p>
           <a:p>
             <a:pPr marL="0" indent="0">
@@ -4128,13 +4691,106 @@
             <a:endParaRPr lang="en-GB" sz="2400" b="0">
               <a:latin typeface="Eurostile" panose="020B0504020202050204" pitchFamily="34" charset="0"/>
             </a:endParaRPr>
+          </a:p>
+        </p:txBody>
+      </p:sp>
+      <p:sp>
+        <p:nvSpPr>
+          <p:cNvPr id="2" name="Titel 1"/>
+          <p:cNvSpPr>
+            <a:spLocks noGrp="1"/>
+          </p:cNvSpPr>
+          <p:nvPr>
+            <p:ph type="title"/>
+          </p:nvPr>
+        </p:nvSpPr>
+        <p:spPr/>
+        <p:txBody>
+          <a:bodyPr/>
+          <a:lstStyle/>
+          <a:p>
+            <a:r>
+              <a:rPr lang="en-GB" smtClean="0"/>
+              <a:t>Jorge’s and Alex’ Challenge</a:t>
+            </a:r>
+            <a:endParaRPr lang="en-GB" dirty="0"/>
+          </a:p>
+        </p:txBody>
+      </p:sp>
+      <p:sp>
+        <p:nvSpPr>
+          <p:cNvPr id="6" name="Textfeld 5"/>
+          <p:cNvSpPr txBox="1"/>
+          <p:nvPr/>
+        </p:nvSpPr>
+        <p:spPr>
+          <a:xfrm>
+            <a:off x="6582508" y="6930030"/>
+            <a:ext cx="3317631" cy="369332"/>
+          </a:xfrm>
+          <a:prstGeom prst="rect">
+            <a:avLst/>
+          </a:prstGeom>
+          <a:noFill/>
+        </p:spPr>
+        <p:txBody>
+          <a:bodyPr wrap="square" rtlCol="0">
+            <a:spAutoFit/>
+          </a:bodyPr>
+          <a:lstStyle/>
+          <a:p>
+            <a:r>
+              <a:rPr lang="de-DE" smtClean="0"/>
+              <a:t>How to cover that code?</a:t>
+            </a:r>
+            <a:endParaRPr lang="en-US"/>
+          </a:p>
+        </p:txBody>
+      </p:sp>
+      <p:sp>
+        <p:nvSpPr>
+          <p:cNvPr id="7" name="Pfeil nach links 6"/>
+          <p:cNvSpPr/>
+          <p:nvPr/>
+        </p:nvSpPr>
+        <p:spPr>
+          <a:xfrm>
+            <a:off x="5701811" y="6968439"/>
+            <a:ext cx="677008" cy="292513"/>
+          </a:xfrm>
+          <a:prstGeom prst="leftArrow">
+            <a:avLst/>
+          </a:prstGeom>
+        </p:spPr>
+        <p:style>
+          <a:lnRef idx="2">
+            <a:schemeClr val="accent1">
+              <a:shade val="50000"/>
+            </a:schemeClr>
+          </a:lnRef>
+          <a:fillRef idx="1">
+            <a:schemeClr val="accent1"/>
+          </a:fillRef>
+          <a:effectRef idx="0">
+            <a:schemeClr val="accent1"/>
+          </a:effectRef>
+          <a:fontRef idx="minor">
+            <a:schemeClr val="lt1"/>
+          </a:fontRef>
+        </p:style>
+        <p:txBody>
+          <a:bodyPr rtlCol="0" anchor="ctr"/>
+          <a:lstStyle/>
+          <a:p>
+            <a:pPr algn="ctr"/>
+            <a:endParaRPr lang="en-US"/>
           </a:p>
         </p:txBody>
       </p:sp>
     </p:spTree>
     <p:extLst>
       <p:ext uri="{BB962C8B-B14F-4D97-AF65-F5344CB8AC3E}">
-        <p14:creationId xmlns:p14="http://schemas.microsoft.com/office/powerpoint/2010/main" val="3005270249"/>
+        <p14:creationId xmlns:p14="http://schemas.microsoft.com/office/powerpoint/2010/main" val="678591488"/>
       </p:ext>
     </p:extLst>
   </p:cSld>
@@ -4168,6 +4824,36 @@
           <a:chExt cx="0" cy="0"/>
         </a:xfrm>
       </p:grpSpPr>
+      <p:pic>
+        <p:nvPicPr>
+          <p:cNvPr id="8" name="Grafik 7"/>
+          <p:cNvPicPr>
+            <a:picLocks noChangeAspect="1"/>
+          </p:cNvPicPr>
+          <p:nvPr/>
+        </p:nvPicPr>
+        <p:blipFill>
+          <a:blip r:embed="rId3">
+            <a:extLst>
+              <a:ext uri="{28A0092B-C50C-407E-A947-70E740481C1C}">
+                <a14:useLocalDpi xmlns:a14="http://schemas.microsoft.com/office/drawing/2010/main" val="0"/>
+              </a:ext>
+            </a:extLst>
+          </a:blip>
+          <a:stretch>
+            <a:fillRect/>
+          </a:stretch>
+        </p:blipFill>
+        <p:spPr>
+          <a:xfrm>
+            <a:off x="8124727" y="2414954"/>
+            <a:ext cx="2143125" cy="2143125"/>
+          </a:xfrm>
+          <a:prstGeom prst="rect">
+            <a:avLst/>
+          </a:prstGeom>
+        </p:spPr>
+      </p:pic>
       <p:sp>
         <p:nvSpPr>
           <p:cNvPr id="2" name="Titel 1"/>
@@ -4185,7 +4871,7 @@
           <a:p>
             <a:r>
               <a:rPr lang="en-GB" smtClean="0"/>
-              <a:t>Some Implementation Strategies</a:t>
+              <a:t>Other Tools</a:t>
             </a:r>
             <a:endParaRPr lang="en-GB" dirty="0"/>
           </a:p>
@@ -4210,6 +4896,216 @@
           <a:bodyPr/>
           <a:lstStyle/>
           <a:p>
+            <a:pPr marL="0" indent="0">
+              <a:buNone/>
+            </a:pPr>
+            <a:r>
+              <a:rPr lang="en-GB" smtClean="0"/>
+              <a:t>Denise’s Report:</a:t>
+            </a:r>
+          </a:p>
+          <a:p>
+            <a:pPr marL="0" indent="0">
+              <a:buNone/>
+            </a:pPr>
+            <a:endParaRPr lang="en-GB" smtClean="0"/>
+          </a:p>
+          <a:p>
+            <a:r>
+              <a:rPr lang="en-GB" smtClean="0"/>
+              <a:t>CREST</a:t>
+            </a:r>
+          </a:p>
+          <a:p>
+            <a:r>
+              <a:rPr lang="en-GB" smtClean="0"/>
+              <a:t>KLEE (Problems with Library Functions)</a:t>
+            </a:r>
+          </a:p>
+          <a:p>
+            <a:r>
+              <a:rPr lang="en-GB" smtClean="0"/>
+              <a:t>VectorCast</a:t>
+            </a:r>
+          </a:p>
+          <a:p>
+            <a:pPr marL="0" indent="0">
+              <a:buNone/>
+            </a:pPr>
+            <a:r>
+              <a:rPr lang="en-GB" smtClean="0"/>
+              <a:t> </a:t>
+            </a:r>
+            <a:endParaRPr lang="en-GB" smtClean="0"/>
+          </a:p>
+          <a:p>
+            <a:pPr marL="0" indent="0">
+              <a:buNone/>
+            </a:pPr>
+            <a:endParaRPr lang="en-GB" smtClean="0"/>
+          </a:p>
+          <a:p>
+            <a:pPr marL="0" indent="0">
+              <a:buNone/>
+            </a:pPr>
+            <a:endParaRPr lang="en-GB" sz="2400" b="0">
+              <a:latin typeface="Eurostile" panose="020B0504020202050204" pitchFamily="34" charset="0"/>
+            </a:endParaRPr>
+          </a:p>
+        </p:txBody>
+      </p:sp>
+      <p:sp>
+        <p:nvSpPr>
+          <p:cNvPr id="6" name="Geschweifte Klammer rechts 5"/>
+          <p:cNvSpPr/>
+          <p:nvPr/>
+        </p:nvSpPr>
+        <p:spPr>
+          <a:xfrm>
+            <a:off x="7666892" y="2414954"/>
+            <a:ext cx="351693" cy="1946031"/>
+          </a:xfrm>
+          <a:prstGeom prst="rightBrace">
+            <a:avLst/>
+          </a:prstGeom>
+          <a:ln w="38100">
+            <a:solidFill>
+              <a:schemeClr val="tx1"/>
+            </a:solidFill>
+          </a:ln>
+        </p:spPr>
+        <p:style>
+          <a:lnRef idx="1">
+            <a:schemeClr val="accent1"/>
+          </a:lnRef>
+          <a:fillRef idx="0">
+            <a:schemeClr val="accent1"/>
+          </a:fillRef>
+          <a:effectRef idx="0">
+            <a:schemeClr val="accent1"/>
+          </a:effectRef>
+          <a:fontRef idx="minor">
+            <a:schemeClr val="tx1"/>
+          </a:fontRef>
+        </p:style>
+        <p:txBody>
+          <a:bodyPr rtlCol="0" anchor="ctr"/>
+          <a:lstStyle/>
+          <a:p>
+            <a:pPr algn="ctr"/>
+            <a:endParaRPr lang="en-US"/>
+          </a:p>
+        </p:txBody>
+      </p:sp>
+      <p:sp>
+        <p:nvSpPr>
+          <p:cNvPr id="7" name="Textfeld 6"/>
+          <p:cNvSpPr txBox="1"/>
+          <p:nvPr/>
+        </p:nvSpPr>
+        <p:spPr>
+          <a:xfrm>
+            <a:off x="8392160" y="2926304"/>
+            <a:ext cx="1875692" cy="923330"/>
+          </a:xfrm>
+          <a:prstGeom prst="rect">
+            <a:avLst/>
+          </a:prstGeom>
+          <a:noFill/>
+        </p:spPr>
+        <p:txBody>
+          <a:bodyPr wrap="square" rtlCol="0">
+            <a:spAutoFit/>
+          </a:bodyPr>
+          <a:lstStyle/>
+          <a:p>
+            <a:r>
+              <a:rPr lang="de-DE" sz="5400" smtClean="0"/>
+              <a:t>float</a:t>
+            </a:r>
+            <a:endParaRPr lang="en-US" sz="5400"/>
+          </a:p>
+        </p:txBody>
+      </p:sp>
+    </p:spTree>
+    <p:extLst>
+      <p:ext uri="{BB962C8B-B14F-4D97-AF65-F5344CB8AC3E}">
+        <p14:creationId xmlns:p14="http://schemas.microsoft.com/office/powerpoint/2010/main" val="3005270249"/>
+      </p:ext>
+    </p:extLst>
+  </p:cSld>
+  <p:clrMapOvr>
+    <a:masterClrMapping/>
+  </p:clrMapOvr>
+  <p:timing>
+    <p:tnLst>
+      <p:par>
+        <p:cTn id="1" dur="indefinite" restart="never" nodeType="tmRoot"/>
+      </p:par>
+    </p:tnLst>
+  </p:timing>
+</p:sld>
+</file>
+
+<file path=ppt/slides/slide8.xml><?xml version="1.0" encoding="utf-8"?>
+<p:sld xmlns:a="http://schemas.openxmlformats.org/drawingml/2006/main" xmlns:r="http://schemas.openxmlformats.org/officeDocument/2006/relationships" xmlns:p="http://schemas.openxmlformats.org/presentationml/2006/main">
+  <p:cSld>
+    <p:spTree>
+      <p:nvGrpSpPr>
+        <p:cNvPr id="1" name=""/>
+        <p:cNvGrpSpPr/>
+        <p:nvPr/>
+      </p:nvGrpSpPr>
+      <p:grpSpPr>
+        <a:xfrm>
+          <a:off x="0" y="0"/>
+          <a:ext cx="0" cy="0"/>
+          <a:chOff x="0" y="0"/>
+          <a:chExt cx="0" cy="0"/>
+        </a:xfrm>
+      </p:grpSpPr>
+      <p:sp>
+        <p:nvSpPr>
+          <p:cNvPr id="2" name="Titel 1"/>
+          <p:cNvSpPr>
+            <a:spLocks noGrp="1"/>
+          </p:cNvSpPr>
+          <p:nvPr>
+            <p:ph type="title"/>
+          </p:nvPr>
+        </p:nvSpPr>
+        <p:spPr/>
+        <p:txBody>
+          <a:bodyPr/>
+          <a:lstStyle/>
+          <a:p>
+            <a:r>
+              <a:rPr lang="en-GB" smtClean="0"/>
+              <a:t>Some Implementation Strategies</a:t>
+            </a:r>
+            <a:endParaRPr lang="en-GB" dirty="0"/>
+          </a:p>
+        </p:txBody>
+      </p:sp>
+      <p:sp>
+        <p:nvSpPr>
+          <p:cNvPr id="3" name="Inhaltsplatzhalter 2"/>
+          <p:cNvSpPr>
+            <a:spLocks noGrp="1"/>
+          </p:cNvSpPr>
+          <p:nvPr>
+            <p:ph idx="1"/>
+          </p:nvPr>
+        </p:nvSpPr>
+        <p:spPr>
+          <a:ln>
+            <a:noFill/>
+          </a:ln>
+        </p:spPr>
+        <p:txBody>
+          <a:bodyPr/>
+          <a:lstStyle/>
+          <a:p>
             <a:r>
               <a:rPr lang="en-GB" smtClean="0"/>
               <a:t>Function expansion by </a:t>
@@ -4233,7 +5129,7 @@
           <a:p>
             <a:r>
               <a:rPr lang="en-GB" smtClean="0"/>
-              <a:t>Lazyness enabling Producer-Consumer-Model necessary for pipelining extremely big trees</a:t>
+              <a:t>Lazyness enabling Producer-Consumer-Model necessary for pipelining extremely large trees</a:t>
             </a:r>
           </a:p>
           <a:p>
@@ -4252,7 +5148,7 @@
           <a:p>
             <a:r>
               <a:rPr lang="en-GB" smtClean="0"/>
-              <a:t>Using “quasi-quoter” as template for C test harness</a:t>
+              <a:t>Using Quasi-Quoter as template for C test harness</a:t>
             </a:r>
           </a:p>
           <a:p>
@@ -4288,7 +5184,7 @@
           <a:p>
             <a:r>
               <a:rPr lang="en-GB" smtClean="0"/>
-              <a:t>Uncode-Syntax for mathematical comprehension</a:t>
+              <a:t>Unicode-Syntax for mathematical comprehension</a:t>
             </a:r>
           </a:p>
           <a:p>
@@ -4343,7 +5239,7 @@
 </p:sld>
 </file>
 
-<file path=ppt/slides/slide8.xml><?xml version="1.0" encoding="utf-8"?>
+<file path=ppt/slides/slide9.xml><?xml version="1.0" encoding="utf-8"?>
 <p:sld xmlns:a="http://schemas.openxmlformats.org/drawingml/2006/main" xmlns:r="http://schemas.openxmlformats.org/officeDocument/2006/relationships" xmlns:p="http://schemas.openxmlformats.org/presentationml/2006/main">
   <p:cSld>
     <p:spTree>

--- a/Vortraege/TestVectorGenerator.pptx
+++ b/Vortraege/TestVectorGenerator.pptx
@@ -5,10 +5,10 @@
     <p:sldMasterId id="2147483708" r:id="rId1"/>
   </p:sldMasterIdLst>
   <p:notesMasterIdLst>
-    <p:notesMasterId r:id="rId11"/>
+    <p:notesMasterId r:id="rId18"/>
   </p:notesMasterIdLst>
   <p:handoutMasterIdLst>
-    <p:handoutMasterId r:id="rId12"/>
+    <p:handoutMasterId r:id="rId19"/>
   </p:handoutMasterIdLst>
   <p:sldIdLst>
     <p:sldId id="303" r:id="rId2"/>
@@ -18,30 +18,37 @@
     <p:sldId id="366" r:id="rId6"/>
     <p:sldId id="369" r:id="rId7"/>
     <p:sldId id="367" r:id="rId8"/>
-    <p:sldId id="368" r:id="rId9"/>
-    <p:sldId id="332" r:id="rId10"/>
+    <p:sldId id="370" r:id="rId9"/>
+    <p:sldId id="371" r:id="rId10"/>
+    <p:sldId id="374" r:id="rId11"/>
+    <p:sldId id="373" r:id="rId12"/>
+    <p:sldId id="368" r:id="rId13"/>
+    <p:sldId id="376" r:id="rId14"/>
+    <p:sldId id="375" r:id="rId15"/>
+    <p:sldId id="372" r:id="rId16"/>
+    <p:sldId id="332" r:id="rId17"/>
   </p:sldIdLst>
   <p:sldSz cx="13004800" cy="9753600"/>
   <p:notesSz cx="6819900" cy="9931400"/>
   <p:embeddedFontLst>
     <p:embeddedFont>
       <p:font typeface="Droid Sans Mono" panose="020B0609030804020204" pitchFamily="49" charset="0"/>
-      <p:regular r:id="rId13"/>
+      <p:regular r:id="rId20"/>
     </p:embeddedFont>
     <p:embeddedFont>
       <p:font typeface="Calibri" panose="020F0502020204030204" pitchFamily="34" charset="0"/>
-      <p:regular r:id="rId14"/>
-      <p:bold r:id="rId15"/>
-      <p:italic r:id="rId16"/>
-      <p:boldItalic r:id="rId17"/>
+      <p:regular r:id="rId21"/>
+      <p:bold r:id="rId22"/>
+      <p:italic r:id="rId23"/>
+      <p:boldItalic r:id="rId24"/>
     </p:embeddedFont>
     <p:embeddedFont>
       <p:font typeface="Wingdings 3" panose="05040102010807070707" pitchFamily="18" charset="2"/>
-      <p:regular r:id="rId18"/>
+      <p:regular r:id="rId25"/>
     </p:embeddedFont>
     <p:embeddedFont>
       <p:font typeface="Eurostile" panose="020B0504020202050204" pitchFamily="34" charset="0"/>
-      <p:regular r:id="rId19"/>
+      <p:regular r:id="rId26"/>
     </p:embeddedFont>
   </p:embeddedFontLst>
   <p:defaultTextStyle>
@@ -1153,6 +1160,372 @@
 </p:notes>
 </file>
 
+<file path=ppt/notesSlides/notesSlide10.xml><?xml version="1.0" encoding="utf-8"?>
+<p:notes xmlns:a="http://schemas.openxmlformats.org/drawingml/2006/main" xmlns:r="http://schemas.openxmlformats.org/officeDocument/2006/relationships" xmlns:p="http://schemas.openxmlformats.org/presentationml/2006/main">
+  <p:cSld>
+    <p:spTree>
+      <p:nvGrpSpPr>
+        <p:cNvPr id="1" name=""/>
+        <p:cNvGrpSpPr/>
+        <p:nvPr/>
+      </p:nvGrpSpPr>
+      <p:grpSpPr>
+        <a:xfrm>
+          <a:off x="0" y="0"/>
+          <a:ext cx="0" cy="0"/>
+          <a:chOff x="0" y="0"/>
+          <a:chExt cx="0" cy="0"/>
+        </a:xfrm>
+      </p:grpSpPr>
+      <p:sp>
+        <p:nvSpPr>
+          <p:cNvPr id="2" name="Folienbildplatzhalter 1"/>
+          <p:cNvSpPr>
+            <a:spLocks noGrp="1" noRot="1" noChangeAspect="1"/>
+          </p:cNvSpPr>
+          <p:nvPr>
+            <p:ph type="sldImg"/>
+          </p:nvPr>
+        </p:nvSpPr>
+        <p:spPr/>
+      </p:sp>
+      <p:sp>
+        <p:nvSpPr>
+          <p:cNvPr id="3" name="Notizenplatzhalter 2"/>
+          <p:cNvSpPr>
+            <a:spLocks noGrp="1"/>
+          </p:cNvSpPr>
+          <p:nvPr>
+            <p:ph type="body" idx="1"/>
+          </p:nvPr>
+        </p:nvSpPr>
+        <p:spPr/>
+        <p:txBody>
+          <a:bodyPr/>
+          <a:lstStyle/>
+          <a:p>
+            <a:endParaRPr lang="de-DE"/>
+          </a:p>
+        </p:txBody>
+      </p:sp>
+    </p:spTree>
+    <p:extLst>
+      <p:ext uri="{BB962C8B-B14F-4D97-AF65-F5344CB8AC3E}">
+        <p14:creationId xmlns:p14="http://schemas.microsoft.com/office/powerpoint/2010/main" val="2878513000"/>
+      </p:ext>
+    </p:extLst>
+  </p:cSld>
+  <p:clrMapOvr>
+    <a:masterClrMapping/>
+  </p:clrMapOvr>
+</p:notes>
+</file>
+
+<file path=ppt/notesSlides/notesSlide11.xml><?xml version="1.0" encoding="utf-8"?>
+<p:notes xmlns:a="http://schemas.openxmlformats.org/drawingml/2006/main" xmlns:r="http://schemas.openxmlformats.org/officeDocument/2006/relationships" xmlns:p="http://schemas.openxmlformats.org/presentationml/2006/main">
+  <p:cSld>
+    <p:spTree>
+      <p:nvGrpSpPr>
+        <p:cNvPr id="1" name=""/>
+        <p:cNvGrpSpPr/>
+        <p:nvPr/>
+      </p:nvGrpSpPr>
+      <p:grpSpPr>
+        <a:xfrm>
+          <a:off x="0" y="0"/>
+          <a:ext cx="0" cy="0"/>
+          <a:chOff x="0" y="0"/>
+          <a:chExt cx="0" cy="0"/>
+        </a:xfrm>
+      </p:grpSpPr>
+      <p:sp>
+        <p:nvSpPr>
+          <p:cNvPr id="2" name="Folienbildplatzhalter 1"/>
+          <p:cNvSpPr>
+            <a:spLocks noGrp="1" noRot="1" noChangeAspect="1"/>
+          </p:cNvSpPr>
+          <p:nvPr>
+            <p:ph type="sldImg"/>
+          </p:nvPr>
+        </p:nvSpPr>
+        <p:spPr/>
+      </p:sp>
+      <p:sp>
+        <p:nvSpPr>
+          <p:cNvPr id="3" name="Notizenplatzhalter 2"/>
+          <p:cNvSpPr>
+            <a:spLocks noGrp="1"/>
+          </p:cNvSpPr>
+          <p:nvPr>
+            <p:ph type="body" idx="1"/>
+          </p:nvPr>
+        </p:nvSpPr>
+        <p:spPr/>
+        <p:txBody>
+          <a:bodyPr/>
+          <a:lstStyle/>
+          <a:p>
+            <a:endParaRPr lang="de-DE"/>
+          </a:p>
+        </p:txBody>
+      </p:sp>
+    </p:spTree>
+    <p:extLst>
+      <p:ext uri="{BB962C8B-B14F-4D97-AF65-F5344CB8AC3E}">
+        <p14:creationId xmlns:p14="http://schemas.microsoft.com/office/powerpoint/2010/main" val="20669712"/>
+      </p:ext>
+    </p:extLst>
+  </p:cSld>
+  <p:clrMapOvr>
+    <a:masterClrMapping/>
+  </p:clrMapOvr>
+</p:notes>
+</file>
+
+<file path=ppt/notesSlides/notesSlide12.xml><?xml version="1.0" encoding="utf-8"?>
+<p:notes xmlns:a="http://schemas.openxmlformats.org/drawingml/2006/main" xmlns:r="http://schemas.openxmlformats.org/officeDocument/2006/relationships" xmlns:p="http://schemas.openxmlformats.org/presentationml/2006/main">
+  <p:cSld>
+    <p:spTree>
+      <p:nvGrpSpPr>
+        <p:cNvPr id="1" name=""/>
+        <p:cNvGrpSpPr/>
+        <p:nvPr/>
+      </p:nvGrpSpPr>
+      <p:grpSpPr>
+        <a:xfrm>
+          <a:off x="0" y="0"/>
+          <a:ext cx="0" cy="0"/>
+          <a:chOff x="0" y="0"/>
+          <a:chExt cx="0" cy="0"/>
+        </a:xfrm>
+      </p:grpSpPr>
+      <p:sp>
+        <p:nvSpPr>
+          <p:cNvPr id="2" name="Folienbildplatzhalter 1"/>
+          <p:cNvSpPr>
+            <a:spLocks noGrp="1" noRot="1" noChangeAspect="1"/>
+          </p:cNvSpPr>
+          <p:nvPr>
+            <p:ph type="sldImg"/>
+          </p:nvPr>
+        </p:nvSpPr>
+        <p:spPr/>
+      </p:sp>
+      <p:sp>
+        <p:nvSpPr>
+          <p:cNvPr id="3" name="Notizenplatzhalter 2"/>
+          <p:cNvSpPr>
+            <a:spLocks noGrp="1"/>
+          </p:cNvSpPr>
+          <p:nvPr>
+            <p:ph type="body" idx="1"/>
+          </p:nvPr>
+        </p:nvSpPr>
+        <p:spPr/>
+        <p:txBody>
+          <a:bodyPr/>
+          <a:lstStyle/>
+          <a:p>
+            <a:endParaRPr lang="de-DE"/>
+          </a:p>
+        </p:txBody>
+      </p:sp>
+    </p:spTree>
+    <p:extLst>
+      <p:ext uri="{BB962C8B-B14F-4D97-AF65-F5344CB8AC3E}">
+        <p14:creationId xmlns:p14="http://schemas.microsoft.com/office/powerpoint/2010/main" val="3799350488"/>
+      </p:ext>
+    </p:extLst>
+  </p:cSld>
+  <p:clrMapOvr>
+    <a:masterClrMapping/>
+  </p:clrMapOvr>
+</p:notes>
+</file>
+
+<file path=ppt/notesSlides/notesSlide13.xml><?xml version="1.0" encoding="utf-8"?>
+<p:notes xmlns:a="http://schemas.openxmlformats.org/drawingml/2006/main" xmlns:r="http://schemas.openxmlformats.org/officeDocument/2006/relationships" xmlns:p="http://schemas.openxmlformats.org/presentationml/2006/main">
+  <p:cSld>
+    <p:spTree>
+      <p:nvGrpSpPr>
+        <p:cNvPr id="1" name=""/>
+        <p:cNvGrpSpPr/>
+        <p:nvPr/>
+      </p:nvGrpSpPr>
+      <p:grpSpPr>
+        <a:xfrm>
+          <a:off x="0" y="0"/>
+          <a:ext cx="0" cy="0"/>
+          <a:chOff x="0" y="0"/>
+          <a:chExt cx="0" cy="0"/>
+        </a:xfrm>
+      </p:grpSpPr>
+      <p:sp>
+        <p:nvSpPr>
+          <p:cNvPr id="2" name="Folienbildplatzhalter 1"/>
+          <p:cNvSpPr>
+            <a:spLocks noGrp="1" noRot="1" noChangeAspect="1"/>
+          </p:cNvSpPr>
+          <p:nvPr>
+            <p:ph type="sldImg"/>
+          </p:nvPr>
+        </p:nvSpPr>
+        <p:spPr/>
+      </p:sp>
+      <p:sp>
+        <p:nvSpPr>
+          <p:cNvPr id="3" name="Notizenplatzhalter 2"/>
+          <p:cNvSpPr>
+            <a:spLocks noGrp="1"/>
+          </p:cNvSpPr>
+          <p:nvPr>
+            <p:ph type="body" idx="1"/>
+          </p:nvPr>
+        </p:nvSpPr>
+        <p:spPr/>
+        <p:txBody>
+          <a:bodyPr/>
+          <a:lstStyle/>
+          <a:p>
+            <a:endParaRPr lang="de-DE"/>
+          </a:p>
+        </p:txBody>
+      </p:sp>
+    </p:spTree>
+    <p:extLst>
+      <p:ext uri="{BB962C8B-B14F-4D97-AF65-F5344CB8AC3E}">
+        <p14:creationId xmlns:p14="http://schemas.microsoft.com/office/powerpoint/2010/main" val="627379763"/>
+      </p:ext>
+    </p:extLst>
+  </p:cSld>
+  <p:clrMapOvr>
+    <a:masterClrMapping/>
+  </p:clrMapOvr>
+</p:notes>
+</file>
+
+<file path=ppt/notesSlides/notesSlide14.xml><?xml version="1.0" encoding="utf-8"?>
+<p:notes xmlns:a="http://schemas.openxmlformats.org/drawingml/2006/main" xmlns:r="http://schemas.openxmlformats.org/officeDocument/2006/relationships" xmlns:p="http://schemas.openxmlformats.org/presentationml/2006/main">
+  <p:cSld>
+    <p:spTree>
+      <p:nvGrpSpPr>
+        <p:cNvPr id="1" name=""/>
+        <p:cNvGrpSpPr/>
+        <p:nvPr/>
+      </p:nvGrpSpPr>
+      <p:grpSpPr>
+        <a:xfrm>
+          <a:off x="0" y="0"/>
+          <a:ext cx="0" cy="0"/>
+          <a:chOff x="0" y="0"/>
+          <a:chExt cx="0" cy="0"/>
+        </a:xfrm>
+      </p:grpSpPr>
+      <p:sp>
+        <p:nvSpPr>
+          <p:cNvPr id="2" name="Folienbildplatzhalter 1"/>
+          <p:cNvSpPr>
+            <a:spLocks noGrp="1" noRot="1" noChangeAspect="1"/>
+          </p:cNvSpPr>
+          <p:nvPr>
+            <p:ph type="sldImg"/>
+          </p:nvPr>
+        </p:nvSpPr>
+        <p:spPr/>
+      </p:sp>
+      <p:sp>
+        <p:nvSpPr>
+          <p:cNvPr id="3" name="Notizenplatzhalter 2"/>
+          <p:cNvSpPr>
+            <a:spLocks noGrp="1"/>
+          </p:cNvSpPr>
+          <p:nvPr>
+            <p:ph type="body" idx="1"/>
+          </p:nvPr>
+        </p:nvSpPr>
+        <p:spPr/>
+        <p:txBody>
+          <a:bodyPr/>
+          <a:lstStyle/>
+          <a:p>
+            <a:endParaRPr lang="de-DE"/>
+          </a:p>
+        </p:txBody>
+      </p:sp>
+    </p:spTree>
+    <p:extLst>
+      <p:ext uri="{BB962C8B-B14F-4D97-AF65-F5344CB8AC3E}">
+        <p14:creationId xmlns:p14="http://schemas.microsoft.com/office/powerpoint/2010/main" val="709853054"/>
+      </p:ext>
+    </p:extLst>
+  </p:cSld>
+  <p:clrMapOvr>
+    <a:masterClrMapping/>
+  </p:clrMapOvr>
+</p:notes>
+</file>
+
+<file path=ppt/notesSlides/notesSlide15.xml><?xml version="1.0" encoding="utf-8"?>
+<p:notes xmlns:a="http://schemas.openxmlformats.org/drawingml/2006/main" xmlns:r="http://schemas.openxmlformats.org/officeDocument/2006/relationships" xmlns:p="http://schemas.openxmlformats.org/presentationml/2006/main">
+  <p:cSld>
+    <p:spTree>
+      <p:nvGrpSpPr>
+        <p:cNvPr id="1" name=""/>
+        <p:cNvGrpSpPr/>
+        <p:nvPr/>
+      </p:nvGrpSpPr>
+      <p:grpSpPr>
+        <a:xfrm>
+          <a:off x="0" y="0"/>
+          <a:ext cx="0" cy="0"/>
+          <a:chOff x="0" y="0"/>
+          <a:chExt cx="0" cy="0"/>
+        </a:xfrm>
+      </p:grpSpPr>
+      <p:sp>
+        <p:nvSpPr>
+          <p:cNvPr id="2" name="Folienbildplatzhalter 1"/>
+          <p:cNvSpPr>
+            <a:spLocks noGrp="1" noRot="1" noChangeAspect="1"/>
+          </p:cNvSpPr>
+          <p:nvPr>
+            <p:ph type="sldImg"/>
+          </p:nvPr>
+        </p:nvSpPr>
+        <p:spPr/>
+      </p:sp>
+      <p:sp>
+        <p:nvSpPr>
+          <p:cNvPr id="3" name="Notizenplatzhalter 2"/>
+          <p:cNvSpPr>
+            <a:spLocks noGrp="1"/>
+          </p:cNvSpPr>
+          <p:nvPr>
+            <p:ph type="body" idx="1"/>
+          </p:nvPr>
+        </p:nvSpPr>
+        <p:spPr/>
+        <p:txBody>
+          <a:bodyPr/>
+          <a:lstStyle/>
+          <a:p>
+            <a:endParaRPr lang="de-DE"/>
+          </a:p>
+        </p:txBody>
+      </p:sp>
+    </p:spTree>
+    <p:extLst>
+      <p:ext uri="{BB962C8B-B14F-4D97-AF65-F5344CB8AC3E}">
+        <p14:creationId xmlns:p14="http://schemas.microsoft.com/office/powerpoint/2010/main" val="61446492"/>
+      </p:ext>
+    </p:extLst>
+  </p:cSld>
+  <p:clrMapOvr>
+    <a:masterClrMapping/>
+  </p:clrMapOvr>
+</p:notes>
+</file>
+
 <file path=ppt/notesSlides/notesSlide2.xml><?xml version="1.0" encoding="utf-8"?>
 <p:notes xmlns:a="http://schemas.openxmlformats.org/drawingml/2006/main" xmlns:r="http://schemas.openxmlformats.org/officeDocument/2006/relationships" xmlns:p="http://schemas.openxmlformats.org/presentationml/2006/main">
   <p:cSld>
@@ -1570,7 +1943,68 @@
     </p:spTree>
     <p:extLst>
       <p:ext uri="{BB962C8B-B14F-4D97-AF65-F5344CB8AC3E}">
-        <p14:creationId xmlns:p14="http://schemas.microsoft.com/office/powerpoint/2010/main" val="3799350488"/>
+        <p14:creationId xmlns:p14="http://schemas.microsoft.com/office/powerpoint/2010/main" val="3188564644"/>
+      </p:ext>
+    </p:extLst>
+  </p:cSld>
+  <p:clrMapOvr>
+    <a:masterClrMapping/>
+  </p:clrMapOvr>
+</p:notes>
+</file>
+
+<file path=ppt/notesSlides/notesSlide9.xml><?xml version="1.0" encoding="utf-8"?>
+<p:notes xmlns:a="http://schemas.openxmlformats.org/drawingml/2006/main" xmlns:r="http://schemas.openxmlformats.org/officeDocument/2006/relationships" xmlns:p="http://schemas.openxmlformats.org/presentationml/2006/main">
+  <p:cSld>
+    <p:spTree>
+      <p:nvGrpSpPr>
+        <p:cNvPr id="1" name=""/>
+        <p:cNvGrpSpPr/>
+        <p:nvPr/>
+      </p:nvGrpSpPr>
+      <p:grpSpPr>
+        <a:xfrm>
+          <a:off x="0" y="0"/>
+          <a:ext cx="0" cy="0"/>
+          <a:chOff x="0" y="0"/>
+          <a:chExt cx="0" cy="0"/>
+        </a:xfrm>
+      </p:grpSpPr>
+      <p:sp>
+        <p:nvSpPr>
+          <p:cNvPr id="2" name="Folienbildplatzhalter 1"/>
+          <p:cNvSpPr>
+            <a:spLocks noGrp="1" noRot="1" noChangeAspect="1"/>
+          </p:cNvSpPr>
+          <p:nvPr>
+            <p:ph type="sldImg"/>
+          </p:nvPr>
+        </p:nvSpPr>
+        <p:spPr/>
+      </p:sp>
+      <p:sp>
+        <p:nvSpPr>
+          <p:cNvPr id="3" name="Notizenplatzhalter 2"/>
+          <p:cNvSpPr>
+            <a:spLocks noGrp="1"/>
+          </p:cNvSpPr>
+          <p:nvPr>
+            <p:ph type="body" idx="1"/>
+          </p:nvPr>
+        </p:nvSpPr>
+        <p:spPr/>
+        <p:txBody>
+          <a:bodyPr/>
+          <a:lstStyle/>
+          <a:p>
+            <a:endParaRPr lang="de-DE"/>
+          </a:p>
+        </p:txBody>
+      </p:sp>
+    </p:spTree>
+    <p:extLst>
+      <p:ext uri="{BB962C8B-B14F-4D97-AF65-F5344CB8AC3E}">
+        <p14:creationId xmlns:p14="http://schemas.microsoft.com/office/powerpoint/2010/main" val="2520466526"/>
       </p:ext>
     </p:extLst>
   </p:cSld>
@@ -3249,6 +3683,2981 @@
 </p:sld>
 </file>
 
+<file path=ppt/slides/slide10.xml><?xml version="1.0" encoding="utf-8"?>
+<p:sld xmlns:a="http://schemas.openxmlformats.org/drawingml/2006/main" xmlns:r="http://schemas.openxmlformats.org/officeDocument/2006/relationships" xmlns:p="http://schemas.openxmlformats.org/presentationml/2006/main">
+  <p:cSld>
+    <p:spTree>
+      <p:nvGrpSpPr>
+        <p:cNvPr id="1" name=""/>
+        <p:cNvGrpSpPr/>
+        <p:nvPr/>
+      </p:nvGrpSpPr>
+      <p:grpSpPr>
+        <a:xfrm>
+          <a:off x="0" y="0"/>
+          <a:ext cx="0" cy="0"/>
+          <a:chOff x="0" y="0"/>
+          <a:chExt cx="0" cy="0"/>
+        </a:xfrm>
+      </p:grpSpPr>
+      <p:sp>
+        <p:nvSpPr>
+          <p:cNvPr id="2" name="Titel 1"/>
+          <p:cNvSpPr>
+            <a:spLocks noGrp="1"/>
+          </p:cNvSpPr>
+          <p:nvPr>
+            <p:ph type="title"/>
+          </p:nvPr>
+        </p:nvSpPr>
+        <p:spPr/>
+        <p:txBody>
+          <a:bodyPr/>
+          <a:lstStyle/>
+          <a:p>
+            <a:r>
+              <a:rPr lang="en-GB" smtClean="0"/>
+              <a:t>Verification of tvg’s Results</a:t>
+            </a:r>
+            <a:endParaRPr lang="en-GB" dirty="0"/>
+          </a:p>
+        </p:txBody>
+      </p:sp>
+      <p:sp>
+        <p:nvSpPr>
+          <p:cNvPr id="3" name="Inhaltsplatzhalter 2"/>
+          <p:cNvSpPr>
+            <a:spLocks noGrp="1"/>
+          </p:cNvSpPr>
+          <p:nvPr>
+            <p:ph idx="1"/>
+          </p:nvPr>
+        </p:nvSpPr>
+        <p:spPr>
+          <a:ln>
+            <a:noFill/>
+          </a:ln>
+        </p:spPr>
+        <p:txBody>
+          <a:bodyPr/>
+          <a:lstStyle/>
+          <a:p>
+            <a:pPr marL="0" indent="0">
+              <a:buNone/>
+            </a:pPr>
+            <a:endParaRPr lang="en-GB"/>
+          </a:p>
+          <a:p>
+            <a:pPr marL="0" indent="0">
+              <a:buNone/>
+            </a:pPr>
+            <a:endParaRPr lang="en-US" sz="2000" b="0" smtClean="0">
+              <a:latin typeface="Droid Sans Mono" panose="020B0609030804020204" pitchFamily="49" charset="0"/>
+              <a:ea typeface="Droid Sans Mono" panose="020B0609030804020204" pitchFamily="49" charset="0"/>
+              <a:cs typeface="Droid Sans Mono" panose="020B0609030804020204" pitchFamily="49" charset="0"/>
+            </a:endParaRPr>
+          </a:p>
+          <a:p>
+            <a:pPr marL="0" indent="0">
+              <a:buNone/>
+            </a:pPr>
+            <a:r>
+              <a:rPr lang="en-US" sz="2000" b="0">
+                <a:latin typeface="Droid Sans Mono" panose="020B0609030804020204" pitchFamily="49" charset="0"/>
+                <a:ea typeface="Droid Sans Mono" panose="020B0609030804020204" pitchFamily="49" charset="0"/>
+                <a:cs typeface="Droid Sans Mono" panose="020B0609030804020204" pitchFamily="49" charset="0"/>
+              </a:rPr>
+              <a:t>--- SOLUTION [1,6] ----------------------</a:t>
+            </a:r>
+          </a:p>
+          <a:p>
+            <a:pPr marL="0" indent="0">
+              <a:buNone/>
+            </a:pPr>
+            <a:r>
+              <a:rPr lang="en-US" sz="2000" b="0">
+                <a:latin typeface="Droid Sans Mono" panose="020B0609030804020204" pitchFamily="49" charset="0"/>
+                <a:ea typeface="Droid Sans Mono" panose="020B0609030804020204" pitchFamily="49" charset="0"/>
+                <a:cs typeface="Droid Sans Mono" panose="020B0609030804020204" pitchFamily="49" charset="0"/>
+              </a:rPr>
+              <a:t>[("y",2),("return_val",1)]</a:t>
+            </a:r>
+          </a:p>
+          <a:p>
+            <a:pPr marL="0" indent="0">
+              <a:buNone/>
+            </a:pPr>
+            <a:r>
+              <a:rPr lang="en-US" sz="2000" b="0">
+                <a:latin typeface="Droid Sans Mono" panose="020B0609030804020204" pitchFamily="49" charset="0"/>
+                <a:ea typeface="Droid Sans Mono" panose="020B0609030804020204" pitchFamily="49" charset="0"/>
+                <a:cs typeface="Droid Sans Mono" panose="020B0609030804020204" pitchFamily="49" charset="0"/>
+              </a:rPr>
+              <a:t>f ( y = 2 )</a:t>
+            </a:r>
+          </a:p>
+          <a:p>
+            <a:pPr marL="0" indent="0">
+              <a:buNone/>
+            </a:pPr>
+            <a:r>
+              <a:rPr lang="en-US" sz="2000" b="0">
+                <a:latin typeface="Droid Sans Mono" panose="020B0609030804020204" pitchFamily="49" charset="0"/>
+                <a:ea typeface="Droid Sans Mono" panose="020B0609030804020204" pitchFamily="49" charset="0"/>
+                <a:cs typeface="Droid Sans Mono" panose="020B0609030804020204" pitchFamily="49" charset="0"/>
+              </a:rPr>
+              <a:t>    = return_val </a:t>
+            </a:r>
+            <a:r>
+              <a:rPr lang="en-US" sz="2000" b="0">
+                <a:latin typeface="Droid Sans Mono" panose="020B0609030804020204" pitchFamily="49" charset="0"/>
+                <a:ea typeface="Droid Sans Mono" panose="020B0609030804020204" pitchFamily="49" charset="0"/>
+                <a:cs typeface="Droid Sans Mono" panose="020B0609030804020204" pitchFamily="49" charset="0"/>
+              </a:rPr>
+              <a:t>= </a:t>
+            </a:r>
+            <a:r>
+              <a:rPr lang="en-US" sz="2000" b="0" smtClean="0">
+                <a:latin typeface="Droid Sans Mono" panose="020B0609030804020204" pitchFamily="49" charset="0"/>
+                <a:ea typeface="Droid Sans Mono" panose="020B0609030804020204" pitchFamily="49" charset="0"/>
+                <a:cs typeface="Droid Sans Mono" panose="020B0609030804020204" pitchFamily="49" charset="0"/>
+              </a:rPr>
+              <a:t>1</a:t>
+            </a:r>
+          </a:p>
+          <a:p>
+            <a:pPr marL="0" indent="0">
+              <a:buNone/>
+            </a:pPr>
+            <a:endParaRPr lang="de-DE" sz="2000" b="0">
+              <a:latin typeface="Droid Sans Mono" panose="020B0609030804020204" pitchFamily="49" charset="0"/>
+              <a:ea typeface="Droid Sans Mono" panose="020B0609030804020204" pitchFamily="49" charset="0"/>
+              <a:cs typeface="Droid Sans Mono" panose="020B0609030804020204" pitchFamily="49" charset="0"/>
+            </a:endParaRPr>
+          </a:p>
+          <a:p>
+            <a:pPr marL="0" indent="0">
+              <a:buNone/>
+            </a:pPr>
+            <a:r>
+              <a:rPr lang="en-US" sz="2000"/>
+              <a:t>C:\Data\tvg\analyzer&gt;whiletest.exe 2</a:t>
+            </a:r>
+          </a:p>
+          <a:p>
+            <a:pPr marL="0" indent="0">
+              <a:buNone/>
+            </a:pPr>
+            <a:r>
+              <a:rPr lang="en-US" sz="2000"/>
+              <a:t>f(2) =</a:t>
+            </a:r>
+          </a:p>
+          <a:p>
+            <a:pPr marL="0" indent="0">
+              <a:buNone/>
+            </a:pPr>
+            <a:r>
+              <a:rPr lang="en-US" sz="2000" smtClean="0"/>
+              <a:t>1</a:t>
+            </a:r>
+          </a:p>
+          <a:p>
+            <a:pPr marL="0" indent="0">
+              <a:buNone/>
+            </a:pPr>
+            <a:endParaRPr lang="en-US" sz="2000" b="0">
+              <a:latin typeface="Droid Sans Mono" panose="020B0609030804020204" pitchFamily="49" charset="0"/>
+              <a:ea typeface="Droid Sans Mono" panose="020B0609030804020204" pitchFamily="49" charset="0"/>
+              <a:cs typeface="Droid Sans Mono" panose="020B0609030804020204" pitchFamily="49" charset="0"/>
+            </a:endParaRPr>
+          </a:p>
+          <a:p>
+            <a:pPr marL="0" indent="0">
+              <a:buNone/>
+            </a:pPr>
+            <a:r>
+              <a:rPr lang="en-US" sz="2000" b="0" smtClean="0">
+                <a:latin typeface="Droid Sans Mono" panose="020B0609030804020204" pitchFamily="49" charset="0"/>
+                <a:ea typeface="Droid Sans Mono" panose="020B0609030804020204" pitchFamily="49" charset="0"/>
+                <a:cs typeface="Droid Sans Mono" panose="020B0609030804020204" pitchFamily="49" charset="0"/>
+              </a:rPr>
+              <a:t>checkSolution </a:t>
+            </a:r>
+            <a:r>
+              <a:rPr lang="en-US" sz="2000" b="0">
+                <a:latin typeface="Droid Sans Mono" panose="020B0609030804020204" pitchFamily="49" charset="0"/>
+                <a:ea typeface="Droid Sans Mono" panose="020B0609030804020204" pitchFamily="49" charset="0"/>
+                <a:cs typeface="Droid Sans Mono" panose="020B0609030804020204" pitchFamily="49" charset="0"/>
+              </a:rPr>
+              <a:t>args = ["2"]</a:t>
+            </a:r>
+          </a:p>
+          <a:p>
+            <a:pPr marL="0" indent="0">
+              <a:buNone/>
+            </a:pPr>
+            <a:r>
+              <a:rPr lang="en-US" sz="2000" b="0">
+                <a:latin typeface="Droid Sans Mono" panose="020B0609030804020204" pitchFamily="49" charset="0"/>
+                <a:ea typeface="Droid Sans Mono" panose="020B0609030804020204" pitchFamily="49" charset="0"/>
+                <a:cs typeface="Droid Sans Mono" panose="020B0609030804020204" pitchFamily="49" charset="0"/>
+              </a:rPr>
+              <a:t>checkSolutionM [1,6] OK.</a:t>
+            </a:r>
+          </a:p>
+          <a:p>
+            <a:pPr marL="0" indent="0">
+              <a:buNone/>
+            </a:pPr>
+            <a:endParaRPr lang="en-GB"/>
+          </a:p>
+          <a:p>
+            <a:pPr marL="0" indent="0">
+              <a:buNone/>
+            </a:pPr>
+            <a:r>
+              <a:rPr lang="en-GB" smtClean="0"/>
+              <a:t> </a:t>
+            </a:r>
+            <a:endParaRPr lang="en-GB" smtClean="0"/>
+          </a:p>
+          <a:p>
+            <a:pPr marL="0" indent="0">
+              <a:buNone/>
+            </a:pPr>
+            <a:endParaRPr lang="en-GB" smtClean="0"/>
+          </a:p>
+          <a:p>
+            <a:pPr marL="0" indent="0">
+              <a:buNone/>
+            </a:pPr>
+            <a:endParaRPr lang="en-GB" sz="2400" b="0">
+              <a:latin typeface="Eurostile" panose="020B0504020202050204" pitchFamily="34" charset="0"/>
+            </a:endParaRPr>
+          </a:p>
+        </p:txBody>
+      </p:sp>
+      <p:sp>
+        <p:nvSpPr>
+          <p:cNvPr id="4" name="Inhaltsplatzhalter 2"/>
+          <p:cNvSpPr txBox="1">
+            <a:spLocks/>
+          </p:cNvSpPr>
+          <p:nvPr/>
+        </p:nvSpPr>
+        <p:spPr>
+          <a:xfrm>
+            <a:off x="7857641" y="2355741"/>
+            <a:ext cx="4346082" cy="6049705"/>
+          </a:xfrm>
+          <a:prstGeom prst="rect">
+            <a:avLst/>
+          </a:prstGeom>
+          <a:solidFill>
+            <a:schemeClr val="accent1"/>
+          </a:solidFill>
+          <a:ln>
+            <a:noFill/>
+          </a:ln>
+        </p:spPr>
+        <p:txBody>
+          <a:bodyPr lIns="130046" tIns="65023" rIns="130046" bIns="65023"/>
+          <a:lstStyle>
+            <a:lvl1pPr marL="487363" indent="-487363" algn="l" rtl="0" eaLnBrk="0" fontAlgn="base" hangingPunct="0">
+              <a:spcBef>
+                <a:spcPct val="20000"/>
+              </a:spcBef>
+              <a:spcAft>
+                <a:spcPct val="0"/>
+              </a:spcAft>
+              <a:buFont typeface="Wingdings 3" pitchFamily="18" charset="2"/>
+              <a:buChar char=""/>
+              <a:defRPr sz="2800" b="1" spc="0">
+                <a:solidFill>
+                  <a:schemeClr val="tx1"/>
+                </a:solidFill>
+                <a:latin typeface="+mn-lt"/>
+                <a:ea typeface="+mn-ea"/>
+                <a:cs typeface="+mn-cs"/>
+              </a:defRPr>
+            </a:lvl1pPr>
+            <a:lvl2pPr marL="1055688" indent="-404813" algn="l" rtl="0" eaLnBrk="0" fontAlgn="base" hangingPunct="0">
+              <a:spcBef>
+                <a:spcPct val="20000"/>
+              </a:spcBef>
+              <a:spcAft>
+                <a:spcPct val="0"/>
+              </a:spcAft>
+              <a:buFont typeface="Calibri" pitchFamily="34" charset="0"/>
+              <a:buChar char="–"/>
+              <a:defRPr sz="2800" spc="0">
+                <a:solidFill>
+                  <a:schemeClr val="tx1"/>
+                </a:solidFill>
+                <a:latin typeface="+mn-lt"/>
+              </a:defRPr>
+            </a:lvl2pPr>
+            <a:lvl3pPr marL="1624013" indent="-323850" algn="l" rtl="0" eaLnBrk="0" fontAlgn="base" hangingPunct="0">
+              <a:spcBef>
+                <a:spcPct val="20000"/>
+              </a:spcBef>
+              <a:spcAft>
+                <a:spcPct val="0"/>
+              </a:spcAft>
+              <a:buChar char="•"/>
+              <a:defRPr sz="2400" spc="0">
+                <a:solidFill>
+                  <a:schemeClr val="tx1"/>
+                </a:solidFill>
+                <a:latin typeface="+mn-lt"/>
+              </a:defRPr>
+            </a:lvl3pPr>
+            <a:lvl4pPr marL="2274888" indent="-323850" algn="l" rtl="0" eaLnBrk="0" fontAlgn="base" hangingPunct="0">
+              <a:spcBef>
+                <a:spcPct val="20000"/>
+              </a:spcBef>
+              <a:spcAft>
+                <a:spcPct val="0"/>
+              </a:spcAft>
+              <a:buChar char="–"/>
+              <a:defRPr sz="2000" spc="0">
+                <a:solidFill>
+                  <a:schemeClr val="tx1"/>
+                </a:solidFill>
+                <a:latin typeface="+mn-lt"/>
+              </a:defRPr>
+            </a:lvl4pPr>
+            <a:lvl5pPr marL="2925763" indent="-323850" algn="l" rtl="0" eaLnBrk="0" fontAlgn="base" hangingPunct="0">
+              <a:spcBef>
+                <a:spcPct val="20000"/>
+              </a:spcBef>
+              <a:spcAft>
+                <a:spcPct val="0"/>
+              </a:spcAft>
+              <a:buChar char="»"/>
+              <a:defRPr sz="1800" spc="0">
+                <a:solidFill>
+                  <a:schemeClr val="tx1"/>
+                </a:solidFill>
+                <a:latin typeface="+mn-lt"/>
+              </a:defRPr>
+            </a:lvl5pPr>
+            <a:lvl6pPr marL="3576264" indent="-325115" algn="l" rtl="0" eaLnBrk="1" fontAlgn="base" hangingPunct="1">
+              <a:spcBef>
+                <a:spcPct val="20000"/>
+              </a:spcBef>
+              <a:spcAft>
+                <a:spcPct val="0"/>
+              </a:spcAft>
+              <a:buChar char="»"/>
+              <a:defRPr sz="2800">
+                <a:solidFill>
+                  <a:schemeClr val="tx1"/>
+                </a:solidFill>
+                <a:latin typeface="+mn-lt"/>
+              </a:defRPr>
+            </a:lvl6pPr>
+            <a:lvl7pPr marL="4226494" indent="-325115" algn="l" rtl="0" eaLnBrk="1" fontAlgn="base" hangingPunct="1">
+              <a:spcBef>
+                <a:spcPct val="20000"/>
+              </a:spcBef>
+              <a:spcAft>
+                <a:spcPct val="0"/>
+              </a:spcAft>
+              <a:buChar char="»"/>
+              <a:defRPr sz="2800">
+                <a:solidFill>
+                  <a:schemeClr val="tx1"/>
+                </a:solidFill>
+                <a:latin typeface="+mn-lt"/>
+              </a:defRPr>
+            </a:lvl7pPr>
+            <a:lvl8pPr marL="4876724" indent="-325115" algn="l" rtl="0" eaLnBrk="1" fontAlgn="base" hangingPunct="1">
+              <a:spcBef>
+                <a:spcPct val="20000"/>
+              </a:spcBef>
+              <a:spcAft>
+                <a:spcPct val="0"/>
+              </a:spcAft>
+              <a:buChar char="»"/>
+              <a:defRPr sz="2800">
+                <a:solidFill>
+                  <a:schemeClr val="tx1"/>
+                </a:solidFill>
+                <a:latin typeface="+mn-lt"/>
+              </a:defRPr>
+            </a:lvl8pPr>
+            <a:lvl9pPr marL="5526954" indent="-325115" algn="l" rtl="0" eaLnBrk="1" fontAlgn="base" hangingPunct="1">
+              <a:spcBef>
+                <a:spcPct val="20000"/>
+              </a:spcBef>
+              <a:spcAft>
+                <a:spcPct val="0"/>
+              </a:spcAft>
+              <a:buChar char="»"/>
+              <a:defRPr sz="2800">
+                <a:solidFill>
+                  <a:schemeClr val="tx1"/>
+                </a:solidFill>
+                <a:latin typeface="+mn-lt"/>
+              </a:defRPr>
+            </a:lvl9pPr>
+          </a:lstStyle>
+          <a:p>
+            <a:pPr marL="0" indent="0">
+              <a:buFont typeface="Wingdings 3" pitchFamily="18" charset="2"/>
+              <a:buNone/>
+            </a:pPr>
+            <a:r>
+              <a:rPr lang="en-GB" sz="1800" b="0" kern="0" smtClean="0">
+                <a:latin typeface="Droid Sans Mono" panose="020B0609030804020204" pitchFamily="49" charset="0"/>
+                <a:ea typeface="Droid Sans Mono" panose="020B0609030804020204" pitchFamily="49" charset="0"/>
+                <a:cs typeface="Droid Sans Mono" panose="020B0609030804020204" pitchFamily="49" charset="0"/>
+              </a:rPr>
+              <a:t>int g(int x,int y)</a:t>
+            </a:r>
+          </a:p>
+          <a:p>
+            <a:pPr marL="0" indent="0">
+              <a:buFont typeface="Wingdings 3" pitchFamily="18" charset="2"/>
+              <a:buNone/>
+            </a:pPr>
+            <a:r>
+              <a:rPr lang="en-GB" sz="1800" b="0" kern="0" smtClean="0">
+                <a:latin typeface="Droid Sans Mono" panose="020B0609030804020204" pitchFamily="49" charset="0"/>
+                <a:ea typeface="Droid Sans Mono" panose="020B0609030804020204" pitchFamily="49" charset="0"/>
+                <a:cs typeface="Droid Sans Mono" panose="020B0609030804020204" pitchFamily="49" charset="0"/>
+              </a:rPr>
+              <a:t>{</a:t>
+            </a:r>
+          </a:p>
+          <a:p>
+            <a:pPr marL="0" indent="0">
+              <a:buFont typeface="Wingdings 3" pitchFamily="18" charset="2"/>
+              <a:buNone/>
+            </a:pPr>
+            <a:r>
+              <a:rPr lang="en-GB" sz="1800" b="0" kern="0" smtClean="0">
+                <a:latin typeface="Droid Sans Mono" panose="020B0609030804020204" pitchFamily="49" charset="0"/>
+                <a:ea typeface="Droid Sans Mono" panose="020B0609030804020204" pitchFamily="49" charset="0"/>
+                <a:cs typeface="Droid Sans Mono" panose="020B0609030804020204" pitchFamily="49" charset="0"/>
+              </a:rPr>
+              <a:t>    int erg = x;</a:t>
+            </a:r>
+          </a:p>
+          <a:p>
+            <a:pPr marL="0" indent="0">
+              <a:buFont typeface="Wingdings 3" pitchFamily="18" charset="2"/>
+              <a:buNone/>
+            </a:pPr>
+            <a:r>
+              <a:rPr lang="en-GB" sz="1800" b="0" kern="0" smtClean="0">
+                <a:latin typeface="Droid Sans Mono" panose="020B0609030804020204" pitchFamily="49" charset="0"/>
+                <a:ea typeface="Droid Sans Mono" panose="020B0609030804020204" pitchFamily="49" charset="0"/>
+                <a:cs typeface="Droid Sans Mono" panose="020B0609030804020204" pitchFamily="49" charset="0"/>
+              </a:rPr>
+              <a:t>    while(y&gt;0)</a:t>
+            </a:r>
+          </a:p>
+          <a:p>
+            <a:pPr marL="0" indent="0">
+              <a:buFont typeface="Wingdings 3" pitchFamily="18" charset="2"/>
+              <a:buNone/>
+            </a:pPr>
+            <a:r>
+              <a:rPr lang="en-GB" sz="1800" b="0" kern="0" smtClean="0">
+                <a:latin typeface="Droid Sans Mono" panose="020B0609030804020204" pitchFamily="49" charset="0"/>
+                <a:ea typeface="Droid Sans Mono" panose="020B0609030804020204" pitchFamily="49" charset="0"/>
+                <a:cs typeface="Droid Sans Mono" panose="020B0609030804020204" pitchFamily="49" charset="0"/>
+              </a:rPr>
+              <a:t>    {</a:t>
+            </a:r>
+          </a:p>
+          <a:p>
+            <a:pPr marL="0" indent="0">
+              <a:buFont typeface="Wingdings 3" pitchFamily="18" charset="2"/>
+              <a:buNone/>
+            </a:pPr>
+            <a:r>
+              <a:rPr lang="en-GB" sz="1800" b="0" kern="0" smtClean="0">
+                <a:latin typeface="Droid Sans Mono" panose="020B0609030804020204" pitchFamily="49" charset="0"/>
+                <a:ea typeface="Droid Sans Mono" panose="020B0609030804020204" pitchFamily="49" charset="0"/>
+                <a:cs typeface="Droid Sans Mono" panose="020B0609030804020204" pitchFamily="49" charset="0"/>
+              </a:rPr>
+              <a:t>        erg = erg &lt;&lt; 1;</a:t>
+            </a:r>
+          </a:p>
+          <a:p>
+            <a:pPr marL="0" indent="0">
+              <a:buFont typeface="Wingdings 3" pitchFamily="18" charset="2"/>
+              <a:buNone/>
+            </a:pPr>
+            <a:r>
+              <a:rPr lang="en-GB" sz="1800" b="0" kern="0" smtClean="0">
+                <a:latin typeface="Droid Sans Mono" panose="020B0609030804020204" pitchFamily="49" charset="0"/>
+                <a:ea typeface="Droid Sans Mono" panose="020B0609030804020204" pitchFamily="49" charset="0"/>
+                <a:cs typeface="Droid Sans Mono" panose="020B0609030804020204" pitchFamily="49" charset="0"/>
+              </a:rPr>
+              <a:t>        y=y-1;</a:t>
+            </a:r>
+          </a:p>
+          <a:p>
+            <a:pPr marL="0" indent="0">
+              <a:buFont typeface="Wingdings 3" pitchFamily="18" charset="2"/>
+              <a:buNone/>
+            </a:pPr>
+            <a:r>
+              <a:rPr lang="en-GB" sz="1800" b="0" kern="0" smtClean="0">
+                <a:latin typeface="Droid Sans Mono" panose="020B0609030804020204" pitchFamily="49" charset="0"/>
+                <a:ea typeface="Droid Sans Mono" panose="020B0609030804020204" pitchFamily="49" charset="0"/>
+                <a:cs typeface="Droid Sans Mono" panose="020B0609030804020204" pitchFamily="49" charset="0"/>
+              </a:rPr>
+              <a:t>    }</a:t>
+            </a:r>
+          </a:p>
+          <a:p>
+            <a:pPr marL="0" indent="0">
+              <a:buFont typeface="Wingdings 3" pitchFamily="18" charset="2"/>
+              <a:buNone/>
+            </a:pPr>
+            <a:r>
+              <a:rPr lang="en-GB" sz="1800" b="0" kern="0" smtClean="0">
+                <a:latin typeface="Droid Sans Mono" panose="020B0609030804020204" pitchFamily="49" charset="0"/>
+                <a:ea typeface="Droid Sans Mono" panose="020B0609030804020204" pitchFamily="49" charset="0"/>
+                <a:cs typeface="Droid Sans Mono" panose="020B0609030804020204" pitchFamily="49" charset="0"/>
+              </a:rPr>
+              <a:t>    if(erg&lt;=1) { erg=100; }</a:t>
+            </a:r>
+          </a:p>
+          <a:p>
+            <a:pPr marL="0" indent="0">
+              <a:buFont typeface="Wingdings 3" pitchFamily="18" charset="2"/>
+              <a:buNone/>
+            </a:pPr>
+            <a:r>
+              <a:rPr lang="en-GB" sz="1800" b="0" kern="0" smtClean="0">
+                <a:latin typeface="Droid Sans Mono" panose="020B0609030804020204" pitchFamily="49" charset="0"/>
+                <a:ea typeface="Droid Sans Mono" panose="020B0609030804020204" pitchFamily="49" charset="0"/>
+                <a:cs typeface="Droid Sans Mono" panose="020B0609030804020204" pitchFamily="49" charset="0"/>
+              </a:rPr>
+              <a:t>    return(erg);</a:t>
+            </a:r>
+          </a:p>
+          <a:p>
+            <a:pPr marL="0" indent="0">
+              <a:buFont typeface="Wingdings 3" pitchFamily="18" charset="2"/>
+              <a:buNone/>
+            </a:pPr>
+            <a:r>
+              <a:rPr lang="en-GB" sz="1800" b="0" kern="0" smtClean="0">
+                <a:latin typeface="Droid Sans Mono" panose="020B0609030804020204" pitchFamily="49" charset="0"/>
+                <a:ea typeface="Droid Sans Mono" panose="020B0609030804020204" pitchFamily="49" charset="0"/>
+                <a:cs typeface="Droid Sans Mono" panose="020B0609030804020204" pitchFamily="49" charset="0"/>
+              </a:rPr>
+              <a:t>}</a:t>
+            </a:r>
+          </a:p>
+          <a:p>
+            <a:pPr marL="0" indent="0">
+              <a:buFont typeface="Wingdings 3" pitchFamily="18" charset="2"/>
+              <a:buNone/>
+            </a:pPr>
+            <a:endParaRPr lang="en-GB" sz="1800" b="0" kern="0" smtClean="0">
+              <a:latin typeface="Droid Sans Mono" panose="020B0609030804020204" pitchFamily="49" charset="0"/>
+              <a:ea typeface="Droid Sans Mono" panose="020B0609030804020204" pitchFamily="49" charset="0"/>
+              <a:cs typeface="Droid Sans Mono" panose="020B0609030804020204" pitchFamily="49" charset="0"/>
+            </a:endParaRPr>
+          </a:p>
+          <a:p>
+            <a:pPr marL="0" indent="0">
+              <a:buFont typeface="Wingdings 3" pitchFamily="18" charset="2"/>
+              <a:buNone/>
+            </a:pPr>
+            <a:r>
+              <a:rPr lang="en-GB" sz="1800" b="0" kern="0" smtClean="0">
+                <a:latin typeface="Droid Sans Mono" panose="020B0609030804020204" pitchFamily="49" charset="0"/>
+                <a:ea typeface="Droid Sans Mono" panose="020B0609030804020204" pitchFamily="49" charset="0"/>
+                <a:cs typeface="Droid Sans Mono" panose="020B0609030804020204" pitchFamily="49" charset="0"/>
+              </a:rPr>
+              <a:t>int f(int y)</a:t>
+            </a:r>
+          </a:p>
+          <a:p>
+            <a:pPr marL="0" indent="0">
+              <a:buFont typeface="Wingdings 3" pitchFamily="18" charset="2"/>
+              <a:buNone/>
+            </a:pPr>
+            <a:r>
+              <a:rPr lang="en-GB" sz="1800" b="0" kern="0" smtClean="0">
+                <a:latin typeface="Droid Sans Mono" panose="020B0609030804020204" pitchFamily="49" charset="0"/>
+                <a:ea typeface="Droid Sans Mono" panose="020B0609030804020204" pitchFamily="49" charset="0"/>
+                <a:cs typeface="Droid Sans Mono" panose="020B0609030804020204" pitchFamily="49" charset="0"/>
+              </a:rPr>
+              <a:t>{</a:t>
+            </a:r>
+          </a:p>
+          <a:p>
+            <a:pPr marL="0" indent="0">
+              <a:buFont typeface="Wingdings 3" pitchFamily="18" charset="2"/>
+              <a:buNone/>
+            </a:pPr>
+            <a:r>
+              <a:rPr lang="en-GB" sz="1800" b="0" kern="0" smtClean="0">
+                <a:latin typeface="Droid Sans Mono" panose="020B0609030804020204" pitchFamily="49" charset="0"/>
+                <a:ea typeface="Droid Sans Mono" panose="020B0609030804020204" pitchFamily="49" charset="0"/>
+                <a:cs typeface="Droid Sans Mono" panose="020B0609030804020204" pitchFamily="49" charset="0"/>
+              </a:rPr>
+              <a:t>    if(g(2,y)&gt;5) return 1;</a:t>
+            </a:r>
+          </a:p>
+          <a:p>
+            <a:pPr marL="0" indent="0">
+              <a:buFont typeface="Wingdings 3" pitchFamily="18" charset="2"/>
+              <a:buNone/>
+            </a:pPr>
+            <a:r>
+              <a:rPr lang="en-GB" sz="1800" b="0" kern="0" smtClean="0">
+                <a:latin typeface="Droid Sans Mono" panose="020B0609030804020204" pitchFamily="49" charset="0"/>
+                <a:ea typeface="Droid Sans Mono" panose="020B0609030804020204" pitchFamily="49" charset="0"/>
+                <a:cs typeface="Droid Sans Mono" panose="020B0609030804020204" pitchFamily="49" charset="0"/>
+              </a:rPr>
+              <a:t>    else return 0;</a:t>
+            </a:r>
+          </a:p>
+          <a:p>
+            <a:pPr marL="0" indent="0">
+              <a:buFont typeface="Wingdings 3" pitchFamily="18" charset="2"/>
+              <a:buNone/>
+            </a:pPr>
+            <a:r>
+              <a:rPr lang="en-GB" sz="1800" b="0" kern="0" smtClean="0">
+                <a:latin typeface="Droid Sans Mono" panose="020B0609030804020204" pitchFamily="49" charset="0"/>
+                <a:ea typeface="Droid Sans Mono" panose="020B0609030804020204" pitchFamily="49" charset="0"/>
+                <a:cs typeface="Droid Sans Mono" panose="020B0609030804020204" pitchFamily="49" charset="0"/>
+              </a:rPr>
+              <a:t>}</a:t>
+            </a:r>
+          </a:p>
+          <a:p>
+            <a:pPr marL="0" indent="0">
+              <a:buFont typeface="Wingdings 3" pitchFamily="18" charset="2"/>
+              <a:buNone/>
+            </a:pPr>
+            <a:r>
+              <a:rPr lang="en-GB" kern="0" smtClean="0"/>
+              <a:t> </a:t>
+            </a:r>
+          </a:p>
+          <a:p>
+            <a:pPr marL="0" indent="0">
+              <a:buFont typeface="Wingdings 3" pitchFamily="18" charset="2"/>
+              <a:buNone/>
+            </a:pPr>
+            <a:endParaRPr lang="en-GB" kern="0" smtClean="0"/>
+          </a:p>
+          <a:p>
+            <a:pPr marL="0" indent="0">
+              <a:buFont typeface="Wingdings 3" pitchFamily="18" charset="2"/>
+              <a:buNone/>
+            </a:pPr>
+            <a:endParaRPr lang="en-GB" sz="2400" b="0" kern="0">
+              <a:latin typeface="Eurostile" panose="020B0504020202050204" pitchFamily="34" charset="0"/>
+            </a:endParaRPr>
+          </a:p>
+        </p:txBody>
+      </p:sp>
+    </p:spTree>
+    <p:extLst>
+      <p:ext uri="{BB962C8B-B14F-4D97-AF65-F5344CB8AC3E}">
+        <p14:creationId xmlns:p14="http://schemas.microsoft.com/office/powerpoint/2010/main" val="3587733031"/>
+      </p:ext>
+    </p:extLst>
+  </p:cSld>
+  <p:clrMapOvr>
+    <a:masterClrMapping/>
+  </p:clrMapOvr>
+  <p:timing>
+    <p:tnLst>
+      <p:par>
+        <p:cTn id="1" dur="indefinite" restart="never" nodeType="tmRoot"/>
+      </p:par>
+    </p:tnLst>
+  </p:timing>
+</p:sld>
+</file>
+
+<file path=ppt/slides/slide11.xml><?xml version="1.0" encoding="utf-8"?>
+<p:sld xmlns:a="http://schemas.openxmlformats.org/drawingml/2006/main" xmlns:r="http://schemas.openxmlformats.org/officeDocument/2006/relationships" xmlns:p="http://schemas.openxmlformats.org/presentationml/2006/main">
+  <p:cSld>
+    <p:spTree>
+      <p:nvGrpSpPr>
+        <p:cNvPr id="1" name=""/>
+        <p:cNvGrpSpPr/>
+        <p:nvPr/>
+      </p:nvGrpSpPr>
+      <p:grpSpPr>
+        <a:xfrm>
+          <a:off x="0" y="0"/>
+          <a:ext cx="0" cy="0"/>
+          <a:chOff x="0" y="0"/>
+          <a:chExt cx="0" cy="0"/>
+        </a:xfrm>
+      </p:grpSpPr>
+      <p:sp>
+        <p:nvSpPr>
+          <p:cNvPr id="2" name="Titel 1"/>
+          <p:cNvSpPr>
+            <a:spLocks noGrp="1"/>
+          </p:cNvSpPr>
+          <p:nvPr>
+            <p:ph type="title"/>
+          </p:nvPr>
+        </p:nvSpPr>
+        <p:spPr/>
+        <p:txBody>
+          <a:bodyPr/>
+          <a:lstStyle/>
+          <a:p>
+            <a:r>
+              <a:rPr lang="en-GB" smtClean="0"/>
+              <a:t>Jorge/Alex’s Challenge</a:t>
+            </a:r>
+            <a:endParaRPr lang="en-GB" dirty="0"/>
+          </a:p>
+        </p:txBody>
+      </p:sp>
+      <p:sp>
+        <p:nvSpPr>
+          <p:cNvPr id="3" name="Inhaltsplatzhalter 2"/>
+          <p:cNvSpPr>
+            <a:spLocks noGrp="1"/>
+          </p:cNvSpPr>
+          <p:nvPr>
+            <p:ph idx="1"/>
+          </p:nvPr>
+        </p:nvSpPr>
+        <p:spPr>
+          <a:xfrm>
+            <a:off x="487680" y="1372730"/>
+            <a:ext cx="12029440" cy="7833263"/>
+          </a:xfrm>
+          <a:ln>
+            <a:noFill/>
+          </a:ln>
+        </p:spPr>
+        <p:txBody>
+          <a:bodyPr/>
+          <a:lstStyle/>
+          <a:p>
+            <a:pPr marL="0" indent="0">
+              <a:buNone/>
+            </a:pPr>
+            <a:endParaRPr lang="en-GB"/>
+          </a:p>
+          <a:p>
+            <a:pPr marL="0" indent="0">
+              <a:buNone/>
+            </a:pPr>
+            <a:endParaRPr lang="en-US" sz="2000" b="0" smtClean="0">
+              <a:latin typeface="Droid Sans Mono" panose="020B0609030804020204" pitchFamily="49" charset="0"/>
+              <a:ea typeface="Droid Sans Mono" panose="020B0609030804020204" pitchFamily="49" charset="0"/>
+              <a:cs typeface="Droid Sans Mono" panose="020B0609030804020204" pitchFamily="49" charset="0"/>
+            </a:endParaRPr>
+          </a:p>
+          <a:p>
+            <a:pPr marL="0" indent="0">
+              <a:buNone/>
+            </a:pPr>
+            <a:endParaRPr lang="en-US" sz="2000" b="0" smtClean="0">
+              <a:latin typeface="Droid Sans Mono" panose="020B0609030804020204" pitchFamily="49" charset="0"/>
+              <a:ea typeface="Droid Sans Mono" panose="020B0609030804020204" pitchFamily="49" charset="0"/>
+              <a:cs typeface="Droid Sans Mono" panose="020B0609030804020204" pitchFamily="49" charset="0"/>
+            </a:endParaRPr>
+          </a:p>
+          <a:p>
+            <a:pPr marL="0" indent="0">
+              <a:buNone/>
+            </a:pPr>
+            <a:endParaRPr lang="en-US" sz="2000" b="0">
+              <a:latin typeface="Droid Sans Mono" panose="020B0609030804020204" pitchFamily="49" charset="0"/>
+              <a:ea typeface="Droid Sans Mono" panose="020B0609030804020204" pitchFamily="49" charset="0"/>
+              <a:cs typeface="Droid Sans Mono" panose="020B0609030804020204" pitchFamily="49" charset="0"/>
+            </a:endParaRPr>
+          </a:p>
+          <a:p>
+            <a:pPr marL="0" indent="0">
+              <a:buNone/>
+            </a:pPr>
+            <a:endParaRPr lang="en-US" sz="2000" b="0" smtClean="0">
+              <a:latin typeface="Droid Sans Mono" panose="020B0609030804020204" pitchFamily="49" charset="0"/>
+              <a:ea typeface="Droid Sans Mono" panose="020B0609030804020204" pitchFamily="49" charset="0"/>
+              <a:cs typeface="Droid Sans Mono" panose="020B0609030804020204" pitchFamily="49" charset="0"/>
+            </a:endParaRPr>
+          </a:p>
+          <a:p>
+            <a:pPr marL="0" indent="0">
+              <a:buNone/>
+            </a:pPr>
+            <a:endParaRPr lang="en-US" sz="2000" b="0">
+              <a:latin typeface="Droid Sans Mono" panose="020B0609030804020204" pitchFamily="49" charset="0"/>
+              <a:ea typeface="Droid Sans Mono" panose="020B0609030804020204" pitchFamily="49" charset="0"/>
+              <a:cs typeface="Droid Sans Mono" panose="020B0609030804020204" pitchFamily="49" charset="0"/>
+            </a:endParaRPr>
+          </a:p>
+          <a:p>
+            <a:pPr marL="0" indent="0">
+              <a:buNone/>
+            </a:pPr>
+            <a:endParaRPr lang="en-US" sz="2000" b="0" smtClean="0">
+              <a:latin typeface="Droid Sans Mono" panose="020B0609030804020204" pitchFamily="49" charset="0"/>
+              <a:ea typeface="Droid Sans Mono" panose="020B0609030804020204" pitchFamily="49" charset="0"/>
+              <a:cs typeface="Droid Sans Mono" panose="020B0609030804020204" pitchFamily="49" charset="0"/>
+            </a:endParaRPr>
+          </a:p>
+          <a:p>
+            <a:pPr marL="0" indent="0">
+              <a:buNone/>
+            </a:pPr>
+            <a:endParaRPr lang="en-US" sz="2000" b="0">
+              <a:latin typeface="Droid Sans Mono" panose="020B0609030804020204" pitchFamily="49" charset="0"/>
+              <a:ea typeface="Droid Sans Mono" panose="020B0609030804020204" pitchFamily="49" charset="0"/>
+              <a:cs typeface="Droid Sans Mono" panose="020B0609030804020204" pitchFamily="49" charset="0"/>
+            </a:endParaRPr>
+          </a:p>
+          <a:p>
+            <a:pPr marL="0" indent="0">
+              <a:buNone/>
+            </a:pPr>
+            <a:endParaRPr lang="en-US" sz="2000" b="0" smtClean="0">
+              <a:latin typeface="Droid Sans Mono" panose="020B0609030804020204" pitchFamily="49" charset="0"/>
+              <a:ea typeface="Droid Sans Mono" panose="020B0609030804020204" pitchFamily="49" charset="0"/>
+              <a:cs typeface="Droid Sans Mono" panose="020B0609030804020204" pitchFamily="49" charset="0"/>
+            </a:endParaRPr>
+          </a:p>
+          <a:p>
+            <a:pPr marL="0" indent="0">
+              <a:buNone/>
+            </a:pPr>
+            <a:endParaRPr lang="de-DE" sz="2000" b="0" smtClean="0">
+              <a:latin typeface="Droid Sans Mono" panose="020B0609030804020204" pitchFamily="49" charset="0"/>
+              <a:ea typeface="Droid Sans Mono" panose="020B0609030804020204" pitchFamily="49" charset="0"/>
+              <a:cs typeface="Droid Sans Mono" panose="020B0609030804020204" pitchFamily="49" charset="0"/>
+            </a:endParaRPr>
+          </a:p>
+          <a:p>
+            <a:pPr marL="0" indent="0">
+              <a:buNone/>
+            </a:pPr>
+            <a:endParaRPr lang="de-DE" sz="2000" b="0">
+              <a:latin typeface="Droid Sans Mono" panose="020B0609030804020204" pitchFamily="49" charset="0"/>
+              <a:ea typeface="Droid Sans Mono" panose="020B0609030804020204" pitchFamily="49" charset="0"/>
+              <a:cs typeface="Droid Sans Mono" panose="020B0609030804020204" pitchFamily="49" charset="0"/>
+            </a:endParaRPr>
+          </a:p>
+          <a:p>
+            <a:pPr marL="0" indent="0">
+              <a:buNone/>
+            </a:pPr>
+            <a:endParaRPr lang="en-US" sz="2000" b="0">
+              <a:latin typeface="Droid Sans Mono" panose="020B0609030804020204" pitchFamily="49" charset="0"/>
+              <a:ea typeface="Droid Sans Mono" panose="020B0609030804020204" pitchFamily="49" charset="0"/>
+              <a:cs typeface="Droid Sans Mono" panose="020B0609030804020204" pitchFamily="49" charset="0"/>
+            </a:endParaRPr>
+          </a:p>
+          <a:p>
+            <a:pPr marL="0" indent="0">
+              <a:buNone/>
+            </a:pPr>
+            <a:endParaRPr lang="en-GB" smtClean="0"/>
+          </a:p>
+          <a:p>
+            <a:pPr marL="0" indent="0">
+              <a:buNone/>
+            </a:pPr>
+            <a:endParaRPr lang="en-GB" sz="2400" b="0">
+              <a:latin typeface="Eurostile" panose="020B0504020202050204" pitchFamily="34" charset="0"/>
+            </a:endParaRPr>
+          </a:p>
+        </p:txBody>
+      </p:sp>
+      <p:sp>
+        <p:nvSpPr>
+          <p:cNvPr id="4" name="Inhaltsplatzhalter 2"/>
+          <p:cNvSpPr txBox="1">
+            <a:spLocks/>
+          </p:cNvSpPr>
+          <p:nvPr/>
+        </p:nvSpPr>
+        <p:spPr>
+          <a:xfrm>
+            <a:off x="487680" y="1264241"/>
+            <a:ext cx="12029440" cy="7833263"/>
+          </a:xfrm>
+          <a:prstGeom prst="rect">
+            <a:avLst/>
+          </a:prstGeom>
+          <a:solidFill>
+            <a:schemeClr val="accent1"/>
+          </a:solidFill>
+          <a:ln>
+            <a:noFill/>
+          </a:ln>
+        </p:spPr>
+        <p:txBody>
+          <a:bodyPr lIns="130046" tIns="65023" rIns="130046" bIns="65023"/>
+          <a:lstStyle>
+            <a:lvl1pPr marL="487363" indent="-487363" algn="l" rtl="0" eaLnBrk="0" fontAlgn="base" hangingPunct="0">
+              <a:spcBef>
+                <a:spcPct val="20000"/>
+              </a:spcBef>
+              <a:spcAft>
+                <a:spcPct val="0"/>
+              </a:spcAft>
+              <a:buFont typeface="Wingdings 3" pitchFamily="18" charset="2"/>
+              <a:buChar char=""/>
+              <a:defRPr sz="2800" b="1" spc="0">
+                <a:solidFill>
+                  <a:schemeClr val="tx1"/>
+                </a:solidFill>
+                <a:latin typeface="+mn-lt"/>
+                <a:ea typeface="+mn-ea"/>
+                <a:cs typeface="+mn-cs"/>
+              </a:defRPr>
+            </a:lvl1pPr>
+            <a:lvl2pPr marL="1055688" indent="-404813" algn="l" rtl="0" eaLnBrk="0" fontAlgn="base" hangingPunct="0">
+              <a:spcBef>
+                <a:spcPct val="20000"/>
+              </a:spcBef>
+              <a:spcAft>
+                <a:spcPct val="0"/>
+              </a:spcAft>
+              <a:buFont typeface="Calibri" pitchFamily="34" charset="0"/>
+              <a:buChar char="–"/>
+              <a:defRPr sz="2800" spc="0">
+                <a:solidFill>
+                  <a:schemeClr val="tx1"/>
+                </a:solidFill>
+                <a:latin typeface="+mn-lt"/>
+              </a:defRPr>
+            </a:lvl2pPr>
+            <a:lvl3pPr marL="1624013" indent="-323850" algn="l" rtl="0" eaLnBrk="0" fontAlgn="base" hangingPunct="0">
+              <a:spcBef>
+                <a:spcPct val="20000"/>
+              </a:spcBef>
+              <a:spcAft>
+                <a:spcPct val="0"/>
+              </a:spcAft>
+              <a:buChar char="•"/>
+              <a:defRPr sz="2400" spc="0">
+                <a:solidFill>
+                  <a:schemeClr val="tx1"/>
+                </a:solidFill>
+                <a:latin typeface="+mn-lt"/>
+              </a:defRPr>
+            </a:lvl3pPr>
+            <a:lvl4pPr marL="2274888" indent="-323850" algn="l" rtl="0" eaLnBrk="0" fontAlgn="base" hangingPunct="0">
+              <a:spcBef>
+                <a:spcPct val="20000"/>
+              </a:spcBef>
+              <a:spcAft>
+                <a:spcPct val="0"/>
+              </a:spcAft>
+              <a:buChar char="–"/>
+              <a:defRPr sz="2000" spc="0">
+                <a:solidFill>
+                  <a:schemeClr val="tx1"/>
+                </a:solidFill>
+                <a:latin typeface="+mn-lt"/>
+              </a:defRPr>
+            </a:lvl4pPr>
+            <a:lvl5pPr marL="2925763" indent="-323850" algn="l" rtl="0" eaLnBrk="0" fontAlgn="base" hangingPunct="0">
+              <a:spcBef>
+                <a:spcPct val="20000"/>
+              </a:spcBef>
+              <a:spcAft>
+                <a:spcPct val="0"/>
+              </a:spcAft>
+              <a:buChar char="»"/>
+              <a:defRPr sz="1800" spc="0">
+                <a:solidFill>
+                  <a:schemeClr val="tx1"/>
+                </a:solidFill>
+                <a:latin typeface="+mn-lt"/>
+              </a:defRPr>
+            </a:lvl5pPr>
+            <a:lvl6pPr marL="3576264" indent="-325115" algn="l" rtl="0" eaLnBrk="1" fontAlgn="base" hangingPunct="1">
+              <a:spcBef>
+                <a:spcPct val="20000"/>
+              </a:spcBef>
+              <a:spcAft>
+                <a:spcPct val="0"/>
+              </a:spcAft>
+              <a:buChar char="»"/>
+              <a:defRPr sz="2800">
+                <a:solidFill>
+                  <a:schemeClr val="tx1"/>
+                </a:solidFill>
+                <a:latin typeface="+mn-lt"/>
+              </a:defRPr>
+            </a:lvl6pPr>
+            <a:lvl7pPr marL="4226494" indent="-325115" algn="l" rtl="0" eaLnBrk="1" fontAlgn="base" hangingPunct="1">
+              <a:spcBef>
+                <a:spcPct val="20000"/>
+              </a:spcBef>
+              <a:spcAft>
+                <a:spcPct val="0"/>
+              </a:spcAft>
+              <a:buChar char="»"/>
+              <a:defRPr sz="2800">
+                <a:solidFill>
+                  <a:schemeClr val="tx1"/>
+                </a:solidFill>
+                <a:latin typeface="+mn-lt"/>
+              </a:defRPr>
+            </a:lvl7pPr>
+            <a:lvl8pPr marL="4876724" indent="-325115" algn="l" rtl="0" eaLnBrk="1" fontAlgn="base" hangingPunct="1">
+              <a:spcBef>
+                <a:spcPct val="20000"/>
+              </a:spcBef>
+              <a:spcAft>
+                <a:spcPct val="0"/>
+              </a:spcAft>
+              <a:buChar char="»"/>
+              <a:defRPr sz="2800">
+                <a:solidFill>
+                  <a:schemeClr val="tx1"/>
+                </a:solidFill>
+                <a:latin typeface="+mn-lt"/>
+              </a:defRPr>
+            </a:lvl8pPr>
+            <a:lvl9pPr marL="5526954" indent="-325115" algn="l" rtl="0" eaLnBrk="1" fontAlgn="base" hangingPunct="1">
+              <a:spcBef>
+                <a:spcPct val="20000"/>
+              </a:spcBef>
+              <a:spcAft>
+                <a:spcPct val="0"/>
+              </a:spcAft>
+              <a:buChar char="»"/>
+              <a:defRPr sz="2800">
+                <a:solidFill>
+                  <a:schemeClr val="tx1"/>
+                </a:solidFill>
+                <a:latin typeface="+mn-lt"/>
+              </a:defRPr>
+            </a:lvl9pPr>
+          </a:lstStyle>
+          <a:p>
+            <a:pPr marL="0" indent="0">
+              <a:buNone/>
+            </a:pPr>
+            <a:r>
+              <a:rPr lang="en-GB" sz="1800" b="0" kern="0">
+                <a:latin typeface="Droid Sans Mono" panose="020B0609030804020204" pitchFamily="49" charset="0"/>
+                <a:ea typeface="Droid Sans Mono" panose="020B0609030804020204" pitchFamily="49" charset="0"/>
+                <a:cs typeface="Droid Sans Mono" panose="020B0609030804020204" pitchFamily="49" charset="0"/>
+              </a:rPr>
+              <a:t> bit = IMPLICIT_1;  // = 30</a:t>
+            </a:r>
+          </a:p>
+          <a:p>
+            <a:pPr marL="0" indent="0">
+              <a:buNone/>
+            </a:pPr>
+            <a:r>
+              <a:rPr lang="en-GB" sz="1800" b="0" kern="0">
+                <a:latin typeface="Droid Sans Mono" panose="020B0609030804020204" pitchFamily="49" charset="0"/>
+                <a:ea typeface="Droid Sans Mono" panose="020B0609030804020204" pitchFamily="49" charset="0"/>
+                <a:cs typeface="Droid Sans Mono" panose="020B0609030804020204" pitchFamily="49" charset="0"/>
+              </a:rPr>
+              <a:t>    quotient = 0;</a:t>
+            </a:r>
+          </a:p>
+          <a:p>
+            <a:pPr marL="0" indent="0">
+              <a:buNone/>
+            </a:pPr>
+            <a:r>
+              <a:rPr lang="en-GB" sz="1800" b="0" kern="0">
+                <a:latin typeface="Droid Sans Mono" panose="020B0609030804020204" pitchFamily="49" charset="0"/>
+                <a:ea typeface="Droid Sans Mono" panose="020B0609030804020204" pitchFamily="49" charset="0"/>
+                <a:cs typeface="Droid Sans Mono" panose="020B0609030804020204" pitchFamily="49" charset="0"/>
+              </a:rPr>
+              <a:t>    while (bit)</a:t>
+            </a:r>
+          </a:p>
+          <a:p>
+            <a:pPr marL="0" indent="0">
+              <a:buNone/>
+            </a:pPr>
+            <a:r>
+              <a:rPr lang="en-GB" sz="1800" b="0" kern="0">
+                <a:latin typeface="Droid Sans Mono" panose="020B0609030804020204" pitchFamily="49" charset="0"/>
+                <a:ea typeface="Droid Sans Mono" panose="020B0609030804020204" pitchFamily="49" charset="0"/>
+                <a:cs typeface="Droid Sans Mono" panose="020B0609030804020204" pitchFamily="49" charset="0"/>
+              </a:rPr>
+              <a:t>      {</a:t>
+            </a:r>
+          </a:p>
+          <a:p>
+            <a:pPr marL="0" indent="0">
+              <a:buNone/>
+            </a:pPr>
+            <a:r>
+              <a:rPr lang="en-GB" sz="1800" b="0" kern="0">
+                <a:latin typeface="Droid Sans Mono" panose="020B0609030804020204" pitchFamily="49" charset="0"/>
+                <a:ea typeface="Droid Sans Mono" panose="020B0609030804020204" pitchFamily="49" charset="0"/>
+                <a:cs typeface="Droid Sans Mono" panose="020B0609030804020204" pitchFamily="49" charset="0"/>
+              </a:rPr>
+              <a:t>            if (numerator &gt;= denominator)</a:t>
+            </a:r>
+          </a:p>
+          <a:p>
+            <a:pPr marL="0" indent="0">
+              <a:buNone/>
+            </a:pPr>
+            <a:r>
+              <a:rPr lang="en-GB" sz="1800" b="0" kern="0">
+                <a:latin typeface="Droid Sans Mono" panose="020B0609030804020204" pitchFamily="49" charset="0"/>
+                <a:ea typeface="Droid Sans Mono" panose="020B0609030804020204" pitchFamily="49" charset="0"/>
+                <a:cs typeface="Droid Sans Mono" panose="020B0609030804020204" pitchFamily="49" charset="0"/>
+              </a:rPr>
+              <a:t>              {</a:t>
+            </a:r>
+          </a:p>
+          <a:p>
+            <a:pPr marL="0" indent="0">
+              <a:buNone/>
+            </a:pPr>
+            <a:r>
+              <a:rPr lang="en-GB" sz="1800" b="0" kern="0">
+                <a:latin typeface="Droid Sans Mono" panose="020B0609030804020204" pitchFamily="49" charset="0"/>
+                <a:ea typeface="Droid Sans Mono" panose="020B0609030804020204" pitchFamily="49" charset="0"/>
+                <a:cs typeface="Droid Sans Mono" panose="020B0609030804020204" pitchFamily="49" charset="0"/>
+              </a:rPr>
+              <a:t>                quotient |= bit;</a:t>
+            </a:r>
+          </a:p>
+          <a:p>
+            <a:pPr marL="0" indent="0">
+              <a:buNone/>
+            </a:pPr>
+            <a:r>
+              <a:rPr lang="en-GB" sz="1800" b="0" kern="0">
+                <a:latin typeface="Droid Sans Mono" panose="020B0609030804020204" pitchFamily="49" charset="0"/>
+                <a:ea typeface="Droid Sans Mono" panose="020B0609030804020204" pitchFamily="49" charset="0"/>
+                <a:cs typeface="Droid Sans Mono" panose="020B0609030804020204" pitchFamily="49" charset="0"/>
+              </a:rPr>
+              <a:t>                numerator -= denominator;</a:t>
+            </a:r>
+          </a:p>
+          <a:p>
+            <a:pPr marL="0" indent="0">
+              <a:buNone/>
+            </a:pPr>
+            <a:r>
+              <a:rPr lang="en-GB" sz="1800" b="0" kern="0">
+                <a:latin typeface="Droid Sans Mono" panose="020B0609030804020204" pitchFamily="49" charset="0"/>
+                <a:ea typeface="Droid Sans Mono" panose="020B0609030804020204" pitchFamily="49" charset="0"/>
+                <a:cs typeface="Droid Sans Mono" panose="020B0609030804020204" pitchFamily="49" charset="0"/>
+              </a:rPr>
+              <a:t>              }</a:t>
+            </a:r>
+          </a:p>
+          <a:p>
+            <a:pPr marL="0" indent="0">
+              <a:buNone/>
+            </a:pPr>
+            <a:r>
+              <a:rPr lang="en-GB" sz="1800" b="0" kern="0">
+                <a:latin typeface="Droid Sans Mono" panose="020B0609030804020204" pitchFamily="49" charset="0"/>
+                <a:ea typeface="Droid Sans Mono" panose="020B0609030804020204" pitchFamily="49" charset="0"/>
+                <a:cs typeface="Droid Sans Mono" panose="020B0609030804020204" pitchFamily="49" charset="0"/>
+              </a:rPr>
+              <a:t>            bit &gt;&gt;= 1;</a:t>
+            </a:r>
+          </a:p>
+          <a:p>
+            <a:pPr marL="0" indent="0">
+              <a:buNone/>
+            </a:pPr>
+            <a:r>
+              <a:rPr lang="en-GB" sz="1800" b="0" kern="0">
+                <a:latin typeface="Droid Sans Mono" panose="020B0609030804020204" pitchFamily="49" charset="0"/>
+                <a:ea typeface="Droid Sans Mono" panose="020B0609030804020204" pitchFamily="49" charset="0"/>
+                <a:cs typeface="Droid Sans Mono" panose="020B0609030804020204" pitchFamily="49" charset="0"/>
+              </a:rPr>
+              <a:t>            numerator *= 2;</a:t>
+            </a:r>
+          </a:p>
+          <a:p>
+            <a:pPr marL="0" indent="0">
+              <a:buNone/>
+            </a:pPr>
+            <a:r>
+              <a:rPr lang="en-GB" sz="1800" b="0" kern="0">
+                <a:latin typeface="Droid Sans Mono" panose="020B0609030804020204" pitchFamily="49" charset="0"/>
+                <a:ea typeface="Droid Sans Mono" panose="020B0609030804020204" pitchFamily="49" charset="0"/>
+                <a:cs typeface="Droid Sans Mono" panose="020B0609030804020204" pitchFamily="49" charset="0"/>
+              </a:rPr>
+              <a:t>      }</a:t>
+            </a:r>
+          </a:p>
+          <a:p>
+            <a:pPr marL="0" indent="0">
+              <a:buNone/>
+            </a:pPr>
+            <a:endParaRPr lang="en-GB" sz="1800" b="0" kern="0">
+              <a:latin typeface="Droid Sans Mono" panose="020B0609030804020204" pitchFamily="49" charset="0"/>
+              <a:ea typeface="Droid Sans Mono" panose="020B0609030804020204" pitchFamily="49" charset="0"/>
+              <a:cs typeface="Droid Sans Mono" panose="020B0609030804020204" pitchFamily="49" charset="0"/>
+            </a:endParaRPr>
+          </a:p>
+          <a:p>
+            <a:pPr marL="0" indent="0">
+              <a:buNone/>
+            </a:pPr>
+            <a:r>
+              <a:rPr lang="en-GB" sz="1800" b="0" kern="0">
+                <a:latin typeface="Droid Sans Mono" panose="020B0609030804020204" pitchFamily="49" charset="0"/>
+                <a:ea typeface="Droid Sans Mono" panose="020B0609030804020204" pitchFamily="49" charset="0"/>
+                <a:cs typeface="Droid Sans Mono" panose="020B0609030804020204" pitchFamily="49" charset="0"/>
+              </a:rPr>
+              <a:t>    if (!ROUND_TOWARDS_ZERO &amp;&amp; (quotient &amp; GARDMASK) == GARDMSB)</a:t>
+            </a:r>
+          </a:p>
+          <a:p>
+            <a:pPr marL="0" indent="0">
+              <a:buNone/>
+            </a:pPr>
+            <a:r>
+              <a:rPr lang="en-GB" sz="1800" b="0" kern="0">
+                <a:latin typeface="Droid Sans Mono" panose="020B0609030804020204" pitchFamily="49" charset="0"/>
+                <a:ea typeface="Droid Sans Mono" panose="020B0609030804020204" pitchFamily="49" charset="0"/>
+                <a:cs typeface="Droid Sans Mono" panose="020B0609030804020204" pitchFamily="49" charset="0"/>
+              </a:rPr>
+              <a:t>      {</a:t>
+            </a:r>
+          </a:p>
+          <a:p>
+            <a:pPr marL="0" indent="0">
+              <a:buNone/>
+            </a:pPr>
+            <a:r>
+              <a:rPr lang="en-GB" sz="1800" b="0" kern="0">
+                <a:latin typeface="Droid Sans Mono" panose="020B0609030804020204" pitchFamily="49" charset="0"/>
+                <a:ea typeface="Droid Sans Mono" panose="020B0609030804020204" pitchFamily="49" charset="0"/>
+                <a:cs typeface="Droid Sans Mono" panose="020B0609030804020204" pitchFamily="49" charset="0"/>
+              </a:rPr>
+              <a:t>	if (quotient &amp; (1 &lt;&lt; NGARDS)) { }</a:t>
+            </a:r>
+          </a:p>
+          <a:p>
+            <a:pPr marL="0" indent="0">
+              <a:buNone/>
+            </a:pPr>
+            <a:r>
+              <a:rPr lang="en-GB" sz="1800" b="0" kern="0">
+                <a:latin typeface="Droid Sans Mono" panose="020B0609030804020204" pitchFamily="49" charset="0"/>
+                <a:ea typeface="Droid Sans Mono" panose="020B0609030804020204" pitchFamily="49" charset="0"/>
+                <a:cs typeface="Droid Sans Mono" panose="020B0609030804020204" pitchFamily="49" charset="0"/>
+              </a:rPr>
+              <a:t>	else if (numerator)</a:t>
+            </a:r>
+          </a:p>
+          <a:p>
+            <a:pPr marL="0" indent="0">
+              <a:buNone/>
+            </a:pPr>
+            <a:r>
+              <a:rPr lang="en-GB" sz="1800" b="0" kern="0">
+                <a:latin typeface="Droid Sans Mono" panose="020B0609030804020204" pitchFamily="49" charset="0"/>
+                <a:ea typeface="Droid Sans Mono" panose="020B0609030804020204" pitchFamily="49" charset="0"/>
+                <a:cs typeface="Droid Sans Mono" panose="020B0609030804020204" pitchFamily="49" charset="0"/>
+              </a:rPr>
+              <a:t>	  {</a:t>
+            </a:r>
+          </a:p>
+          <a:p>
+            <a:pPr marL="0" indent="0">
+              <a:buNone/>
+            </a:pPr>
+            <a:r>
+              <a:rPr lang="en-GB" sz="1800" b="0" kern="0">
+                <a:latin typeface="Droid Sans Mono" panose="020B0609030804020204" pitchFamily="49" charset="0"/>
+                <a:ea typeface="Droid Sans Mono" panose="020B0609030804020204" pitchFamily="49" charset="0"/>
+                <a:cs typeface="Droid Sans Mono" panose="020B0609030804020204" pitchFamily="49" charset="0"/>
+              </a:rPr>
+              <a:t>	    quotient += GARDROUND + 1;</a:t>
+            </a:r>
+          </a:p>
+          <a:p>
+            <a:pPr marL="0" indent="0">
+              <a:buNone/>
+            </a:pPr>
+            <a:endParaRPr lang="en-GB" sz="1800" b="0" kern="0">
+              <a:latin typeface="Droid Sans Mono" panose="020B0609030804020204" pitchFamily="49" charset="0"/>
+              <a:ea typeface="Droid Sans Mono" panose="020B0609030804020204" pitchFamily="49" charset="0"/>
+              <a:cs typeface="Droid Sans Mono" panose="020B0609030804020204" pitchFamily="49" charset="0"/>
+            </a:endParaRPr>
+          </a:p>
+          <a:p>
+            <a:pPr marL="0" indent="0">
+              <a:buNone/>
+            </a:pPr>
+            <a:r>
+              <a:rPr lang="en-GB" sz="1800" b="0" kern="0">
+                <a:latin typeface="Droid Sans Mono" panose="020B0609030804020204" pitchFamily="49" charset="0"/>
+                <a:ea typeface="Droid Sans Mono" panose="020B0609030804020204" pitchFamily="49" charset="0"/>
+                <a:cs typeface="Droid Sans Mono" panose="020B0609030804020204" pitchFamily="49" charset="0"/>
+              </a:rPr>
+              <a:t>	    /* Avoid further rounding in pack_d.  */</a:t>
+            </a:r>
+          </a:p>
+          <a:p>
+            <a:pPr marL="0" indent="0">
+              <a:buNone/>
+            </a:pPr>
+            <a:r>
+              <a:rPr lang="en-GB" sz="1800" b="0" kern="0">
+                <a:latin typeface="Droid Sans Mono" panose="020B0609030804020204" pitchFamily="49" charset="0"/>
+                <a:ea typeface="Droid Sans Mono" panose="020B0609030804020204" pitchFamily="49" charset="0"/>
+                <a:cs typeface="Droid Sans Mono" panose="020B0609030804020204" pitchFamily="49" charset="0"/>
+              </a:rPr>
+              <a:t>	    quotient &amp;= ~(fractype) GARDMASK;</a:t>
+            </a:r>
+          </a:p>
+          <a:p>
+            <a:pPr marL="0" indent="0">
+              <a:buNone/>
+            </a:pPr>
+            <a:r>
+              <a:rPr lang="en-GB" sz="1800" b="0" kern="0">
+                <a:latin typeface="Droid Sans Mono" panose="020B0609030804020204" pitchFamily="49" charset="0"/>
+                <a:ea typeface="Droid Sans Mono" panose="020B0609030804020204" pitchFamily="49" charset="0"/>
+                <a:cs typeface="Droid Sans Mono" panose="020B0609030804020204" pitchFamily="49" charset="0"/>
+              </a:rPr>
+              <a:t>	  }</a:t>
+            </a:r>
+            <a:r>
+              <a:rPr lang="en-GB" kern="0" smtClean="0"/>
+              <a:t> </a:t>
+            </a:r>
+          </a:p>
+          <a:p>
+            <a:pPr marL="0" indent="0">
+              <a:buFont typeface="Wingdings 3" pitchFamily="18" charset="2"/>
+              <a:buNone/>
+            </a:pPr>
+            <a:endParaRPr lang="en-GB" kern="0" smtClean="0"/>
+          </a:p>
+          <a:p>
+            <a:pPr marL="0" indent="0">
+              <a:buFont typeface="Wingdings 3" pitchFamily="18" charset="2"/>
+              <a:buNone/>
+            </a:pPr>
+            <a:endParaRPr lang="en-GB" sz="2400" b="0" kern="0">
+              <a:latin typeface="Eurostile" panose="020B0504020202050204" pitchFamily="34" charset="0"/>
+            </a:endParaRPr>
+          </a:p>
+        </p:txBody>
+      </p:sp>
+    </p:spTree>
+    <p:extLst>
+      <p:ext uri="{BB962C8B-B14F-4D97-AF65-F5344CB8AC3E}">
+        <p14:creationId xmlns:p14="http://schemas.microsoft.com/office/powerpoint/2010/main" val="1964952456"/>
+      </p:ext>
+    </p:extLst>
+  </p:cSld>
+  <p:clrMapOvr>
+    <a:masterClrMapping/>
+  </p:clrMapOvr>
+  <p:timing>
+    <p:tnLst>
+      <p:par>
+        <p:cTn id="1" dur="indefinite" restart="never" nodeType="tmRoot"/>
+      </p:par>
+    </p:tnLst>
+  </p:timing>
+</p:sld>
+</file>
+
+<file path=ppt/slides/slide12.xml><?xml version="1.0" encoding="utf-8"?>
+<p:sld xmlns:a="http://schemas.openxmlformats.org/drawingml/2006/main" xmlns:r="http://schemas.openxmlformats.org/officeDocument/2006/relationships" xmlns:p="http://schemas.openxmlformats.org/presentationml/2006/main">
+  <p:cSld>
+    <p:spTree>
+      <p:nvGrpSpPr>
+        <p:cNvPr id="1" name=""/>
+        <p:cNvGrpSpPr/>
+        <p:nvPr/>
+      </p:nvGrpSpPr>
+      <p:grpSpPr>
+        <a:xfrm>
+          <a:off x="0" y="0"/>
+          <a:ext cx="0" cy="0"/>
+          <a:chOff x="0" y="0"/>
+          <a:chExt cx="0" cy="0"/>
+        </a:xfrm>
+      </p:grpSpPr>
+      <p:sp>
+        <p:nvSpPr>
+          <p:cNvPr id="2" name="Titel 1"/>
+          <p:cNvSpPr>
+            <a:spLocks noGrp="1"/>
+          </p:cNvSpPr>
+          <p:nvPr>
+            <p:ph type="title"/>
+          </p:nvPr>
+        </p:nvSpPr>
+        <p:spPr/>
+        <p:txBody>
+          <a:bodyPr/>
+          <a:lstStyle/>
+          <a:p>
+            <a:r>
+              <a:rPr lang="en-GB" smtClean="0"/>
+              <a:t>“State Space Explosion”</a:t>
+            </a:r>
+            <a:endParaRPr lang="en-GB" dirty="0"/>
+          </a:p>
+        </p:txBody>
+      </p:sp>
+      <p:sp>
+        <p:nvSpPr>
+          <p:cNvPr id="3" name="Inhaltsplatzhalter 2"/>
+          <p:cNvSpPr>
+            <a:spLocks noGrp="1"/>
+          </p:cNvSpPr>
+          <p:nvPr>
+            <p:ph idx="1"/>
+          </p:nvPr>
+        </p:nvSpPr>
+        <p:spPr>
+          <a:ln>
+            <a:noFill/>
+          </a:ln>
+        </p:spPr>
+        <p:txBody>
+          <a:bodyPr/>
+          <a:lstStyle/>
+          <a:p>
+            <a:endParaRPr lang="en-GB" smtClean="0"/>
+          </a:p>
+          <a:p>
+            <a:endParaRPr lang="en-GB"/>
+          </a:p>
+          <a:p>
+            <a:endParaRPr lang="en-GB" smtClean="0"/>
+          </a:p>
+          <a:p>
+            <a:endParaRPr lang="en-GB"/>
+          </a:p>
+          <a:p>
+            <a:endParaRPr lang="en-GB" smtClean="0"/>
+          </a:p>
+          <a:p>
+            <a:endParaRPr lang="en-GB"/>
+          </a:p>
+          <a:p>
+            <a:endParaRPr lang="en-GB" smtClean="0"/>
+          </a:p>
+          <a:p>
+            <a:endParaRPr lang="en-GB" smtClean="0"/>
+          </a:p>
+          <a:p>
+            <a:endParaRPr lang="en-GB"/>
+          </a:p>
+          <a:p>
+            <a:endParaRPr lang="en-GB" smtClean="0"/>
+          </a:p>
+          <a:p>
+            <a:endParaRPr lang="en-GB"/>
+          </a:p>
+          <a:p>
+            <a:endParaRPr lang="en-GB" smtClean="0"/>
+          </a:p>
+          <a:p>
+            <a:r>
+              <a:rPr lang="en-GB" smtClean="0"/>
+              <a:t>Reduce to sub space, that hopefully contains an example trace</a:t>
+            </a:r>
+          </a:p>
+          <a:p>
+            <a:r>
+              <a:rPr lang="en-GB" smtClean="0"/>
+              <a:t>Loop length prediction</a:t>
+            </a:r>
+          </a:p>
+          <a:p>
+            <a:r>
+              <a:rPr lang="en-GB" smtClean="0"/>
+              <a:t>…</a:t>
+            </a:r>
+          </a:p>
+          <a:p>
+            <a:pPr marL="0" indent="0">
+              <a:buNone/>
+            </a:pPr>
+            <a:endParaRPr lang="en-GB" smtClean="0"/>
+          </a:p>
+          <a:p>
+            <a:pPr marL="0" indent="0">
+              <a:buNone/>
+            </a:pPr>
+            <a:r>
+              <a:rPr lang="en-GB" smtClean="0"/>
+              <a:t> </a:t>
+            </a:r>
+            <a:endParaRPr lang="en-GB" smtClean="0"/>
+          </a:p>
+          <a:p>
+            <a:pPr marL="0" indent="0">
+              <a:buNone/>
+            </a:pPr>
+            <a:endParaRPr lang="en-GB" smtClean="0"/>
+          </a:p>
+          <a:p>
+            <a:pPr marL="0" indent="0">
+              <a:buNone/>
+            </a:pPr>
+            <a:endParaRPr lang="en-GB" sz="2400" b="0">
+              <a:latin typeface="Eurostile" panose="020B0504020202050204" pitchFamily="34" charset="0"/>
+            </a:endParaRPr>
+          </a:p>
+        </p:txBody>
+      </p:sp>
+      <p:pic>
+        <p:nvPicPr>
+          <p:cNvPr id="5" name="Grafik 4"/>
+          <p:cNvPicPr>
+            <a:picLocks noChangeAspect="1"/>
+          </p:cNvPicPr>
+          <p:nvPr/>
+        </p:nvPicPr>
+        <p:blipFill>
+          <a:blip r:embed="rId3">
+            <a:extLst>
+              <a:ext uri="{28A0092B-C50C-407E-A947-70E740481C1C}">
+                <a14:useLocalDpi xmlns:a14="http://schemas.microsoft.com/office/drawing/2010/main" val="0"/>
+              </a:ext>
+            </a:extLst>
+          </a:blip>
+          <a:stretch>
+            <a:fillRect/>
+          </a:stretch>
+        </p:blipFill>
+        <p:spPr>
+          <a:xfrm>
+            <a:off x="3175430" y="1372730"/>
+            <a:ext cx="6343206" cy="5074565"/>
+          </a:xfrm>
+          <a:prstGeom prst="rect">
+            <a:avLst/>
+          </a:prstGeom>
+        </p:spPr>
+      </p:pic>
+    </p:spTree>
+    <p:extLst>
+      <p:ext uri="{BB962C8B-B14F-4D97-AF65-F5344CB8AC3E}">
+        <p14:creationId xmlns:p14="http://schemas.microsoft.com/office/powerpoint/2010/main" val="294297239"/>
+      </p:ext>
+    </p:extLst>
+  </p:cSld>
+  <p:clrMapOvr>
+    <a:masterClrMapping/>
+  </p:clrMapOvr>
+  <p:timing>
+    <p:tnLst>
+      <p:par>
+        <p:cTn id="1" dur="indefinite" restart="never" nodeType="tmRoot"/>
+      </p:par>
+    </p:tnLst>
+  </p:timing>
+</p:sld>
+</file>
+
+<file path=ppt/slides/slide13.xml><?xml version="1.0" encoding="utf-8"?>
+<p:sld xmlns:a="http://schemas.openxmlformats.org/drawingml/2006/main" xmlns:r="http://schemas.openxmlformats.org/officeDocument/2006/relationships" xmlns:p="http://schemas.openxmlformats.org/presentationml/2006/main">
+  <p:cSld>
+    <p:spTree>
+      <p:nvGrpSpPr>
+        <p:cNvPr id="1" name=""/>
+        <p:cNvGrpSpPr/>
+        <p:nvPr/>
+      </p:nvGrpSpPr>
+      <p:grpSpPr>
+        <a:xfrm>
+          <a:off x="0" y="0"/>
+          <a:ext cx="0" cy="0"/>
+          <a:chOff x="0" y="0"/>
+          <a:chExt cx="0" cy="0"/>
+        </a:xfrm>
+      </p:grpSpPr>
+      <p:sp>
+        <p:nvSpPr>
+          <p:cNvPr id="2" name="Titel 1"/>
+          <p:cNvSpPr>
+            <a:spLocks noGrp="1"/>
+          </p:cNvSpPr>
+          <p:nvPr>
+            <p:ph type="title"/>
+          </p:nvPr>
+        </p:nvSpPr>
+        <p:spPr/>
+        <p:txBody>
+          <a:bodyPr/>
+          <a:lstStyle/>
+          <a:p>
+            <a:r>
+              <a:rPr lang="en-GB" smtClean="0"/>
+              <a:t>Solution to Jorge/Alex’s Challenge</a:t>
+            </a:r>
+            <a:endParaRPr lang="en-GB" dirty="0"/>
+          </a:p>
+        </p:txBody>
+      </p:sp>
+      <p:sp>
+        <p:nvSpPr>
+          <p:cNvPr id="3" name="Inhaltsplatzhalter 2"/>
+          <p:cNvSpPr>
+            <a:spLocks noGrp="1"/>
+          </p:cNvSpPr>
+          <p:nvPr>
+            <p:ph idx="1"/>
+          </p:nvPr>
+        </p:nvSpPr>
+        <p:spPr>
+          <a:xfrm>
+            <a:off x="487680" y="1372730"/>
+            <a:ext cx="12029440" cy="7833263"/>
+          </a:xfrm>
+          <a:ln>
+            <a:noFill/>
+          </a:ln>
+        </p:spPr>
+        <p:txBody>
+          <a:bodyPr/>
+          <a:lstStyle/>
+          <a:p>
+            <a:pPr marL="0" indent="0">
+              <a:buNone/>
+            </a:pPr>
+            <a:endParaRPr lang="en-GB"/>
+          </a:p>
+          <a:p>
+            <a:pPr marL="0" indent="0">
+              <a:buNone/>
+            </a:pPr>
+            <a:endParaRPr lang="en-US" sz="2000" b="0" smtClean="0">
+              <a:latin typeface="Droid Sans Mono" panose="020B0609030804020204" pitchFamily="49" charset="0"/>
+              <a:ea typeface="Droid Sans Mono" panose="020B0609030804020204" pitchFamily="49" charset="0"/>
+              <a:cs typeface="Droid Sans Mono" panose="020B0609030804020204" pitchFamily="49" charset="0"/>
+            </a:endParaRPr>
+          </a:p>
+          <a:p>
+            <a:pPr marL="0" indent="0">
+              <a:buNone/>
+            </a:pPr>
+            <a:endParaRPr lang="en-US" sz="2000" b="0" smtClean="0">
+              <a:latin typeface="Droid Sans Mono" panose="020B0609030804020204" pitchFamily="49" charset="0"/>
+              <a:ea typeface="Droid Sans Mono" panose="020B0609030804020204" pitchFamily="49" charset="0"/>
+              <a:cs typeface="Droid Sans Mono" panose="020B0609030804020204" pitchFamily="49" charset="0"/>
+            </a:endParaRPr>
+          </a:p>
+          <a:p>
+            <a:pPr marL="0" indent="0">
+              <a:buNone/>
+            </a:pPr>
+            <a:endParaRPr lang="en-US" sz="2000" b="0">
+              <a:latin typeface="Droid Sans Mono" panose="020B0609030804020204" pitchFamily="49" charset="0"/>
+              <a:ea typeface="Droid Sans Mono" panose="020B0609030804020204" pitchFamily="49" charset="0"/>
+              <a:cs typeface="Droid Sans Mono" panose="020B0609030804020204" pitchFamily="49" charset="0"/>
+            </a:endParaRPr>
+          </a:p>
+          <a:p>
+            <a:pPr marL="0" indent="0">
+              <a:buNone/>
+            </a:pPr>
+            <a:endParaRPr lang="en-US" sz="2000" b="0" smtClean="0">
+              <a:latin typeface="Droid Sans Mono" panose="020B0609030804020204" pitchFamily="49" charset="0"/>
+              <a:ea typeface="Droid Sans Mono" panose="020B0609030804020204" pitchFamily="49" charset="0"/>
+              <a:cs typeface="Droid Sans Mono" panose="020B0609030804020204" pitchFamily="49" charset="0"/>
+            </a:endParaRPr>
+          </a:p>
+          <a:p>
+            <a:pPr marL="0" indent="0">
+              <a:buNone/>
+            </a:pPr>
+            <a:endParaRPr lang="en-US" sz="2000" b="0">
+              <a:latin typeface="Droid Sans Mono" panose="020B0609030804020204" pitchFamily="49" charset="0"/>
+              <a:ea typeface="Droid Sans Mono" panose="020B0609030804020204" pitchFamily="49" charset="0"/>
+              <a:cs typeface="Droid Sans Mono" panose="020B0609030804020204" pitchFamily="49" charset="0"/>
+            </a:endParaRPr>
+          </a:p>
+          <a:p>
+            <a:pPr marL="0" indent="0">
+              <a:buNone/>
+            </a:pPr>
+            <a:endParaRPr lang="en-US" sz="2000" b="0" smtClean="0">
+              <a:latin typeface="Droid Sans Mono" panose="020B0609030804020204" pitchFamily="49" charset="0"/>
+              <a:ea typeface="Droid Sans Mono" panose="020B0609030804020204" pitchFamily="49" charset="0"/>
+              <a:cs typeface="Droid Sans Mono" panose="020B0609030804020204" pitchFamily="49" charset="0"/>
+            </a:endParaRPr>
+          </a:p>
+          <a:p>
+            <a:pPr marL="0" indent="0">
+              <a:buNone/>
+            </a:pPr>
+            <a:endParaRPr lang="en-US" sz="2000" b="0">
+              <a:latin typeface="Droid Sans Mono" panose="020B0609030804020204" pitchFamily="49" charset="0"/>
+              <a:ea typeface="Droid Sans Mono" panose="020B0609030804020204" pitchFamily="49" charset="0"/>
+              <a:cs typeface="Droid Sans Mono" panose="020B0609030804020204" pitchFamily="49" charset="0"/>
+            </a:endParaRPr>
+          </a:p>
+          <a:p>
+            <a:pPr marL="0" indent="0">
+              <a:buNone/>
+            </a:pPr>
+            <a:endParaRPr lang="en-US" sz="2000" b="0" smtClean="0">
+              <a:latin typeface="Droid Sans Mono" panose="020B0609030804020204" pitchFamily="49" charset="0"/>
+              <a:ea typeface="Droid Sans Mono" panose="020B0609030804020204" pitchFamily="49" charset="0"/>
+              <a:cs typeface="Droid Sans Mono" panose="020B0609030804020204" pitchFamily="49" charset="0"/>
+            </a:endParaRPr>
+          </a:p>
+          <a:p>
+            <a:pPr marL="0" indent="0">
+              <a:buNone/>
+            </a:pPr>
+            <a:endParaRPr lang="de-DE" sz="2000" b="0" smtClean="0">
+              <a:latin typeface="Droid Sans Mono" panose="020B0609030804020204" pitchFamily="49" charset="0"/>
+              <a:ea typeface="Droid Sans Mono" panose="020B0609030804020204" pitchFamily="49" charset="0"/>
+              <a:cs typeface="Droid Sans Mono" panose="020B0609030804020204" pitchFamily="49" charset="0"/>
+            </a:endParaRPr>
+          </a:p>
+          <a:p>
+            <a:pPr marL="0" indent="0">
+              <a:buNone/>
+            </a:pPr>
+            <a:endParaRPr lang="de-DE" sz="2000" b="0">
+              <a:latin typeface="Droid Sans Mono" panose="020B0609030804020204" pitchFamily="49" charset="0"/>
+              <a:ea typeface="Droid Sans Mono" panose="020B0609030804020204" pitchFamily="49" charset="0"/>
+              <a:cs typeface="Droid Sans Mono" panose="020B0609030804020204" pitchFamily="49" charset="0"/>
+            </a:endParaRPr>
+          </a:p>
+          <a:p>
+            <a:pPr marL="0" indent="0">
+              <a:buNone/>
+            </a:pPr>
+            <a:endParaRPr lang="en-US" sz="2000" b="0">
+              <a:latin typeface="Droid Sans Mono" panose="020B0609030804020204" pitchFamily="49" charset="0"/>
+              <a:ea typeface="Droid Sans Mono" panose="020B0609030804020204" pitchFamily="49" charset="0"/>
+              <a:cs typeface="Droid Sans Mono" panose="020B0609030804020204" pitchFamily="49" charset="0"/>
+            </a:endParaRPr>
+          </a:p>
+          <a:p>
+            <a:pPr marL="0" indent="0">
+              <a:buNone/>
+            </a:pPr>
+            <a:r>
+              <a:rPr lang="en-US" sz="2000" b="0" smtClean="0">
+                <a:latin typeface="Droid Sans Mono" panose="020B0609030804020204" pitchFamily="49" charset="0"/>
+                <a:ea typeface="Droid Sans Mono" panose="020B0609030804020204" pitchFamily="49" charset="0"/>
+                <a:cs typeface="Droid Sans Mono" panose="020B0609030804020204" pitchFamily="49" charset="0"/>
+              </a:rPr>
+              <a:t>===== SUMMARY =====</a:t>
+            </a:r>
+          </a:p>
+          <a:p>
+            <a:pPr marL="0" indent="0">
+              <a:buNone/>
+            </a:pPr>
+            <a:endParaRPr lang="en-US" sz="2000" b="0" smtClean="0">
+              <a:latin typeface="Droid Sans Mono" panose="020B0609030804020204" pitchFamily="49" charset="0"/>
+              <a:ea typeface="Droid Sans Mono" panose="020B0609030804020204" pitchFamily="49" charset="0"/>
+              <a:cs typeface="Droid Sans Mono" panose="020B0609030804020204" pitchFamily="49" charset="0"/>
+            </a:endParaRPr>
+          </a:p>
+          <a:p>
+            <a:pPr marL="0" indent="0">
+              <a:buNone/>
+            </a:pPr>
+            <a:r>
+              <a:rPr lang="en-US" sz="2000" b="0">
+                <a:latin typeface="Droid Sans Mono" panose="020B0609030804020204" pitchFamily="49" charset="0"/>
+                <a:ea typeface="Droid Sans Mono" panose="020B0609030804020204" pitchFamily="49" charset="0"/>
+                <a:cs typeface="Droid Sans Mono" panose="020B0609030804020204" pitchFamily="49" charset="0"/>
+              </a:rPr>
+              <a:t>Test Vector covering [2,2,2,2,2,1,1,1,2,2,2,2,2,1,2,1] : </a:t>
+            </a:r>
+          </a:p>
+          <a:p>
+            <a:pPr marL="0" indent="0">
+              <a:buNone/>
+            </a:pPr>
+            <a:r>
+              <a:rPr lang="en-US" sz="2000" b="0">
+                <a:latin typeface="Droid Sans Mono" panose="020B0609030804020204" pitchFamily="49" charset="0"/>
+                <a:ea typeface="Droid Sans Mono" panose="020B0609030804020204" pitchFamily="49" charset="0"/>
+                <a:cs typeface="Droid Sans Mono" panose="020B0609030804020204" pitchFamily="49" charset="0"/>
+              </a:rPr>
+              <a:t>    _fpdiv_parts ( a = 0 , a_ARROW_class = 3 , a_ARROW_sign = 0 , a_ARROW_normal_exp = 0 , a_ARROW_fraction_DOT_ll = 7689560 , b = 0 , b_ARROW_class = 3 , b_ARROW_sign = 0 , b_ARROW_normal_exp = 0 , b_ARROW_fraction_DOT_ll = 8388611 )</a:t>
+            </a:r>
+          </a:p>
+          <a:p>
+            <a:pPr marL="0" indent="0">
+              <a:buNone/>
+            </a:pPr>
+            <a:r>
+              <a:rPr lang="en-US" sz="2000" b="0">
+                <a:latin typeface="Droid Sans Mono" panose="020B0609030804020204" pitchFamily="49" charset="0"/>
+                <a:ea typeface="Droid Sans Mono" panose="020B0609030804020204" pitchFamily="49" charset="0"/>
+                <a:cs typeface="Droid Sans Mono" panose="020B0609030804020204" pitchFamily="49" charset="0"/>
+              </a:rPr>
+              <a:t>    = return_val = 0 , return_val_ARROW_class = 3 , return_val_ARROW_sign = 0 , return_val_ARROW_normal_exp = -1 , return_val_ARROW_fraction_DOT_ll = 1968526720</a:t>
+            </a:r>
+          </a:p>
+          <a:p>
+            <a:pPr marL="0" indent="0">
+              <a:buNone/>
+            </a:pPr>
+            <a:endParaRPr lang="en-GB" smtClean="0"/>
+          </a:p>
+          <a:p>
+            <a:pPr marL="0" indent="0">
+              <a:buNone/>
+            </a:pPr>
+            <a:endParaRPr lang="en-GB" sz="2400" b="0">
+              <a:latin typeface="Eurostile" panose="020B0504020202050204" pitchFamily="34" charset="0"/>
+            </a:endParaRPr>
+          </a:p>
+        </p:txBody>
+      </p:sp>
+      <p:sp>
+        <p:nvSpPr>
+          <p:cNvPr id="4" name="Inhaltsplatzhalter 2"/>
+          <p:cNvSpPr txBox="1">
+            <a:spLocks/>
+          </p:cNvSpPr>
+          <p:nvPr/>
+        </p:nvSpPr>
+        <p:spPr>
+          <a:xfrm>
+            <a:off x="3584135" y="1372730"/>
+            <a:ext cx="8932985" cy="4811094"/>
+          </a:xfrm>
+          <a:prstGeom prst="rect">
+            <a:avLst/>
+          </a:prstGeom>
+          <a:solidFill>
+            <a:schemeClr val="accent1"/>
+          </a:solidFill>
+          <a:ln>
+            <a:noFill/>
+          </a:ln>
+        </p:spPr>
+        <p:txBody>
+          <a:bodyPr lIns="130046" tIns="65023" rIns="130046" bIns="65023"/>
+          <a:lstStyle>
+            <a:lvl1pPr marL="487363" indent="-487363" algn="l" rtl="0" eaLnBrk="0" fontAlgn="base" hangingPunct="0">
+              <a:spcBef>
+                <a:spcPct val="20000"/>
+              </a:spcBef>
+              <a:spcAft>
+                <a:spcPct val="0"/>
+              </a:spcAft>
+              <a:buFont typeface="Wingdings 3" pitchFamily="18" charset="2"/>
+              <a:buChar char=""/>
+              <a:defRPr sz="2800" b="1" spc="0">
+                <a:solidFill>
+                  <a:schemeClr val="tx1"/>
+                </a:solidFill>
+                <a:latin typeface="+mn-lt"/>
+                <a:ea typeface="+mn-ea"/>
+                <a:cs typeface="+mn-cs"/>
+              </a:defRPr>
+            </a:lvl1pPr>
+            <a:lvl2pPr marL="1055688" indent="-404813" algn="l" rtl="0" eaLnBrk="0" fontAlgn="base" hangingPunct="0">
+              <a:spcBef>
+                <a:spcPct val="20000"/>
+              </a:spcBef>
+              <a:spcAft>
+                <a:spcPct val="0"/>
+              </a:spcAft>
+              <a:buFont typeface="Calibri" pitchFamily="34" charset="0"/>
+              <a:buChar char="–"/>
+              <a:defRPr sz="2800" spc="0">
+                <a:solidFill>
+                  <a:schemeClr val="tx1"/>
+                </a:solidFill>
+                <a:latin typeface="+mn-lt"/>
+              </a:defRPr>
+            </a:lvl2pPr>
+            <a:lvl3pPr marL="1624013" indent="-323850" algn="l" rtl="0" eaLnBrk="0" fontAlgn="base" hangingPunct="0">
+              <a:spcBef>
+                <a:spcPct val="20000"/>
+              </a:spcBef>
+              <a:spcAft>
+                <a:spcPct val="0"/>
+              </a:spcAft>
+              <a:buChar char="•"/>
+              <a:defRPr sz="2400" spc="0">
+                <a:solidFill>
+                  <a:schemeClr val="tx1"/>
+                </a:solidFill>
+                <a:latin typeface="+mn-lt"/>
+              </a:defRPr>
+            </a:lvl3pPr>
+            <a:lvl4pPr marL="2274888" indent="-323850" algn="l" rtl="0" eaLnBrk="0" fontAlgn="base" hangingPunct="0">
+              <a:spcBef>
+                <a:spcPct val="20000"/>
+              </a:spcBef>
+              <a:spcAft>
+                <a:spcPct val="0"/>
+              </a:spcAft>
+              <a:buChar char="–"/>
+              <a:defRPr sz="2000" spc="0">
+                <a:solidFill>
+                  <a:schemeClr val="tx1"/>
+                </a:solidFill>
+                <a:latin typeface="+mn-lt"/>
+              </a:defRPr>
+            </a:lvl4pPr>
+            <a:lvl5pPr marL="2925763" indent="-323850" algn="l" rtl="0" eaLnBrk="0" fontAlgn="base" hangingPunct="0">
+              <a:spcBef>
+                <a:spcPct val="20000"/>
+              </a:spcBef>
+              <a:spcAft>
+                <a:spcPct val="0"/>
+              </a:spcAft>
+              <a:buChar char="»"/>
+              <a:defRPr sz="1800" spc="0">
+                <a:solidFill>
+                  <a:schemeClr val="tx1"/>
+                </a:solidFill>
+                <a:latin typeface="+mn-lt"/>
+              </a:defRPr>
+            </a:lvl5pPr>
+            <a:lvl6pPr marL="3576264" indent="-325115" algn="l" rtl="0" eaLnBrk="1" fontAlgn="base" hangingPunct="1">
+              <a:spcBef>
+                <a:spcPct val="20000"/>
+              </a:spcBef>
+              <a:spcAft>
+                <a:spcPct val="0"/>
+              </a:spcAft>
+              <a:buChar char="»"/>
+              <a:defRPr sz="2800">
+                <a:solidFill>
+                  <a:schemeClr val="tx1"/>
+                </a:solidFill>
+                <a:latin typeface="+mn-lt"/>
+              </a:defRPr>
+            </a:lvl6pPr>
+            <a:lvl7pPr marL="4226494" indent="-325115" algn="l" rtl="0" eaLnBrk="1" fontAlgn="base" hangingPunct="1">
+              <a:spcBef>
+                <a:spcPct val="20000"/>
+              </a:spcBef>
+              <a:spcAft>
+                <a:spcPct val="0"/>
+              </a:spcAft>
+              <a:buChar char="»"/>
+              <a:defRPr sz="2800">
+                <a:solidFill>
+                  <a:schemeClr val="tx1"/>
+                </a:solidFill>
+                <a:latin typeface="+mn-lt"/>
+              </a:defRPr>
+            </a:lvl7pPr>
+            <a:lvl8pPr marL="4876724" indent="-325115" algn="l" rtl="0" eaLnBrk="1" fontAlgn="base" hangingPunct="1">
+              <a:spcBef>
+                <a:spcPct val="20000"/>
+              </a:spcBef>
+              <a:spcAft>
+                <a:spcPct val="0"/>
+              </a:spcAft>
+              <a:buChar char="»"/>
+              <a:defRPr sz="2800">
+                <a:solidFill>
+                  <a:schemeClr val="tx1"/>
+                </a:solidFill>
+                <a:latin typeface="+mn-lt"/>
+              </a:defRPr>
+            </a:lvl8pPr>
+            <a:lvl9pPr marL="5526954" indent="-325115" algn="l" rtl="0" eaLnBrk="1" fontAlgn="base" hangingPunct="1">
+              <a:spcBef>
+                <a:spcPct val="20000"/>
+              </a:spcBef>
+              <a:spcAft>
+                <a:spcPct val="0"/>
+              </a:spcAft>
+              <a:buChar char="»"/>
+              <a:defRPr sz="2800">
+                <a:solidFill>
+                  <a:schemeClr val="tx1"/>
+                </a:solidFill>
+                <a:latin typeface="+mn-lt"/>
+              </a:defRPr>
+            </a:lvl9pPr>
+          </a:lstStyle>
+          <a:p>
+            <a:pPr marL="0" indent="0">
+              <a:buNone/>
+            </a:pPr>
+            <a:r>
+              <a:rPr lang="en-GB" sz="1800" b="0" kern="0">
+                <a:latin typeface="Droid Sans Mono" panose="020B0609030804020204" pitchFamily="49" charset="0"/>
+                <a:ea typeface="Droid Sans Mono" panose="020B0609030804020204" pitchFamily="49" charset="0"/>
+                <a:cs typeface="Droid Sans Mono" panose="020B0609030804020204" pitchFamily="49" charset="0"/>
+              </a:rPr>
+              <a:t> if (!ROUND_TOWARDS_ZERO &amp;&amp; (quotient &amp; GARDMASK) == GARDMSB)</a:t>
+            </a:r>
+          </a:p>
+          <a:p>
+            <a:pPr marL="0" indent="0">
+              <a:buNone/>
+            </a:pPr>
+            <a:r>
+              <a:rPr lang="en-GB" sz="1800" b="0" kern="0">
+                <a:latin typeface="Droid Sans Mono" panose="020B0609030804020204" pitchFamily="49" charset="0"/>
+                <a:ea typeface="Droid Sans Mono" panose="020B0609030804020204" pitchFamily="49" charset="0"/>
+                <a:cs typeface="Droid Sans Mono" panose="020B0609030804020204" pitchFamily="49" charset="0"/>
+              </a:rPr>
+              <a:t>      {</a:t>
+            </a:r>
+          </a:p>
+          <a:p>
+            <a:pPr marL="0" indent="0">
+              <a:buNone/>
+            </a:pPr>
+            <a:r>
+              <a:rPr lang="en-GB" sz="1800" b="0" kern="0">
+                <a:latin typeface="Droid Sans Mono" panose="020B0609030804020204" pitchFamily="49" charset="0"/>
+                <a:ea typeface="Droid Sans Mono" panose="020B0609030804020204" pitchFamily="49" charset="0"/>
+                <a:cs typeface="Droid Sans Mono" panose="020B0609030804020204" pitchFamily="49" charset="0"/>
+              </a:rPr>
+              <a:t>	if (quotient &amp; (1 &lt;&lt; NGARDS))</a:t>
+            </a:r>
+          </a:p>
+          <a:p>
+            <a:pPr marL="0" indent="0">
+              <a:buNone/>
+            </a:pPr>
+            <a:r>
+              <a:rPr lang="en-GB" sz="1800" b="0" kern="0">
+                <a:latin typeface="Droid Sans Mono" panose="020B0609030804020204" pitchFamily="49" charset="0"/>
+                <a:ea typeface="Droid Sans Mono" panose="020B0609030804020204" pitchFamily="49" charset="0"/>
+                <a:cs typeface="Droid Sans Mono" panose="020B0609030804020204" pitchFamily="49" charset="0"/>
+              </a:rPr>
+              <a:t>	  {</a:t>
+            </a:r>
+          </a:p>
+          <a:p>
+            <a:pPr marL="0" indent="0">
+              <a:buNone/>
+            </a:pPr>
+            <a:r>
+              <a:rPr lang="en-GB" sz="1800" b="0" kern="0">
+                <a:latin typeface="Droid Sans Mono" panose="020B0609030804020204" pitchFamily="49" charset="0"/>
+                <a:ea typeface="Droid Sans Mono" panose="020B0609030804020204" pitchFamily="49" charset="0"/>
+                <a:cs typeface="Droid Sans Mono" panose="020B0609030804020204" pitchFamily="49" charset="0"/>
+              </a:rPr>
+              <a:t>	  }</a:t>
+            </a:r>
+          </a:p>
+          <a:p>
+            <a:pPr marL="0" indent="0">
+              <a:buNone/>
+            </a:pPr>
+            <a:r>
+              <a:rPr lang="en-GB" sz="1800" b="0" kern="0">
+                <a:latin typeface="Droid Sans Mono" panose="020B0609030804020204" pitchFamily="49" charset="0"/>
+                <a:ea typeface="Droid Sans Mono" panose="020B0609030804020204" pitchFamily="49" charset="0"/>
+                <a:cs typeface="Droid Sans Mono" panose="020B0609030804020204" pitchFamily="49" charset="0"/>
+              </a:rPr>
+              <a:t>	else if (numerator)</a:t>
+            </a:r>
+          </a:p>
+          <a:p>
+            <a:pPr marL="0" indent="0">
+              <a:buNone/>
+            </a:pPr>
+            <a:r>
+              <a:rPr lang="en-GB" sz="1800" b="0" kern="0">
+                <a:latin typeface="Droid Sans Mono" panose="020B0609030804020204" pitchFamily="49" charset="0"/>
+                <a:ea typeface="Droid Sans Mono" panose="020B0609030804020204" pitchFamily="49" charset="0"/>
+                <a:cs typeface="Droid Sans Mono" panose="020B0609030804020204" pitchFamily="49" charset="0"/>
+              </a:rPr>
+              <a:t>	  {</a:t>
+            </a:r>
+          </a:p>
+          <a:p>
+            <a:pPr marL="0" indent="0">
+              <a:buNone/>
+            </a:pPr>
+            <a:r>
+              <a:rPr lang="en-GB" sz="1800" b="0" kern="0">
+                <a:latin typeface="Droid Sans Mono" panose="020B0609030804020204" pitchFamily="49" charset="0"/>
+                <a:ea typeface="Droid Sans Mono" panose="020B0609030804020204" pitchFamily="49" charset="0"/>
+                <a:cs typeface="Droid Sans Mono" panose="020B0609030804020204" pitchFamily="49" charset="0"/>
+              </a:rPr>
+              <a:t>#ifdef CALC</a:t>
+            </a:r>
+          </a:p>
+          <a:p>
+            <a:pPr marL="0" indent="0">
+              <a:buNone/>
+            </a:pPr>
+            <a:r>
+              <a:rPr lang="en-GB" sz="1800" b="0" kern="0">
+                <a:latin typeface="Droid Sans Mono" panose="020B0609030804020204" pitchFamily="49" charset="0"/>
+                <a:ea typeface="Droid Sans Mono" panose="020B0609030804020204" pitchFamily="49" charset="0"/>
+                <a:cs typeface="Droid Sans Mono" panose="020B0609030804020204" pitchFamily="49" charset="0"/>
+              </a:rPr>
+              <a:t>	    printf</a:t>
+            </a:r>
+            <a:r>
+              <a:rPr lang="en-GB" sz="1800" b="0" kern="0">
+                <a:latin typeface="Droid Sans Mono" panose="020B0609030804020204" pitchFamily="49" charset="0"/>
+                <a:ea typeface="Droid Sans Mono" panose="020B0609030804020204" pitchFamily="49" charset="0"/>
+                <a:cs typeface="Droid Sans Mono" panose="020B0609030804020204" pitchFamily="49" charset="0"/>
+              </a:rPr>
+              <a:t>("</a:t>
+            </a:r>
+            <a:r>
+              <a:rPr lang="en-GB" sz="1800" b="0" kern="0" smtClean="0">
+                <a:latin typeface="Droid Sans Mono" panose="020B0609030804020204" pitchFamily="49" charset="0"/>
+                <a:ea typeface="Droid Sans Mono" panose="020B0609030804020204" pitchFamily="49" charset="0"/>
+                <a:cs typeface="Droid Sans Mono" panose="020B0609030804020204" pitchFamily="49" charset="0"/>
+              </a:rPr>
+              <a:t>GOT IT</a:t>
+            </a:r>
+            <a:r>
+              <a:rPr lang="en-GB" sz="1800" b="0" kern="0">
+                <a:latin typeface="Droid Sans Mono" panose="020B0609030804020204" pitchFamily="49" charset="0"/>
+                <a:ea typeface="Droid Sans Mono" panose="020B0609030804020204" pitchFamily="49" charset="0"/>
+                <a:cs typeface="Droid Sans Mono" panose="020B0609030804020204" pitchFamily="49" charset="0"/>
+              </a:rPr>
+              <a:t>!\n");</a:t>
+            </a:r>
+          </a:p>
+          <a:p>
+            <a:pPr marL="0" indent="0">
+              <a:buNone/>
+            </a:pPr>
+            <a:r>
+              <a:rPr lang="en-GB" sz="1800" b="0" kern="0">
+                <a:latin typeface="Droid Sans Mono" panose="020B0609030804020204" pitchFamily="49" charset="0"/>
+                <a:ea typeface="Droid Sans Mono" panose="020B0609030804020204" pitchFamily="49" charset="0"/>
+                <a:cs typeface="Droid Sans Mono" panose="020B0609030804020204" pitchFamily="49" charset="0"/>
+              </a:rPr>
+              <a:t>#endif</a:t>
+            </a:r>
+          </a:p>
+          <a:p>
+            <a:pPr marL="0" indent="0">
+              <a:buNone/>
+            </a:pPr>
+            <a:r>
+              <a:rPr lang="en-GB" sz="1800" b="0" kern="0">
+                <a:latin typeface="Droid Sans Mono" panose="020B0609030804020204" pitchFamily="49" charset="0"/>
+                <a:ea typeface="Droid Sans Mono" panose="020B0609030804020204" pitchFamily="49" charset="0"/>
+                <a:cs typeface="Droid Sans Mono" panose="020B0609030804020204" pitchFamily="49" charset="0"/>
+              </a:rPr>
+              <a:t>	    quotient += GARDROUND + 1;</a:t>
+            </a:r>
+          </a:p>
+          <a:p>
+            <a:pPr marL="0" indent="0">
+              <a:buNone/>
+            </a:pPr>
+            <a:endParaRPr lang="en-GB" sz="1800" b="0" kern="0">
+              <a:latin typeface="Droid Sans Mono" panose="020B0609030804020204" pitchFamily="49" charset="0"/>
+              <a:ea typeface="Droid Sans Mono" panose="020B0609030804020204" pitchFamily="49" charset="0"/>
+              <a:cs typeface="Droid Sans Mono" panose="020B0609030804020204" pitchFamily="49" charset="0"/>
+            </a:endParaRPr>
+          </a:p>
+          <a:p>
+            <a:pPr marL="0" indent="0">
+              <a:buNone/>
+            </a:pPr>
+            <a:r>
+              <a:rPr lang="en-GB" sz="1800" b="0" kern="0">
+                <a:latin typeface="Droid Sans Mono" panose="020B0609030804020204" pitchFamily="49" charset="0"/>
+                <a:ea typeface="Droid Sans Mono" panose="020B0609030804020204" pitchFamily="49" charset="0"/>
+                <a:cs typeface="Droid Sans Mono" panose="020B0609030804020204" pitchFamily="49" charset="0"/>
+              </a:rPr>
+              <a:t>	    quotient &amp;= ~(fractype) GARDMASK;</a:t>
+            </a:r>
+          </a:p>
+          <a:p>
+            <a:pPr marL="0" indent="0">
+              <a:buNone/>
+            </a:pPr>
+            <a:r>
+              <a:rPr lang="en-GB" sz="1800" b="0" kern="0">
+                <a:latin typeface="Droid Sans Mono" panose="020B0609030804020204" pitchFamily="49" charset="0"/>
+                <a:ea typeface="Droid Sans Mono" panose="020B0609030804020204" pitchFamily="49" charset="0"/>
+                <a:cs typeface="Droid Sans Mono" panose="020B0609030804020204" pitchFamily="49" charset="0"/>
+              </a:rPr>
+              <a:t>	</a:t>
+            </a:r>
+            <a:r>
+              <a:rPr lang="en-GB" sz="1800" b="0" kern="0">
+                <a:latin typeface="Droid Sans Mono" panose="020B0609030804020204" pitchFamily="49" charset="0"/>
+                <a:ea typeface="Droid Sans Mono" panose="020B0609030804020204" pitchFamily="49" charset="0"/>
+                <a:cs typeface="Droid Sans Mono" panose="020B0609030804020204" pitchFamily="49" charset="0"/>
+              </a:rPr>
+              <a:t>  </a:t>
+            </a:r>
+            <a:r>
+              <a:rPr lang="en-GB" sz="1800" b="0" kern="0" smtClean="0">
+                <a:latin typeface="Droid Sans Mono" panose="020B0609030804020204" pitchFamily="49" charset="0"/>
+                <a:ea typeface="Droid Sans Mono" panose="020B0609030804020204" pitchFamily="49" charset="0"/>
+                <a:cs typeface="Droid Sans Mono" panose="020B0609030804020204" pitchFamily="49" charset="0"/>
+              </a:rPr>
+              <a:t>}</a:t>
+            </a:r>
+            <a:endParaRPr lang="en-GB" sz="1800" b="0" kern="0">
+              <a:latin typeface="Droid Sans Mono" panose="020B0609030804020204" pitchFamily="49" charset="0"/>
+              <a:ea typeface="Droid Sans Mono" panose="020B0609030804020204" pitchFamily="49" charset="0"/>
+              <a:cs typeface="Droid Sans Mono" panose="020B0609030804020204" pitchFamily="49" charset="0"/>
+            </a:endParaRPr>
+          </a:p>
+          <a:p>
+            <a:pPr marL="0" indent="0">
+              <a:buFont typeface="Wingdings 3" pitchFamily="18" charset="2"/>
+              <a:buNone/>
+            </a:pPr>
+            <a:r>
+              <a:rPr lang="en-GB" kern="0" smtClean="0"/>
+              <a:t> </a:t>
+            </a:r>
+          </a:p>
+          <a:p>
+            <a:pPr marL="0" indent="0">
+              <a:buFont typeface="Wingdings 3" pitchFamily="18" charset="2"/>
+              <a:buNone/>
+            </a:pPr>
+            <a:endParaRPr lang="en-GB" kern="0" smtClean="0"/>
+          </a:p>
+          <a:p>
+            <a:pPr marL="0" indent="0">
+              <a:buFont typeface="Wingdings 3" pitchFamily="18" charset="2"/>
+              <a:buNone/>
+            </a:pPr>
+            <a:endParaRPr lang="en-GB" sz="2400" b="0" kern="0">
+              <a:latin typeface="Eurostile" panose="020B0504020202050204" pitchFamily="34" charset="0"/>
+            </a:endParaRPr>
+          </a:p>
+        </p:txBody>
+      </p:sp>
+    </p:spTree>
+    <p:extLst>
+      <p:ext uri="{BB962C8B-B14F-4D97-AF65-F5344CB8AC3E}">
+        <p14:creationId xmlns:p14="http://schemas.microsoft.com/office/powerpoint/2010/main" val="1769019156"/>
+      </p:ext>
+    </p:extLst>
+  </p:cSld>
+  <p:clrMapOvr>
+    <a:masterClrMapping/>
+  </p:clrMapOvr>
+  <p:timing>
+    <p:tnLst>
+      <p:par>
+        <p:cTn id="1" dur="indefinite" restart="never" nodeType="tmRoot"/>
+      </p:par>
+    </p:tnLst>
+  </p:timing>
+</p:sld>
+</file>
+
+<file path=ppt/slides/slide14.xml><?xml version="1.0" encoding="utf-8"?>
+<p:sld xmlns:a="http://schemas.openxmlformats.org/drawingml/2006/main" xmlns:r="http://schemas.openxmlformats.org/officeDocument/2006/relationships" xmlns:p="http://schemas.openxmlformats.org/presentationml/2006/main">
+  <p:cSld>
+    <p:spTree>
+      <p:nvGrpSpPr>
+        <p:cNvPr id="1" name=""/>
+        <p:cNvGrpSpPr/>
+        <p:nvPr/>
+      </p:nvGrpSpPr>
+      <p:grpSpPr>
+        <a:xfrm>
+          <a:off x="0" y="0"/>
+          <a:ext cx="0" cy="0"/>
+          <a:chOff x="0" y="0"/>
+          <a:chExt cx="0" cy="0"/>
+        </a:xfrm>
+      </p:grpSpPr>
+      <p:sp>
+        <p:nvSpPr>
+          <p:cNvPr id="2" name="Titel 1"/>
+          <p:cNvSpPr>
+            <a:spLocks noGrp="1"/>
+          </p:cNvSpPr>
+          <p:nvPr>
+            <p:ph type="title"/>
+          </p:nvPr>
+        </p:nvSpPr>
+        <p:spPr/>
+        <p:txBody>
+          <a:bodyPr/>
+          <a:lstStyle/>
+          <a:p>
+            <a:r>
+              <a:rPr lang="en-GB" smtClean="0"/>
+              <a:t>Some Implementation Strategies</a:t>
+            </a:r>
+            <a:endParaRPr lang="en-GB" dirty="0"/>
+          </a:p>
+        </p:txBody>
+      </p:sp>
+      <p:sp>
+        <p:nvSpPr>
+          <p:cNvPr id="3" name="Inhaltsplatzhalter 2"/>
+          <p:cNvSpPr>
+            <a:spLocks noGrp="1"/>
+          </p:cNvSpPr>
+          <p:nvPr>
+            <p:ph idx="1"/>
+          </p:nvPr>
+        </p:nvSpPr>
+        <p:spPr>
+          <a:ln>
+            <a:noFill/>
+          </a:ln>
+        </p:spPr>
+        <p:txBody>
+          <a:bodyPr/>
+          <a:lstStyle/>
+          <a:p>
+            <a:r>
+              <a:rPr lang="en-GB" smtClean="0"/>
+              <a:t>Function expansion by </a:t>
+            </a:r>
+            <a:r>
+              <a:rPr lang="el-GR" smtClean="0">
+                <a:latin typeface="Calibri" panose="020F0502020204030204" pitchFamily="34" charset="0"/>
+                <a:cs typeface="Calibri" panose="020F0502020204030204" pitchFamily="34" charset="0"/>
+              </a:rPr>
+              <a:t>β</a:t>
+            </a:r>
+            <a:r>
+              <a:rPr lang="de-DE" smtClean="0">
+                <a:latin typeface="Calibri" panose="020F0502020204030204" pitchFamily="34" charset="0"/>
+                <a:cs typeface="Calibri" panose="020F0502020204030204" pitchFamily="34" charset="0"/>
+              </a:rPr>
+              <a:t>-reduction</a:t>
+            </a:r>
+            <a:endParaRPr lang="en-GB" smtClean="0"/>
+          </a:p>
+          <a:p>
+            <a:r>
+              <a:rPr lang="en-GB" smtClean="0"/>
+              <a:t>Lazyness enabling Producer-Consumer-Model necessary for pipelining extremely large trees</a:t>
+            </a:r>
+          </a:p>
+          <a:p>
+            <a:r>
+              <a:rPr lang="en-GB" smtClean="0"/>
+              <a:t>Type inference because Z3 has none </a:t>
+            </a:r>
+            <a:r>
+              <a:rPr lang="en-GB" smtClean="0">
+                <a:sym typeface="Wingdings" panose="05000000000000000000" pitchFamily="2" charset="2"/>
+              </a:rPr>
+              <a:t></a:t>
+            </a:r>
+            <a:endParaRPr lang="en-GB" smtClean="0"/>
+          </a:p>
+          <a:p>
+            <a:r>
+              <a:rPr lang="en-GB" smtClean="0"/>
+              <a:t>Using Quasi-Quoter as template for C test harness</a:t>
+            </a:r>
+          </a:p>
+          <a:p>
+            <a:r>
+              <a:rPr lang="en-GB" smtClean="0"/>
+              <a:t>Splitting up products (i.e. structs) into separate variables, indexed by the instance (i.e. pointer or struct instance name)</a:t>
+            </a:r>
+          </a:p>
+          <a:p>
+            <a:r>
+              <a:rPr lang="en-GB" smtClean="0"/>
+              <a:t>Rewriting switch to equivalent if-then-elses (difficult with breaks!)</a:t>
+            </a:r>
+          </a:p>
+          <a:p>
+            <a:r>
+              <a:rPr lang="en-GB" smtClean="0"/>
+              <a:t>Unrolling loops (with loop length prediction for “normal” cases, containing the state space explosion)</a:t>
+            </a:r>
+          </a:p>
+          <a:p>
+            <a:r>
+              <a:rPr lang="en-GB" smtClean="0"/>
+              <a:t>Simplification (e.g. Pointer-AddressOf-Cancellation) needed as intermediate steps</a:t>
+            </a:r>
+          </a:p>
+          <a:p>
+            <a:r>
+              <a:rPr lang="en-GB" smtClean="0"/>
+              <a:t>Using case distinction completeness for maximum defensive coding</a:t>
+            </a:r>
+          </a:p>
+          <a:p>
+            <a:r>
+              <a:rPr lang="en-GB" smtClean="0"/>
+              <a:t>Unicode-Syntax for mathematical comprehension</a:t>
+            </a:r>
+          </a:p>
+          <a:p>
+            <a:pPr marL="0" indent="0">
+              <a:buNone/>
+            </a:pPr>
+            <a:endParaRPr lang="en-GB" smtClean="0"/>
+          </a:p>
+          <a:p>
+            <a:pPr marL="0" indent="0">
+              <a:buNone/>
+            </a:pPr>
+            <a:r>
+              <a:rPr lang="en-GB" smtClean="0"/>
+              <a:t> </a:t>
+            </a:r>
+            <a:endParaRPr lang="en-GB" smtClean="0"/>
+          </a:p>
+          <a:p>
+            <a:pPr marL="0" indent="0">
+              <a:buNone/>
+            </a:pPr>
+            <a:endParaRPr lang="en-GB" smtClean="0"/>
+          </a:p>
+          <a:p>
+            <a:pPr marL="0" indent="0">
+              <a:buNone/>
+            </a:pPr>
+            <a:endParaRPr lang="en-GB" sz="2400" b="0">
+              <a:latin typeface="Eurostile" panose="020B0504020202050204" pitchFamily="34" charset="0"/>
+            </a:endParaRPr>
+          </a:p>
+        </p:txBody>
+      </p:sp>
+    </p:spTree>
+    <p:extLst>
+      <p:ext uri="{BB962C8B-B14F-4D97-AF65-F5344CB8AC3E}">
+        <p14:creationId xmlns:p14="http://schemas.microsoft.com/office/powerpoint/2010/main" val="1695858246"/>
+      </p:ext>
+    </p:extLst>
+  </p:cSld>
+  <p:clrMapOvr>
+    <a:masterClrMapping/>
+  </p:clrMapOvr>
+  <p:timing>
+    <p:tnLst>
+      <p:par>
+        <p:cTn id="1" dur="indefinite" restart="never" nodeType="tmRoot"/>
+      </p:par>
+    </p:tnLst>
+  </p:timing>
+</p:sld>
+</file>
+
+<file path=ppt/slides/slide15.xml><?xml version="1.0" encoding="utf-8"?>
+<p:sld xmlns:a="http://schemas.openxmlformats.org/drawingml/2006/main" xmlns:r="http://schemas.openxmlformats.org/officeDocument/2006/relationships" xmlns:p="http://schemas.openxmlformats.org/presentationml/2006/main">
+  <p:cSld>
+    <p:spTree>
+      <p:nvGrpSpPr>
+        <p:cNvPr id="1" name=""/>
+        <p:cNvGrpSpPr/>
+        <p:nvPr/>
+      </p:nvGrpSpPr>
+      <p:grpSpPr>
+        <a:xfrm>
+          <a:off x="0" y="0"/>
+          <a:ext cx="0" cy="0"/>
+          <a:chOff x="0" y="0"/>
+          <a:chExt cx="0" cy="0"/>
+        </a:xfrm>
+      </p:grpSpPr>
+      <p:sp>
+        <p:nvSpPr>
+          <p:cNvPr id="2" name="Titel 1"/>
+          <p:cNvSpPr>
+            <a:spLocks noGrp="1"/>
+          </p:cNvSpPr>
+          <p:nvPr>
+            <p:ph type="title"/>
+          </p:nvPr>
+        </p:nvSpPr>
+        <p:spPr/>
+        <p:txBody>
+          <a:bodyPr/>
+          <a:lstStyle/>
+          <a:p>
+            <a:r>
+              <a:rPr lang="en-GB" smtClean="0"/>
+              <a:t>Things left to do</a:t>
+            </a:r>
+            <a:endParaRPr lang="en-GB" dirty="0"/>
+          </a:p>
+        </p:txBody>
+      </p:sp>
+      <p:sp>
+        <p:nvSpPr>
+          <p:cNvPr id="3" name="Inhaltsplatzhalter 2"/>
+          <p:cNvSpPr>
+            <a:spLocks noGrp="1"/>
+          </p:cNvSpPr>
+          <p:nvPr>
+            <p:ph idx="1"/>
+          </p:nvPr>
+        </p:nvSpPr>
+        <p:spPr>
+          <a:ln>
+            <a:noFill/>
+          </a:ln>
+        </p:spPr>
+        <p:txBody>
+          <a:bodyPr/>
+          <a:lstStyle/>
+          <a:p>
+            <a:r>
+              <a:rPr lang="en-GB" smtClean="0"/>
+              <a:t>It is still a prototype!</a:t>
+            </a:r>
+          </a:p>
+          <a:p>
+            <a:pPr marL="0" indent="0">
+              <a:buNone/>
+            </a:pPr>
+            <a:endParaRPr lang="en-GB" smtClean="0"/>
+          </a:p>
+          <a:p>
+            <a:r>
+              <a:rPr lang="en-GB" smtClean="0"/>
+              <a:t>Fixing up Coder’s (i.e. C’s) sloppyness automatically, for example:</a:t>
+            </a:r>
+            <a:br>
+              <a:rPr lang="en-GB" smtClean="0"/>
+            </a:br>
+            <a:r>
+              <a:rPr lang="en-GB" smtClean="0"/>
+              <a:t/>
+            </a:r>
+            <a:br>
+              <a:rPr lang="en-GB" smtClean="0"/>
+            </a:br>
+            <a:r>
+              <a:rPr lang="en-GB" sz="2000" smtClean="0">
+                <a:latin typeface="Droid Sans Mono" panose="020B0609030804020204" pitchFamily="49" charset="0"/>
+                <a:ea typeface="Droid Sans Mono" panose="020B0609030804020204" pitchFamily="49" charset="0"/>
+                <a:cs typeface="Droid Sans Mono" panose="020B0609030804020204" pitchFamily="49" charset="0"/>
+              </a:rPr>
+              <a:t>tmp-</a:t>
+            </a:r>
+            <a:r>
+              <a:rPr lang="en-GB" sz="2000">
+                <a:latin typeface="Droid Sans Mono" panose="020B0609030804020204" pitchFamily="49" charset="0"/>
+                <a:ea typeface="Droid Sans Mono" panose="020B0609030804020204" pitchFamily="49" charset="0"/>
+                <a:cs typeface="Droid Sans Mono" panose="020B0609030804020204" pitchFamily="49" charset="0"/>
+              </a:rPr>
+              <a:t>&gt;</a:t>
+            </a:r>
+            <a:r>
+              <a:rPr lang="en-GB" sz="2000">
+                <a:latin typeface="Droid Sans Mono" panose="020B0609030804020204" pitchFamily="49" charset="0"/>
+                <a:ea typeface="Droid Sans Mono" panose="020B0609030804020204" pitchFamily="49" charset="0"/>
+                <a:cs typeface="Droid Sans Mono" panose="020B0609030804020204" pitchFamily="49" charset="0"/>
+              </a:rPr>
+              <a:t>sign </a:t>
+            </a:r>
+            <a:r>
+              <a:rPr lang="en-GB" sz="2000" smtClean="0">
+                <a:latin typeface="Droid Sans Mono" panose="020B0609030804020204" pitchFamily="49" charset="0"/>
+                <a:ea typeface="Droid Sans Mono" panose="020B0609030804020204" pitchFamily="49" charset="0"/>
+                <a:cs typeface="Droid Sans Mono" panose="020B0609030804020204" pitchFamily="49" charset="0"/>
+              </a:rPr>
+              <a:t>=</a:t>
+            </a:r>
+            <a:r>
+              <a:rPr lang="en-GB" sz="2000">
+                <a:latin typeface="Droid Sans Mono" panose="020B0609030804020204" pitchFamily="49" charset="0"/>
+                <a:ea typeface="Droid Sans Mono" panose="020B0609030804020204" pitchFamily="49" charset="0"/>
+                <a:cs typeface="Droid Sans Mono" panose="020B0609030804020204" pitchFamily="49" charset="0"/>
+              </a:rPr>
+              <a:t> a-&gt;sign != b-</a:t>
+            </a:r>
+            <a:r>
+              <a:rPr lang="en-GB" sz="2000">
+                <a:latin typeface="Droid Sans Mono" panose="020B0609030804020204" pitchFamily="49" charset="0"/>
+                <a:ea typeface="Droid Sans Mono" panose="020B0609030804020204" pitchFamily="49" charset="0"/>
+                <a:cs typeface="Droid Sans Mono" panose="020B0609030804020204" pitchFamily="49" charset="0"/>
+              </a:rPr>
+              <a:t>&gt;</a:t>
+            </a:r>
+            <a:r>
+              <a:rPr lang="en-GB" sz="2000" smtClean="0">
+                <a:latin typeface="Droid Sans Mono" panose="020B0609030804020204" pitchFamily="49" charset="0"/>
+                <a:ea typeface="Droid Sans Mono" panose="020B0609030804020204" pitchFamily="49" charset="0"/>
+                <a:cs typeface="Droid Sans Mono" panose="020B0609030804020204" pitchFamily="49" charset="0"/>
+              </a:rPr>
+              <a:t>sign;         // tmp-&gt;sign is unsigned int</a:t>
+            </a:r>
+            <a:br>
+              <a:rPr lang="en-GB" sz="2000" smtClean="0">
+                <a:latin typeface="Droid Sans Mono" panose="020B0609030804020204" pitchFamily="49" charset="0"/>
+                <a:ea typeface="Droid Sans Mono" panose="020B0609030804020204" pitchFamily="49" charset="0"/>
+                <a:cs typeface="Droid Sans Mono" panose="020B0609030804020204" pitchFamily="49" charset="0"/>
+              </a:rPr>
+            </a:br>
+            <a:r>
+              <a:rPr lang="en-GB" smtClean="0"/>
+              <a:t>      </a:t>
+            </a:r>
+            <a:r>
+              <a:rPr lang="en-GB" smtClean="0">
+                <a:solidFill>
+                  <a:srgbClr val="FF0000"/>
+                </a:solidFill>
+                <a:latin typeface="Calibri" panose="020F0502020204030204" pitchFamily="34" charset="0"/>
+                <a:cs typeface="Calibri" panose="020F0502020204030204" pitchFamily="34" charset="0"/>
+              </a:rPr>
+              <a:t>↓</a:t>
+            </a:r>
+            <a:r>
+              <a:rPr lang="en-GB" smtClean="0"/>
+              <a:t/>
+            </a:r>
+            <a:br>
+              <a:rPr lang="en-GB" smtClean="0"/>
+            </a:br>
+            <a:r>
+              <a:rPr lang="en-GB" sz="2000" smtClean="0">
+                <a:latin typeface="Droid Sans Mono" panose="020B0609030804020204" pitchFamily="49" charset="0"/>
+                <a:ea typeface="Droid Sans Mono" panose="020B0609030804020204" pitchFamily="49" charset="0"/>
+                <a:cs typeface="Droid Sans Mono" panose="020B0609030804020204" pitchFamily="49" charset="0"/>
+              </a:rPr>
+              <a:t>tmp-</a:t>
+            </a:r>
+            <a:r>
+              <a:rPr lang="en-GB" sz="2000">
+                <a:latin typeface="Droid Sans Mono" panose="020B0609030804020204" pitchFamily="49" charset="0"/>
+                <a:ea typeface="Droid Sans Mono" panose="020B0609030804020204" pitchFamily="49" charset="0"/>
+                <a:cs typeface="Droid Sans Mono" panose="020B0609030804020204" pitchFamily="49" charset="0"/>
+              </a:rPr>
+              <a:t>&gt;sign </a:t>
+            </a:r>
+            <a:r>
+              <a:rPr lang="en-GB" sz="2000">
+                <a:latin typeface="Droid Sans Mono" panose="020B0609030804020204" pitchFamily="49" charset="0"/>
+                <a:ea typeface="Droid Sans Mono" panose="020B0609030804020204" pitchFamily="49" charset="0"/>
+                <a:cs typeface="Droid Sans Mono" panose="020B0609030804020204" pitchFamily="49" charset="0"/>
+              </a:rPr>
+              <a:t>= </a:t>
+            </a:r>
+            <a:r>
+              <a:rPr lang="en-GB" sz="2000" smtClean="0">
+                <a:latin typeface="Droid Sans Mono" panose="020B0609030804020204" pitchFamily="49" charset="0"/>
+                <a:ea typeface="Droid Sans Mono" panose="020B0609030804020204" pitchFamily="49" charset="0"/>
+                <a:cs typeface="Droid Sans Mono" panose="020B0609030804020204" pitchFamily="49" charset="0"/>
+              </a:rPr>
+              <a:t>1 &amp; (~((</a:t>
+            </a:r>
+            <a:r>
+              <a:rPr lang="en-GB" sz="2000">
+                <a:latin typeface="Droid Sans Mono" panose="020B0609030804020204" pitchFamily="49" charset="0"/>
+                <a:ea typeface="Droid Sans Mono" panose="020B0609030804020204" pitchFamily="49" charset="0"/>
+                <a:cs typeface="Droid Sans Mono" panose="020B0609030804020204" pitchFamily="49" charset="0"/>
+              </a:rPr>
+              <a:t>a-&gt;sign)&amp;(b-&gt;sign) | (~(a-&gt;sign) &amp; ~(b-&gt;</a:t>
+            </a:r>
+            <a:r>
+              <a:rPr lang="en-GB" sz="2000">
+                <a:latin typeface="Droid Sans Mono" panose="020B0609030804020204" pitchFamily="49" charset="0"/>
+                <a:ea typeface="Droid Sans Mono" panose="020B0609030804020204" pitchFamily="49" charset="0"/>
+                <a:cs typeface="Droid Sans Mono" panose="020B0609030804020204" pitchFamily="49" charset="0"/>
+              </a:rPr>
+              <a:t>sign</a:t>
+            </a:r>
+            <a:r>
+              <a:rPr lang="en-GB" sz="2000" smtClean="0">
+                <a:latin typeface="Droid Sans Mono" panose="020B0609030804020204" pitchFamily="49" charset="0"/>
+                <a:ea typeface="Droid Sans Mono" panose="020B0609030804020204" pitchFamily="49" charset="0"/>
+                <a:cs typeface="Droid Sans Mono" panose="020B0609030804020204" pitchFamily="49" charset="0"/>
+              </a:rPr>
+              <a:t>))));</a:t>
+            </a:r>
+          </a:p>
+          <a:p>
+            <a:pPr marL="0" indent="0">
+              <a:buNone/>
+            </a:pPr>
+            <a:endParaRPr lang="en-GB" smtClean="0"/>
+          </a:p>
+          <a:p>
+            <a:r>
+              <a:rPr lang="en-GB" smtClean="0"/>
+              <a:t>Automatically generate test harness</a:t>
+            </a:r>
+          </a:p>
+          <a:p>
+            <a:endParaRPr lang="en-GB"/>
+          </a:p>
+          <a:p>
+            <a:r>
+              <a:rPr lang="en-GB" smtClean="0"/>
+              <a:t>Implement remaining C (for, ternary-if, etc.)</a:t>
+            </a:r>
+          </a:p>
+          <a:p>
+            <a:endParaRPr lang="en-GB"/>
+          </a:p>
+          <a:p>
+            <a:r>
+              <a:rPr lang="en-GB" smtClean="0"/>
+              <a:t>More stats and control for search</a:t>
+            </a:r>
+          </a:p>
+          <a:p>
+            <a:endParaRPr lang="en-GB"/>
+          </a:p>
+          <a:p>
+            <a:r>
+              <a:rPr lang="en-GB" smtClean="0"/>
+              <a:t>Implement all ideas for heuristics</a:t>
+            </a:r>
+          </a:p>
+          <a:p>
+            <a:endParaRPr lang="en-GB" smtClean="0"/>
+          </a:p>
+          <a:p>
+            <a:pPr marL="0" indent="0">
+              <a:buNone/>
+            </a:pPr>
+            <a:endParaRPr lang="en-GB" smtClean="0"/>
+          </a:p>
+          <a:p>
+            <a:pPr marL="0" indent="0">
+              <a:buNone/>
+            </a:pPr>
+            <a:endParaRPr lang="en-GB" smtClean="0"/>
+          </a:p>
+          <a:p>
+            <a:pPr marL="0" indent="0">
+              <a:buNone/>
+            </a:pPr>
+            <a:endParaRPr lang="en-GB" smtClean="0"/>
+          </a:p>
+          <a:p>
+            <a:pPr marL="0" indent="0">
+              <a:buNone/>
+            </a:pPr>
+            <a:r>
+              <a:rPr lang="en-GB" smtClean="0"/>
+              <a:t> </a:t>
+            </a:r>
+            <a:endParaRPr lang="en-GB" smtClean="0"/>
+          </a:p>
+          <a:p>
+            <a:pPr marL="0" indent="0">
+              <a:buNone/>
+            </a:pPr>
+            <a:endParaRPr lang="en-GB" smtClean="0"/>
+          </a:p>
+          <a:p>
+            <a:pPr marL="0" indent="0">
+              <a:buNone/>
+            </a:pPr>
+            <a:endParaRPr lang="en-GB" sz="2400" b="0">
+              <a:latin typeface="Eurostile" panose="020B0504020202050204" pitchFamily="34" charset="0"/>
+            </a:endParaRPr>
+          </a:p>
+        </p:txBody>
+      </p:sp>
+    </p:spTree>
+    <p:extLst>
+      <p:ext uri="{BB962C8B-B14F-4D97-AF65-F5344CB8AC3E}">
+        <p14:creationId xmlns:p14="http://schemas.microsoft.com/office/powerpoint/2010/main" val="1907773635"/>
+      </p:ext>
+    </p:extLst>
+  </p:cSld>
+  <p:clrMapOvr>
+    <a:masterClrMapping/>
+  </p:clrMapOvr>
+  <p:timing>
+    <p:tnLst>
+      <p:par>
+        <p:cTn id="1" dur="indefinite" restart="never" nodeType="tmRoot"/>
+      </p:par>
+    </p:tnLst>
+  </p:timing>
+</p:sld>
+</file>
+
+<file path=ppt/slides/slide16.xml><?xml version="1.0" encoding="utf-8"?>
+<p:sld xmlns:a="http://schemas.openxmlformats.org/drawingml/2006/main" xmlns:r="http://schemas.openxmlformats.org/officeDocument/2006/relationships" xmlns:p="http://schemas.openxmlformats.org/presentationml/2006/main">
+  <p:cSld>
+    <p:spTree>
+      <p:nvGrpSpPr>
+        <p:cNvPr id="1" name=""/>
+        <p:cNvGrpSpPr/>
+        <p:nvPr/>
+      </p:nvGrpSpPr>
+      <p:grpSpPr>
+        <a:xfrm>
+          <a:off x="0" y="0"/>
+          <a:ext cx="0" cy="0"/>
+          <a:chOff x="0" y="0"/>
+          <a:chExt cx="0" cy="0"/>
+        </a:xfrm>
+      </p:grpSpPr>
+      <p:sp>
+        <p:nvSpPr>
+          <p:cNvPr id="4" name="Abgerundetes Rechteck 3"/>
+          <p:cNvSpPr/>
+          <p:nvPr/>
+        </p:nvSpPr>
+        <p:spPr>
+          <a:xfrm>
+            <a:off x="6813550" y="1625600"/>
+            <a:ext cx="5703888" cy="5391150"/>
+          </a:xfrm>
+          <a:prstGeom prst="roundRect">
+            <a:avLst>
+              <a:gd name="adj" fmla="val 0"/>
+            </a:avLst>
+          </a:prstGeom>
+          <a:noFill/>
+          <a:ln>
+            <a:noFill/>
+          </a:ln>
+          <a:effectLst/>
+        </p:spPr>
+        <p:style>
+          <a:lnRef idx="2">
+            <a:schemeClr val="accent1">
+              <a:shade val="50000"/>
+            </a:schemeClr>
+          </a:lnRef>
+          <a:fillRef idx="1">
+            <a:schemeClr val="accent1"/>
+          </a:fillRef>
+          <a:effectRef idx="0">
+            <a:schemeClr val="accent1"/>
+          </a:effectRef>
+          <a:fontRef idx="minor">
+            <a:schemeClr val="lt1"/>
+          </a:fontRef>
+        </p:style>
+        <p:txBody>
+          <a:bodyPr lIns="130046" tIns="65023" rIns="130046" bIns="65023" anchor="ctr"/>
+          <a:lstStyle/>
+          <a:p>
+            <a:pPr algn="ctr">
+              <a:defRPr/>
+            </a:pPr>
+            <a:endParaRPr lang="de-DE" sz="3400" b="1">
+              <a:solidFill>
+                <a:srgbClr val="64748B"/>
+              </a:solidFill>
+            </a:endParaRPr>
+          </a:p>
+        </p:txBody>
+      </p:sp>
+      <p:pic>
+        <p:nvPicPr>
+          <p:cNvPr id="17413" name="Picture 2" descr="\\smbsrv.validas\intranet\Validas\CorporateIdentity\ValidasLogos\validas600.png"/>
+          <p:cNvPicPr>
+            <a:picLocks noChangeAspect="1" noChangeArrowheads="1"/>
+          </p:cNvPicPr>
+          <p:nvPr/>
+        </p:nvPicPr>
+        <p:blipFill>
+          <a:blip r:embed="rId2" cstate="print">
+            <a:lum bright="-10000" contrast="30000"/>
+          </a:blip>
+          <a:srcRect/>
+          <a:stretch>
+            <a:fillRect/>
+          </a:stretch>
+        </p:blipFill>
+        <p:spPr bwMode="auto">
+          <a:xfrm>
+            <a:off x="8858665" y="8129588"/>
+            <a:ext cx="3727450" cy="819150"/>
+          </a:xfrm>
+          <a:prstGeom prst="rect">
+            <a:avLst/>
+          </a:prstGeom>
+          <a:noFill/>
+          <a:ln w="9525">
+            <a:noFill/>
+            <a:miter lim="800000"/>
+            <a:headEnd/>
+            <a:tailEnd/>
+          </a:ln>
+        </p:spPr>
+      </p:pic>
+      <p:sp>
+        <p:nvSpPr>
+          <p:cNvPr id="17415" name="Titel 9"/>
+          <p:cNvSpPr>
+            <a:spLocks noGrp="1"/>
+          </p:cNvSpPr>
+          <p:nvPr>
+            <p:ph type="title"/>
+          </p:nvPr>
+        </p:nvSpPr>
+        <p:spPr bwMode="auto">
+          <a:xfrm>
+            <a:off x="442913" y="93663"/>
+            <a:ext cx="10742612" cy="939800"/>
+          </a:xfrm>
+          <a:noFill/>
+          <a:ln>
+            <a:miter lim="800000"/>
+            <a:headEnd/>
+            <a:tailEnd/>
+          </a:ln>
+        </p:spPr>
+        <p:txBody>
+          <a:bodyPr vert="horz" wrap="square" numCol="1" anchor="t" anchorCtr="0" compatLnSpc="1">
+            <a:prstTxWarp prst="textNoShape">
+              <a:avLst/>
+            </a:prstTxWarp>
+          </a:bodyPr>
+          <a:lstStyle/>
+          <a:p>
+            <a:pPr eaLnBrk="1" hangingPunct="1"/>
+            <a:r>
+              <a:rPr lang="de-DE" smtClean="0"/>
+              <a:t>The End</a:t>
+            </a:r>
+            <a:endParaRPr lang="en-US" smtClean="0"/>
+          </a:p>
+        </p:txBody>
+      </p:sp>
+    </p:spTree>
+    <p:extLst>
+      <p:ext uri="{BB962C8B-B14F-4D97-AF65-F5344CB8AC3E}">
+        <p14:creationId xmlns:p14="http://schemas.microsoft.com/office/powerpoint/2010/main" val="2847285577"/>
+      </p:ext>
+    </p:extLst>
+  </p:cSld>
+  <p:clrMapOvr>
+    <a:masterClrMapping/>
+  </p:clrMapOvr>
+  <p:transition/>
+  <p:timing>
+    <p:tnLst>
+      <p:par>
+        <p:cTn id="1" dur="indefinite" restart="never" nodeType="tmRoot"/>
+      </p:par>
+    </p:tnLst>
+  </p:timing>
+</p:sld>
+</file>
+
 <file path=ppt/slides/slide2.xml><?xml version="1.0" encoding="utf-8"?>
 <p:sld xmlns:a="http://schemas.openxmlformats.org/drawingml/2006/main" xmlns:r="http://schemas.openxmlformats.org/officeDocument/2006/relationships" xmlns:p="http://schemas.openxmlformats.org/presentationml/2006/main">
   <p:cSld>
@@ -4105,6 +7514,36 @@
           </a:p>
         </p:txBody>
       </p:sp>
+      <p:sp>
+        <p:nvSpPr>
+          <p:cNvPr id="4" name="Textfeld 3"/>
+          <p:cNvSpPr txBox="1"/>
+          <p:nvPr/>
+        </p:nvSpPr>
+        <p:spPr>
+          <a:xfrm flipH="1">
+            <a:off x="6502400" y="7100085"/>
+            <a:ext cx="5605652" cy="523220"/>
+          </a:xfrm>
+          <a:prstGeom prst="rect">
+            <a:avLst/>
+          </a:prstGeom>
+          <a:noFill/>
+        </p:spPr>
+        <p:txBody>
+          <a:bodyPr wrap="square" rtlCol="0">
+            <a:spAutoFit/>
+          </a:bodyPr>
+          <a:lstStyle/>
+          <a:p>
+            <a:r>
+              <a:rPr lang="de-DE" sz="2800" smtClean="0"/>
+              <a:t>I.e. What does g(2,y) return? </a:t>
+            </a:r>
+            <a:endParaRPr lang="en-US" sz="2800"/>
+          </a:p>
+        </p:txBody>
+      </p:sp>
     </p:spTree>
     <p:extLst>
       <p:ext uri="{BB962C8B-B14F-4D97-AF65-F5344CB8AC3E}">
@@ -4871,7 +8310,7 @@
           <a:p>
             <a:r>
               <a:rPr lang="en-GB" smtClean="0"/>
-              <a:t>Other Tools</a:t>
+              <a:t>Oscar: Tools?</a:t>
             </a:r>
             <a:endParaRPr lang="en-GB" dirty="0"/>
           </a:p>
@@ -5081,7 +8520,7 @@
           <a:p>
             <a:r>
               <a:rPr lang="en-GB" smtClean="0"/>
-              <a:t>Some Implementation Strategies</a:t>
+              <a:t>tvg</a:t>
             </a:r>
             <a:endParaRPr lang="en-GB" dirty="0"/>
           </a:p>
@@ -5106,86 +8545,88 @@
           <a:bodyPr/>
           <a:lstStyle/>
           <a:p>
+            <a:pPr marL="0" indent="0">
+              <a:buNone/>
+            </a:pPr>
             <a:r>
               <a:rPr lang="en-GB" smtClean="0"/>
-              <a:t>Function expansion by </a:t>
-            </a:r>
-            <a:r>
-              <a:rPr lang="el-GR" smtClean="0">
-                <a:latin typeface="Calibri" panose="020F0502020204030204" pitchFamily="34" charset="0"/>
-                <a:cs typeface="Calibri" panose="020F0502020204030204" pitchFamily="34" charset="0"/>
-              </a:rPr>
-              <a:t>β</a:t>
-            </a:r>
-            <a:r>
-              <a:rPr lang="de-DE" smtClean="0">
-                <a:latin typeface="Calibri" panose="020F0502020204030204" pitchFamily="34" charset="0"/>
-                <a:cs typeface="Calibri" panose="020F0502020204030204" pitchFamily="34" charset="0"/>
-              </a:rPr>
-              <a:t>-reduction</a:t>
-            </a:r>
+              <a:t>Predecessors from the same tooling family:</a:t>
+            </a:r>
+          </a:p>
+          <a:p>
+            <a:pPr marL="0" indent="0">
+              <a:buNone/>
+            </a:pPr>
             <a:endParaRPr lang="en-GB" smtClean="0"/>
           </a:p>
           <a:p>
             <a:r>
               <a:rPr lang="en-GB" smtClean="0"/>
-              <a:t>Lazyness enabling Producer-Consumer-Model necessary for pipelining extremely large trees</a:t>
+              <a:t>code coverage tool</a:t>
             </a:r>
           </a:p>
           <a:p>
             <a:r>
               <a:rPr lang="en-GB" smtClean="0"/>
-              <a:t>Type inference because Z3 has none </a:t>
-            </a:r>
-            <a:r>
-              <a:rPr lang="en-GB" smtClean="0">
-                <a:sym typeface="Wingdings" panose="05000000000000000000" pitchFamily="2" charset="2"/>
-              </a:rPr>
-              <a:t></a:t>
+              <a:t>DSL for pattern recognition in C source (“prevent”)</a:t>
+            </a:r>
+          </a:p>
+          <a:p>
+            <a:r>
+              <a:rPr lang="en-GB" smtClean="0"/>
+              <a:t>calltree</a:t>
             </a:r>
             <a:endParaRPr lang="en-GB" smtClean="0"/>
           </a:p>
           <a:p>
             <a:r>
               <a:rPr lang="en-GB" smtClean="0"/>
-              <a:t>Using Quasi-Quoter as template for C test harness</a:t>
-            </a:r>
-          </a:p>
-          <a:p>
+              <a:t>calltree with partial function pointer resolution</a:t>
+            </a:r>
+          </a:p>
+          <a:p>
+            <a:pPr marL="0" indent="0">
+              <a:buNone/>
+            </a:pPr>
+            <a:endParaRPr lang="en-GB" smtClean="0"/>
+          </a:p>
+          <a:p>
+            <a:pPr marL="0" indent="0">
+              <a:buNone/>
+            </a:pPr>
             <a:r>
               <a:rPr lang="en-GB" smtClean="0"/>
-              <a:t>Splitting up products (i.e. structs) into separate variables, indexed by the instance (i.e. pointer or struct instance name)</a:t>
-            </a:r>
-          </a:p>
-          <a:p>
+              <a:t>Rapid prototyping,</a:t>
+            </a:r>
+          </a:p>
+          <a:p>
+            <a:pPr marL="0" indent="0">
+              <a:buNone/>
+            </a:pPr>
             <a:r>
               <a:rPr lang="en-GB" smtClean="0"/>
-              <a:t>Rewriting switch to equivalent if-then-elses (difficult with breaks!)</a:t>
-            </a:r>
-          </a:p>
-          <a:p>
+              <a:t>two major refactorings,</a:t>
+            </a:r>
+          </a:p>
+          <a:p>
+            <a:pPr marL="0" indent="0">
+              <a:buNone/>
+            </a:pPr>
             <a:r>
               <a:rPr lang="en-GB" smtClean="0"/>
-              <a:t>Unrolling loops (with loop length prediction for “normal” cases, containing the state space explosion)</a:t>
-            </a:r>
-          </a:p>
-          <a:p>
+              <a:t>extremely defensive programming,</a:t>
+            </a:r>
+            <a:endParaRPr lang="en-GB"/>
+          </a:p>
+          <a:p>
+            <a:pPr marL="0" indent="0">
+              <a:buNone/>
+            </a:pPr>
             <a:r>
               <a:rPr lang="en-GB" smtClean="0"/>
-              <a:t>Simplification (e.g. Pointer-AddressOf-Cancellation) needed as intermediate steps</a:t>
-            </a:r>
-          </a:p>
-          <a:p>
-            <a:r>
-              <a:rPr lang="en-GB" smtClean="0"/>
-              <a:t>Using case distinction completeness for maximum defensive coding</a:t>
-            </a:r>
-          </a:p>
-          <a:p>
-            <a:r>
-              <a:rPr lang="en-GB" smtClean="0"/>
-              <a:t>Unicode-Syntax for mathematical comprehension</a:t>
-            </a:r>
+              <a:t>1200 LoC (Chess Engine had 230).</a:t>
+            </a:r>
+            <a:endParaRPr lang="en-GB" smtClean="0"/>
           </a:p>
           <a:p>
             <a:pPr marL="0" indent="0">
@@ -5222,7 +8663,7 @@
     </p:spTree>
     <p:extLst>
       <p:ext uri="{BB962C8B-B14F-4D97-AF65-F5344CB8AC3E}">
-        <p14:creationId xmlns:p14="http://schemas.microsoft.com/office/powerpoint/2010/main" val="294297239"/>
+        <p14:creationId xmlns:p14="http://schemas.microsoft.com/office/powerpoint/2010/main" val="949017275"/>
       </p:ext>
     </p:extLst>
   </p:cSld>
@@ -5258,94 +8699,7 @@
       </p:grpSpPr>
       <p:sp>
         <p:nvSpPr>
-          <p:cNvPr id="4" name="Abgerundetes Rechteck 3"/>
-          <p:cNvSpPr/>
-          <p:nvPr/>
-        </p:nvSpPr>
-        <p:spPr>
-          <a:xfrm>
-            <a:off x="6813550" y="1625600"/>
-            <a:ext cx="5703888" cy="5391150"/>
-          </a:xfrm>
-          <a:prstGeom prst="roundRect">
-            <a:avLst>
-              <a:gd name="adj" fmla="val 0"/>
-            </a:avLst>
-          </a:prstGeom>
-          <a:noFill/>
-          <a:ln>
-            <a:noFill/>
-          </a:ln>
-          <a:effectLst/>
-        </p:spPr>
-        <p:style>
-          <a:lnRef idx="2">
-            <a:schemeClr val="accent1">
-              <a:shade val="50000"/>
-            </a:schemeClr>
-          </a:lnRef>
-          <a:fillRef idx="1">
-            <a:schemeClr val="accent1"/>
-          </a:fillRef>
-          <a:effectRef idx="0">
-            <a:schemeClr val="accent1"/>
-          </a:effectRef>
-          <a:fontRef idx="minor">
-            <a:schemeClr val="lt1"/>
-          </a:fontRef>
-        </p:style>
-        <p:txBody>
-          <a:bodyPr lIns="130046" tIns="65023" rIns="130046" bIns="65023" anchor="ctr"/>
-          <a:lstStyle/>
-          <a:p>
-            <a:pPr algn="ctr">
-              <a:defRPr/>
-            </a:pPr>
-            <a:endParaRPr lang="de-DE" sz="3400" b="1">
-              <a:solidFill>
-                <a:srgbClr val="64748B"/>
-              </a:solidFill>
-            </a:endParaRPr>
-          </a:p>
-        </p:txBody>
-      </p:sp>
-      <p:pic>
-        <p:nvPicPr>
-          <p:cNvPr id="17413" name="Picture 2" descr="\\smbsrv.validas\intranet\Validas\CorporateIdentity\ValidasLogos\validas600.png"/>
-          <p:cNvPicPr>
-            <a:picLocks noChangeAspect="1" noChangeArrowheads="1"/>
-          </p:cNvPicPr>
-          <p:nvPr/>
-        </p:nvPicPr>
-        <p:blipFill>
-          <a:blip r:embed="rId2" cstate="print">
-            <a:lum bright="-10000" contrast="30000"/>
-          </a:blip>
-          <a:srcRect/>
-          <a:stretch>
-            <a:fillRect/>
-          </a:stretch>
-        </p:blipFill>
-        <p:spPr bwMode="auto">
-          <a:xfrm>
-            <a:off x="8858665" y="8129588"/>
-            <a:ext cx="3727450" cy="819150"/>
-          </a:xfrm>
-          <a:prstGeom prst="rect">
-            <a:avLst/>
-          </a:prstGeom>
-          <a:noFill/>
-          <a:ln w="9525">
-            <a:noFill/>
-            <a:miter lim="800000"/>
-            <a:headEnd/>
-            <a:tailEnd/>
-          </a:ln>
-        </p:spPr>
-      </p:pic>
-      <p:sp>
-        <p:nvSpPr>
-          <p:cNvPr id="17415" name="Titel 9"/>
+          <p:cNvPr id="2" name="Titel 1"/>
           <p:cNvSpPr>
             <a:spLocks noGrp="1"/>
           </p:cNvSpPr>
@@ -5353,46 +8707,688 @@
             <p:ph type="title"/>
           </p:nvPr>
         </p:nvSpPr>
-        <p:spPr bwMode="auto">
-          <a:xfrm>
-            <a:off x="442913" y="93663"/>
-            <a:ext cx="10742612" cy="939800"/>
-          </a:xfrm>
-          <a:noFill/>
+        <p:spPr/>
+        <p:txBody>
+          <a:bodyPr/>
+          <a:lstStyle/>
+          <a:p>
+            <a:r>
+              <a:rPr lang="en-GB" smtClean="0"/>
+              <a:t>tvg’s Solution to Initial Problem</a:t>
+            </a:r>
+            <a:endParaRPr lang="en-GB" dirty="0"/>
+          </a:p>
+        </p:txBody>
+      </p:sp>
+      <p:sp>
+        <p:nvSpPr>
+          <p:cNvPr id="3" name="Inhaltsplatzhalter 2"/>
+          <p:cNvSpPr>
+            <a:spLocks noGrp="1"/>
+          </p:cNvSpPr>
+          <p:nvPr>
+            <p:ph idx="1"/>
+          </p:nvPr>
+        </p:nvSpPr>
+        <p:spPr>
           <a:ln>
-            <a:miter lim="800000"/>
-            <a:headEnd/>
-            <a:tailEnd/>
+            <a:noFill/>
           </a:ln>
         </p:spPr>
         <p:txBody>
-          <a:bodyPr vert="horz" wrap="square" numCol="1" anchor="t" anchorCtr="0" compatLnSpc="1">
-            <a:prstTxWarp prst="textNoShape">
-              <a:avLst/>
-            </a:prstTxWarp>
-          </a:bodyPr>
+          <a:bodyPr/>
           <a:lstStyle/>
           <a:p>
-            <a:pPr eaLnBrk="1" hangingPunct="1"/>
-            <a:r>
-              <a:rPr lang="de-DE" smtClean="0"/>
-              <a:t>The End</a:t>
-            </a:r>
-            <a:endParaRPr lang="en-US" smtClean="0"/>
+            <a:pPr marL="0" indent="0">
+              <a:buNone/>
+            </a:pPr>
+            <a:r>
+              <a:rPr lang="en-GB"/>
+              <a:t>C:\Data\tvg&gt;stack exec analyzer-exe -- gcc </a:t>
+            </a:r>
+            <a:r>
+              <a:rPr lang="en-GB"/>
+              <a:t>analyzer\whiletest.c </a:t>
+            </a:r>
+            <a:r>
+              <a:rPr lang="en-GB" smtClean="0"/>
+              <a:t>f</a:t>
+            </a:r>
+          </a:p>
+          <a:p>
+            <a:pPr marL="0" indent="0">
+              <a:buNone/>
+            </a:pPr>
+            <a:endParaRPr lang="en-GB"/>
+          </a:p>
+          <a:p>
+            <a:pPr marL="0" indent="0">
+              <a:buNone/>
+            </a:pPr>
+            <a:endParaRPr lang="en-US" sz="2000" b="0" smtClean="0">
+              <a:latin typeface="Droid Sans Mono" panose="020B0609030804020204" pitchFamily="49" charset="0"/>
+              <a:ea typeface="Droid Sans Mono" panose="020B0609030804020204" pitchFamily="49" charset="0"/>
+              <a:cs typeface="Droid Sans Mono" panose="020B0609030804020204" pitchFamily="49" charset="0"/>
+            </a:endParaRPr>
+          </a:p>
+          <a:p>
+            <a:pPr marL="0" indent="0">
+              <a:buNone/>
+            </a:pPr>
+            <a:r>
+              <a:rPr lang="en-US" sz="2000" b="0" smtClean="0">
+                <a:latin typeface="Droid Sans Mono" panose="020B0609030804020204" pitchFamily="49" charset="0"/>
+                <a:ea typeface="Droid Sans Mono" panose="020B0609030804020204" pitchFamily="49" charset="0"/>
+                <a:cs typeface="Droid Sans Mono" panose="020B0609030804020204" pitchFamily="49" charset="0"/>
+              </a:rPr>
+              <a:t>===== </a:t>
+            </a:r>
+            <a:r>
+              <a:rPr lang="en-US" sz="2000" b="0">
+                <a:latin typeface="Droid Sans Mono" panose="020B0609030804020204" pitchFamily="49" charset="0"/>
+                <a:ea typeface="Droid Sans Mono" panose="020B0609030804020204" pitchFamily="49" charset="0"/>
+                <a:cs typeface="Droid Sans Mono" panose="020B0609030804020204" pitchFamily="49" charset="0"/>
+              </a:rPr>
+              <a:t>SUMMARY =====</a:t>
+            </a:r>
+          </a:p>
+          <a:p>
+            <a:pPr marL="0" indent="0">
+              <a:buNone/>
+            </a:pPr>
+            <a:endParaRPr lang="en-US" sz="2000" b="0">
+              <a:latin typeface="Droid Sans Mono" panose="020B0609030804020204" pitchFamily="49" charset="0"/>
+              <a:ea typeface="Droid Sans Mono" panose="020B0609030804020204" pitchFamily="49" charset="0"/>
+              <a:cs typeface="Droid Sans Mono" panose="020B0609030804020204" pitchFamily="49" charset="0"/>
+            </a:endParaRPr>
+          </a:p>
+          <a:p>
+            <a:pPr marL="0" indent="0">
+              <a:buNone/>
+            </a:pPr>
+            <a:r>
+              <a:rPr lang="en-US" sz="2000" b="0">
+                <a:latin typeface="Droid Sans Mono" panose="020B0609030804020204" pitchFamily="49" charset="0"/>
+                <a:ea typeface="Droid Sans Mono" panose="020B0609030804020204" pitchFamily="49" charset="0"/>
+                <a:cs typeface="Droid Sans Mono" panose="020B0609030804020204" pitchFamily="49" charset="0"/>
+              </a:rPr>
+              <a:t>Test Vector covering [2,2] :</a:t>
+            </a:r>
+          </a:p>
+          <a:p>
+            <a:pPr marL="0" indent="0">
+              <a:buNone/>
+            </a:pPr>
+            <a:r>
+              <a:rPr lang="en-US" sz="2000" b="0">
+                <a:latin typeface="Droid Sans Mono" panose="020B0609030804020204" pitchFamily="49" charset="0"/>
+                <a:ea typeface="Droid Sans Mono" panose="020B0609030804020204" pitchFamily="49" charset="0"/>
+                <a:cs typeface="Droid Sans Mono" panose="020B0609030804020204" pitchFamily="49" charset="0"/>
+              </a:rPr>
+              <a:t>    f ( y = 0 )</a:t>
+            </a:r>
+          </a:p>
+          <a:p>
+            <a:pPr marL="0" indent="0">
+              <a:buNone/>
+            </a:pPr>
+            <a:r>
+              <a:rPr lang="en-US" sz="2000" b="0">
+                <a:latin typeface="Droid Sans Mono" panose="020B0609030804020204" pitchFamily="49" charset="0"/>
+                <a:ea typeface="Droid Sans Mono" panose="020B0609030804020204" pitchFamily="49" charset="0"/>
+                <a:cs typeface="Droid Sans Mono" panose="020B0609030804020204" pitchFamily="49" charset="0"/>
+              </a:rPr>
+              <a:t>    = return_val = 0</a:t>
+            </a:r>
+          </a:p>
+          <a:p>
+            <a:pPr marL="0" indent="0">
+              <a:buNone/>
+            </a:pPr>
+            <a:endParaRPr lang="en-US" sz="2000" b="0">
+              <a:latin typeface="Droid Sans Mono" panose="020B0609030804020204" pitchFamily="49" charset="0"/>
+              <a:ea typeface="Droid Sans Mono" panose="020B0609030804020204" pitchFamily="49" charset="0"/>
+              <a:cs typeface="Droid Sans Mono" panose="020B0609030804020204" pitchFamily="49" charset="0"/>
+            </a:endParaRPr>
+          </a:p>
+          <a:p>
+            <a:pPr marL="0" indent="0">
+              <a:buNone/>
+            </a:pPr>
+            <a:r>
+              <a:rPr lang="en-US" sz="2000" b="0">
+                <a:latin typeface="Droid Sans Mono" panose="020B0609030804020204" pitchFamily="49" charset="0"/>
+                <a:ea typeface="Droid Sans Mono" panose="020B0609030804020204" pitchFamily="49" charset="0"/>
+                <a:cs typeface="Droid Sans Mono" panose="020B0609030804020204" pitchFamily="49" charset="0"/>
+              </a:rPr>
+              <a:t>Test Vector covering [1,6] :</a:t>
+            </a:r>
+          </a:p>
+          <a:p>
+            <a:pPr marL="0" indent="0">
+              <a:buNone/>
+            </a:pPr>
+            <a:r>
+              <a:rPr lang="en-US" sz="2000" b="0">
+                <a:latin typeface="Droid Sans Mono" panose="020B0609030804020204" pitchFamily="49" charset="0"/>
+                <a:ea typeface="Droid Sans Mono" panose="020B0609030804020204" pitchFamily="49" charset="0"/>
+                <a:cs typeface="Droid Sans Mono" panose="020B0609030804020204" pitchFamily="49" charset="0"/>
+              </a:rPr>
+              <a:t>    f ( y = 2 )</a:t>
+            </a:r>
+          </a:p>
+          <a:p>
+            <a:pPr marL="0" indent="0">
+              <a:buNone/>
+            </a:pPr>
+            <a:r>
+              <a:rPr lang="en-US" sz="2000" b="0">
+                <a:latin typeface="Droid Sans Mono" panose="020B0609030804020204" pitchFamily="49" charset="0"/>
+                <a:ea typeface="Droid Sans Mono" panose="020B0609030804020204" pitchFamily="49" charset="0"/>
+                <a:cs typeface="Droid Sans Mono" panose="020B0609030804020204" pitchFamily="49" charset="0"/>
+              </a:rPr>
+              <a:t>    = return_val = 1</a:t>
+            </a:r>
+          </a:p>
+          <a:p>
+            <a:pPr marL="0" indent="0">
+              <a:buNone/>
+            </a:pPr>
+            <a:endParaRPr lang="en-US" sz="2000" b="0">
+              <a:latin typeface="Droid Sans Mono" panose="020B0609030804020204" pitchFamily="49" charset="0"/>
+              <a:ea typeface="Droid Sans Mono" panose="020B0609030804020204" pitchFamily="49" charset="0"/>
+              <a:cs typeface="Droid Sans Mono" panose="020B0609030804020204" pitchFamily="49" charset="0"/>
+            </a:endParaRPr>
+          </a:p>
+          <a:p>
+            <a:pPr marL="0" indent="0">
+              <a:buNone/>
+            </a:pPr>
+            <a:r>
+              <a:rPr lang="en-US" sz="2000" b="0">
+                <a:latin typeface="Droid Sans Mono" panose="020B0609030804020204" pitchFamily="49" charset="0"/>
+                <a:ea typeface="Droid Sans Mono" panose="020B0609030804020204" pitchFamily="49" charset="0"/>
+                <a:cs typeface="Droid Sans Mono" panose="020B0609030804020204" pitchFamily="49" charset="0"/>
+              </a:rPr>
+              <a:t>OK, we have full branch coverage.</a:t>
+            </a:r>
+            <a:endParaRPr lang="en-GB" sz="2000" b="0" smtClean="0">
+              <a:latin typeface="Droid Sans Mono" panose="020B0609030804020204" pitchFamily="49" charset="0"/>
+              <a:ea typeface="Droid Sans Mono" panose="020B0609030804020204" pitchFamily="49" charset="0"/>
+              <a:cs typeface="Droid Sans Mono" panose="020B0609030804020204" pitchFamily="49" charset="0"/>
+            </a:endParaRPr>
+          </a:p>
+          <a:p>
+            <a:pPr marL="0" indent="0">
+              <a:buNone/>
+            </a:pPr>
+            <a:endParaRPr lang="en-GB"/>
+          </a:p>
+          <a:p>
+            <a:pPr marL="0" indent="0">
+              <a:buNone/>
+            </a:pPr>
+            <a:r>
+              <a:rPr lang="en-GB" smtClean="0"/>
+              <a:t> </a:t>
+            </a:r>
+            <a:endParaRPr lang="en-GB" smtClean="0"/>
+          </a:p>
+          <a:p>
+            <a:pPr marL="0" indent="0">
+              <a:buNone/>
+            </a:pPr>
+            <a:endParaRPr lang="en-GB" smtClean="0"/>
+          </a:p>
+          <a:p>
+            <a:pPr marL="0" indent="0">
+              <a:buNone/>
+            </a:pPr>
+            <a:endParaRPr lang="en-GB" sz="2400" b="0">
+              <a:latin typeface="Eurostile" panose="020B0504020202050204" pitchFamily="34" charset="0"/>
+            </a:endParaRPr>
+          </a:p>
+        </p:txBody>
+      </p:sp>
+      <p:sp>
+        <p:nvSpPr>
+          <p:cNvPr id="4" name="Inhaltsplatzhalter 2"/>
+          <p:cNvSpPr txBox="1">
+            <a:spLocks/>
+          </p:cNvSpPr>
+          <p:nvPr/>
+        </p:nvSpPr>
+        <p:spPr>
+          <a:xfrm>
+            <a:off x="7501988" y="2580901"/>
+            <a:ext cx="4701735" cy="5824545"/>
+          </a:xfrm>
+          <a:prstGeom prst="rect">
+            <a:avLst/>
+          </a:prstGeom>
+          <a:solidFill>
+            <a:schemeClr val="accent1"/>
+          </a:solidFill>
+          <a:ln>
+            <a:noFill/>
+          </a:ln>
+        </p:spPr>
+        <p:txBody>
+          <a:bodyPr lIns="130046" tIns="65023" rIns="130046" bIns="65023"/>
+          <a:lstStyle>
+            <a:lvl1pPr marL="487363" indent="-487363" algn="l" rtl="0" eaLnBrk="0" fontAlgn="base" hangingPunct="0">
+              <a:spcBef>
+                <a:spcPct val="20000"/>
+              </a:spcBef>
+              <a:spcAft>
+                <a:spcPct val="0"/>
+              </a:spcAft>
+              <a:buFont typeface="Wingdings 3" pitchFamily="18" charset="2"/>
+              <a:buChar char=""/>
+              <a:defRPr sz="2800" b="1" spc="0">
+                <a:solidFill>
+                  <a:schemeClr val="tx1"/>
+                </a:solidFill>
+                <a:latin typeface="+mn-lt"/>
+                <a:ea typeface="+mn-ea"/>
+                <a:cs typeface="+mn-cs"/>
+              </a:defRPr>
+            </a:lvl1pPr>
+            <a:lvl2pPr marL="1055688" indent="-404813" algn="l" rtl="0" eaLnBrk="0" fontAlgn="base" hangingPunct="0">
+              <a:spcBef>
+                <a:spcPct val="20000"/>
+              </a:spcBef>
+              <a:spcAft>
+                <a:spcPct val="0"/>
+              </a:spcAft>
+              <a:buFont typeface="Calibri" pitchFamily="34" charset="0"/>
+              <a:buChar char="–"/>
+              <a:defRPr sz="2800" spc="0">
+                <a:solidFill>
+                  <a:schemeClr val="tx1"/>
+                </a:solidFill>
+                <a:latin typeface="+mn-lt"/>
+              </a:defRPr>
+            </a:lvl2pPr>
+            <a:lvl3pPr marL="1624013" indent="-323850" algn="l" rtl="0" eaLnBrk="0" fontAlgn="base" hangingPunct="0">
+              <a:spcBef>
+                <a:spcPct val="20000"/>
+              </a:spcBef>
+              <a:spcAft>
+                <a:spcPct val="0"/>
+              </a:spcAft>
+              <a:buChar char="•"/>
+              <a:defRPr sz="2400" spc="0">
+                <a:solidFill>
+                  <a:schemeClr val="tx1"/>
+                </a:solidFill>
+                <a:latin typeface="+mn-lt"/>
+              </a:defRPr>
+            </a:lvl3pPr>
+            <a:lvl4pPr marL="2274888" indent="-323850" algn="l" rtl="0" eaLnBrk="0" fontAlgn="base" hangingPunct="0">
+              <a:spcBef>
+                <a:spcPct val="20000"/>
+              </a:spcBef>
+              <a:spcAft>
+                <a:spcPct val="0"/>
+              </a:spcAft>
+              <a:buChar char="–"/>
+              <a:defRPr sz="2000" spc="0">
+                <a:solidFill>
+                  <a:schemeClr val="tx1"/>
+                </a:solidFill>
+                <a:latin typeface="+mn-lt"/>
+              </a:defRPr>
+            </a:lvl4pPr>
+            <a:lvl5pPr marL="2925763" indent="-323850" algn="l" rtl="0" eaLnBrk="0" fontAlgn="base" hangingPunct="0">
+              <a:spcBef>
+                <a:spcPct val="20000"/>
+              </a:spcBef>
+              <a:spcAft>
+                <a:spcPct val="0"/>
+              </a:spcAft>
+              <a:buChar char="»"/>
+              <a:defRPr sz="1800" spc="0">
+                <a:solidFill>
+                  <a:schemeClr val="tx1"/>
+                </a:solidFill>
+                <a:latin typeface="+mn-lt"/>
+              </a:defRPr>
+            </a:lvl5pPr>
+            <a:lvl6pPr marL="3576264" indent="-325115" algn="l" rtl="0" eaLnBrk="1" fontAlgn="base" hangingPunct="1">
+              <a:spcBef>
+                <a:spcPct val="20000"/>
+              </a:spcBef>
+              <a:spcAft>
+                <a:spcPct val="0"/>
+              </a:spcAft>
+              <a:buChar char="»"/>
+              <a:defRPr sz="2800">
+                <a:solidFill>
+                  <a:schemeClr val="tx1"/>
+                </a:solidFill>
+                <a:latin typeface="+mn-lt"/>
+              </a:defRPr>
+            </a:lvl6pPr>
+            <a:lvl7pPr marL="4226494" indent="-325115" algn="l" rtl="0" eaLnBrk="1" fontAlgn="base" hangingPunct="1">
+              <a:spcBef>
+                <a:spcPct val="20000"/>
+              </a:spcBef>
+              <a:spcAft>
+                <a:spcPct val="0"/>
+              </a:spcAft>
+              <a:buChar char="»"/>
+              <a:defRPr sz="2800">
+                <a:solidFill>
+                  <a:schemeClr val="tx1"/>
+                </a:solidFill>
+                <a:latin typeface="+mn-lt"/>
+              </a:defRPr>
+            </a:lvl7pPr>
+            <a:lvl8pPr marL="4876724" indent="-325115" algn="l" rtl="0" eaLnBrk="1" fontAlgn="base" hangingPunct="1">
+              <a:spcBef>
+                <a:spcPct val="20000"/>
+              </a:spcBef>
+              <a:spcAft>
+                <a:spcPct val="0"/>
+              </a:spcAft>
+              <a:buChar char="»"/>
+              <a:defRPr sz="2800">
+                <a:solidFill>
+                  <a:schemeClr val="tx1"/>
+                </a:solidFill>
+                <a:latin typeface="+mn-lt"/>
+              </a:defRPr>
+            </a:lvl8pPr>
+            <a:lvl9pPr marL="5526954" indent="-325115" algn="l" rtl="0" eaLnBrk="1" fontAlgn="base" hangingPunct="1">
+              <a:spcBef>
+                <a:spcPct val="20000"/>
+              </a:spcBef>
+              <a:spcAft>
+                <a:spcPct val="0"/>
+              </a:spcAft>
+              <a:buChar char="»"/>
+              <a:defRPr sz="2800">
+                <a:solidFill>
+                  <a:schemeClr val="tx1"/>
+                </a:solidFill>
+                <a:latin typeface="+mn-lt"/>
+              </a:defRPr>
+            </a:lvl9pPr>
+          </a:lstStyle>
+          <a:p>
+            <a:pPr marL="0" indent="0">
+              <a:buFont typeface="Wingdings 3" pitchFamily="18" charset="2"/>
+              <a:buNone/>
+            </a:pPr>
+            <a:r>
+              <a:rPr lang="en-GB" sz="1800" b="0" kern="0" smtClean="0">
+                <a:latin typeface="Droid Sans Mono" panose="020B0609030804020204" pitchFamily="49" charset="0"/>
+                <a:ea typeface="Droid Sans Mono" panose="020B0609030804020204" pitchFamily="49" charset="0"/>
+                <a:cs typeface="Droid Sans Mono" panose="020B0609030804020204" pitchFamily="49" charset="0"/>
+              </a:rPr>
+              <a:t>int g(int x,int y)</a:t>
+            </a:r>
+          </a:p>
+          <a:p>
+            <a:pPr marL="0" indent="0">
+              <a:buFont typeface="Wingdings 3" pitchFamily="18" charset="2"/>
+              <a:buNone/>
+            </a:pPr>
+            <a:r>
+              <a:rPr lang="en-GB" sz="1800" b="0" kern="0" smtClean="0">
+                <a:latin typeface="Droid Sans Mono" panose="020B0609030804020204" pitchFamily="49" charset="0"/>
+                <a:ea typeface="Droid Sans Mono" panose="020B0609030804020204" pitchFamily="49" charset="0"/>
+                <a:cs typeface="Droid Sans Mono" panose="020B0609030804020204" pitchFamily="49" charset="0"/>
+              </a:rPr>
+              <a:t>{</a:t>
+            </a:r>
+          </a:p>
+          <a:p>
+            <a:pPr marL="0" indent="0">
+              <a:buFont typeface="Wingdings 3" pitchFamily="18" charset="2"/>
+              <a:buNone/>
+            </a:pPr>
+            <a:r>
+              <a:rPr lang="en-GB" sz="1800" b="0" kern="0" smtClean="0">
+                <a:latin typeface="Droid Sans Mono" panose="020B0609030804020204" pitchFamily="49" charset="0"/>
+                <a:ea typeface="Droid Sans Mono" panose="020B0609030804020204" pitchFamily="49" charset="0"/>
+                <a:cs typeface="Droid Sans Mono" panose="020B0609030804020204" pitchFamily="49" charset="0"/>
+              </a:rPr>
+              <a:t>    int erg = x;</a:t>
+            </a:r>
+          </a:p>
+          <a:p>
+            <a:pPr marL="0" indent="0">
+              <a:buFont typeface="Wingdings 3" pitchFamily="18" charset="2"/>
+              <a:buNone/>
+            </a:pPr>
+            <a:r>
+              <a:rPr lang="en-GB" sz="1800" b="0" kern="0" smtClean="0">
+                <a:latin typeface="Droid Sans Mono" panose="020B0609030804020204" pitchFamily="49" charset="0"/>
+                <a:ea typeface="Droid Sans Mono" panose="020B0609030804020204" pitchFamily="49" charset="0"/>
+                <a:cs typeface="Droid Sans Mono" panose="020B0609030804020204" pitchFamily="49" charset="0"/>
+              </a:rPr>
+              <a:t>    while(y&gt;0)</a:t>
+            </a:r>
+          </a:p>
+          <a:p>
+            <a:pPr marL="0" indent="0">
+              <a:buFont typeface="Wingdings 3" pitchFamily="18" charset="2"/>
+              <a:buNone/>
+            </a:pPr>
+            <a:r>
+              <a:rPr lang="en-GB" sz="1800" b="0" kern="0" smtClean="0">
+                <a:latin typeface="Droid Sans Mono" panose="020B0609030804020204" pitchFamily="49" charset="0"/>
+                <a:ea typeface="Droid Sans Mono" panose="020B0609030804020204" pitchFamily="49" charset="0"/>
+                <a:cs typeface="Droid Sans Mono" panose="020B0609030804020204" pitchFamily="49" charset="0"/>
+              </a:rPr>
+              <a:t>    {</a:t>
+            </a:r>
+          </a:p>
+          <a:p>
+            <a:pPr marL="0" indent="0">
+              <a:buFont typeface="Wingdings 3" pitchFamily="18" charset="2"/>
+              <a:buNone/>
+            </a:pPr>
+            <a:r>
+              <a:rPr lang="en-GB" sz="1800" b="0" kern="0" smtClean="0">
+                <a:latin typeface="Droid Sans Mono" panose="020B0609030804020204" pitchFamily="49" charset="0"/>
+                <a:ea typeface="Droid Sans Mono" panose="020B0609030804020204" pitchFamily="49" charset="0"/>
+                <a:cs typeface="Droid Sans Mono" panose="020B0609030804020204" pitchFamily="49" charset="0"/>
+              </a:rPr>
+              <a:t>        erg = erg &lt;&lt; 1;</a:t>
+            </a:r>
+          </a:p>
+          <a:p>
+            <a:pPr marL="0" indent="0">
+              <a:buFont typeface="Wingdings 3" pitchFamily="18" charset="2"/>
+              <a:buNone/>
+            </a:pPr>
+            <a:r>
+              <a:rPr lang="en-GB" sz="1800" b="0" kern="0" smtClean="0">
+                <a:latin typeface="Droid Sans Mono" panose="020B0609030804020204" pitchFamily="49" charset="0"/>
+                <a:ea typeface="Droid Sans Mono" panose="020B0609030804020204" pitchFamily="49" charset="0"/>
+                <a:cs typeface="Droid Sans Mono" panose="020B0609030804020204" pitchFamily="49" charset="0"/>
+              </a:rPr>
+              <a:t>        y=y-1;</a:t>
+            </a:r>
+          </a:p>
+          <a:p>
+            <a:pPr marL="0" indent="0">
+              <a:buFont typeface="Wingdings 3" pitchFamily="18" charset="2"/>
+              <a:buNone/>
+            </a:pPr>
+            <a:r>
+              <a:rPr lang="en-GB" sz="1800" b="0" kern="0" smtClean="0">
+                <a:latin typeface="Droid Sans Mono" panose="020B0609030804020204" pitchFamily="49" charset="0"/>
+                <a:ea typeface="Droid Sans Mono" panose="020B0609030804020204" pitchFamily="49" charset="0"/>
+                <a:cs typeface="Droid Sans Mono" panose="020B0609030804020204" pitchFamily="49" charset="0"/>
+              </a:rPr>
+              <a:t>    }</a:t>
+            </a:r>
+          </a:p>
+          <a:p>
+            <a:pPr marL="0" indent="0">
+              <a:buFont typeface="Wingdings 3" pitchFamily="18" charset="2"/>
+              <a:buNone/>
+            </a:pPr>
+            <a:r>
+              <a:rPr lang="en-GB" sz="1800" b="0" kern="0" smtClean="0">
+                <a:latin typeface="Droid Sans Mono" panose="020B0609030804020204" pitchFamily="49" charset="0"/>
+                <a:ea typeface="Droid Sans Mono" panose="020B0609030804020204" pitchFamily="49" charset="0"/>
+                <a:cs typeface="Droid Sans Mono" panose="020B0609030804020204" pitchFamily="49" charset="0"/>
+              </a:rPr>
+              <a:t>    if(erg&lt;=1) { erg=100; }</a:t>
+            </a:r>
+          </a:p>
+          <a:p>
+            <a:pPr marL="0" indent="0">
+              <a:buFont typeface="Wingdings 3" pitchFamily="18" charset="2"/>
+              <a:buNone/>
+            </a:pPr>
+            <a:r>
+              <a:rPr lang="en-GB" sz="1800" b="0" kern="0" smtClean="0">
+                <a:latin typeface="Droid Sans Mono" panose="020B0609030804020204" pitchFamily="49" charset="0"/>
+                <a:ea typeface="Droid Sans Mono" panose="020B0609030804020204" pitchFamily="49" charset="0"/>
+                <a:cs typeface="Droid Sans Mono" panose="020B0609030804020204" pitchFamily="49" charset="0"/>
+              </a:rPr>
+              <a:t>    return(erg);</a:t>
+            </a:r>
+          </a:p>
+          <a:p>
+            <a:pPr marL="0" indent="0">
+              <a:buFont typeface="Wingdings 3" pitchFamily="18" charset="2"/>
+              <a:buNone/>
+            </a:pPr>
+            <a:r>
+              <a:rPr lang="en-GB" sz="1800" b="0" kern="0" smtClean="0">
+                <a:latin typeface="Droid Sans Mono" panose="020B0609030804020204" pitchFamily="49" charset="0"/>
+                <a:ea typeface="Droid Sans Mono" panose="020B0609030804020204" pitchFamily="49" charset="0"/>
+                <a:cs typeface="Droid Sans Mono" panose="020B0609030804020204" pitchFamily="49" charset="0"/>
+              </a:rPr>
+              <a:t>}</a:t>
+            </a:r>
+          </a:p>
+          <a:p>
+            <a:pPr marL="0" indent="0">
+              <a:buFont typeface="Wingdings 3" pitchFamily="18" charset="2"/>
+              <a:buNone/>
+            </a:pPr>
+            <a:endParaRPr lang="en-GB" sz="1800" b="0" kern="0" smtClean="0">
+              <a:latin typeface="Droid Sans Mono" panose="020B0609030804020204" pitchFamily="49" charset="0"/>
+              <a:ea typeface="Droid Sans Mono" panose="020B0609030804020204" pitchFamily="49" charset="0"/>
+              <a:cs typeface="Droid Sans Mono" panose="020B0609030804020204" pitchFamily="49" charset="0"/>
+            </a:endParaRPr>
+          </a:p>
+          <a:p>
+            <a:pPr marL="0" indent="0">
+              <a:buFont typeface="Wingdings 3" pitchFamily="18" charset="2"/>
+              <a:buNone/>
+            </a:pPr>
+            <a:r>
+              <a:rPr lang="en-GB" sz="1800" b="0" kern="0" smtClean="0">
+                <a:latin typeface="Droid Sans Mono" panose="020B0609030804020204" pitchFamily="49" charset="0"/>
+                <a:ea typeface="Droid Sans Mono" panose="020B0609030804020204" pitchFamily="49" charset="0"/>
+                <a:cs typeface="Droid Sans Mono" panose="020B0609030804020204" pitchFamily="49" charset="0"/>
+              </a:rPr>
+              <a:t>int f(int y)</a:t>
+            </a:r>
+          </a:p>
+          <a:p>
+            <a:pPr marL="0" indent="0">
+              <a:buFont typeface="Wingdings 3" pitchFamily="18" charset="2"/>
+              <a:buNone/>
+            </a:pPr>
+            <a:r>
+              <a:rPr lang="en-GB" sz="1800" b="0" kern="0" smtClean="0">
+                <a:latin typeface="Droid Sans Mono" panose="020B0609030804020204" pitchFamily="49" charset="0"/>
+                <a:ea typeface="Droid Sans Mono" panose="020B0609030804020204" pitchFamily="49" charset="0"/>
+                <a:cs typeface="Droid Sans Mono" panose="020B0609030804020204" pitchFamily="49" charset="0"/>
+              </a:rPr>
+              <a:t>{</a:t>
+            </a:r>
+          </a:p>
+          <a:p>
+            <a:pPr marL="0" indent="0">
+              <a:buFont typeface="Wingdings 3" pitchFamily="18" charset="2"/>
+              <a:buNone/>
+            </a:pPr>
+            <a:r>
+              <a:rPr lang="en-GB" sz="1800" b="0" kern="0" smtClean="0">
+                <a:latin typeface="Droid Sans Mono" panose="020B0609030804020204" pitchFamily="49" charset="0"/>
+                <a:ea typeface="Droid Sans Mono" panose="020B0609030804020204" pitchFamily="49" charset="0"/>
+                <a:cs typeface="Droid Sans Mono" panose="020B0609030804020204" pitchFamily="49" charset="0"/>
+              </a:rPr>
+              <a:t>    if(g(2,y)&gt;5) return 1;</a:t>
+            </a:r>
+          </a:p>
+          <a:p>
+            <a:pPr marL="0" indent="0">
+              <a:buFont typeface="Wingdings 3" pitchFamily="18" charset="2"/>
+              <a:buNone/>
+            </a:pPr>
+            <a:r>
+              <a:rPr lang="en-GB" sz="1800" b="0" kern="0" smtClean="0">
+                <a:latin typeface="Droid Sans Mono" panose="020B0609030804020204" pitchFamily="49" charset="0"/>
+                <a:ea typeface="Droid Sans Mono" panose="020B0609030804020204" pitchFamily="49" charset="0"/>
+                <a:cs typeface="Droid Sans Mono" panose="020B0609030804020204" pitchFamily="49" charset="0"/>
+              </a:rPr>
+              <a:t>    else return 0;</a:t>
+            </a:r>
+          </a:p>
+          <a:p>
+            <a:pPr marL="0" indent="0">
+              <a:buFont typeface="Wingdings 3" pitchFamily="18" charset="2"/>
+              <a:buNone/>
+            </a:pPr>
+            <a:r>
+              <a:rPr lang="en-GB" sz="1800" b="0" kern="0" smtClean="0">
+                <a:latin typeface="Droid Sans Mono" panose="020B0609030804020204" pitchFamily="49" charset="0"/>
+                <a:ea typeface="Droid Sans Mono" panose="020B0609030804020204" pitchFamily="49" charset="0"/>
+                <a:cs typeface="Droid Sans Mono" panose="020B0609030804020204" pitchFamily="49" charset="0"/>
+              </a:rPr>
+              <a:t>}</a:t>
+            </a:r>
+          </a:p>
+          <a:p>
+            <a:pPr marL="0" indent="0">
+              <a:buFont typeface="Wingdings 3" pitchFamily="18" charset="2"/>
+              <a:buNone/>
+            </a:pPr>
+            <a:r>
+              <a:rPr lang="en-GB" kern="0" smtClean="0"/>
+              <a:t> </a:t>
+            </a:r>
+          </a:p>
+          <a:p>
+            <a:pPr marL="0" indent="0">
+              <a:buFont typeface="Wingdings 3" pitchFamily="18" charset="2"/>
+              <a:buNone/>
+            </a:pPr>
+            <a:endParaRPr lang="en-GB" kern="0" smtClean="0"/>
+          </a:p>
+          <a:p>
+            <a:pPr marL="0" indent="0">
+              <a:buFont typeface="Wingdings 3" pitchFamily="18" charset="2"/>
+              <a:buNone/>
+            </a:pPr>
+            <a:endParaRPr lang="en-GB" sz="2400" b="0" kern="0">
+              <a:latin typeface="Eurostile" panose="020B0504020202050204" pitchFamily="34" charset="0"/>
+            </a:endParaRPr>
           </a:p>
         </p:txBody>
       </p:sp>
     </p:spTree>
     <p:extLst>
       <p:ext uri="{BB962C8B-B14F-4D97-AF65-F5344CB8AC3E}">
-        <p14:creationId xmlns:p14="http://schemas.microsoft.com/office/powerpoint/2010/main" val="2847285577"/>
+        <p14:creationId xmlns:p14="http://schemas.microsoft.com/office/powerpoint/2010/main" val="2218405332"/>
       </p:ext>
     </p:extLst>
   </p:cSld>
   <p:clrMapOvr>
     <a:masterClrMapping/>
   </p:clrMapOvr>
-  <p:transition/>
   <p:timing>
     <p:tnLst>
       <p:par>

--- a/Vortraege/TestVectorGenerator.pptx
+++ b/Vortraege/TestVectorGenerator.pptx
@@ -32,18 +32,18 @@
   <p:notesSz cx="6819900" cy="9931400"/>
   <p:embeddedFontLst>
     <p:embeddedFont>
-      <p:font typeface="Droid Sans Mono" panose="020B0609030804020204" pitchFamily="49" charset="0"/>
+      <p:font typeface="Calibri" panose="020F0502020204030204" pitchFamily="34" charset="0"/>
       <p:regular r:id="rId20"/>
-    </p:embeddedFont>
-    <p:embeddedFont>
-      <p:font typeface="Calibri" panose="020F0502020204030204" pitchFamily="34" charset="0"/>
-      <p:regular r:id="rId21"/>
-      <p:bold r:id="rId22"/>
-      <p:italic r:id="rId23"/>
-      <p:boldItalic r:id="rId24"/>
+      <p:bold r:id="rId21"/>
+      <p:italic r:id="rId22"/>
+      <p:boldItalic r:id="rId23"/>
     </p:embeddedFont>
     <p:embeddedFont>
       <p:font typeface="Wingdings 3" panose="05040102010807070707" pitchFamily="18" charset="2"/>
+      <p:regular r:id="rId24"/>
+    </p:embeddedFont>
+    <p:embeddedFont>
+      <p:font typeface="Droid Sans Mono" panose="020B0609030804020204" pitchFamily="49" charset="0"/>
       <p:regular r:id="rId25"/>
     </p:embeddedFont>
     <p:embeddedFont>
@@ -178,7 +178,7 @@
   </p:defaultTextStyle>
   <p:extLst>
     <p:ext uri="{EFAFB233-063F-42B5-8137-9DF3F51BA10A}">
-      <p15:sldGuideLst xmlns:p15="http://schemas.microsoft.com/office/powerpoint/2012/main">
+      <p15:sldGuideLst xmlns:p15="http://schemas.microsoft.com/office/powerpoint/2012/main" xmlns="">
         <p15:guide id="1" orient="horz" pos="3213">
           <p15:clr>
             <a:srgbClr val="A4A3A4"/>
@@ -212,7 +212,7 @@
       </p15:sldGuideLst>
     </p:ext>
     <p:ext uri="{2D200454-40CA-4A62-9FC3-DE9A4176ACB9}">
-      <p15:notesGuideLst xmlns:p15="http://schemas.microsoft.com/office/powerpoint/2012/main">
+      <p15:notesGuideLst xmlns:p15="http://schemas.microsoft.com/office/powerpoint/2012/main" xmlns="">
         <p15:guide id="1" orient="horz" pos="3128">
           <p15:clr>
             <a:srgbClr val="A4A3A4"/>
@@ -377,7 +377,7 @@
               <a:pPr>
                 <a:defRPr/>
               </a:pPr>
-              <a:t>7/1/2020</a:t>
+              <a:t>7/3/2020</a:t>
             </a:fld>
             <a:endParaRPr lang="en-US" altLang="de-DE"/>
           </a:p>
@@ -1141,7 +1141,7 @@
               <a:pPr>
                 <a:defRPr/>
               </a:pPr>
-              <a:t>01.07.2020</a:t>
+              <a:t>03.07.2020</a:t>
             </a:fld>
             <a:endParaRPr lang="de-DE"/>
           </a:p>
@@ -3806,15 +3806,7 @@
                 <a:ea typeface="Droid Sans Mono" panose="020B0609030804020204" pitchFamily="49" charset="0"/>
                 <a:cs typeface="Droid Sans Mono" panose="020B0609030804020204" pitchFamily="49" charset="0"/>
               </a:rPr>
-              <a:t>    = return_val </a:t>
-            </a:r>
-            <a:r>
-              <a:rPr lang="en-US" sz="2000" b="0">
-                <a:latin typeface="Droid Sans Mono" panose="020B0609030804020204" pitchFamily="49" charset="0"/>
-                <a:ea typeface="Droid Sans Mono" panose="020B0609030804020204" pitchFamily="49" charset="0"/>
-                <a:cs typeface="Droid Sans Mono" panose="020B0609030804020204" pitchFamily="49" charset="0"/>
-              </a:rPr>
-              <a:t>= </a:t>
+              <a:t>    = return_val = </a:t>
             </a:r>
             <a:r>
               <a:rPr lang="en-US" sz="2000" b="0" smtClean="0">
@@ -3920,7 +3912,6 @@
               <a:rPr lang="en-GB" smtClean="0"/>
               <a:t> </a:t>
             </a:r>
-            <a:endParaRPr lang="en-GB" smtClean="0"/>
           </a:p>
           <a:p>
             <a:pPr marL="0" indent="0">
@@ -5116,7 +5107,15 @@
           <a:p>
             <a:r>
               <a:rPr lang="en-GB" smtClean="0"/>
-              <a:t>“State Space Explosion”</a:t>
+              <a:t>State </a:t>
+            </a:r>
+            <a:r>
+              <a:rPr lang="en-GB" smtClean="0"/>
+              <a:t>Space </a:t>
+            </a:r>
+            <a:r>
+              <a:rPr lang="en-GB" smtClean="0"/>
+              <a:t>Explosion</a:t>
             </a:r>
             <a:endParaRPr lang="en-GB" dirty="0"/>
           </a:p>
@@ -5174,6 +5173,13 @@
             <a:endParaRPr lang="en-GB"/>
           </a:p>
           <a:p>
+            <a:pPr marL="0" indent="0">
+              <a:buNone/>
+            </a:pPr>
+            <a:r>
+              <a:rPr lang="en-GB" smtClean="0"/>
+              <a:t>Containment by tuning the search:</a:t>
+            </a:r>
             <a:endParaRPr lang="en-GB" smtClean="0"/>
           </a:p>
           <a:p>
@@ -5208,7 +5214,6 @@
               <a:rPr lang="en-GB" smtClean="0"/>
               <a:t> </a:t>
             </a:r>
-            <a:endParaRPr lang="en-GB" smtClean="0"/>
           </a:p>
           <a:p>
             <a:pPr marL="0" indent="0">
@@ -5812,15 +5817,7 @@
                 <a:ea typeface="Droid Sans Mono" panose="020B0609030804020204" pitchFamily="49" charset="0"/>
                 <a:cs typeface="Droid Sans Mono" panose="020B0609030804020204" pitchFamily="49" charset="0"/>
               </a:rPr>
-              <a:t>	    printf</a:t>
-            </a:r>
-            <a:r>
-              <a:rPr lang="en-GB" sz="1800" b="0" kern="0">
-                <a:latin typeface="Droid Sans Mono" panose="020B0609030804020204" pitchFamily="49" charset="0"/>
-                <a:ea typeface="Droid Sans Mono" panose="020B0609030804020204" pitchFamily="49" charset="0"/>
-                <a:cs typeface="Droid Sans Mono" panose="020B0609030804020204" pitchFamily="49" charset="0"/>
-              </a:rPr>
-              <a:t>("</a:t>
+              <a:t>	    printf("</a:t>
             </a:r>
             <a:r>
               <a:rPr lang="en-GB" sz="1800" b="0" kern="0" smtClean="0">
@@ -5898,15 +5895,7 @@
                 <a:ea typeface="Droid Sans Mono" panose="020B0609030804020204" pitchFamily="49" charset="0"/>
                 <a:cs typeface="Droid Sans Mono" panose="020B0609030804020204" pitchFamily="49" charset="0"/>
               </a:rPr>
-              <a:t>	</a:t>
-            </a:r>
-            <a:r>
-              <a:rPr lang="en-GB" sz="1800" b="0" kern="0">
-                <a:latin typeface="Droid Sans Mono" panose="020B0609030804020204" pitchFamily="49" charset="0"/>
-                <a:ea typeface="Droid Sans Mono" panose="020B0609030804020204" pitchFamily="49" charset="0"/>
-                <a:cs typeface="Droid Sans Mono" panose="020B0609030804020204" pitchFamily="49" charset="0"/>
-              </a:rPr>
-              <a:t>  </a:t>
+              <a:t>	  </a:t>
             </a:r>
             <a:r>
               <a:rPr lang="en-GB" sz="1800" b="0" kern="0" smtClean="0">
@@ -6089,8 +6078,13 @@
           <a:p>
             <a:r>
               <a:rPr lang="en-GB" smtClean="0"/>
-              <a:t>Unrolling loops (with loop length prediction for “normal” cases, containing the state space explosion)</a:t>
-            </a:r>
+              <a:t>Unrolling loops (with loop length prediction for </a:t>
+            </a:r>
+            <a:r>
+              <a:rPr lang="en-GB" smtClean="0"/>
+              <a:t>“easy”/MISRA cases</a:t>
+            </a:r>
+            <a:endParaRPr lang="en-GB" smtClean="0"/>
           </a:p>
           <a:p>
             <a:r>
@@ -6124,7 +6118,6 @@
               <a:rPr lang="en-GB" smtClean="0"/>
               <a:t> </a:t>
             </a:r>
-            <a:endParaRPr lang="en-GB" smtClean="0"/>
           </a:p>
           <a:p>
             <a:pPr marL="0" indent="0">
@@ -6261,7 +6254,15 @@
                 <a:ea typeface="Droid Sans Mono" panose="020B0609030804020204" pitchFamily="49" charset="0"/>
                 <a:cs typeface="Droid Sans Mono" panose="020B0609030804020204" pitchFamily="49" charset="0"/>
               </a:rPr>
-              <a:t>&gt;</a:t>
+              <a:t>&gt;sign </a:t>
+            </a:r>
+            <a:r>
+              <a:rPr lang="en-GB" sz="2000" smtClean="0">
+                <a:latin typeface="Droid Sans Mono" panose="020B0609030804020204" pitchFamily="49" charset="0"/>
+                <a:ea typeface="Droid Sans Mono" panose="020B0609030804020204" pitchFamily="49" charset="0"/>
+                <a:cs typeface="Droid Sans Mono" panose="020B0609030804020204" pitchFamily="49" charset="0"/>
+              </a:rPr>
+              <a:t>=</a:t>
             </a:r>
             <a:r>
               <a:rPr lang="en-GB" sz="2000">
@@ -6269,31 +6270,7 @@
                 <a:ea typeface="Droid Sans Mono" panose="020B0609030804020204" pitchFamily="49" charset="0"/>
                 <a:cs typeface="Droid Sans Mono" panose="020B0609030804020204" pitchFamily="49" charset="0"/>
               </a:rPr>
-              <a:t>sign </a:t>
-            </a:r>
-            <a:r>
-              <a:rPr lang="en-GB" sz="2000" smtClean="0">
-                <a:latin typeface="Droid Sans Mono" panose="020B0609030804020204" pitchFamily="49" charset="0"/>
-                <a:ea typeface="Droid Sans Mono" panose="020B0609030804020204" pitchFamily="49" charset="0"/>
-                <a:cs typeface="Droid Sans Mono" panose="020B0609030804020204" pitchFamily="49" charset="0"/>
-              </a:rPr>
-              <a:t>=</a:t>
-            </a:r>
-            <a:r>
-              <a:rPr lang="en-GB" sz="2000">
-                <a:latin typeface="Droid Sans Mono" panose="020B0609030804020204" pitchFamily="49" charset="0"/>
-                <a:ea typeface="Droid Sans Mono" panose="020B0609030804020204" pitchFamily="49" charset="0"/>
-                <a:cs typeface="Droid Sans Mono" panose="020B0609030804020204" pitchFamily="49" charset="0"/>
-              </a:rPr>
-              <a:t> a-&gt;sign != b-</a:t>
-            </a:r>
-            <a:r>
-              <a:rPr lang="en-GB" sz="2000">
-                <a:latin typeface="Droid Sans Mono" panose="020B0609030804020204" pitchFamily="49" charset="0"/>
-                <a:ea typeface="Droid Sans Mono" panose="020B0609030804020204" pitchFamily="49" charset="0"/>
-                <a:cs typeface="Droid Sans Mono" panose="020B0609030804020204" pitchFamily="49" charset="0"/>
-              </a:rPr>
-              <a:t>&gt;</a:t>
+              <a:t> a-&gt;sign != b-&gt;</a:t>
             </a:r>
             <a:r>
               <a:rPr lang="en-GB" sz="2000" smtClean="0">
@@ -6345,7 +6322,15 @@
                 <a:ea typeface="Droid Sans Mono" panose="020B0609030804020204" pitchFamily="49" charset="0"/>
                 <a:cs typeface="Droid Sans Mono" panose="020B0609030804020204" pitchFamily="49" charset="0"/>
               </a:rPr>
-              <a:t>&gt;sign </a:t>
+              <a:t>&gt;sign = </a:t>
+            </a:r>
+            <a:r>
+              <a:rPr lang="en-GB" sz="2000" smtClean="0">
+                <a:latin typeface="Droid Sans Mono" panose="020B0609030804020204" pitchFamily="49" charset="0"/>
+                <a:ea typeface="Droid Sans Mono" panose="020B0609030804020204" pitchFamily="49" charset="0"/>
+                <a:cs typeface="Droid Sans Mono" panose="020B0609030804020204" pitchFamily="49" charset="0"/>
+              </a:rPr>
+              <a:t>1 &amp; (~((</a:t>
             </a:r>
             <a:r>
               <a:rPr lang="en-GB" sz="2000">
@@ -6353,7 +6338,7 @@
                 <a:ea typeface="Droid Sans Mono" panose="020B0609030804020204" pitchFamily="49" charset="0"/>
                 <a:cs typeface="Droid Sans Mono" panose="020B0609030804020204" pitchFamily="49" charset="0"/>
               </a:rPr>
-              <a:t>= </a:t>
+              <a:t>a-&gt;sign)&amp;(b-&gt;sign) | (~(a-&gt;sign) &amp; ~(b-&gt;sign</a:t>
             </a:r>
             <a:r>
               <a:rPr lang="en-GB" sz="2000" smtClean="0">
@@ -6361,30 +6346,6 @@
                 <a:ea typeface="Droid Sans Mono" panose="020B0609030804020204" pitchFamily="49" charset="0"/>
                 <a:cs typeface="Droid Sans Mono" panose="020B0609030804020204" pitchFamily="49" charset="0"/>
               </a:rPr>
-              <a:t>1 &amp; (~((</a:t>
-            </a:r>
-            <a:r>
-              <a:rPr lang="en-GB" sz="2000">
-                <a:latin typeface="Droid Sans Mono" panose="020B0609030804020204" pitchFamily="49" charset="0"/>
-                <a:ea typeface="Droid Sans Mono" panose="020B0609030804020204" pitchFamily="49" charset="0"/>
-                <a:cs typeface="Droid Sans Mono" panose="020B0609030804020204" pitchFamily="49" charset="0"/>
-              </a:rPr>
-              <a:t>a-&gt;sign)&amp;(b-&gt;sign) | (~(a-&gt;sign) &amp; ~(b-&gt;</a:t>
-            </a:r>
-            <a:r>
-              <a:rPr lang="en-GB" sz="2000">
-                <a:latin typeface="Droid Sans Mono" panose="020B0609030804020204" pitchFamily="49" charset="0"/>
-                <a:ea typeface="Droid Sans Mono" panose="020B0609030804020204" pitchFamily="49" charset="0"/>
-                <a:cs typeface="Droid Sans Mono" panose="020B0609030804020204" pitchFamily="49" charset="0"/>
-              </a:rPr>
-              <a:t>sign</a:t>
-            </a:r>
-            <a:r>
-              <a:rPr lang="en-GB" sz="2000" smtClean="0">
-                <a:latin typeface="Droid Sans Mono" panose="020B0609030804020204" pitchFamily="49" charset="0"/>
-                <a:ea typeface="Droid Sans Mono" panose="020B0609030804020204" pitchFamily="49" charset="0"/>
-                <a:cs typeface="Droid Sans Mono" panose="020B0609030804020204" pitchFamily="49" charset="0"/>
-              </a:rPr>
               <a:t>))));</a:t>
             </a:r>
           </a:p>
@@ -6397,7 +6358,15 @@
           <a:p>
             <a:r>
               <a:rPr lang="en-GB" smtClean="0"/>
-              <a:t>Automatically generate test harness</a:t>
+              <a:t>Automatically generate </a:t>
+            </a:r>
+            <a:r>
+              <a:rPr lang="en-GB" smtClean="0"/>
+              <a:t>C test </a:t>
+            </a:r>
+            <a:r>
+              <a:rPr lang="en-GB" smtClean="0"/>
+              <a:t>harness</a:t>
             </a:r>
           </a:p>
           <a:p>
@@ -6415,8 +6384,13 @@
           <a:p>
             <a:r>
               <a:rPr lang="en-GB" smtClean="0"/>
-              <a:t>More stats and control for search</a:t>
-            </a:r>
+              <a:t>More stats and control for </a:t>
+            </a:r>
+            <a:r>
+              <a:rPr lang="en-GB" smtClean="0"/>
+              <a:t>solution search</a:t>
+            </a:r>
+            <a:endParaRPr lang="en-GB" smtClean="0"/>
           </a:p>
           <a:p>
             <a:endParaRPr lang="en-GB"/>
@@ -6424,7 +6398,15 @@
           <a:p>
             <a:r>
               <a:rPr lang="en-GB" smtClean="0"/>
-              <a:t>Implement all ideas for heuristics</a:t>
+              <a:t>Implement all </a:t>
+            </a:r>
+            <a:r>
+              <a:rPr lang="en-GB" smtClean="0"/>
+              <a:t>my ideas </a:t>
+            </a:r>
+            <a:r>
+              <a:rPr lang="en-GB" smtClean="0"/>
+              <a:t>for heuristics</a:t>
             </a:r>
           </a:p>
           <a:p>
@@ -6456,7 +6438,6 @@
               <a:rPr lang="en-GB" smtClean="0"/>
               <a:t> </a:t>
             </a:r>
-            <a:endParaRPr lang="en-GB" smtClean="0"/>
           </a:p>
           <a:p>
             <a:pPr marL="0" indent="0">
@@ -6721,11 +6702,7 @@
           <a:p>
             <a:r>
               <a:rPr lang="en-GB" smtClean="0"/>
-              <a:t>Small </a:t>
-            </a:r>
-            <a:r>
-              <a:rPr lang="en-GB" smtClean="0"/>
-              <a:t>Examples</a:t>
+              <a:t>Small Examples</a:t>
             </a:r>
           </a:p>
           <a:p>
@@ -6733,7 +6710,6 @@
               <a:rPr lang="en-GB" smtClean="0"/>
               <a:t>Other Tools</a:t>
             </a:r>
-            <a:endParaRPr lang="en-GB" smtClean="0"/>
           </a:p>
           <a:p>
             <a:r>
@@ -6900,29 +6876,13 @@
           <a:p>
             <a:r>
               <a:rPr lang="en-GB" smtClean="0"/>
-              <a:t>Full coverage is desirable only for </a:t>
-            </a:r>
+              <a:t>Full coverage is desirable only for called function</a:t>
+            </a:r>
+          </a:p>
+          <a:p>
             <a:r>
               <a:rPr lang="en-GB" smtClean="0"/>
-              <a:t>called </a:t>
-            </a:r>
-            <a:r>
-              <a:rPr lang="en-GB" smtClean="0"/>
-              <a:t>function</a:t>
-            </a:r>
-          </a:p>
-          <a:p>
-            <a:r>
-              <a:rPr lang="en-GB" smtClean="0"/>
-              <a:t>Reports </a:t>
-            </a:r>
-            <a:r>
-              <a:rPr lang="en-GB" smtClean="0"/>
-              <a:t>test vectors and </a:t>
-            </a:r>
-            <a:r>
-              <a:rPr lang="en-GB" smtClean="0"/>
-              <a:t>reports (presumably?) dead code</a:t>
+              <a:t>Reports test vectors and reports (presumably?) dead code</a:t>
             </a:r>
           </a:p>
           <a:p>
@@ -7042,25 +7002,8 @@
           <a:p>
             <a:r>
               <a:rPr lang="en-GB" smtClean="0"/>
-              <a:t>ISO 26262: </a:t>
-            </a:r>
-            <a:r>
-              <a:rPr lang="en-GB" smtClean="0"/>
-              <a:t>Code Coverage for </a:t>
-            </a:r>
-            <a:r>
-              <a:rPr lang="en-GB" smtClean="0"/>
-              <a:t>libraries </a:t>
-            </a:r>
-            <a:r>
-              <a:rPr lang="en-GB" smtClean="0"/>
-              <a:t>at ASIL D</a:t>
-            </a:r>
-            <a:r>
-              <a:rPr lang="en-GB" smtClean="0"/>
-              <a:t>! (SWC all ASILs)</a:t>
-            </a:r>
-            <a:endParaRPr lang="en-GB" smtClean="0"/>
+              <a:t>ISO 26262: Code Coverage for libraries at ASIL D! (SWC all ASILs)</a:t>
+            </a:r>
           </a:p>
           <a:p>
             <a:pPr marL="0" indent="0">
@@ -7232,15 +7175,7 @@
           <a:p>
             <a:r>
               <a:rPr lang="en-GB" smtClean="0"/>
-              <a:t>Which inputs </a:t>
-            </a:r>
-            <a:r>
-              <a:rPr lang="en-GB" smtClean="0"/>
-              <a:t>(“test vectors”) lead </a:t>
-            </a:r>
-            <a:r>
-              <a:rPr lang="en-GB" smtClean="0"/>
-              <a:t>to 100% code coverage?</a:t>
+              <a:t>Which inputs (“test vectors”) lead to 100% code coverage?</a:t>
             </a:r>
           </a:p>
           <a:p>
@@ -7662,7 +7597,15 @@
                 <a:ea typeface="Droid Sans Mono" panose="020B0609030804020204" pitchFamily="49" charset="0"/>
                 <a:cs typeface="Droid Sans Mono" panose="020B0609030804020204" pitchFamily="49" charset="0"/>
               </a:rPr>
-              <a:t>fp_number_type </a:t>
+              <a:t>fp_number_type * </a:t>
+            </a:r>
+            <a:r>
+              <a:rPr lang="en-GB" sz="1400" b="0" smtClean="0">
+                <a:latin typeface="Droid Sans Mono" panose="020B0609030804020204" pitchFamily="49" charset="0"/>
+                <a:ea typeface="Droid Sans Mono" panose="020B0609030804020204" pitchFamily="49" charset="0"/>
+                <a:cs typeface="Droid Sans Mono" panose="020B0609030804020204" pitchFamily="49" charset="0"/>
+              </a:rPr>
+              <a:t>_</a:t>
             </a:r>
             <a:r>
               <a:rPr lang="en-GB" sz="1400" b="0">
@@ -7670,31 +7613,7 @@
                 <a:ea typeface="Droid Sans Mono" panose="020B0609030804020204" pitchFamily="49" charset="0"/>
                 <a:cs typeface="Droid Sans Mono" panose="020B0609030804020204" pitchFamily="49" charset="0"/>
               </a:rPr>
-              <a:t>* </a:t>
-            </a:r>
-            <a:r>
-              <a:rPr lang="en-GB" sz="1400" b="0" smtClean="0">
-                <a:latin typeface="Droid Sans Mono" panose="020B0609030804020204" pitchFamily="49" charset="0"/>
-                <a:ea typeface="Droid Sans Mono" panose="020B0609030804020204" pitchFamily="49" charset="0"/>
-                <a:cs typeface="Droid Sans Mono" panose="020B0609030804020204" pitchFamily="49" charset="0"/>
-              </a:rPr>
-              <a:t>_</a:t>
-            </a:r>
-            <a:r>
-              <a:rPr lang="en-GB" sz="1400" b="0">
-                <a:latin typeface="Droid Sans Mono" panose="020B0609030804020204" pitchFamily="49" charset="0"/>
-                <a:ea typeface="Droid Sans Mono" panose="020B0609030804020204" pitchFamily="49" charset="0"/>
-                <a:cs typeface="Droid Sans Mono" panose="020B0609030804020204" pitchFamily="49" charset="0"/>
-              </a:rPr>
-              <a:t>fpdiv_parts (fp_number_type </a:t>
-            </a:r>
-            <a:r>
-              <a:rPr lang="en-GB" sz="1400" b="0">
-                <a:latin typeface="Droid Sans Mono" panose="020B0609030804020204" pitchFamily="49" charset="0"/>
-                <a:ea typeface="Droid Sans Mono" panose="020B0609030804020204" pitchFamily="49" charset="0"/>
-                <a:cs typeface="Droid Sans Mono" panose="020B0609030804020204" pitchFamily="49" charset="0"/>
-              </a:rPr>
-              <a:t>* </a:t>
+              <a:t>fpdiv_parts (fp_number_type * </a:t>
             </a:r>
             <a:r>
               <a:rPr lang="en-GB" sz="1400" b="0" smtClean="0">
@@ -7761,15 +7680,7 @@
                 <a:ea typeface="Droid Sans Mono" panose="020B0609030804020204" pitchFamily="49" charset="0"/>
                 <a:cs typeface="Droid Sans Mono" panose="020B0609030804020204" pitchFamily="49" charset="0"/>
               </a:rPr>
-              <a:t>    bit = </a:t>
-            </a:r>
-            <a:r>
-              <a:rPr lang="en-GB" sz="1400" b="0">
-                <a:latin typeface="Droid Sans Mono" panose="020B0609030804020204" pitchFamily="49" charset="0"/>
-                <a:ea typeface="Droid Sans Mono" panose="020B0609030804020204" pitchFamily="49" charset="0"/>
-                <a:cs typeface="Droid Sans Mono" panose="020B0609030804020204" pitchFamily="49" charset="0"/>
-              </a:rPr>
-              <a:t>IMPLICIT_1</a:t>
+              <a:t>    bit = IMPLICIT_1</a:t>
             </a:r>
             <a:r>
               <a:rPr lang="en-GB" sz="1400" b="0" smtClean="0">
@@ -8375,7 +8286,6 @@
               <a:rPr lang="en-GB" smtClean="0"/>
               <a:t> </a:t>
             </a:r>
-            <a:endParaRPr lang="en-GB" smtClean="0"/>
           </a:p>
           <a:p>
             <a:pPr marL="0" indent="0">
@@ -8576,7 +8486,6 @@
               <a:rPr lang="en-GB" smtClean="0"/>
               <a:t>calltree</a:t>
             </a:r>
-            <a:endParaRPr lang="en-GB" smtClean="0"/>
           </a:p>
           <a:p>
             <a:r>
@@ -8626,7 +8535,6 @@
               <a:rPr lang="en-GB" smtClean="0"/>
               <a:t>1200 LoC (Chess Engine had 230).</a:t>
             </a:r>
-            <a:endParaRPr lang="en-GB" smtClean="0"/>
           </a:p>
           <a:p>
             <a:pPr marL="0" indent="0">
@@ -8642,7 +8550,6 @@
               <a:rPr lang="en-GB" smtClean="0"/>
               <a:t> </a:t>
             </a:r>
-            <a:endParaRPr lang="en-GB" smtClean="0"/>
           </a:p>
           <a:p>
             <a:pPr marL="0" indent="0">
@@ -8744,11 +8651,7 @@
             </a:pPr>
             <a:r>
               <a:rPr lang="en-GB"/>
-              <a:t>C:\Data\tvg&gt;stack exec analyzer-exe -- gcc </a:t>
-            </a:r>
-            <a:r>
-              <a:rPr lang="en-GB"/>
-              <a:t>analyzer\whiletest.c </a:t>
+              <a:t>C:\Data\tvg&gt;stack exec analyzer-exe -- gcc analyzer\whiletest.c </a:t>
             </a:r>
             <a:r>
               <a:rPr lang="en-GB" smtClean="0"/>
@@ -8932,7 +8835,6 @@
               <a:rPr lang="en-GB" smtClean="0"/>
               <a:t> </a:t>
             </a:r>
-            <a:endParaRPr lang="en-GB" smtClean="0"/>
           </a:p>
           <a:p>
             <a:pPr marL="0" indent="0">

--- a/Vortraege/TestVectorGenerator.pptx
+++ b/Vortraege/TestVectorGenerator.pptx
@@ -5,10 +5,10 @@
     <p:sldMasterId id="2147483708" r:id="rId1"/>
   </p:sldMasterIdLst>
   <p:notesMasterIdLst>
-    <p:notesMasterId r:id="rId18"/>
+    <p:notesMasterId r:id="rId20"/>
   </p:notesMasterIdLst>
   <p:handoutMasterIdLst>
-    <p:handoutMasterId r:id="rId19"/>
+    <p:handoutMasterId r:id="rId21"/>
   </p:handoutMasterIdLst>
   <p:sldIdLst>
     <p:sldId id="303" r:id="rId2"/>
@@ -23,32 +23,34 @@
     <p:sldId id="374" r:id="rId11"/>
     <p:sldId id="373" r:id="rId12"/>
     <p:sldId id="368" r:id="rId13"/>
-    <p:sldId id="376" r:id="rId14"/>
-    <p:sldId id="375" r:id="rId15"/>
-    <p:sldId id="372" r:id="rId16"/>
-    <p:sldId id="332" r:id="rId17"/>
+    <p:sldId id="378" r:id="rId14"/>
+    <p:sldId id="377" r:id="rId15"/>
+    <p:sldId id="376" r:id="rId16"/>
+    <p:sldId id="375" r:id="rId17"/>
+    <p:sldId id="372" r:id="rId18"/>
+    <p:sldId id="332" r:id="rId19"/>
   </p:sldIdLst>
   <p:sldSz cx="13004800" cy="9753600"/>
   <p:notesSz cx="6819900" cy="9931400"/>
   <p:embeddedFontLst>
     <p:embeddedFont>
       <p:font typeface="Calibri" panose="020F0502020204030204" pitchFamily="34" charset="0"/>
-      <p:regular r:id="rId20"/>
-      <p:bold r:id="rId21"/>
-      <p:italic r:id="rId22"/>
-      <p:boldItalic r:id="rId23"/>
+      <p:regular r:id="rId22"/>
+      <p:bold r:id="rId23"/>
+      <p:italic r:id="rId24"/>
+      <p:boldItalic r:id="rId25"/>
     </p:embeddedFont>
     <p:embeddedFont>
       <p:font typeface="Wingdings 3" panose="05040102010807070707" pitchFamily="18" charset="2"/>
-      <p:regular r:id="rId24"/>
+      <p:regular r:id="rId26"/>
+    </p:embeddedFont>
+    <p:embeddedFont>
+      <p:font typeface="Eurostile" panose="020B0504020202050204" pitchFamily="34" charset="0"/>
+      <p:regular r:id="rId27"/>
     </p:embeddedFont>
     <p:embeddedFont>
       <p:font typeface="Droid Sans Mono" panose="020B0609030804020204" pitchFamily="49" charset="0"/>
-      <p:regular r:id="rId25"/>
-    </p:embeddedFont>
-    <p:embeddedFont>
-      <p:font typeface="Eurostile" panose="020B0504020202050204" pitchFamily="34" charset="0"/>
-      <p:regular r:id="rId26"/>
+      <p:regular r:id="rId28"/>
     </p:embeddedFont>
   </p:embeddedFontLst>
   <p:defaultTextStyle>
@@ -178,7 +180,7 @@
   </p:defaultTextStyle>
   <p:extLst>
     <p:ext uri="{EFAFB233-063F-42B5-8137-9DF3F51BA10A}">
-      <p15:sldGuideLst xmlns:p15="http://schemas.microsoft.com/office/powerpoint/2012/main" xmlns="">
+      <p15:sldGuideLst xmlns="" xmlns:p15="http://schemas.microsoft.com/office/powerpoint/2012/main">
         <p15:guide id="1" orient="horz" pos="3213">
           <p15:clr>
             <a:srgbClr val="A4A3A4"/>
@@ -212,7 +214,7 @@
       </p15:sldGuideLst>
     </p:ext>
     <p:ext uri="{2D200454-40CA-4A62-9FC3-DE9A4176ACB9}">
-      <p15:notesGuideLst xmlns:p15="http://schemas.microsoft.com/office/powerpoint/2012/main" xmlns="">
+      <p15:notesGuideLst xmlns="" xmlns:p15="http://schemas.microsoft.com/office/powerpoint/2012/main">
         <p15:guide id="1" orient="horz" pos="3128">
           <p15:clr>
             <a:srgbClr val="A4A3A4"/>
@@ -377,7 +379,7 @@
               <a:pPr>
                 <a:defRPr/>
               </a:pPr>
-              <a:t>7/3/2020</a:t>
+              <a:t>7/5/2020</a:t>
             </a:fld>
             <a:endParaRPr lang="en-US" altLang="de-DE"/>
           </a:p>
@@ -1141,7 +1143,7 @@
               <a:pPr>
                 <a:defRPr/>
               </a:pPr>
-              <a:t>03.07.2020</a:t>
+              <a:t>05.07.2020</a:t>
             </a:fld>
             <a:endParaRPr lang="de-DE"/>
           </a:p>
@@ -1394,7 +1396,7 @@
     </p:spTree>
     <p:extLst>
       <p:ext uri="{BB962C8B-B14F-4D97-AF65-F5344CB8AC3E}">
-        <p14:creationId xmlns:p14="http://schemas.microsoft.com/office/powerpoint/2010/main" val="627379763"/>
+        <p14:creationId xmlns:p14="http://schemas.microsoft.com/office/powerpoint/2010/main" val="20669712"/>
       </p:ext>
     </p:extLst>
   </p:cSld>
@@ -1455,6 +1457,128 @@
     </p:spTree>
     <p:extLst>
       <p:ext uri="{BB962C8B-B14F-4D97-AF65-F5344CB8AC3E}">
+        <p14:creationId xmlns:p14="http://schemas.microsoft.com/office/powerpoint/2010/main" val="3799350488"/>
+      </p:ext>
+    </p:extLst>
+  </p:cSld>
+  <p:clrMapOvr>
+    <a:masterClrMapping/>
+  </p:clrMapOvr>
+</p:notes>
+</file>
+
+<file path=ppt/notesSlides/notesSlide15.xml><?xml version="1.0" encoding="utf-8"?>
+<p:notes xmlns:a="http://schemas.openxmlformats.org/drawingml/2006/main" xmlns:r="http://schemas.openxmlformats.org/officeDocument/2006/relationships" xmlns:p="http://schemas.openxmlformats.org/presentationml/2006/main">
+  <p:cSld>
+    <p:spTree>
+      <p:nvGrpSpPr>
+        <p:cNvPr id="1" name=""/>
+        <p:cNvGrpSpPr/>
+        <p:nvPr/>
+      </p:nvGrpSpPr>
+      <p:grpSpPr>
+        <a:xfrm>
+          <a:off x="0" y="0"/>
+          <a:ext cx="0" cy="0"/>
+          <a:chOff x="0" y="0"/>
+          <a:chExt cx="0" cy="0"/>
+        </a:xfrm>
+      </p:grpSpPr>
+      <p:sp>
+        <p:nvSpPr>
+          <p:cNvPr id="2" name="Folienbildplatzhalter 1"/>
+          <p:cNvSpPr>
+            <a:spLocks noGrp="1" noRot="1" noChangeAspect="1"/>
+          </p:cNvSpPr>
+          <p:nvPr>
+            <p:ph type="sldImg"/>
+          </p:nvPr>
+        </p:nvSpPr>
+        <p:spPr/>
+      </p:sp>
+      <p:sp>
+        <p:nvSpPr>
+          <p:cNvPr id="3" name="Notizenplatzhalter 2"/>
+          <p:cNvSpPr>
+            <a:spLocks noGrp="1"/>
+          </p:cNvSpPr>
+          <p:nvPr>
+            <p:ph type="body" idx="1"/>
+          </p:nvPr>
+        </p:nvSpPr>
+        <p:spPr/>
+        <p:txBody>
+          <a:bodyPr/>
+          <a:lstStyle/>
+          <a:p>
+            <a:endParaRPr lang="de-DE"/>
+          </a:p>
+        </p:txBody>
+      </p:sp>
+    </p:spTree>
+    <p:extLst>
+      <p:ext uri="{BB962C8B-B14F-4D97-AF65-F5344CB8AC3E}">
+        <p14:creationId xmlns:p14="http://schemas.microsoft.com/office/powerpoint/2010/main" val="627379763"/>
+      </p:ext>
+    </p:extLst>
+  </p:cSld>
+  <p:clrMapOvr>
+    <a:masterClrMapping/>
+  </p:clrMapOvr>
+</p:notes>
+</file>
+
+<file path=ppt/notesSlides/notesSlide16.xml><?xml version="1.0" encoding="utf-8"?>
+<p:notes xmlns:a="http://schemas.openxmlformats.org/drawingml/2006/main" xmlns:r="http://schemas.openxmlformats.org/officeDocument/2006/relationships" xmlns:p="http://schemas.openxmlformats.org/presentationml/2006/main">
+  <p:cSld>
+    <p:spTree>
+      <p:nvGrpSpPr>
+        <p:cNvPr id="1" name=""/>
+        <p:cNvGrpSpPr/>
+        <p:nvPr/>
+      </p:nvGrpSpPr>
+      <p:grpSpPr>
+        <a:xfrm>
+          <a:off x="0" y="0"/>
+          <a:ext cx="0" cy="0"/>
+          <a:chOff x="0" y="0"/>
+          <a:chExt cx="0" cy="0"/>
+        </a:xfrm>
+      </p:grpSpPr>
+      <p:sp>
+        <p:nvSpPr>
+          <p:cNvPr id="2" name="Folienbildplatzhalter 1"/>
+          <p:cNvSpPr>
+            <a:spLocks noGrp="1" noRot="1" noChangeAspect="1"/>
+          </p:cNvSpPr>
+          <p:nvPr>
+            <p:ph type="sldImg"/>
+          </p:nvPr>
+        </p:nvSpPr>
+        <p:spPr/>
+      </p:sp>
+      <p:sp>
+        <p:nvSpPr>
+          <p:cNvPr id="3" name="Notizenplatzhalter 2"/>
+          <p:cNvSpPr>
+            <a:spLocks noGrp="1"/>
+          </p:cNvSpPr>
+          <p:nvPr>
+            <p:ph type="body" idx="1"/>
+          </p:nvPr>
+        </p:nvSpPr>
+        <p:spPr/>
+        <p:txBody>
+          <a:bodyPr/>
+          <a:lstStyle/>
+          <a:p>
+            <a:endParaRPr lang="de-DE"/>
+          </a:p>
+        </p:txBody>
+      </p:sp>
+    </p:spTree>
+    <p:extLst>
+      <p:ext uri="{BB962C8B-B14F-4D97-AF65-F5344CB8AC3E}">
         <p14:creationId xmlns:p14="http://schemas.microsoft.com/office/powerpoint/2010/main" val="709853054"/>
       </p:ext>
     </p:extLst>
@@ -1465,7 +1589,7 @@
 </p:notes>
 </file>
 
-<file path=ppt/notesSlides/notesSlide15.xml><?xml version="1.0" encoding="utf-8"?>
+<file path=ppt/notesSlides/notesSlide17.xml><?xml version="1.0" encoding="utf-8"?>
 <p:notes xmlns:a="http://schemas.openxmlformats.org/drawingml/2006/main" xmlns:r="http://schemas.openxmlformats.org/officeDocument/2006/relationships" xmlns:p="http://schemas.openxmlformats.org/presentationml/2006/main">
   <p:cSld>
     <p:spTree>
@@ -3654,12 +3778,13 @@
             <a:pPr eaLnBrk="1" hangingPunct="1"/>
             <a:r>
               <a:rPr lang="de-DE" altLang="en-US" sz="4400" smtClean="0"/>
-              <a:t>Robert Reitmeier, </a:t>
-            </a:r>
-            <a:r>
-              <a:rPr lang="de-DE" altLang="en-US" sz="4400" dirty="0" smtClean="0"/>
-              <a:t>Validas AG</a:t>
-            </a:r>
+              <a:t>Robert </a:t>
+            </a:r>
+            <a:r>
+              <a:rPr lang="de-DE" altLang="en-US" sz="4400" smtClean="0"/>
+              <a:t>Reitmeier</a:t>
+            </a:r>
+            <a:endParaRPr lang="de-DE" altLang="en-US" sz="4400" dirty="0" smtClean="0"/>
           </a:p>
         </p:txBody>
       </p:sp>
@@ -5053,6 +5178,48 @@
           </a:p>
         </p:txBody>
       </p:sp>
+      <p:sp>
+        <p:nvSpPr>
+          <p:cNvPr id="5" name="Textfeld 4"/>
+          <p:cNvSpPr txBox="1"/>
+          <p:nvPr/>
+        </p:nvSpPr>
+        <p:spPr>
+          <a:xfrm>
+            <a:off x="6720396" y="1615737"/>
+            <a:ext cx="5240537" cy="584775"/>
+          </a:xfrm>
+          <a:prstGeom prst="rect">
+            <a:avLst/>
+          </a:prstGeom>
+          <a:solidFill>
+            <a:schemeClr val="bg1">
+              <a:lumMod val="75000"/>
+            </a:schemeClr>
+          </a:solidFill>
+        </p:spPr>
+        <p:txBody>
+          <a:bodyPr wrap="none" rtlCol="0">
+            <a:spAutoFit/>
+          </a:bodyPr>
+          <a:lstStyle/>
+          <a:p>
+            <a:r>
+              <a:rPr lang="de-DE" sz="3200" smtClean="0">
+                <a:solidFill>
+                  <a:srgbClr val="FF0000"/>
+                </a:solidFill>
+              </a:rPr>
+              <a:t>How many potential traces?</a:t>
+            </a:r>
+            <a:endParaRPr lang="de-DE" sz="3200">
+              <a:solidFill>
+                <a:srgbClr val="FF0000"/>
+              </a:solidFill>
+            </a:endParaRPr>
+          </a:p>
+        </p:txBody>
+      </p:sp>
     </p:spTree>
     <p:extLst>
       <p:ext uri="{BB962C8B-B14F-4D97-AF65-F5344CB8AC3E}">
@@ -5066,9 +5233,80 @@
   <p:timing>
     <p:tnLst>
       <p:par>
-        <p:cTn id="1" dur="indefinite" restart="never" nodeType="tmRoot"/>
+        <p:cTn id="1" dur="indefinite" restart="never" nodeType="tmRoot">
+          <p:childTnLst>
+            <p:seq concurrent="1" nextAc="seek">
+              <p:cTn id="2" dur="indefinite" nodeType="mainSeq">
+                <p:childTnLst>
+                  <p:par>
+                    <p:cTn id="3" fill="hold">
+                      <p:stCondLst>
+                        <p:cond delay="indefinite"/>
+                      </p:stCondLst>
+                      <p:childTnLst>
+                        <p:par>
+                          <p:cTn id="4" fill="hold">
+                            <p:stCondLst>
+                              <p:cond delay="0"/>
+                            </p:stCondLst>
+                            <p:childTnLst>
+                              <p:par>
+                                <p:cTn id="5" presetID="1" presetClass="entr" presetSubtype="0" fill="hold" grpId="0" nodeType="clickEffect">
+                                  <p:stCondLst>
+                                    <p:cond delay="0"/>
+                                  </p:stCondLst>
+                                  <p:childTnLst>
+                                    <p:set>
+                                      <p:cBhvr>
+                                        <p:cTn id="6" dur="1" fill="hold">
+                                          <p:stCondLst>
+                                            <p:cond delay="0"/>
+                                          </p:stCondLst>
+                                        </p:cTn>
+                                        <p:tgtEl>
+                                          <p:spTgt spid="5"/>
+                                        </p:tgtEl>
+                                        <p:attrNameLst>
+                                          <p:attrName>style.visibility</p:attrName>
+                                        </p:attrNameLst>
+                                      </p:cBhvr>
+                                      <p:to>
+                                        <p:strVal val="visible"/>
+                                      </p:to>
+                                    </p:set>
+                                  </p:childTnLst>
+                                </p:cTn>
+                              </p:par>
+                            </p:childTnLst>
+                          </p:cTn>
+                        </p:par>
+                      </p:childTnLst>
+                    </p:cTn>
+                  </p:par>
+                </p:childTnLst>
+              </p:cTn>
+              <p:prevCondLst>
+                <p:cond evt="onPrev" delay="0">
+                  <p:tgtEl>
+                    <p:sldTgt/>
+                  </p:tgtEl>
+                </p:cond>
+              </p:prevCondLst>
+              <p:nextCondLst>
+                <p:cond evt="onNext" delay="0">
+                  <p:tgtEl>
+                    <p:sldTgt/>
+                  </p:tgtEl>
+                </p:cond>
+              </p:nextCondLst>
+            </p:seq>
+          </p:childTnLst>
+        </p:cTn>
       </p:par>
     </p:tnLst>
+    <p:bldLst>
+      <p:bldP spid="5" grpId="0" animBg="1"/>
+    </p:bldLst>
   </p:timing>
 </p:sld>
 </file>
@@ -5107,15 +5345,7 @@
           <a:p>
             <a:r>
               <a:rPr lang="en-GB" smtClean="0"/>
-              <a:t>State </a:t>
-            </a:r>
-            <a:r>
-              <a:rPr lang="en-GB" smtClean="0"/>
-              <a:t>Space </a:t>
-            </a:r>
-            <a:r>
-              <a:rPr lang="en-GB" smtClean="0"/>
-              <a:t>Explosion</a:t>
+              <a:t>State Space Explosion</a:t>
             </a:r>
             <a:endParaRPr lang="en-GB" dirty="0"/>
           </a:p>
@@ -5180,7 +5410,6 @@
               <a:rPr lang="en-GB" smtClean="0"/>
               <a:t>Containment by tuning the search:</a:t>
             </a:r>
-            <a:endParaRPr lang="en-GB" smtClean="0"/>
           </a:p>
           <a:p>
             <a:r>
@@ -5315,7 +5544,7 @@
           <a:p>
             <a:r>
               <a:rPr lang="en-GB" smtClean="0"/>
-              <a:t>Solution to Jorge/Alex’s Challenge</a:t>
+              <a:t>Jorge/Alex’s Challenge</a:t>
             </a:r>
             <a:endParaRPr lang="en-GB" dirty="0"/>
           </a:p>
@@ -5463,68 +5692,6 @@
             <a:pPr marL="0" indent="0">
               <a:buNone/>
             </a:pPr>
-            <a:r>
-              <a:rPr lang="en-US" sz="2000" b="0" smtClean="0">
-                <a:latin typeface="Droid Sans Mono" panose="020B0609030804020204" pitchFamily="49" charset="0"/>
-                <a:ea typeface="Droid Sans Mono" panose="020B0609030804020204" pitchFamily="49" charset="0"/>
-                <a:cs typeface="Droid Sans Mono" panose="020B0609030804020204" pitchFamily="49" charset="0"/>
-              </a:rPr>
-              <a:t>===== SUMMARY =====</a:t>
-            </a:r>
-          </a:p>
-          <a:p>
-            <a:pPr marL="0" indent="0">
-              <a:buNone/>
-            </a:pPr>
-            <a:endParaRPr lang="en-US" sz="2000" b="0" smtClean="0">
-              <a:latin typeface="Droid Sans Mono" panose="020B0609030804020204" pitchFamily="49" charset="0"/>
-              <a:ea typeface="Droid Sans Mono" panose="020B0609030804020204" pitchFamily="49" charset="0"/>
-              <a:cs typeface="Droid Sans Mono" panose="020B0609030804020204" pitchFamily="49" charset="0"/>
-            </a:endParaRPr>
-          </a:p>
-          <a:p>
-            <a:pPr marL="0" indent="0">
-              <a:buNone/>
-            </a:pPr>
-            <a:r>
-              <a:rPr lang="en-US" sz="2000" b="0">
-                <a:latin typeface="Droid Sans Mono" panose="020B0609030804020204" pitchFamily="49" charset="0"/>
-                <a:ea typeface="Droid Sans Mono" panose="020B0609030804020204" pitchFamily="49" charset="0"/>
-                <a:cs typeface="Droid Sans Mono" panose="020B0609030804020204" pitchFamily="49" charset="0"/>
-              </a:rPr>
-              <a:t>Test Vector covering [2,2,2,2,2,1,1,1,2,2,2,2,2,1,2,1] : </a:t>
-            </a:r>
-          </a:p>
-          <a:p>
-            <a:pPr marL="0" indent="0">
-              <a:buNone/>
-            </a:pPr>
-            <a:r>
-              <a:rPr lang="en-US" sz="2000" b="0">
-                <a:latin typeface="Droid Sans Mono" panose="020B0609030804020204" pitchFamily="49" charset="0"/>
-                <a:ea typeface="Droid Sans Mono" panose="020B0609030804020204" pitchFamily="49" charset="0"/>
-                <a:cs typeface="Droid Sans Mono" panose="020B0609030804020204" pitchFamily="49" charset="0"/>
-              </a:rPr>
-              <a:t>    _fpdiv_parts ( a = 0 , a_ARROW_class = 3 , a_ARROW_sign = 0 , a_ARROW_normal_exp = 0 , a_ARROW_fraction_DOT_ll = 7689560 , b = 0 , b_ARROW_class = 3 , b_ARROW_sign = 0 , b_ARROW_normal_exp = 0 , b_ARROW_fraction_DOT_ll = 8388611 )</a:t>
-            </a:r>
-          </a:p>
-          <a:p>
-            <a:pPr marL="0" indent="0">
-              <a:buNone/>
-            </a:pPr>
-            <a:r>
-              <a:rPr lang="en-US" sz="2000" b="0">
-                <a:latin typeface="Droid Sans Mono" panose="020B0609030804020204" pitchFamily="49" charset="0"/>
-                <a:ea typeface="Droid Sans Mono" panose="020B0609030804020204" pitchFamily="49" charset="0"/>
-                <a:cs typeface="Droid Sans Mono" panose="020B0609030804020204" pitchFamily="49" charset="0"/>
-              </a:rPr>
-              <a:t>    = return_val = 0 , return_val_ARROW_class = 3 , return_val_ARROW_sign = 0 , return_val_ARROW_normal_exp = -1 , return_val_ARROW_fraction_DOT_ll = 1968526720</a:t>
-            </a:r>
-          </a:p>
-          <a:p>
-            <a:pPr marL="0" indent="0">
-              <a:buNone/>
-            </a:pPr>
             <a:endParaRPr lang="en-GB" smtClean="0"/>
           </a:p>
           <a:p>
@@ -5547,8 +5714,8 @@
         </p:nvSpPr>
         <p:spPr>
           <a:xfrm>
-            <a:off x="3584135" y="1372730"/>
-            <a:ext cx="8932985" cy="4811094"/>
+            <a:off x="487680" y="1264241"/>
+            <a:ext cx="12029440" cy="7833263"/>
           </a:xfrm>
           <a:prstGeom prst="rect">
             <a:avLst/>
@@ -5713,7 +5880,7 @@
                 <a:ea typeface="Droid Sans Mono" panose="020B0609030804020204" pitchFamily="49" charset="0"/>
                 <a:cs typeface="Droid Sans Mono" panose="020B0609030804020204" pitchFamily="49" charset="0"/>
               </a:rPr>
-              <a:t> if (!ROUND_TOWARDS_ZERO &amp;&amp; (quotient &amp; GARDMASK) == GARDMSB)</a:t>
+              <a:t> bit = IMPLICIT_1;  // = 30</a:t>
             </a:r>
           </a:p>
           <a:p>
@@ -5726,6 +5893,32 @@
                 <a:ea typeface="Droid Sans Mono" panose="020B0609030804020204" pitchFamily="49" charset="0"/>
                 <a:cs typeface="Droid Sans Mono" panose="020B0609030804020204" pitchFamily="49" charset="0"/>
               </a:rPr>
+              <a:t>    quotient = 0;</a:t>
+            </a:r>
+          </a:p>
+          <a:p>
+            <a:pPr marL="0" indent="0">
+              <a:buNone/>
+            </a:pPr>
+            <a:r>
+              <a:rPr lang="en-GB" sz="1800" b="0" kern="0">
+                <a:latin typeface="Droid Sans Mono" panose="020B0609030804020204" pitchFamily="49" charset="0"/>
+                <a:ea typeface="Droid Sans Mono" panose="020B0609030804020204" pitchFamily="49" charset="0"/>
+                <a:cs typeface="Droid Sans Mono" panose="020B0609030804020204" pitchFamily="49" charset="0"/>
+              </a:rPr>
+              <a:t>    while (bit)</a:t>
+            </a:r>
+          </a:p>
+          <a:p>
+            <a:pPr marL="0" indent="0">
+              <a:buNone/>
+            </a:pPr>
+            <a:r>
+              <a:rPr lang="en-GB" sz="1800" b="0" kern="0">
+                <a:latin typeface="Droid Sans Mono" panose="020B0609030804020204" pitchFamily="49" charset="0"/>
+                <a:ea typeface="Droid Sans Mono" panose="020B0609030804020204" pitchFamily="49" charset="0"/>
+                <a:cs typeface="Droid Sans Mono" panose="020B0609030804020204" pitchFamily="49" charset="0"/>
+              </a:rPr>
               <a:t>      {</a:t>
             </a:r>
           </a:p>
@@ -5739,7 +5932,7 @@
                 <a:ea typeface="Droid Sans Mono" panose="020B0609030804020204" pitchFamily="49" charset="0"/>
                 <a:cs typeface="Droid Sans Mono" panose="020B0609030804020204" pitchFamily="49" charset="0"/>
               </a:rPr>
-              <a:t>	if (quotient &amp; (1 &lt;&lt; NGARDS))</a:t>
+              <a:t>            if (numerator &gt;= denominator)</a:t>
             </a:r>
           </a:p>
           <a:p>
@@ -5752,7 +5945,7 @@
                 <a:ea typeface="Droid Sans Mono" panose="020B0609030804020204" pitchFamily="49" charset="0"/>
                 <a:cs typeface="Droid Sans Mono" panose="020B0609030804020204" pitchFamily="49" charset="0"/>
               </a:rPr>
-              <a:t>	  {</a:t>
+              <a:t>              {</a:t>
             </a:r>
           </a:p>
           <a:p>
@@ -5765,7 +5958,7 @@
                 <a:ea typeface="Droid Sans Mono" panose="020B0609030804020204" pitchFamily="49" charset="0"/>
                 <a:cs typeface="Droid Sans Mono" panose="020B0609030804020204" pitchFamily="49" charset="0"/>
               </a:rPr>
-              <a:t>	  }</a:t>
+              <a:t>                quotient |= bit;</a:t>
             </a:r>
           </a:p>
           <a:p>
@@ -5778,7 +5971,7 @@
                 <a:ea typeface="Droid Sans Mono" panose="020B0609030804020204" pitchFamily="49" charset="0"/>
                 <a:cs typeface="Droid Sans Mono" panose="020B0609030804020204" pitchFamily="49" charset="0"/>
               </a:rPr>
-              <a:t>	else if (numerator)</a:t>
+              <a:t>                numerator -= denominator;</a:t>
             </a:r>
           </a:p>
           <a:p>
@@ -5791,7 +5984,7 @@
                 <a:ea typeface="Droid Sans Mono" panose="020B0609030804020204" pitchFamily="49" charset="0"/>
                 <a:cs typeface="Droid Sans Mono" panose="020B0609030804020204" pitchFamily="49" charset="0"/>
               </a:rPr>
-              <a:t>	  {</a:t>
+              <a:t>              }</a:t>
             </a:r>
           </a:p>
           <a:p>
@@ -5804,7 +5997,7 @@
                 <a:ea typeface="Droid Sans Mono" panose="020B0609030804020204" pitchFamily="49" charset="0"/>
                 <a:cs typeface="Droid Sans Mono" panose="020B0609030804020204" pitchFamily="49" charset="0"/>
               </a:rPr>
-              <a:t>#ifdef CALC</a:t>
+              <a:t>            bit &gt;&gt;= 1;</a:t>
             </a:r>
           </a:p>
           <a:p>
@@ -5817,49 +6010,20 @@
                 <a:ea typeface="Droid Sans Mono" panose="020B0609030804020204" pitchFamily="49" charset="0"/>
                 <a:cs typeface="Droid Sans Mono" panose="020B0609030804020204" pitchFamily="49" charset="0"/>
               </a:rPr>
-              <a:t>	    printf("</a:t>
-            </a:r>
-            <a:r>
-              <a:rPr lang="en-GB" sz="1800" b="0" kern="0" smtClean="0">
-                <a:latin typeface="Droid Sans Mono" panose="020B0609030804020204" pitchFamily="49" charset="0"/>
-                <a:ea typeface="Droid Sans Mono" panose="020B0609030804020204" pitchFamily="49" charset="0"/>
-                <a:cs typeface="Droid Sans Mono" panose="020B0609030804020204" pitchFamily="49" charset="0"/>
-              </a:rPr>
-              <a:t>GOT IT</a:t>
-            </a:r>
+              <a:t>            numerator *= 2;</a:t>
+            </a:r>
+          </a:p>
+          <a:p>
+            <a:pPr marL="0" indent="0">
+              <a:buNone/>
+            </a:pPr>
             <a:r>
               <a:rPr lang="en-GB" sz="1800" b="0" kern="0">
                 <a:latin typeface="Droid Sans Mono" panose="020B0609030804020204" pitchFamily="49" charset="0"/>
                 <a:ea typeface="Droid Sans Mono" panose="020B0609030804020204" pitchFamily="49" charset="0"/>
                 <a:cs typeface="Droid Sans Mono" panose="020B0609030804020204" pitchFamily="49" charset="0"/>
               </a:rPr>
-              <a:t>!\n");</a:t>
-            </a:r>
-          </a:p>
-          <a:p>
-            <a:pPr marL="0" indent="0">
-              <a:buNone/>
-            </a:pPr>
-            <a:r>
-              <a:rPr lang="en-GB" sz="1800" b="0" kern="0">
-                <a:latin typeface="Droid Sans Mono" panose="020B0609030804020204" pitchFamily="49" charset="0"/>
-                <a:ea typeface="Droid Sans Mono" panose="020B0609030804020204" pitchFamily="49" charset="0"/>
-                <a:cs typeface="Droid Sans Mono" panose="020B0609030804020204" pitchFamily="49" charset="0"/>
-              </a:rPr>
-              <a:t>#endif</a:t>
-            </a:r>
-          </a:p>
-          <a:p>
-            <a:pPr marL="0" indent="0">
-              <a:buNone/>
-            </a:pPr>
-            <a:r>
-              <a:rPr lang="en-GB" sz="1800" b="0" kern="0">
-                <a:latin typeface="Droid Sans Mono" panose="020B0609030804020204" pitchFamily="49" charset="0"/>
-                <a:ea typeface="Droid Sans Mono" panose="020B0609030804020204" pitchFamily="49" charset="0"/>
-                <a:cs typeface="Droid Sans Mono" panose="020B0609030804020204" pitchFamily="49" charset="0"/>
-              </a:rPr>
-              <a:t>	    quotient += GARDROUND + 1;</a:t>
+              <a:t>      }</a:t>
             </a:r>
           </a:p>
           <a:p>
@@ -5882,7 +6046,7 @@
                 <a:ea typeface="Droid Sans Mono" panose="020B0609030804020204" pitchFamily="49" charset="0"/>
                 <a:cs typeface="Droid Sans Mono" panose="020B0609030804020204" pitchFamily="49" charset="0"/>
               </a:rPr>
-              <a:t>	    quotient &amp;= ~(fractype) GARDMASK;</a:t>
+              <a:t>    if (!ROUND_TOWARDS_ZERO &amp;&amp; (quotient &amp; GARDMASK) == GARDMSB)</a:t>
             </a:r>
           </a:p>
           <a:p>
@@ -5895,16 +6059,65 @@
                 <a:ea typeface="Droid Sans Mono" panose="020B0609030804020204" pitchFamily="49" charset="0"/>
                 <a:cs typeface="Droid Sans Mono" panose="020B0609030804020204" pitchFamily="49" charset="0"/>
               </a:rPr>
-              <a:t>	  </a:t>
-            </a:r>
-            <a:r>
-              <a:rPr lang="en-GB" sz="1800" b="0" kern="0" smtClean="0">
-                <a:latin typeface="Droid Sans Mono" panose="020B0609030804020204" pitchFamily="49" charset="0"/>
-                <a:ea typeface="Droid Sans Mono" panose="020B0609030804020204" pitchFamily="49" charset="0"/>
-                <a:cs typeface="Droid Sans Mono" panose="020B0609030804020204" pitchFamily="49" charset="0"/>
-              </a:rPr>
-              <a:t>}</a:t>
-            </a:r>
+              <a:t>      {</a:t>
+            </a:r>
+          </a:p>
+          <a:p>
+            <a:pPr marL="0" indent="0">
+              <a:buNone/>
+            </a:pPr>
+            <a:r>
+              <a:rPr lang="en-GB" sz="1800" b="0" kern="0">
+                <a:latin typeface="Droid Sans Mono" panose="020B0609030804020204" pitchFamily="49" charset="0"/>
+                <a:ea typeface="Droid Sans Mono" panose="020B0609030804020204" pitchFamily="49" charset="0"/>
+                <a:cs typeface="Droid Sans Mono" panose="020B0609030804020204" pitchFamily="49" charset="0"/>
+              </a:rPr>
+              <a:t>	if (quotient &amp; (1 &lt;&lt; NGARDS)) { }</a:t>
+            </a:r>
+          </a:p>
+          <a:p>
+            <a:pPr marL="0" indent="0">
+              <a:buNone/>
+            </a:pPr>
+            <a:r>
+              <a:rPr lang="en-GB" sz="1800" b="0" kern="0">
+                <a:latin typeface="Droid Sans Mono" panose="020B0609030804020204" pitchFamily="49" charset="0"/>
+                <a:ea typeface="Droid Sans Mono" panose="020B0609030804020204" pitchFamily="49" charset="0"/>
+                <a:cs typeface="Droid Sans Mono" panose="020B0609030804020204" pitchFamily="49" charset="0"/>
+              </a:rPr>
+              <a:t>	else if (numerator)</a:t>
+            </a:r>
+          </a:p>
+          <a:p>
+            <a:pPr marL="0" indent="0">
+              <a:buNone/>
+            </a:pPr>
+            <a:r>
+              <a:rPr lang="en-GB" sz="1800" b="0" kern="0">
+                <a:latin typeface="Droid Sans Mono" panose="020B0609030804020204" pitchFamily="49" charset="0"/>
+                <a:ea typeface="Droid Sans Mono" panose="020B0609030804020204" pitchFamily="49" charset="0"/>
+                <a:cs typeface="Droid Sans Mono" panose="020B0609030804020204" pitchFamily="49" charset="0"/>
+              </a:rPr>
+              <a:t>	  {</a:t>
+            </a:r>
+          </a:p>
+          <a:p>
+            <a:pPr marL="0" indent="0">
+              <a:buNone/>
+            </a:pPr>
+            <a:r>
+              <a:rPr lang="en-GB" sz="1800" b="0" kern="0">
+                <a:latin typeface="Droid Sans Mono" panose="020B0609030804020204" pitchFamily="49" charset="0"/>
+                <a:ea typeface="Droid Sans Mono" panose="020B0609030804020204" pitchFamily="49" charset="0"/>
+                <a:cs typeface="Droid Sans Mono" panose="020B0609030804020204" pitchFamily="49" charset="0"/>
+              </a:rPr>
+              <a:t>	    quotient += GARDROUND + 1;</a:t>
+            </a:r>
+          </a:p>
+          <a:p>
+            <a:pPr marL="0" indent="0">
+              <a:buNone/>
+            </a:pPr>
             <a:endParaRPr lang="en-GB" sz="1800" b="0" kern="0">
               <a:latin typeface="Droid Sans Mono" panose="020B0609030804020204" pitchFamily="49" charset="0"/>
               <a:ea typeface="Droid Sans Mono" panose="020B0609030804020204" pitchFamily="49" charset="0"/>
@@ -5913,9 +6126,42 @@
           </a:p>
           <a:p>
             <a:pPr marL="0" indent="0">
-              <a:buFont typeface="Wingdings 3" pitchFamily="18" charset="2"/>
-              <a:buNone/>
-            </a:pPr>
+              <a:buNone/>
+            </a:pPr>
+            <a:r>
+              <a:rPr lang="en-GB" sz="1800" b="0" kern="0">
+                <a:latin typeface="Droid Sans Mono" panose="020B0609030804020204" pitchFamily="49" charset="0"/>
+                <a:ea typeface="Droid Sans Mono" panose="020B0609030804020204" pitchFamily="49" charset="0"/>
+                <a:cs typeface="Droid Sans Mono" panose="020B0609030804020204" pitchFamily="49" charset="0"/>
+              </a:rPr>
+              <a:t>	    /* Avoid further rounding in pack_d.  */</a:t>
+            </a:r>
+          </a:p>
+          <a:p>
+            <a:pPr marL="0" indent="0">
+              <a:buNone/>
+            </a:pPr>
+            <a:r>
+              <a:rPr lang="en-GB" sz="1800" b="0" kern="0">
+                <a:latin typeface="Droid Sans Mono" panose="020B0609030804020204" pitchFamily="49" charset="0"/>
+                <a:ea typeface="Droid Sans Mono" panose="020B0609030804020204" pitchFamily="49" charset="0"/>
+                <a:cs typeface="Droid Sans Mono" panose="020B0609030804020204" pitchFamily="49" charset="0"/>
+              </a:rPr>
+              <a:t>	    quotient &amp;= ~(fractype) GARDMASK;</a:t>
+            </a:r>
+          </a:p>
+          <a:p>
+            <a:pPr marL="0" indent="0">
+              <a:buNone/>
+            </a:pPr>
+            <a:r>
+              <a:rPr lang="en-GB" sz="1800" b="0" kern="0">
+                <a:latin typeface="Droid Sans Mono" panose="020B0609030804020204" pitchFamily="49" charset="0"/>
+                <a:ea typeface="Droid Sans Mono" panose="020B0609030804020204" pitchFamily="49" charset="0"/>
+                <a:cs typeface="Droid Sans Mono" panose="020B0609030804020204" pitchFamily="49" charset="0"/>
+              </a:rPr>
+              <a:t>	  }</a:t>
+            </a:r>
             <a:r>
               <a:rPr lang="en-GB" kern="0" smtClean="0"/>
               <a:t> </a:t>
@@ -5935,6 +6181,58 @@
             </a:pPr>
             <a:endParaRPr lang="en-GB" sz="2400" b="0" kern="0">
               <a:latin typeface="Eurostile" panose="020B0504020202050204" pitchFamily="34" charset="0"/>
+            </a:endParaRPr>
+          </a:p>
+        </p:txBody>
+      </p:sp>
+      <p:sp>
+        <p:nvSpPr>
+          <p:cNvPr id="5" name="Textfeld 4"/>
+          <p:cNvSpPr txBox="1"/>
+          <p:nvPr/>
+        </p:nvSpPr>
+        <p:spPr>
+          <a:xfrm>
+            <a:off x="7359588" y="1615737"/>
+            <a:ext cx="4717958" cy="1077218"/>
+          </a:xfrm>
+          <a:prstGeom prst="rect">
+            <a:avLst/>
+          </a:prstGeom>
+          <a:solidFill>
+            <a:schemeClr val="bg1">
+              <a:lumMod val="75000"/>
+            </a:schemeClr>
+          </a:solidFill>
+        </p:spPr>
+        <p:txBody>
+          <a:bodyPr wrap="none" rtlCol="0">
+            <a:spAutoFit/>
+          </a:bodyPr>
+          <a:lstStyle/>
+          <a:p>
+            <a:r>
+              <a:rPr lang="de-DE" sz="3200" smtClean="0">
+                <a:solidFill>
+                  <a:srgbClr val="FF0000"/>
+                </a:solidFill>
+              </a:rPr>
+              <a:t>How big would the whole</a:t>
+            </a:r>
+          </a:p>
+          <a:p>
+            <a:r>
+              <a:rPr lang="de-DE" sz="3200" smtClean="0">
+                <a:solidFill>
+                  <a:srgbClr val="FF0000"/>
+                </a:solidFill>
+              </a:rPr>
+              <a:t>trace tree be?</a:t>
+            </a:r>
+            <a:endParaRPr lang="de-DE" sz="3200">
+              <a:solidFill>
+                <a:srgbClr val="FF0000"/>
+              </a:solidFill>
             </a:endParaRPr>
           </a:p>
         </p:txBody>
@@ -5942,7 +6240,7 @@
     </p:spTree>
     <p:extLst>
       <p:ext uri="{BB962C8B-B14F-4D97-AF65-F5344CB8AC3E}">
-        <p14:creationId xmlns:p14="http://schemas.microsoft.com/office/powerpoint/2010/main" val="1769019156"/>
+        <p14:creationId xmlns:p14="http://schemas.microsoft.com/office/powerpoint/2010/main" val="942071526"/>
       </p:ext>
     </p:extLst>
   </p:cSld>
@@ -5952,9 +6250,80 @@
   <p:timing>
     <p:tnLst>
       <p:par>
-        <p:cTn id="1" dur="indefinite" restart="never" nodeType="tmRoot"/>
+        <p:cTn id="1" dur="indefinite" restart="never" nodeType="tmRoot">
+          <p:childTnLst>
+            <p:seq concurrent="1" nextAc="seek">
+              <p:cTn id="2" dur="indefinite" nodeType="mainSeq">
+                <p:childTnLst>
+                  <p:par>
+                    <p:cTn id="3" fill="hold">
+                      <p:stCondLst>
+                        <p:cond delay="indefinite"/>
+                      </p:stCondLst>
+                      <p:childTnLst>
+                        <p:par>
+                          <p:cTn id="4" fill="hold">
+                            <p:stCondLst>
+                              <p:cond delay="0"/>
+                            </p:stCondLst>
+                            <p:childTnLst>
+                              <p:par>
+                                <p:cTn id="5" presetID="1" presetClass="entr" presetSubtype="0" fill="hold" grpId="0" nodeType="clickEffect">
+                                  <p:stCondLst>
+                                    <p:cond delay="0"/>
+                                  </p:stCondLst>
+                                  <p:childTnLst>
+                                    <p:set>
+                                      <p:cBhvr>
+                                        <p:cTn id="6" dur="1" fill="hold">
+                                          <p:stCondLst>
+                                            <p:cond delay="0"/>
+                                          </p:stCondLst>
+                                        </p:cTn>
+                                        <p:tgtEl>
+                                          <p:spTgt spid="5"/>
+                                        </p:tgtEl>
+                                        <p:attrNameLst>
+                                          <p:attrName>style.visibility</p:attrName>
+                                        </p:attrNameLst>
+                                      </p:cBhvr>
+                                      <p:to>
+                                        <p:strVal val="visible"/>
+                                      </p:to>
+                                    </p:set>
+                                  </p:childTnLst>
+                                </p:cTn>
+                              </p:par>
+                            </p:childTnLst>
+                          </p:cTn>
+                        </p:par>
+                      </p:childTnLst>
+                    </p:cTn>
+                  </p:par>
+                </p:childTnLst>
+              </p:cTn>
+              <p:prevCondLst>
+                <p:cond evt="onPrev" delay="0">
+                  <p:tgtEl>
+                    <p:sldTgt/>
+                  </p:tgtEl>
+                </p:cond>
+              </p:prevCondLst>
+              <p:nextCondLst>
+                <p:cond evt="onNext" delay="0">
+                  <p:tgtEl>
+                    <p:sldTgt/>
+                  </p:tgtEl>
+                </p:cond>
+              </p:nextCondLst>
+            </p:seq>
+          </p:childTnLst>
+        </p:cTn>
       </p:par>
     </p:tnLst>
+    <p:bldLst>
+      <p:bldP spid="5" grpId="0" animBg="1"/>
+    </p:bldLst>
   </p:timing>
 </p:sld>
 </file>
@@ -5993,7 +6362,11 @@
           <a:p>
             <a:r>
               <a:rPr lang="en-GB" smtClean="0"/>
-              <a:t>Some Implementation Strategies</a:t>
+              <a:t>Tree Size </a:t>
+            </a:r>
+            <a:r>
+              <a:rPr lang="en-GB" smtClean="0"/>
+              <a:t>Explosion</a:t>
             </a:r>
             <a:endParaRPr lang="en-GB" dirty="0"/>
           </a:p>
@@ -6018,91 +6391,56 @@
           <a:bodyPr/>
           <a:lstStyle/>
           <a:p>
+            <a:endParaRPr lang="en-GB" smtClean="0"/>
+          </a:p>
+          <a:p>
+            <a:endParaRPr lang="en-GB"/>
+          </a:p>
+          <a:p>
+            <a:endParaRPr lang="en-GB" smtClean="0"/>
+          </a:p>
+          <a:p>
+            <a:endParaRPr lang="en-GB"/>
+          </a:p>
+          <a:p>
+            <a:endParaRPr lang="en-GB" smtClean="0"/>
+          </a:p>
+          <a:p>
+            <a:endParaRPr lang="en-GB"/>
+          </a:p>
+          <a:p>
+            <a:endParaRPr lang="en-GB" smtClean="0"/>
+          </a:p>
+          <a:p>
+            <a:endParaRPr lang="en-GB" smtClean="0"/>
+          </a:p>
+          <a:p>
+            <a:endParaRPr lang="en-GB"/>
+          </a:p>
+          <a:p>
+            <a:pPr marL="0" indent="0">
+              <a:buNone/>
+            </a:pPr>
             <a:r>
               <a:rPr lang="en-GB" smtClean="0"/>
-              <a:t>Function expansion by </a:t>
-            </a:r>
-            <a:r>
-              <a:rPr lang="el-GR" smtClean="0">
-                <a:latin typeface="Calibri" panose="020F0502020204030204" pitchFamily="34" charset="0"/>
-                <a:cs typeface="Calibri" panose="020F0502020204030204" pitchFamily="34" charset="0"/>
-              </a:rPr>
-              <a:t>β</a:t>
-            </a:r>
-            <a:r>
-              <a:rPr lang="de-DE" smtClean="0">
-                <a:latin typeface="Calibri" panose="020F0502020204030204" pitchFamily="34" charset="0"/>
-                <a:cs typeface="Calibri" panose="020F0502020204030204" pitchFamily="34" charset="0"/>
-              </a:rPr>
-              <a:t>-reduction</a:t>
+              <a:t>Containment </a:t>
+            </a:r>
+            <a:r>
+              <a:rPr lang="en-GB" smtClean="0"/>
+              <a:t>by </a:t>
+            </a:r>
+            <a:r>
+              <a:rPr lang="en-GB" smtClean="0"/>
+              <a:t>Producer-Consumer Model:</a:t>
             </a:r>
             <a:endParaRPr lang="en-GB" smtClean="0"/>
           </a:p>
           <a:p>
             <a:r>
               <a:rPr lang="en-GB" smtClean="0"/>
-              <a:t>Lazyness enabling Producer-Consumer-Model necessary for pipelining extremely large trees</a:t>
-            </a:r>
-          </a:p>
-          <a:p>
-            <a:r>
-              <a:rPr lang="en-GB" smtClean="0"/>
-              <a:t>Type inference because Z3 has none </a:t>
-            </a:r>
-            <a:r>
-              <a:rPr lang="en-GB" smtClean="0">
-                <a:sym typeface="Wingdings" panose="05000000000000000000" pitchFamily="2" charset="2"/>
-              </a:rPr>
-              <a:t></a:t>
+              <a:t>Powered by Lazyness (“evaluation by need”)</a:t>
             </a:r>
             <a:endParaRPr lang="en-GB" smtClean="0"/>
-          </a:p>
-          <a:p>
-            <a:r>
-              <a:rPr lang="en-GB" smtClean="0"/>
-              <a:t>Using Quasi-Quoter as template for C test harness</a:t>
-            </a:r>
-          </a:p>
-          <a:p>
-            <a:r>
-              <a:rPr lang="en-GB" smtClean="0"/>
-              <a:t>Splitting up products (i.e. structs) into separate variables, indexed by the instance (i.e. pointer or struct instance name)</a:t>
-            </a:r>
-          </a:p>
-          <a:p>
-            <a:r>
-              <a:rPr lang="en-GB" smtClean="0"/>
-              <a:t>Rewriting switch to equivalent if-then-elses (difficult with breaks!)</a:t>
-            </a:r>
-          </a:p>
-          <a:p>
-            <a:r>
-              <a:rPr lang="en-GB" smtClean="0"/>
-              <a:t>Unrolling loops (with loop length prediction for </a:t>
-            </a:r>
-            <a:r>
-              <a:rPr lang="en-GB" smtClean="0"/>
-              <a:t>“easy”/MISRA cases</a:t>
-            </a:r>
-            <a:endParaRPr lang="en-GB" smtClean="0"/>
-          </a:p>
-          <a:p>
-            <a:r>
-              <a:rPr lang="en-GB" smtClean="0"/>
-              <a:t>Simplification (e.g. Pointer-AddressOf-Cancellation) needed as intermediate steps</a:t>
-            </a:r>
-          </a:p>
-          <a:p>
-            <a:r>
-              <a:rPr lang="en-GB" smtClean="0"/>
-              <a:t>Using case distinction completeness for maximum defensive coding</a:t>
-            </a:r>
-          </a:p>
-          <a:p>
-            <a:r>
-              <a:rPr lang="en-GB" smtClean="0"/>
-              <a:t>Unicode-Syntax for mathematical comprehension</a:t>
-            </a:r>
           </a:p>
           <a:p>
             <a:pPr marL="0" indent="0">
@@ -6132,13 +6470,269 @@
             <a:endParaRPr lang="en-GB" sz="2400" b="0">
               <a:latin typeface="Eurostile" panose="020B0504020202050204" pitchFamily="34" charset="0"/>
             </a:endParaRPr>
+          </a:p>
+        </p:txBody>
+      </p:sp>
+      <p:pic>
+        <p:nvPicPr>
+          <p:cNvPr id="1026" name="Picture 2" descr="What Existed Before the Big Bang? | HowStuffWorks"/>
+          <p:cNvPicPr>
+            <a:picLocks noChangeAspect="1" noChangeArrowheads="1"/>
+          </p:cNvPicPr>
+          <p:nvPr/>
+        </p:nvPicPr>
+        <p:blipFill>
+          <a:blip r:embed="rId3">
+            <a:extLst>
+              <a:ext uri="{28A0092B-C50C-407E-A947-70E740481C1C}">
+                <a14:useLocalDpi xmlns:a14="http://schemas.microsoft.com/office/drawing/2010/main" val="0"/>
+              </a:ext>
+            </a:extLst>
+          </a:blip>
+          <a:srcRect/>
+          <a:stretch>
+            <a:fillRect/>
+          </a:stretch>
+        </p:blipFill>
+        <p:spPr bwMode="auto">
+          <a:xfrm>
+            <a:off x="2082029" y="1131903"/>
+            <a:ext cx="8216068" cy="4621538"/>
+          </a:xfrm>
+          <a:prstGeom prst="rect">
+            <a:avLst/>
+          </a:prstGeom>
+          <a:noFill/>
+          <a:extLst>
+            <a:ext uri="{909E8E84-426E-40DD-AFC4-6F175D3DCCD1}">
+              <a14:hiddenFill xmlns:a14="http://schemas.microsoft.com/office/drawing/2010/main">
+                <a:solidFill>
+                  <a:srgbClr val="FFFFFF"/>
+                </a:solidFill>
+              </a14:hiddenFill>
+            </a:ext>
+          </a:extLst>
+        </p:spPr>
+      </p:pic>
+      <p:sp>
+        <p:nvSpPr>
+          <p:cNvPr id="4" name="Abgerundetes Rechteck 3"/>
+          <p:cNvSpPr/>
+          <p:nvPr/>
+        </p:nvSpPr>
+        <p:spPr>
+          <a:xfrm>
+            <a:off x="1813372" y="7763521"/>
+            <a:ext cx="2068497" cy="941033"/>
+          </a:xfrm>
+          <a:prstGeom prst="roundRect">
+            <a:avLst/>
+          </a:prstGeom>
+          <a:solidFill>
+            <a:schemeClr val="accent1">
+              <a:lumMod val="50000"/>
+            </a:schemeClr>
+          </a:solidFill>
+        </p:spPr>
+        <p:style>
+          <a:lnRef idx="2">
+            <a:schemeClr val="accent1">
+              <a:shade val="50000"/>
+            </a:schemeClr>
+          </a:lnRef>
+          <a:fillRef idx="1">
+            <a:schemeClr val="accent1"/>
+          </a:fillRef>
+          <a:effectRef idx="0">
+            <a:schemeClr val="accent1"/>
+          </a:effectRef>
+          <a:fontRef idx="minor">
+            <a:schemeClr val="lt1"/>
+          </a:fontRef>
+        </p:style>
+        <p:txBody>
+          <a:bodyPr rtlCol="0" anchor="ctr"/>
+          <a:lstStyle/>
+          <a:p>
+            <a:pPr algn="ctr"/>
+            <a:r>
+              <a:rPr lang="de-DE" sz="3200" smtClean="0"/>
+              <a:t>Producer</a:t>
+            </a:r>
+            <a:endParaRPr lang="de-DE" sz="3200"/>
+          </a:p>
+        </p:txBody>
+      </p:sp>
+      <p:sp>
+        <p:nvSpPr>
+          <p:cNvPr id="7" name="Abgerundetes Rechteck 6"/>
+          <p:cNvSpPr/>
+          <p:nvPr/>
+        </p:nvSpPr>
+        <p:spPr>
+          <a:xfrm>
+            <a:off x="6190063" y="7763521"/>
+            <a:ext cx="2068497" cy="941033"/>
+          </a:xfrm>
+          <a:prstGeom prst="roundRect">
+            <a:avLst/>
+          </a:prstGeom>
+        </p:spPr>
+        <p:style>
+          <a:lnRef idx="2">
+            <a:schemeClr val="accent1">
+              <a:shade val="50000"/>
+            </a:schemeClr>
+          </a:lnRef>
+          <a:fillRef idx="1">
+            <a:schemeClr val="accent1"/>
+          </a:fillRef>
+          <a:effectRef idx="0">
+            <a:schemeClr val="accent1"/>
+          </a:effectRef>
+          <a:fontRef idx="minor">
+            <a:schemeClr val="lt1"/>
+          </a:fontRef>
+        </p:style>
+        <p:txBody>
+          <a:bodyPr rtlCol="0" anchor="ctr"/>
+          <a:lstStyle/>
+          <a:p>
+            <a:pPr algn="ctr"/>
+            <a:r>
+              <a:rPr lang="de-DE" sz="3200" smtClean="0">
+                <a:solidFill>
+                  <a:schemeClr val="tx1"/>
+                </a:solidFill>
+              </a:rPr>
+              <a:t>Consumer</a:t>
+            </a:r>
+            <a:endParaRPr lang="de-DE" sz="3200">
+              <a:solidFill>
+                <a:schemeClr val="tx1"/>
+              </a:solidFill>
+            </a:endParaRPr>
+          </a:p>
+        </p:txBody>
+      </p:sp>
+      <p:sp>
+        <p:nvSpPr>
+          <p:cNvPr id="6" name="Pfeil nach rechts 5"/>
+          <p:cNvSpPr/>
+          <p:nvPr/>
+        </p:nvSpPr>
+        <p:spPr>
+          <a:xfrm>
+            <a:off x="4165955" y="8118627"/>
+            <a:ext cx="1740023" cy="292964"/>
+          </a:xfrm>
+          <a:prstGeom prst="rightArrow">
+            <a:avLst/>
+          </a:prstGeom>
+          <a:solidFill>
+            <a:schemeClr val="tx1"/>
+          </a:solidFill>
+          <a:ln>
+            <a:solidFill>
+              <a:schemeClr val="tx1"/>
+            </a:solidFill>
+          </a:ln>
+        </p:spPr>
+        <p:style>
+          <a:lnRef idx="2">
+            <a:schemeClr val="accent1">
+              <a:shade val="50000"/>
+            </a:schemeClr>
+          </a:lnRef>
+          <a:fillRef idx="1">
+            <a:schemeClr val="accent1"/>
+          </a:fillRef>
+          <a:effectRef idx="0">
+            <a:schemeClr val="accent1"/>
+          </a:effectRef>
+          <a:fontRef idx="minor">
+            <a:schemeClr val="lt1"/>
+          </a:fontRef>
+        </p:style>
+        <p:txBody>
+          <a:bodyPr rtlCol="0" anchor="ctr"/>
+          <a:lstStyle/>
+          <a:p>
+            <a:pPr algn="ctr"/>
+            <a:endParaRPr lang="de-DE"/>
+          </a:p>
+        </p:txBody>
+      </p:sp>
+      <p:cxnSp>
+        <p:nvCxnSpPr>
+          <p:cNvPr id="9" name="Gerade Verbindung mit Pfeil 8"/>
+          <p:cNvCxnSpPr/>
+          <p:nvPr/>
+        </p:nvCxnSpPr>
+        <p:spPr>
+          <a:xfrm>
+            <a:off x="8502697" y="8234037"/>
+            <a:ext cx="1020932" cy="0"/>
+          </a:xfrm>
+          <a:prstGeom prst="straightConnector1">
+            <a:avLst/>
+          </a:prstGeom>
+          <a:ln w="25400">
+            <a:solidFill>
+              <a:schemeClr val="tx1"/>
+            </a:solidFill>
+            <a:tailEnd type="arrow"/>
+          </a:ln>
+        </p:spPr>
+        <p:style>
+          <a:lnRef idx="1">
+            <a:schemeClr val="accent1"/>
+          </a:lnRef>
+          <a:fillRef idx="0">
+            <a:schemeClr val="accent1"/>
+          </a:fillRef>
+          <a:effectRef idx="0">
+            <a:schemeClr val="accent1"/>
+          </a:effectRef>
+          <a:fontRef idx="minor">
+            <a:schemeClr val="tx1"/>
+          </a:fontRef>
+        </p:style>
+      </p:cxnSp>
+      <p:sp>
+        <p:nvSpPr>
+          <p:cNvPr id="10" name="Textfeld 9"/>
+          <p:cNvSpPr txBox="1"/>
+          <p:nvPr/>
+        </p:nvSpPr>
+        <p:spPr>
+          <a:xfrm>
+            <a:off x="9656794" y="8095537"/>
+            <a:ext cx="2177140" cy="276999"/>
+          </a:xfrm>
+          <a:prstGeom prst="rect">
+            <a:avLst/>
+          </a:prstGeom>
+          <a:noFill/>
+        </p:spPr>
+        <p:txBody>
+          <a:bodyPr wrap="square" rtlCol="0">
+            <a:spAutoFit/>
+          </a:bodyPr>
+          <a:lstStyle/>
+          <a:p>
+            <a:r>
+              <a:rPr lang="de-DE" sz="1200" smtClean="0"/>
+              <a:t>Maybe Result</a:t>
+            </a:r>
+            <a:endParaRPr lang="de-DE" sz="1200"/>
           </a:p>
         </p:txBody>
       </p:sp>
     </p:spTree>
     <p:extLst>
       <p:ext uri="{BB962C8B-B14F-4D97-AF65-F5344CB8AC3E}">
-        <p14:creationId xmlns:p14="http://schemas.microsoft.com/office/powerpoint/2010/main" val="1695858246"/>
+        <p14:creationId xmlns:p14="http://schemas.microsoft.com/office/powerpoint/2010/main" val="2932880757"/>
       </p:ext>
     </p:extLst>
   </p:cSld>
@@ -6189,7 +6783,798 @@
           <a:p>
             <a:r>
               <a:rPr lang="en-GB" smtClean="0"/>
-              <a:t>Things left to do</a:t>
+              <a:t>Solution to Jorge/Alex’s Challenge</a:t>
+            </a:r>
+            <a:endParaRPr lang="en-GB" dirty="0"/>
+          </a:p>
+        </p:txBody>
+      </p:sp>
+      <p:sp>
+        <p:nvSpPr>
+          <p:cNvPr id="3" name="Inhaltsplatzhalter 2"/>
+          <p:cNvSpPr>
+            <a:spLocks noGrp="1"/>
+          </p:cNvSpPr>
+          <p:nvPr>
+            <p:ph idx="1"/>
+          </p:nvPr>
+        </p:nvSpPr>
+        <p:spPr>
+          <a:xfrm>
+            <a:off x="487680" y="1372730"/>
+            <a:ext cx="12029440" cy="7833263"/>
+          </a:xfrm>
+          <a:ln>
+            <a:noFill/>
+          </a:ln>
+        </p:spPr>
+        <p:txBody>
+          <a:bodyPr/>
+          <a:lstStyle/>
+          <a:p>
+            <a:pPr marL="0" indent="0">
+              <a:buNone/>
+            </a:pPr>
+            <a:endParaRPr lang="en-GB"/>
+          </a:p>
+          <a:p>
+            <a:pPr marL="0" indent="0">
+              <a:buNone/>
+            </a:pPr>
+            <a:endParaRPr lang="en-US" sz="2000" b="0" smtClean="0">
+              <a:latin typeface="Droid Sans Mono" panose="020B0609030804020204" pitchFamily="49" charset="0"/>
+              <a:ea typeface="Droid Sans Mono" panose="020B0609030804020204" pitchFamily="49" charset="0"/>
+              <a:cs typeface="Droid Sans Mono" panose="020B0609030804020204" pitchFamily="49" charset="0"/>
+            </a:endParaRPr>
+          </a:p>
+          <a:p>
+            <a:pPr marL="0" indent="0">
+              <a:buNone/>
+            </a:pPr>
+            <a:endParaRPr lang="en-US" sz="2000" b="0" smtClean="0">
+              <a:latin typeface="Droid Sans Mono" panose="020B0609030804020204" pitchFamily="49" charset="0"/>
+              <a:ea typeface="Droid Sans Mono" panose="020B0609030804020204" pitchFamily="49" charset="0"/>
+              <a:cs typeface="Droid Sans Mono" panose="020B0609030804020204" pitchFamily="49" charset="0"/>
+            </a:endParaRPr>
+          </a:p>
+          <a:p>
+            <a:pPr marL="0" indent="0">
+              <a:buNone/>
+            </a:pPr>
+            <a:endParaRPr lang="en-US" sz="2000" b="0">
+              <a:latin typeface="Droid Sans Mono" panose="020B0609030804020204" pitchFamily="49" charset="0"/>
+              <a:ea typeface="Droid Sans Mono" panose="020B0609030804020204" pitchFamily="49" charset="0"/>
+              <a:cs typeface="Droid Sans Mono" panose="020B0609030804020204" pitchFamily="49" charset="0"/>
+            </a:endParaRPr>
+          </a:p>
+          <a:p>
+            <a:pPr marL="0" indent="0">
+              <a:buNone/>
+            </a:pPr>
+            <a:endParaRPr lang="en-US" sz="2000" b="0" smtClean="0">
+              <a:latin typeface="Droid Sans Mono" panose="020B0609030804020204" pitchFamily="49" charset="0"/>
+              <a:ea typeface="Droid Sans Mono" panose="020B0609030804020204" pitchFamily="49" charset="0"/>
+              <a:cs typeface="Droid Sans Mono" panose="020B0609030804020204" pitchFamily="49" charset="0"/>
+            </a:endParaRPr>
+          </a:p>
+          <a:p>
+            <a:pPr marL="0" indent="0">
+              <a:buNone/>
+            </a:pPr>
+            <a:endParaRPr lang="en-US" sz="2000" b="0">
+              <a:latin typeface="Droid Sans Mono" panose="020B0609030804020204" pitchFamily="49" charset="0"/>
+              <a:ea typeface="Droid Sans Mono" panose="020B0609030804020204" pitchFamily="49" charset="0"/>
+              <a:cs typeface="Droid Sans Mono" panose="020B0609030804020204" pitchFamily="49" charset="0"/>
+            </a:endParaRPr>
+          </a:p>
+          <a:p>
+            <a:pPr marL="0" indent="0">
+              <a:buNone/>
+            </a:pPr>
+            <a:endParaRPr lang="en-US" sz="2000" b="0" smtClean="0">
+              <a:latin typeface="Droid Sans Mono" panose="020B0609030804020204" pitchFamily="49" charset="0"/>
+              <a:ea typeface="Droid Sans Mono" panose="020B0609030804020204" pitchFamily="49" charset="0"/>
+              <a:cs typeface="Droid Sans Mono" panose="020B0609030804020204" pitchFamily="49" charset="0"/>
+            </a:endParaRPr>
+          </a:p>
+          <a:p>
+            <a:pPr marL="0" indent="0">
+              <a:buNone/>
+            </a:pPr>
+            <a:endParaRPr lang="en-US" sz="2000" b="0">
+              <a:latin typeface="Droid Sans Mono" panose="020B0609030804020204" pitchFamily="49" charset="0"/>
+              <a:ea typeface="Droid Sans Mono" panose="020B0609030804020204" pitchFamily="49" charset="0"/>
+              <a:cs typeface="Droid Sans Mono" panose="020B0609030804020204" pitchFamily="49" charset="0"/>
+            </a:endParaRPr>
+          </a:p>
+          <a:p>
+            <a:pPr marL="0" indent="0">
+              <a:buNone/>
+            </a:pPr>
+            <a:endParaRPr lang="en-US" sz="2000" b="0" smtClean="0">
+              <a:latin typeface="Droid Sans Mono" panose="020B0609030804020204" pitchFamily="49" charset="0"/>
+              <a:ea typeface="Droid Sans Mono" panose="020B0609030804020204" pitchFamily="49" charset="0"/>
+              <a:cs typeface="Droid Sans Mono" panose="020B0609030804020204" pitchFamily="49" charset="0"/>
+            </a:endParaRPr>
+          </a:p>
+          <a:p>
+            <a:pPr marL="0" indent="0">
+              <a:buNone/>
+            </a:pPr>
+            <a:endParaRPr lang="de-DE" sz="2000" b="0" smtClean="0">
+              <a:latin typeface="Droid Sans Mono" panose="020B0609030804020204" pitchFamily="49" charset="0"/>
+              <a:ea typeface="Droid Sans Mono" panose="020B0609030804020204" pitchFamily="49" charset="0"/>
+              <a:cs typeface="Droid Sans Mono" panose="020B0609030804020204" pitchFamily="49" charset="0"/>
+            </a:endParaRPr>
+          </a:p>
+          <a:p>
+            <a:pPr marL="0" indent="0">
+              <a:buNone/>
+            </a:pPr>
+            <a:endParaRPr lang="de-DE" sz="2000" b="0">
+              <a:latin typeface="Droid Sans Mono" panose="020B0609030804020204" pitchFamily="49" charset="0"/>
+              <a:ea typeface="Droid Sans Mono" panose="020B0609030804020204" pitchFamily="49" charset="0"/>
+              <a:cs typeface="Droid Sans Mono" panose="020B0609030804020204" pitchFamily="49" charset="0"/>
+            </a:endParaRPr>
+          </a:p>
+          <a:p>
+            <a:pPr marL="0" indent="0">
+              <a:buNone/>
+            </a:pPr>
+            <a:endParaRPr lang="en-US" sz="2000" b="0">
+              <a:latin typeface="Droid Sans Mono" panose="020B0609030804020204" pitchFamily="49" charset="0"/>
+              <a:ea typeface="Droid Sans Mono" panose="020B0609030804020204" pitchFamily="49" charset="0"/>
+              <a:cs typeface="Droid Sans Mono" panose="020B0609030804020204" pitchFamily="49" charset="0"/>
+            </a:endParaRPr>
+          </a:p>
+          <a:p>
+            <a:pPr marL="0" indent="0">
+              <a:buNone/>
+            </a:pPr>
+            <a:r>
+              <a:rPr lang="en-US" sz="2000" b="0" smtClean="0">
+                <a:latin typeface="Droid Sans Mono" panose="020B0609030804020204" pitchFamily="49" charset="0"/>
+                <a:ea typeface="Droid Sans Mono" panose="020B0609030804020204" pitchFamily="49" charset="0"/>
+                <a:cs typeface="Droid Sans Mono" panose="020B0609030804020204" pitchFamily="49" charset="0"/>
+              </a:rPr>
+              <a:t>===== SUMMARY =====</a:t>
+            </a:r>
+          </a:p>
+          <a:p>
+            <a:pPr marL="0" indent="0">
+              <a:buNone/>
+            </a:pPr>
+            <a:endParaRPr lang="en-US" sz="2000" b="0" smtClean="0">
+              <a:latin typeface="Droid Sans Mono" panose="020B0609030804020204" pitchFamily="49" charset="0"/>
+              <a:ea typeface="Droid Sans Mono" panose="020B0609030804020204" pitchFamily="49" charset="0"/>
+              <a:cs typeface="Droid Sans Mono" panose="020B0609030804020204" pitchFamily="49" charset="0"/>
+            </a:endParaRPr>
+          </a:p>
+          <a:p>
+            <a:pPr marL="0" indent="0">
+              <a:buNone/>
+            </a:pPr>
+            <a:r>
+              <a:rPr lang="en-US" sz="2000" b="0">
+                <a:latin typeface="Droid Sans Mono" panose="020B0609030804020204" pitchFamily="49" charset="0"/>
+                <a:ea typeface="Droid Sans Mono" panose="020B0609030804020204" pitchFamily="49" charset="0"/>
+                <a:cs typeface="Droid Sans Mono" panose="020B0609030804020204" pitchFamily="49" charset="0"/>
+              </a:rPr>
+              <a:t>Test Vector covering [2,2,2,2,2,1,1,1,2,2,2,2,2,1,2,1] : </a:t>
+            </a:r>
+          </a:p>
+          <a:p>
+            <a:pPr marL="0" indent="0">
+              <a:buNone/>
+            </a:pPr>
+            <a:r>
+              <a:rPr lang="en-US" sz="2000" b="0">
+                <a:latin typeface="Droid Sans Mono" panose="020B0609030804020204" pitchFamily="49" charset="0"/>
+                <a:ea typeface="Droid Sans Mono" panose="020B0609030804020204" pitchFamily="49" charset="0"/>
+                <a:cs typeface="Droid Sans Mono" panose="020B0609030804020204" pitchFamily="49" charset="0"/>
+              </a:rPr>
+              <a:t>    _fpdiv_parts ( a = 0 , a_ARROW_class = 3 , a_ARROW_sign = 0 , a_ARROW_normal_exp = 0 , a_ARROW_fraction_DOT_ll = 7689560 , b = 0 , b_ARROW_class = 3 , b_ARROW_sign = 0 , b_ARROW_normal_exp = 0 , b_ARROW_fraction_DOT_ll = 8388611 )</a:t>
+            </a:r>
+          </a:p>
+          <a:p>
+            <a:pPr marL="0" indent="0">
+              <a:buNone/>
+            </a:pPr>
+            <a:r>
+              <a:rPr lang="en-US" sz="2000" b="0">
+                <a:latin typeface="Droid Sans Mono" panose="020B0609030804020204" pitchFamily="49" charset="0"/>
+                <a:ea typeface="Droid Sans Mono" panose="020B0609030804020204" pitchFamily="49" charset="0"/>
+                <a:cs typeface="Droid Sans Mono" panose="020B0609030804020204" pitchFamily="49" charset="0"/>
+              </a:rPr>
+              <a:t>    = return_val = 0 , return_val_ARROW_class = 3 , return_val_ARROW_sign = 0 , return_val_ARROW_normal_exp = -1 , return_val_ARROW_fraction_DOT_ll = 1968526720</a:t>
+            </a:r>
+          </a:p>
+          <a:p>
+            <a:pPr marL="0" indent="0">
+              <a:buNone/>
+            </a:pPr>
+            <a:endParaRPr lang="en-GB" smtClean="0"/>
+          </a:p>
+          <a:p>
+            <a:pPr marL="0" indent="0">
+              <a:buNone/>
+            </a:pPr>
+            <a:endParaRPr lang="en-GB" sz="2400" b="0">
+              <a:latin typeface="Eurostile" panose="020B0504020202050204" pitchFamily="34" charset="0"/>
+            </a:endParaRPr>
+          </a:p>
+        </p:txBody>
+      </p:sp>
+      <p:sp>
+        <p:nvSpPr>
+          <p:cNvPr id="4" name="Inhaltsplatzhalter 2"/>
+          <p:cNvSpPr txBox="1">
+            <a:spLocks/>
+          </p:cNvSpPr>
+          <p:nvPr/>
+        </p:nvSpPr>
+        <p:spPr>
+          <a:xfrm>
+            <a:off x="3584135" y="1372730"/>
+            <a:ext cx="8932985" cy="4811094"/>
+          </a:xfrm>
+          <a:prstGeom prst="rect">
+            <a:avLst/>
+          </a:prstGeom>
+          <a:solidFill>
+            <a:schemeClr val="accent1"/>
+          </a:solidFill>
+          <a:ln>
+            <a:noFill/>
+          </a:ln>
+        </p:spPr>
+        <p:txBody>
+          <a:bodyPr lIns="130046" tIns="65023" rIns="130046" bIns="65023"/>
+          <a:lstStyle>
+            <a:lvl1pPr marL="487363" indent="-487363" algn="l" rtl="0" eaLnBrk="0" fontAlgn="base" hangingPunct="0">
+              <a:spcBef>
+                <a:spcPct val="20000"/>
+              </a:spcBef>
+              <a:spcAft>
+                <a:spcPct val="0"/>
+              </a:spcAft>
+              <a:buFont typeface="Wingdings 3" pitchFamily="18" charset="2"/>
+              <a:buChar char=""/>
+              <a:defRPr sz="2800" b="1" spc="0">
+                <a:solidFill>
+                  <a:schemeClr val="tx1"/>
+                </a:solidFill>
+                <a:latin typeface="+mn-lt"/>
+                <a:ea typeface="+mn-ea"/>
+                <a:cs typeface="+mn-cs"/>
+              </a:defRPr>
+            </a:lvl1pPr>
+            <a:lvl2pPr marL="1055688" indent="-404813" algn="l" rtl="0" eaLnBrk="0" fontAlgn="base" hangingPunct="0">
+              <a:spcBef>
+                <a:spcPct val="20000"/>
+              </a:spcBef>
+              <a:spcAft>
+                <a:spcPct val="0"/>
+              </a:spcAft>
+              <a:buFont typeface="Calibri" pitchFamily="34" charset="0"/>
+              <a:buChar char="–"/>
+              <a:defRPr sz="2800" spc="0">
+                <a:solidFill>
+                  <a:schemeClr val="tx1"/>
+                </a:solidFill>
+                <a:latin typeface="+mn-lt"/>
+              </a:defRPr>
+            </a:lvl2pPr>
+            <a:lvl3pPr marL="1624013" indent="-323850" algn="l" rtl="0" eaLnBrk="0" fontAlgn="base" hangingPunct="0">
+              <a:spcBef>
+                <a:spcPct val="20000"/>
+              </a:spcBef>
+              <a:spcAft>
+                <a:spcPct val="0"/>
+              </a:spcAft>
+              <a:buChar char="•"/>
+              <a:defRPr sz="2400" spc="0">
+                <a:solidFill>
+                  <a:schemeClr val="tx1"/>
+                </a:solidFill>
+                <a:latin typeface="+mn-lt"/>
+              </a:defRPr>
+            </a:lvl3pPr>
+            <a:lvl4pPr marL="2274888" indent="-323850" algn="l" rtl="0" eaLnBrk="0" fontAlgn="base" hangingPunct="0">
+              <a:spcBef>
+                <a:spcPct val="20000"/>
+              </a:spcBef>
+              <a:spcAft>
+                <a:spcPct val="0"/>
+              </a:spcAft>
+              <a:buChar char="–"/>
+              <a:defRPr sz="2000" spc="0">
+                <a:solidFill>
+                  <a:schemeClr val="tx1"/>
+                </a:solidFill>
+                <a:latin typeface="+mn-lt"/>
+              </a:defRPr>
+            </a:lvl4pPr>
+            <a:lvl5pPr marL="2925763" indent="-323850" algn="l" rtl="0" eaLnBrk="0" fontAlgn="base" hangingPunct="0">
+              <a:spcBef>
+                <a:spcPct val="20000"/>
+              </a:spcBef>
+              <a:spcAft>
+                <a:spcPct val="0"/>
+              </a:spcAft>
+              <a:buChar char="»"/>
+              <a:defRPr sz="1800" spc="0">
+                <a:solidFill>
+                  <a:schemeClr val="tx1"/>
+                </a:solidFill>
+                <a:latin typeface="+mn-lt"/>
+              </a:defRPr>
+            </a:lvl5pPr>
+            <a:lvl6pPr marL="3576264" indent="-325115" algn="l" rtl="0" eaLnBrk="1" fontAlgn="base" hangingPunct="1">
+              <a:spcBef>
+                <a:spcPct val="20000"/>
+              </a:spcBef>
+              <a:spcAft>
+                <a:spcPct val="0"/>
+              </a:spcAft>
+              <a:buChar char="»"/>
+              <a:defRPr sz="2800">
+                <a:solidFill>
+                  <a:schemeClr val="tx1"/>
+                </a:solidFill>
+                <a:latin typeface="+mn-lt"/>
+              </a:defRPr>
+            </a:lvl6pPr>
+            <a:lvl7pPr marL="4226494" indent="-325115" algn="l" rtl="0" eaLnBrk="1" fontAlgn="base" hangingPunct="1">
+              <a:spcBef>
+                <a:spcPct val="20000"/>
+              </a:spcBef>
+              <a:spcAft>
+                <a:spcPct val="0"/>
+              </a:spcAft>
+              <a:buChar char="»"/>
+              <a:defRPr sz="2800">
+                <a:solidFill>
+                  <a:schemeClr val="tx1"/>
+                </a:solidFill>
+                <a:latin typeface="+mn-lt"/>
+              </a:defRPr>
+            </a:lvl7pPr>
+            <a:lvl8pPr marL="4876724" indent="-325115" algn="l" rtl="0" eaLnBrk="1" fontAlgn="base" hangingPunct="1">
+              <a:spcBef>
+                <a:spcPct val="20000"/>
+              </a:spcBef>
+              <a:spcAft>
+                <a:spcPct val="0"/>
+              </a:spcAft>
+              <a:buChar char="»"/>
+              <a:defRPr sz="2800">
+                <a:solidFill>
+                  <a:schemeClr val="tx1"/>
+                </a:solidFill>
+                <a:latin typeface="+mn-lt"/>
+              </a:defRPr>
+            </a:lvl8pPr>
+            <a:lvl9pPr marL="5526954" indent="-325115" algn="l" rtl="0" eaLnBrk="1" fontAlgn="base" hangingPunct="1">
+              <a:spcBef>
+                <a:spcPct val="20000"/>
+              </a:spcBef>
+              <a:spcAft>
+                <a:spcPct val="0"/>
+              </a:spcAft>
+              <a:buChar char="»"/>
+              <a:defRPr sz="2800">
+                <a:solidFill>
+                  <a:schemeClr val="tx1"/>
+                </a:solidFill>
+                <a:latin typeface="+mn-lt"/>
+              </a:defRPr>
+            </a:lvl9pPr>
+          </a:lstStyle>
+          <a:p>
+            <a:pPr marL="0" indent="0">
+              <a:buNone/>
+            </a:pPr>
+            <a:r>
+              <a:rPr lang="en-GB" sz="1800" b="0" kern="0">
+                <a:latin typeface="Droid Sans Mono" panose="020B0609030804020204" pitchFamily="49" charset="0"/>
+                <a:ea typeface="Droid Sans Mono" panose="020B0609030804020204" pitchFamily="49" charset="0"/>
+                <a:cs typeface="Droid Sans Mono" panose="020B0609030804020204" pitchFamily="49" charset="0"/>
+              </a:rPr>
+              <a:t> if (!ROUND_TOWARDS_ZERO &amp;&amp; (quotient &amp; GARDMASK) == GARDMSB)</a:t>
+            </a:r>
+          </a:p>
+          <a:p>
+            <a:pPr marL="0" indent="0">
+              <a:buNone/>
+            </a:pPr>
+            <a:r>
+              <a:rPr lang="en-GB" sz="1800" b="0" kern="0">
+                <a:latin typeface="Droid Sans Mono" panose="020B0609030804020204" pitchFamily="49" charset="0"/>
+                <a:ea typeface="Droid Sans Mono" panose="020B0609030804020204" pitchFamily="49" charset="0"/>
+                <a:cs typeface="Droid Sans Mono" panose="020B0609030804020204" pitchFamily="49" charset="0"/>
+              </a:rPr>
+              <a:t>      {</a:t>
+            </a:r>
+          </a:p>
+          <a:p>
+            <a:pPr marL="0" indent="0">
+              <a:buNone/>
+            </a:pPr>
+            <a:r>
+              <a:rPr lang="en-GB" sz="1800" b="0" kern="0">
+                <a:latin typeface="Droid Sans Mono" panose="020B0609030804020204" pitchFamily="49" charset="0"/>
+                <a:ea typeface="Droid Sans Mono" panose="020B0609030804020204" pitchFamily="49" charset="0"/>
+                <a:cs typeface="Droid Sans Mono" panose="020B0609030804020204" pitchFamily="49" charset="0"/>
+              </a:rPr>
+              <a:t>	if (quotient &amp; (1 &lt;&lt; NGARDS))</a:t>
+            </a:r>
+          </a:p>
+          <a:p>
+            <a:pPr marL="0" indent="0">
+              <a:buNone/>
+            </a:pPr>
+            <a:r>
+              <a:rPr lang="en-GB" sz="1800" b="0" kern="0">
+                <a:latin typeface="Droid Sans Mono" panose="020B0609030804020204" pitchFamily="49" charset="0"/>
+                <a:ea typeface="Droid Sans Mono" panose="020B0609030804020204" pitchFamily="49" charset="0"/>
+                <a:cs typeface="Droid Sans Mono" panose="020B0609030804020204" pitchFamily="49" charset="0"/>
+              </a:rPr>
+              <a:t>	  {</a:t>
+            </a:r>
+          </a:p>
+          <a:p>
+            <a:pPr marL="0" indent="0">
+              <a:buNone/>
+            </a:pPr>
+            <a:r>
+              <a:rPr lang="en-GB" sz="1800" b="0" kern="0">
+                <a:latin typeface="Droid Sans Mono" panose="020B0609030804020204" pitchFamily="49" charset="0"/>
+                <a:ea typeface="Droid Sans Mono" panose="020B0609030804020204" pitchFamily="49" charset="0"/>
+                <a:cs typeface="Droid Sans Mono" panose="020B0609030804020204" pitchFamily="49" charset="0"/>
+              </a:rPr>
+              <a:t>	  }</a:t>
+            </a:r>
+          </a:p>
+          <a:p>
+            <a:pPr marL="0" indent="0">
+              <a:buNone/>
+            </a:pPr>
+            <a:r>
+              <a:rPr lang="en-GB" sz="1800" b="0" kern="0">
+                <a:latin typeface="Droid Sans Mono" panose="020B0609030804020204" pitchFamily="49" charset="0"/>
+                <a:ea typeface="Droid Sans Mono" panose="020B0609030804020204" pitchFamily="49" charset="0"/>
+                <a:cs typeface="Droid Sans Mono" panose="020B0609030804020204" pitchFamily="49" charset="0"/>
+              </a:rPr>
+              <a:t>	else if (numerator)</a:t>
+            </a:r>
+          </a:p>
+          <a:p>
+            <a:pPr marL="0" indent="0">
+              <a:buNone/>
+            </a:pPr>
+            <a:r>
+              <a:rPr lang="en-GB" sz="1800" b="0" kern="0">
+                <a:latin typeface="Droid Sans Mono" panose="020B0609030804020204" pitchFamily="49" charset="0"/>
+                <a:ea typeface="Droid Sans Mono" panose="020B0609030804020204" pitchFamily="49" charset="0"/>
+                <a:cs typeface="Droid Sans Mono" panose="020B0609030804020204" pitchFamily="49" charset="0"/>
+              </a:rPr>
+              <a:t>	  {</a:t>
+            </a:r>
+          </a:p>
+          <a:p>
+            <a:pPr marL="0" indent="0">
+              <a:buNone/>
+            </a:pPr>
+            <a:r>
+              <a:rPr lang="en-GB" sz="1800" b="0" kern="0">
+                <a:latin typeface="Droid Sans Mono" panose="020B0609030804020204" pitchFamily="49" charset="0"/>
+                <a:ea typeface="Droid Sans Mono" panose="020B0609030804020204" pitchFamily="49" charset="0"/>
+                <a:cs typeface="Droid Sans Mono" panose="020B0609030804020204" pitchFamily="49" charset="0"/>
+              </a:rPr>
+              <a:t>#ifdef CALC</a:t>
+            </a:r>
+          </a:p>
+          <a:p>
+            <a:pPr marL="0" indent="0">
+              <a:buNone/>
+            </a:pPr>
+            <a:r>
+              <a:rPr lang="en-GB" sz="1800" b="0" kern="0">
+                <a:latin typeface="Droid Sans Mono" panose="020B0609030804020204" pitchFamily="49" charset="0"/>
+                <a:ea typeface="Droid Sans Mono" panose="020B0609030804020204" pitchFamily="49" charset="0"/>
+                <a:cs typeface="Droid Sans Mono" panose="020B0609030804020204" pitchFamily="49" charset="0"/>
+              </a:rPr>
+              <a:t>	    printf("</a:t>
+            </a:r>
+            <a:r>
+              <a:rPr lang="en-GB" sz="1800" b="0" kern="0" smtClean="0">
+                <a:latin typeface="Droid Sans Mono" panose="020B0609030804020204" pitchFamily="49" charset="0"/>
+                <a:ea typeface="Droid Sans Mono" panose="020B0609030804020204" pitchFamily="49" charset="0"/>
+                <a:cs typeface="Droid Sans Mono" panose="020B0609030804020204" pitchFamily="49" charset="0"/>
+              </a:rPr>
+              <a:t>GOT IT</a:t>
+            </a:r>
+            <a:r>
+              <a:rPr lang="en-GB" sz="1800" b="0" kern="0">
+                <a:latin typeface="Droid Sans Mono" panose="020B0609030804020204" pitchFamily="49" charset="0"/>
+                <a:ea typeface="Droid Sans Mono" panose="020B0609030804020204" pitchFamily="49" charset="0"/>
+                <a:cs typeface="Droid Sans Mono" panose="020B0609030804020204" pitchFamily="49" charset="0"/>
+              </a:rPr>
+              <a:t>!\n");</a:t>
+            </a:r>
+          </a:p>
+          <a:p>
+            <a:pPr marL="0" indent="0">
+              <a:buNone/>
+            </a:pPr>
+            <a:r>
+              <a:rPr lang="en-GB" sz="1800" b="0" kern="0">
+                <a:latin typeface="Droid Sans Mono" panose="020B0609030804020204" pitchFamily="49" charset="0"/>
+                <a:ea typeface="Droid Sans Mono" panose="020B0609030804020204" pitchFamily="49" charset="0"/>
+                <a:cs typeface="Droid Sans Mono" panose="020B0609030804020204" pitchFamily="49" charset="0"/>
+              </a:rPr>
+              <a:t>#endif</a:t>
+            </a:r>
+          </a:p>
+          <a:p>
+            <a:pPr marL="0" indent="0">
+              <a:buNone/>
+            </a:pPr>
+            <a:r>
+              <a:rPr lang="en-GB" sz="1800" b="0" kern="0">
+                <a:latin typeface="Droid Sans Mono" panose="020B0609030804020204" pitchFamily="49" charset="0"/>
+                <a:ea typeface="Droid Sans Mono" panose="020B0609030804020204" pitchFamily="49" charset="0"/>
+                <a:cs typeface="Droid Sans Mono" panose="020B0609030804020204" pitchFamily="49" charset="0"/>
+              </a:rPr>
+              <a:t>	    quotient += GARDROUND + 1;</a:t>
+            </a:r>
+          </a:p>
+          <a:p>
+            <a:pPr marL="0" indent="0">
+              <a:buNone/>
+            </a:pPr>
+            <a:endParaRPr lang="en-GB" sz="1800" b="0" kern="0">
+              <a:latin typeface="Droid Sans Mono" panose="020B0609030804020204" pitchFamily="49" charset="0"/>
+              <a:ea typeface="Droid Sans Mono" panose="020B0609030804020204" pitchFamily="49" charset="0"/>
+              <a:cs typeface="Droid Sans Mono" panose="020B0609030804020204" pitchFamily="49" charset="0"/>
+            </a:endParaRPr>
+          </a:p>
+          <a:p>
+            <a:pPr marL="0" indent="0">
+              <a:buNone/>
+            </a:pPr>
+            <a:r>
+              <a:rPr lang="en-GB" sz="1800" b="0" kern="0">
+                <a:latin typeface="Droid Sans Mono" panose="020B0609030804020204" pitchFamily="49" charset="0"/>
+                <a:ea typeface="Droid Sans Mono" panose="020B0609030804020204" pitchFamily="49" charset="0"/>
+                <a:cs typeface="Droid Sans Mono" panose="020B0609030804020204" pitchFamily="49" charset="0"/>
+              </a:rPr>
+              <a:t>	    quotient &amp;= ~(fractype) GARDMASK;</a:t>
+            </a:r>
+          </a:p>
+          <a:p>
+            <a:pPr marL="0" indent="0">
+              <a:buNone/>
+            </a:pPr>
+            <a:r>
+              <a:rPr lang="en-GB" sz="1800" b="0" kern="0">
+                <a:latin typeface="Droid Sans Mono" panose="020B0609030804020204" pitchFamily="49" charset="0"/>
+                <a:ea typeface="Droid Sans Mono" panose="020B0609030804020204" pitchFamily="49" charset="0"/>
+                <a:cs typeface="Droid Sans Mono" panose="020B0609030804020204" pitchFamily="49" charset="0"/>
+              </a:rPr>
+              <a:t>	  </a:t>
+            </a:r>
+            <a:r>
+              <a:rPr lang="en-GB" sz="1800" b="0" kern="0" smtClean="0">
+                <a:latin typeface="Droid Sans Mono" panose="020B0609030804020204" pitchFamily="49" charset="0"/>
+                <a:ea typeface="Droid Sans Mono" panose="020B0609030804020204" pitchFamily="49" charset="0"/>
+                <a:cs typeface="Droid Sans Mono" panose="020B0609030804020204" pitchFamily="49" charset="0"/>
+              </a:rPr>
+              <a:t>}</a:t>
+            </a:r>
+            <a:endParaRPr lang="en-GB" sz="1800" b="0" kern="0">
+              <a:latin typeface="Droid Sans Mono" panose="020B0609030804020204" pitchFamily="49" charset="0"/>
+              <a:ea typeface="Droid Sans Mono" panose="020B0609030804020204" pitchFamily="49" charset="0"/>
+              <a:cs typeface="Droid Sans Mono" panose="020B0609030804020204" pitchFamily="49" charset="0"/>
+            </a:endParaRPr>
+          </a:p>
+          <a:p>
+            <a:pPr marL="0" indent="0">
+              <a:buFont typeface="Wingdings 3" pitchFamily="18" charset="2"/>
+              <a:buNone/>
+            </a:pPr>
+            <a:r>
+              <a:rPr lang="en-GB" kern="0" smtClean="0"/>
+              <a:t> </a:t>
+            </a:r>
+          </a:p>
+          <a:p>
+            <a:pPr marL="0" indent="0">
+              <a:buFont typeface="Wingdings 3" pitchFamily="18" charset="2"/>
+              <a:buNone/>
+            </a:pPr>
+            <a:endParaRPr lang="en-GB" kern="0" smtClean="0"/>
+          </a:p>
+          <a:p>
+            <a:pPr marL="0" indent="0">
+              <a:buFont typeface="Wingdings 3" pitchFamily="18" charset="2"/>
+              <a:buNone/>
+            </a:pPr>
+            <a:endParaRPr lang="en-GB" sz="2400" b="0" kern="0">
+              <a:latin typeface="Eurostile" panose="020B0504020202050204" pitchFamily="34" charset="0"/>
+            </a:endParaRPr>
+          </a:p>
+        </p:txBody>
+      </p:sp>
+      <p:sp>
+        <p:nvSpPr>
+          <p:cNvPr id="5" name="Textfeld 4"/>
+          <p:cNvSpPr txBox="1"/>
+          <p:nvPr/>
+        </p:nvSpPr>
+        <p:spPr>
+          <a:xfrm>
+            <a:off x="5513033" y="9250533"/>
+            <a:ext cx="2450237" cy="369332"/>
+          </a:xfrm>
+          <a:prstGeom prst="rect">
+            <a:avLst/>
+          </a:prstGeom>
+          <a:noFill/>
+        </p:spPr>
+        <p:txBody>
+          <a:bodyPr wrap="square" rtlCol="0">
+            <a:spAutoFit/>
+          </a:bodyPr>
+          <a:lstStyle/>
+          <a:p>
+            <a:r>
+              <a:rPr lang="de-DE" smtClean="0">
+                <a:solidFill>
+                  <a:srgbClr val="FF0000"/>
+                </a:solidFill>
+              </a:rPr>
+              <a:t>Demonstration</a:t>
+            </a:r>
+            <a:endParaRPr lang="de-DE">
+              <a:solidFill>
+                <a:srgbClr val="FF0000"/>
+              </a:solidFill>
+            </a:endParaRPr>
+          </a:p>
+        </p:txBody>
+      </p:sp>
+    </p:spTree>
+    <p:extLst>
+      <p:ext uri="{BB962C8B-B14F-4D97-AF65-F5344CB8AC3E}">
+        <p14:creationId xmlns:p14="http://schemas.microsoft.com/office/powerpoint/2010/main" val="1769019156"/>
+      </p:ext>
+    </p:extLst>
+  </p:cSld>
+  <p:clrMapOvr>
+    <a:masterClrMapping/>
+  </p:clrMapOvr>
+  <p:timing>
+    <p:tnLst>
+      <p:par>
+        <p:cTn id="1" dur="indefinite" restart="never" nodeType="tmRoot">
+          <p:childTnLst>
+            <p:seq concurrent="1" nextAc="seek">
+              <p:cTn id="2" dur="indefinite" nodeType="mainSeq">
+                <p:childTnLst>
+                  <p:par>
+                    <p:cTn id="3" fill="hold">
+                      <p:stCondLst>
+                        <p:cond delay="indefinite"/>
+                      </p:stCondLst>
+                      <p:childTnLst>
+                        <p:par>
+                          <p:cTn id="4" fill="hold">
+                            <p:stCondLst>
+                              <p:cond delay="0"/>
+                            </p:stCondLst>
+                            <p:childTnLst>
+                              <p:par>
+                                <p:cTn id="5" presetID="1" presetClass="entr" presetSubtype="0" fill="hold" grpId="0" nodeType="clickEffect">
+                                  <p:stCondLst>
+                                    <p:cond delay="0"/>
+                                  </p:stCondLst>
+                                  <p:childTnLst>
+                                    <p:set>
+                                      <p:cBhvr>
+                                        <p:cTn id="6" dur="1" fill="hold">
+                                          <p:stCondLst>
+                                            <p:cond delay="0"/>
+                                          </p:stCondLst>
+                                        </p:cTn>
+                                        <p:tgtEl>
+                                          <p:spTgt spid="5"/>
+                                        </p:tgtEl>
+                                        <p:attrNameLst>
+                                          <p:attrName>style.visibility</p:attrName>
+                                        </p:attrNameLst>
+                                      </p:cBhvr>
+                                      <p:to>
+                                        <p:strVal val="visible"/>
+                                      </p:to>
+                                    </p:set>
+                                  </p:childTnLst>
+                                </p:cTn>
+                              </p:par>
+                            </p:childTnLst>
+                          </p:cTn>
+                        </p:par>
+                      </p:childTnLst>
+                    </p:cTn>
+                  </p:par>
+                </p:childTnLst>
+              </p:cTn>
+              <p:prevCondLst>
+                <p:cond evt="onPrev" delay="0">
+                  <p:tgtEl>
+                    <p:sldTgt/>
+                  </p:tgtEl>
+                </p:cond>
+              </p:prevCondLst>
+              <p:nextCondLst>
+                <p:cond evt="onNext" delay="0">
+                  <p:tgtEl>
+                    <p:sldTgt/>
+                  </p:tgtEl>
+                </p:cond>
+              </p:nextCondLst>
+            </p:seq>
+          </p:childTnLst>
+        </p:cTn>
+      </p:par>
+    </p:tnLst>
+    <p:bldLst>
+      <p:bldP spid="5" grpId="0"/>
+    </p:bldLst>
+  </p:timing>
+</p:sld>
+</file>
+
+<file path=ppt/slides/slide16.xml><?xml version="1.0" encoding="utf-8"?>
+<p:sld xmlns:a="http://schemas.openxmlformats.org/drawingml/2006/main" xmlns:r="http://schemas.openxmlformats.org/officeDocument/2006/relationships" xmlns:p="http://schemas.openxmlformats.org/presentationml/2006/main">
+  <p:cSld>
+    <p:spTree>
+      <p:nvGrpSpPr>
+        <p:cNvPr id="1" name=""/>
+        <p:cNvGrpSpPr/>
+        <p:nvPr/>
+      </p:nvGrpSpPr>
+      <p:grpSpPr>
+        <a:xfrm>
+          <a:off x="0" y="0"/>
+          <a:ext cx="0" cy="0"/>
+          <a:chOff x="0" y="0"/>
+          <a:chExt cx="0" cy="0"/>
+        </a:xfrm>
+      </p:grpSpPr>
+      <p:sp>
+        <p:nvSpPr>
+          <p:cNvPr id="2" name="Titel 1"/>
+          <p:cNvSpPr>
+            <a:spLocks noGrp="1"/>
+          </p:cNvSpPr>
+          <p:nvPr>
+            <p:ph type="title"/>
+          </p:nvPr>
+        </p:nvSpPr>
+        <p:spPr/>
+        <p:txBody>
+          <a:bodyPr/>
+          <a:lstStyle/>
+          <a:p>
+            <a:r>
+              <a:rPr lang="en-GB" smtClean="0"/>
+              <a:t>Some Implementation </a:t>
+            </a:r>
+            <a:r>
+              <a:rPr lang="en-GB" smtClean="0"/>
+              <a:t>Features</a:t>
             </a:r>
             <a:endParaRPr lang="en-GB" dirty="0"/>
           </a:p>
@@ -6216,6 +7601,205 @@
           <a:p>
             <a:r>
               <a:rPr lang="en-GB" smtClean="0"/>
+              <a:t>Function expansion by </a:t>
+            </a:r>
+            <a:r>
+              <a:rPr lang="el-GR" smtClean="0">
+                <a:latin typeface="Calibri" panose="020F0502020204030204" pitchFamily="34" charset="0"/>
+                <a:cs typeface="Calibri" panose="020F0502020204030204" pitchFamily="34" charset="0"/>
+              </a:rPr>
+              <a:t>β</a:t>
+            </a:r>
+            <a:r>
+              <a:rPr lang="de-DE" smtClean="0">
+                <a:latin typeface="Calibri" panose="020F0502020204030204" pitchFamily="34" charset="0"/>
+                <a:cs typeface="Calibri" panose="020F0502020204030204" pitchFamily="34" charset="0"/>
+              </a:rPr>
+              <a:t>-reduction</a:t>
+            </a:r>
+            <a:endParaRPr lang="en-GB" smtClean="0"/>
+          </a:p>
+          <a:p>
+            <a:r>
+              <a:rPr lang="en-GB" smtClean="0"/>
+              <a:t>Lazyness enabling Producer-Consumer-Model necessary for pipelining extremely large trees</a:t>
+            </a:r>
+          </a:p>
+          <a:p>
+            <a:r>
+              <a:rPr lang="en-GB" smtClean="0"/>
+              <a:t>Type inference because Z3 has none </a:t>
+            </a:r>
+            <a:r>
+              <a:rPr lang="en-GB" smtClean="0">
+                <a:sym typeface="Wingdings" panose="05000000000000000000" pitchFamily="2" charset="2"/>
+              </a:rPr>
+              <a:t></a:t>
+            </a:r>
+            <a:endParaRPr lang="en-GB" smtClean="0"/>
+          </a:p>
+          <a:p>
+            <a:r>
+              <a:rPr lang="en-GB" smtClean="0"/>
+              <a:t>Using Quasi-Quoter as template for C test harness</a:t>
+            </a:r>
+          </a:p>
+          <a:p>
+            <a:r>
+              <a:rPr lang="en-GB" smtClean="0"/>
+              <a:t>Splitting up products (i.e. structs) into separate variables, indexed by the instance (i.e. pointer or struct instance name)</a:t>
+            </a:r>
+          </a:p>
+          <a:p>
+            <a:r>
+              <a:rPr lang="en-GB" smtClean="0"/>
+              <a:t>Rewriting switch to equivalent if-then-elses </a:t>
+            </a:r>
+            <a:r>
+              <a:rPr lang="en-GB" smtClean="0"/>
+              <a:t>(nasty </a:t>
+            </a:r>
+            <a:r>
+              <a:rPr lang="en-GB" smtClean="0"/>
+              <a:t>breaks!)</a:t>
+            </a:r>
+          </a:p>
+          <a:p>
+            <a:r>
+              <a:rPr lang="en-GB" smtClean="0"/>
+              <a:t>Unrolling loops (with loop length prediction for “easy”/MISRA cases</a:t>
+            </a:r>
+          </a:p>
+          <a:p>
+            <a:r>
+              <a:rPr lang="en-GB" smtClean="0"/>
+              <a:t>Simplification (e.g. Pointer-AddressOf-Cancellation) needed as intermediate steps</a:t>
+            </a:r>
+          </a:p>
+          <a:p>
+            <a:r>
+              <a:rPr lang="en-GB" smtClean="0"/>
+              <a:t>Using case distinction completeness for maximum defensive coding</a:t>
+            </a:r>
+          </a:p>
+          <a:p>
+            <a:r>
+              <a:rPr lang="en-GB" smtClean="0"/>
+              <a:t>Unicode-Syntax for mathematical comprehension</a:t>
+            </a:r>
+          </a:p>
+          <a:p>
+            <a:pPr marL="0" indent="0">
+              <a:buNone/>
+            </a:pPr>
+            <a:endParaRPr lang="en-GB" smtClean="0"/>
+          </a:p>
+          <a:p>
+            <a:pPr marL="0" indent="0">
+              <a:buNone/>
+            </a:pPr>
+            <a:r>
+              <a:rPr lang="en-GB" smtClean="0"/>
+              <a:t> </a:t>
+            </a:r>
+          </a:p>
+          <a:p>
+            <a:pPr marL="0" indent="0">
+              <a:buNone/>
+            </a:pPr>
+            <a:endParaRPr lang="en-GB" smtClean="0"/>
+          </a:p>
+          <a:p>
+            <a:pPr marL="0" indent="0">
+              <a:buNone/>
+            </a:pPr>
+            <a:endParaRPr lang="en-GB" sz="2400" b="0">
+              <a:latin typeface="Eurostile" panose="020B0504020202050204" pitchFamily="34" charset="0"/>
+            </a:endParaRPr>
+          </a:p>
+        </p:txBody>
+      </p:sp>
+    </p:spTree>
+    <p:extLst>
+      <p:ext uri="{BB962C8B-B14F-4D97-AF65-F5344CB8AC3E}">
+        <p14:creationId xmlns:p14="http://schemas.microsoft.com/office/powerpoint/2010/main" val="1695858246"/>
+      </p:ext>
+    </p:extLst>
+  </p:cSld>
+  <p:clrMapOvr>
+    <a:masterClrMapping/>
+  </p:clrMapOvr>
+  <p:timing>
+    <p:tnLst>
+      <p:par>
+        <p:cTn id="1" dur="indefinite" restart="never" nodeType="tmRoot"/>
+      </p:par>
+    </p:tnLst>
+  </p:timing>
+</p:sld>
+</file>
+
+<file path=ppt/slides/slide17.xml><?xml version="1.0" encoding="utf-8"?>
+<p:sld xmlns:a="http://schemas.openxmlformats.org/drawingml/2006/main" xmlns:r="http://schemas.openxmlformats.org/officeDocument/2006/relationships" xmlns:p="http://schemas.openxmlformats.org/presentationml/2006/main">
+  <p:cSld>
+    <p:spTree>
+      <p:nvGrpSpPr>
+        <p:cNvPr id="1" name=""/>
+        <p:cNvGrpSpPr/>
+        <p:nvPr/>
+      </p:nvGrpSpPr>
+      <p:grpSpPr>
+        <a:xfrm>
+          <a:off x="0" y="0"/>
+          <a:ext cx="0" cy="0"/>
+          <a:chOff x="0" y="0"/>
+          <a:chExt cx="0" cy="0"/>
+        </a:xfrm>
+      </p:grpSpPr>
+      <p:sp>
+        <p:nvSpPr>
+          <p:cNvPr id="2" name="Titel 1"/>
+          <p:cNvSpPr>
+            <a:spLocks noGrp="1"/>
+          </p:cNvSpPr>
+          <p:nvPr>
+            <p:ph type="title"/>
+          </p:nvPr>
+        </p:nvSpPr>
+        <p:spPr/>
+        <p:txBody>
+          <a:bodyPr/>
+          <a:lstStyle/>
+          <a:p>
+            <a:r>
+              <a:rPr lang="en-GB" smtClean="0"/>
+              <a:t>Things left to do</a:t>
+            </a:r>
+            <a:endParaRPr lang="en-GB" dirty="0"/>
+          </a:p>
+        </p:txBody>
+      </p:sp>
+      <p:sp>
+        <p:nvSpPr>
+          <p:cNvPr id="3" name="Inhaltsplatzhalter 2"/>
+          <p:cNvSpPr>
+            <a:spLocks noGrp="1"/>
+          </p:cNvSpPr>
+          <p:nvPr>
+            <p:ph idx="1"/>
+          </p:nvPr>
+        </p:nvSpPr>
+        <p:spPr>
+          <a:ln>
+            <a:noFill/>
+          </a:ln>
+        </p:spPr>
+        <p:txBody>
+          <a:bodyPr/>
+          <a:lstStyle/>
+          <a:p>
+            <a:r>
+              <a:rPr lang="en-GB" smtClean="0"/>
               <a:t>It is still a prototype!</a:t>
             </a:r>
           </a:p>
@@ -6358,15 +7942,7 @@
           <a:p>
             <a:r>
               <a:rPr lang="en-GB" smtClean="0"/>
-              <a:t>Automatically generate </a:t>
-            </a:r>
-            <a:r>
-              <a:rPr lang="en-GB" smtClean="0"/>
-              <a:t>C test </a:t>
-            </a:r>
-            <a:r>
-              <a:rPr lang="en-GB" smtClean="0"/>
-              <a:t>harness</a:t>
+              <a:t>Automatically generate C test harness</a:t>
             </a:r>
           </a:p>
           <a:p>
@@ -6384,11 +7960,18 @@
           <a:p>
             <a:r>
               <a:rPr lang="en-GB" smtClean="0"/>
-              <a:t>More stats and control for </a:t>
+              <a:t>More stats and control for solution </a:t>
             </a:r>
             <a:r>
               <a:rPr lang="en-GB" smtClean="0"/>
-              <a:t>solution search</a:t>
+              <a:t>search</a:t>
+            </a:r>
+            <a:br>
+              <a:rPr lang="en-GB" smtClean="0"/>
+            </a:br>
+            <a:r>
+              <a:rPr lang="en-GB" smtClean="0"/>
+              <a:t>=&gt; Automatically derive Search strategies</a:t>
             </a:r>
             <a:endParaRPr lang="en-GB" smtClean="0"/>
           </a:p>
@@ -6398,15 +7981,7 @@
           <a:p>
             <a:r>
               <a:rPr lang="en-GB" smtClean="0"/>
-              <a:t>Implement all </a:t>
-            </a:r>
-            <a:r>
-              <a:rPr lang="en-GB" smtClean="0"/>
-              <a:t>my ideas </a:t>
-            </a:r>
-            <a:r>
-              <a:rPr lang="en-GB" smtClean="0"/>
-              <a:t>for heuristics</a:t>
+              <a:t>Implement all my ideas for heuristics</a:t>
             </a:r>
           </a:p>
           <a:p>
@@ -6475,7 +8050,7 @@
 </p:sld>
 </file>
 
-<file path=ppt/slides/slide16.xml><?xml version="1.0" encoding="utf-8"?>
+<file path=ppt/slides/slide18.xml><?xml version="1.0" encoding="utf-8"?>
 <p:sld xmlns:a="http://schemas.openxmlformats.org/drawingml/2006/main" xmlns:r="http://schemas.openxmlformats.org/officeDocument/2006/relationships" xmlns:p="http://schemas.openxmlformats.org/presentationml/2006/main">
   <p:cSld>
     <p:spTree>
@@ -8221,7 +9796,15 @@
           <a:p>
             <a:r>
               <a:rPr lang="en-GB" smtClean="0"/>
-              <a:t>Oscar: Tools?</a:t>
+              <a:t>Oscar: </a:t>
+            </a:r>
+            <a:r>
+              <a:rPr lang="en-GB" smtClean="0"/>
+              <a:t>Existing Tools</a:t>
+            </a:r>
+            <a:r>
+              <a:rPr lang="en-GB" smtClean="0"/>
+              <a:t>?</a:t>
             </a:r>
             <a:endParaRPr lang="en-GB" dirty="0"/>
           </a:p>
